--- a/Лекции/ИТиП лек 2 (лр 2, практическая 1).pptx
+++ b/Лекции/ИТиП лек 2 (лр 2, практическая 1).pptx
@@ -5,7 +5,7 @@
     <p:sldMasterId id="2147483674" r:id="rId1"/>
   </p:sldMasterIdLst>
   <p:notesMasterIdLst>
-    <p:notesMasterId r:id="rId77"/>
+    <p:notesMasterId r:id="rId45"/>
   </p:notesMasterIdLst>
   <p:sldIdLst>
     <p:sldId id="273" r:id="rId2"/>
@@ -51,38 +51,6 @@
     <p:sldId id="1066" r:id="rId42"/>
     <p:sldId id="1064" r:id="rId43"/>
     <p:sldId id="1054" r:id="rId44"/>
-    <p:sldId id="1019" r:id="rId45"/>
-    <p:sldId id="1020" r:id="rId46"/>
-    <p:sldId id="1021" r:id="rId47"/>
-    <p:sldId id="1022" r:id="rId48"/>
-    <p:sldId id="1023" r:id="rId49"/>
-    <p:sldId id="1024" r:id="rId50"/>
-    <p:sldId id="1025" r:id="rId51"/>
-    <p:sldId id="1026" r:id="rId52"/>
-    <p:sldId id="1027" r:id="rId53"/>
-    <p:sldId id="1028" r:id="rId54"/>
-    <p:sldId id="1029" r:id="rId55"/>
-    <p:sldId id="1030" r:id="rId56"/>
-    <p:sldId id="1031" r:id="rId57"/>
-    <p:sldId id="1032" r:id="rId58"/>
-    <p:sldId id="1033" r:id="rId59"/>
-    <p:sldId id="1034" r:id="rId60"/>
-    <p:sldId id="1035" r:id="rId61"/>
-    <p:sldId id="1036" r:id="rId62"/>
-    <p:sldId id="1037" r:id="rId63"/>
-    <p:sldId id="1038" r:id="rId64"/>
-    <p:sldId id="1039" r:id="rId65"/>
-    <p:sldId id="1040" r:id="rId66"/>
-    <p:sldId id="1041" r:id="rId67"/>
-    <p:sldId id="1042" r:id="rId68"/>
-    <p:sldId id="1043" r:id="rId69"/>
-    <p:sldId id="1044" r:id="rId70"/>
-    <p:sldId id="1045" r:id="rId71"/>
-    <p:sldId id="1046" r:id="rId72"/>
-    <p:sldId id="1047" r:id="rId73"/>
-    <p:sldId id="1048" r:id="rId74"/>
-    <p:sldId id="1049" r:id="rId75"/>
-    <p:sldId id="1050" r:id="rId76"/>
   </p:sldIdLst>
   <p:sldSz cx="12192000" cy="6858000"/>
   <p:notesSz cx="6858000" cy="9144000"/>
@@ -283,7 +251,7 @@
             <a:fld id="{AA2F9473-F066-431E-A6E8-1D478C995A6B}" type="datetimeFigureOut">
               <a:rPr lang="en-US" smtClean="0"/>
               <a:pPr/>
-              <a:t>9/20/2024</a:t>
+              <a:t>10/16/2024</a:t>
             </a:fld>
             <a:endParaRPr lang="en-US"/>
           </a:p>
@@ -3987,546 +3955,6 @@
 </p:notes>
 </file>
 
-<file path=ppt/notesSlides/notesSlide44.xml><?xml version="1.0" encoding="utf-8"?>
-<p:notes xmlns:a="http://schemas.openxmlformats.org/drawingml/2006/main" xmlns:r="http://schemas.openxmlformats.org/officeDocument/2006/relationships" xmlns:p="http://schemas.openxmlformats.org/presentationml/2006/main">
-  <p:cSld>
-    <p:spTree>
-      <p:nvGrpSpPr>
-        <p:cNvPr id="1" name=""/>
-        <p:cNvGrpSpPr/>
-        <p:nvPr/>
-      </p:nvGrpSpPr>
-      <p:grpSpPr>
-        <a:xfrm>
-          <a:off x="0" y="0"/>
-          <a:ext cx="0" cy="0"/>
-          <a:chOff x="0" y="0"/>
-          <a:chExt cx="0" cy="0"/>
-        </a:xfrm>
-      </p:grpSpPr>
-      <p:sp>
-        <p:nvSpPr>
-          <p:cNvPr id="2" name="Образ слайда 1"/>
-          <p:cNvSpPr>
-            <a:spLocks noGrp="1" noRot="1" noChangeAspect="1"/>
-          </p:cNvSpPr>
-          <p:nvPr>
-            <p:ph type="sldImg"/>
-          </p:nvPr>
-        </p:nvSpPr>
-        <p:spPr>
-          <a:xfrm>
-            <a:off x="685800" y="1143000"/>
-            <a:ext cx="5486400" cy="3086100"/>
-          </a:xfrm>
-        </p:spPr>
-      </p:sp>
-      <p:sp>
-        <p:nvSpPr>
-          <p:cNvPr id="3" name="Заметки 2"/>
-          <p:cNvSpPr>
-            <a:spLocks noGrp="1"/>
-          </p:cNvSpPr>
-          <p:nvPr>
-            <p:ph type="body" idx="1"/>
-          </p:nvPr>
-        </p:nvSpPr>
-        <p:spPr/>
-        <p:txBody>
-          <a:bodyPr/>
-          <a:lstStyle/>
-          <a:p>
-            <a:endParaRPr lang="ru-RU"/>
-          </a:p>
-        </p:txBody>
-      </p:sp>
-      <p:sp>
-        <p:nvSpPr>
-          <p:cNvPr id="4" name="Номер слайда 3"/>
-          <p:cNvSpPr>
-            <a:spLocks noGrp="1"/>
-          </p:cNvSpPr>
-          <p:nvPr>
-            <p:ph type="sldNum" sz="quarter" idx="10"/>
-          </p:nvPr>
-        </p:nvSpPr>
-        <p:spPr/>
-        <p:txBody>
-          <a:bodyPr/>
-          <a:lstStyle/>
-          <a:p>
-            <a:fld id="{F0F4E2F1-1521-4C3A-A563-2F7D19AB6E0B}" type="slidenum">
-              <a:rPr lang="en-US" smtClean="0"/>
-              <a:pPr/>
-              <a:t>44</a:t>
-            </a:fld>
-            <a:endParaRPr lang="en-US"/>
-          </a:p>
-        </p:txBody>
-      </p:sp>
-    </p:spTree>
-    <p:extLst>
-      <p:ext uri="{BB962C8B-B14F-4D97-AF65-F5344CB8AC3E}">
-        <p14:creationId xmlns:p14="http://schemas.microsoft.com/office/powerpoint/2010/main" val="2792709150"/>
-      </p:ext>
-    </p:extLst>
-  </p:cSld>
-  <p:clrMapOvr>
-    <a:masterClrMapping/>
-  </p:clrMapOvr>
-</p:notes>
-</file>
-
-<file path=ppt/notesSlides/notesSlide45.xml><?xml version="1.0" encoding="utf-8"?>
-<p:notes xmlns:a="http://schemas.openxmlformats.org/drawingml/2006/main" xmlns:r="http://schemas.openxmlformats.org/officeDocument/2006/relationships" xmlns:p="http://schemas.openxmlformats.org/presentationml/2006/main">
-  <p:cSld>
-    <p:spTree>
-      <p:nvGrpSpPr>
-        <p:cNvPr id="1" name=""/>
-        <p:cNvGrpSpPr/>
-        <p:nvPr/>
-      </p:nvGrpSpPr>
-      <p:grpSpPr>
-        <a:xfrm>
-          <a:off x="0" y="0"/>
-          <a:ext cx="0" cy="0"/>
-          <a:chOff x="0" y="0"/>
-          <a:chExt cx="0" cy="0"/>
-        </a:xfrm>
-      </p:grpSpPr>
-      <p:sp>
-        <p:nvSpPr>
-          <p:cNvPr id="2" name="Образ слайда 1"/>
-          <p:cNvSpPr>
-            <a:spLocks noGrp="1" noRot="1" noChangeAspect="1"/>
-          </p:cNvSpPr>
-          <p:nvPr>
-            <p:ph type="sldImg"/>
-          </p:nvPr>
-        </p:nvSpPr>
-        <p:spPr>
-          <a:xfrm>
-            <a:off x="685800" y="1143000"/>
-            <a:ext cx="5486400" cy="3086100"/>
-          </a:xfrm>
-        </p:spPr>
-      </p:sp>
-      <p:sp>
-        <p:nvSpPr>
-          <p:cNvPr id="3" name="Заметки 2"/>
-          <p:cNvSpPr>
-            <a:spLocks noGrp="1"/>
-          </p:cNvSpPr>
-          <p:nvPr>
-            <p:ph type="body" idx="1"/>
-          </p:nvPr>
-        </p:nvSpPr>
-        <p:spPr/>
-        <p:txBody>
-          <a:bodyPr/>
-          <a:lstStyle/>
-          <a:p>
-            <a:endParaRPr lang="ru-RU"/>
-          </a:p>
-        </p:txBody>
-      </p:sp>
-      <p:sp>
-        <p:nvSpPr>
-          <p:cNvPr id="4" name="Номер слайда 3"/>
-          <p:cNvSpPr>
-            <a:spLocks noGrp="1"/>
-          </p:cNvSpPr>
-          <p:nvPr>
-            <p:ph type="sldNum" sz="quarter" idx="10"/>
-          </p:nvPr>
-        </p:nvSpPr>
-        <p:spPr/>
-        <p:txBody>
-          <a:bodyPr/>
-          <a:lstStyle/>
-          <a:p>
-            <a:fld id="{F0F4E2F1-1521-4C3A-A563-2F7D19AB6E0B}" type="slidenum">
-              <a:rPr lang="en-US" smtClean="0"/>
-              <a:pPr/>
-              <a:t>45</a:t>
-            </a:fld>
-            <a:endParaRPr lang="en-US"/>
-          </a:p>
-        </p:txBody>
-      </p:sp>
-    </p:spTree>
-    <p:extLst>
-      <p:ext uri="{BB962C8B-B14F-4D97-AF65-F5344CB8AC3E}">
-        <p14:creationId xmlns:p14="http://schemas.microsoft.com/office/powerpoint/2010/main" val="1059843200"/>
-      </p:ext>
-    </p:extLst>
-  </p:cSld>
-  <p:clrMapOvr>
-    <a:masterClrMapping/>
-  </p:clrMapOvr>
-</p:notes>
-</file>
-
-<file path=ppt/notesSlides/notesSlide46.xml><?xml version="1.0" encoding="utf-8"?>
-<p:notes xmlns:a="http://schemas.openxmlformats.org/drawingml/2006/main" xmlns:r="http://schemas.openxmlformats.org/officeDocument/2006/relationships" xmlns:p="http://schemas.openxmlformats.org/presentationml/2006/main">
-  <p:cSld>
-    <p:spTree>
-      <p:nvGrpSpPr>
-        <p:cNvPr id="1" name=""/>
-        <p:cNvGrpSpPr/>
-        <p:nvPr/>
-      </p:nvGrpSpPr>
-      <p:grpSpPr>
-        <a:xfrm>
-          <a:off x="0" y="0"/>
-          <a:ext cx="0" cy="0"/>
-          <a:chOff x="0" y="0"/>
-          <a:chExt cx="0" cy="0"/>
-        </a:xfrm>
-      </p:grpSpPr>
-      <p:sp>
-        <p:nvSpPr>
-          <p:cNvPr id="2" name="Образ слайда 1"/>
-          <p:cNvSpPr>
-            <a:spLocks noGrp="1" noRot="1" noChangeAspect="1"/>
-          </p:cNvSpPr>
-          <p:nvPr>
-            <p:ph type="sldImg"/>
-          </p:nvPr>
-        </p:nvSpPr>
-        <p:spPr>
-          <a:xfrm>
-            <a:off x="685800" y="1143000"/>
-            <a:ext cx="5486400" cy="3086100"/>
-          </a:xfrm>
-        </p:spPr>
-      </p:sp>
-      <p:sp>
-        <p:nvSpPr>
-          <p:cNvPr id="3" name="Заметки 2"/>
-          <p:cNvSpPr>
-            <a:spLocks noGrp="1"/>
-          </p:cNvSpPr>
-          <p:nvPr>
-            <p:ph type="body" idx="1"/>
-          </p:nvPr>
-        </p:nvSpPr>
-        <p:spPr/>
-        <p:txBody>
-          <a:bodyPr/>
-          <a:lstStyle/>
-          <a:p>
-            <a:endParaRPr lang="ru-RU"/>
-          </a:p>
-        </p:txBody>
-      </p:sp>
-      <p:sp>
-        <p:nvSpPr>
-          <p:cNvPr id="4" name="Номер слайда 3"/>
-          <p:cNvSpPr>
-            <a:spLocks noGrp="1"/>
-          </p:cNvSpPr>
-          <p:nvPr>
-            <p:ph type="sldNum" sz="quarter" idx="10"/>
-          </p:nvPr>
-        </p:nvSpPr>
-        <p:spPr/>
-        <p:txBody>
-          <a:bodyPr/>
-          <a:lstStyle/>
-          <a:p>
-            <a:fld id="{F0F4E2F1-1521-4C3A-A563-2F7D19AB6E0B}" type="slidenum">
-              <a:rPr lang="en-US" smtClean="0"/>
-              <a:pPr/>
-              <a:t>46</a:t>
-            </a:fld>
-            <a:endParaRPr lang="en-US"/>
-          </a:p>
-        </p:txBody>
-      </p:sp>
-    </p:spTree>
-    <p:extLst>
-      <p:ext uri="{BB962C8B-B14F-4D97-AF65-F5344CB8AC3E}">
-        <p14:creationId xmlns:p14="http://schemas.microsoft.com/office/powerpoint/2010/main" val="2971764397"/>
-      </p:ext>
-    </p:extLst>
-  </p:cSld>
-  <p:clrMapOvr>
-    <a:masterClrMapping/>
-  </p:clrMapOvr>
-</p:notes>
-</file>
-
-<file path=ppt/notesSlides/notesSlide47.xml><?xml version="1.0" encoding="utf-8"?>
-<p:notes xmlns:a="http://schemas.openxmlformats.org/drawingml/2006/main" xmlns:r="http://schemas.openxmlformats.org/officeDocument/2006/relationships" xmlns:p="http://schemas.openxmlformats.org/presentationml/2006/main">
-  <p:cSld>
-    <p:spTree>
-      <p:nvGrpSpPr>
-        <p:cNvPr id="1" name=""/>
-        <p:cNvGrpSpPr/>
-        <p:nvPr/>
-      </p:nvGrpSpPr>
-      <p:grpSpPr>
-        <a:xfrm>
-          <a:off x="0" y="0"/>
-          <a:ext cx="0" cy="0"/>
-          <a:chOff x="0" y="0"/>
-          <a:chExt cx="0" cy="0"/>
-        </a:xfrm>
-      </p:grpSpPr>
-      <p:sp>
-        <p:nvSpPr>
-          <p:cNvPr id="2" name="Образ слайда 1"/>
-          <p:cNvSpPr>
-            <a:spLocks noGrp="1" noRot="1" noChangeAspect="1"/>
-          </p:cNvSpPr>
-          <p:nvPr>
-            <p:ph type="sldImg"/>
-          </p:nvPr>
-        </p:nvSpPr>
-        <p:spPr>
-          <a:xfrm>
-            <a:off x="685800" y="1143000"/>
-            <a:ext cx="5486400" cy="3086100"/>
-          </a:xfrm>
-        </p:spPr>
-      </p:sp>
-      <p:sp>
-        <p:nvSpPr>
-          <p:cNvPr id="3" name="Заметки 2"/>
-          <p:cNvSpPr>
-            <a:spLocks noGrp="1"/>
-          </p:cNvSpPr>
-          <p:nvPr>
-            <p:ph type="body" idx="1"/>
-          </p:nvPr>
-        </p:nvSpPr>
-        <p:spPr/>
-        <p:txBody>
-          <a:bodyPr/>
-          <a:lstStyle/>
-          <a:p>
-            <a:endParaRPr lang="ru-RU"/>
-          </a:p>
-        </p:txBody>
-      </p:sp>
-      <p:sp>
-        <p:nvSpPr>
-          <p:cNvPr id="4" name="Номер слайда 3"/>
-          <p:cNvSpPr>
-            <a:spLocks noGrp="1"/>
-          </p:cNvSpPr>
-          <p:nvPr>
-            <p:ph type="sldNum" sz="quarter" idx="10"/>
-          </p:nvPr>
-        </p:nvSpPr>
-        <p:spPr/>
-        <p:txBody>
-          <a:bodyPr/>
-          <a:lstStyle/>
-          <a:p>
-            <a:fld id="{F0F4E2F1-1521-4C3A-A563-2F7D19AB6E0B}" type="slidenum">
-              <a:rPr lang="en-US" smtClean="0"/>
-              <a:pPr/>
-              <a:t>47</a:t>
-            </a:fld>
-            <a:endParaRPr lang="en-US"/>
-          </a:p>
-        </p:txBody>
-      </p:sp>
-    </p:spTree>
-    <p:extLst>
-      <p:ext uri="{BB962C8B-B14F-4D97-AF65-F5344CB8AC3E}">
-        <p14:creationId xmlns:p14="http://schemas.microsoft.com/office/powerpoint/2010/main" val="981984316"/>
-      </p:ext>
-    </p:extLst>
-  </p:cSld>
-  <p:clrMapOvr>
-    <a:masterClrMapping/>
-  </p:clrMapOvr>
-</p:notes>
-</file>
-
-<file path=ppt/notesSlides/notesSlide48.xml><?xml version="1.0" encoding="utf-8"?>
-<p:notes xmlns:a="http://schemas.openxmlformats.org/drawingml/2006/main" xmlns:r="http://schemas.openxmlformats.org/officeDocument/2006/relationships" xmlns:p="http://schemas.openxmlformats.org/presentationml/2006/main">
-  <p:cSld>
-    <p:spTree>
-      <p:nvGrpSpPr>
-        <p:cNvPr id="1" name=""/>
-        <p:cNvGrpSpPr/>
-        <p:nvPr/>
-      </p:nvGrpSpPr>
-      <p:grpSpPr>
-        <a:xfrm>
-          <a:off x="0" y="0"/>
-          <a:ext cx="0" cy="0"/>
-          <a:chOff x="0" y="0"/>
-          <a:chExt cx="0" cy="0"/>
-        </a:xfrm>
-      </p:grpSpPr>
-      <p:sp>
-        <p:nvSpPr>
-          <p:cNvPr id="2" name="Образ слайда 1"/>
-          <p:cNvSpPr>
-            <a:spLocks noGrp="1" noRot="1" noChangeAspect="1"/>
-          </p:cNvSpPr>
-          <p:nvPr>
-            <p:ph type="sldImg"/>
-          </p:nvPr>
-        </p:nvSpPr>
-        <p:spPr>
-          <a:xfrm>
-            <a:off x="685800" y="1143000"/>
-            <a:ext cx="5486400" cy="3086100"/>
-          </a:xfrm>
-        </p:spPr>
-      </p:sp>
-      <p:sp>
-        <p:nvSpPr>
-          <p:cNvPr id="3" name="Заметки 2"/>
-          <p:cNvSpPr>
-            <a:spLocks noGrp="1"/>
-          </p:cNvSpPr>
-          <p:nvPr>
-            <p:ph type="body" idx="1"/>
-          </p:nvPr>
-        </p:nvSpPr>
-        <p:spPr/>
-        <p:txBody>
-          <a:bodyPr/>
-          <a:lstStyle/>
-          <a:p>
-            <a:endParaRPr lang="ru-RU"/>
-          </a:p>
-        </p:txBody>
-      </p:sp>
-      <p:sp>
-        <p:nvSpPr>
-          <p:cNvPr id="4" name="Номер слайда 3"/>
-          <p:cNvSpPr>
-            <a:spLocks noGrp="1"/>
-          </p:cNvSpPr>
-          <p:nvPr>
-            <p:ph type="sldNum" sz="quarter" idx="10"/>
-          </p:nvPr>
-        </p:nvSpPr>
-        <p:spPr/>
-        <p:txBody>
-          <a:bodyPr/>
-          <a:lstStyle/>
-          <a:p>
-            <a:fld id="{F0F4E2F1-1521-4C3A-A563-2F7D19AB6E0B}" type="slidenum">
-              <a:rPr lang="en-US" smtClean="0"/>
-              <a:pPr/>
-              <a:t>48</a:t>
-            </a:fld>
-            <a:endParaRPr lang="en-US"/>
-          </a:p>
-        </p:txBody>
-      </p:sp>
-    </p:spTree>
-    <p:extLst>
-      <p:ext uri="{BB962C8B-B14F-4D97-AF65-F5344CB8AC3E}">
-        <p14:creationId xmlns:p14="http://schemas.microsoft.com/office/powerpoint/2010/main" val="2287240929"/>
-      </p:ext>
-    </p:extLst>
-  </p:cSld>
-  <p:clrMapOvr>
-    <a:masterClrMapping/>
-  </p:clrMapOvr>
-</p:notes>
-</file>
-
-<file path=ppt/notesSlides/notesSlide49.xml><?xml version="1.0" encoding="utf-8"?>
-<p:notes xmlns:a="http://schemas.openxmlformats.org/drawingml/2006/main" xmlns:r="http://schemas.openxmlformats.org/officeDocument/2006/relationships" xmlns:p="http://schemas.openxmlformats.org/presentationml/2006/main">
-  <p:cSld>
-    <p:spTree>
-      <p:nvGrpSpPr>
-        <p:cNvPr id="1" name=""/>
-        <p:cNvGrpSpPr/>
-        <p:nvPr/>
-      </p:nvGrpSpPr>
-      <p:grpSpPr>
-        <a:xfrm>
-          <a:off x="0" y="0"/>
-          <a:ext cx="0" cy="0"/>
-          <a:chOff x="0" y="0"/>
-          <a:chExt cx="0" cy="0"/>
-        </a:xfrm>
-      </p:grpSpPr>
-      <p:sp>
-        <p:nvSpPr>
-          <p:cNvPr id="2" name="Образ слайда 1"/>
-          <p:cNvSpPr>
-            <a:spLocks noGrp="1" noRot="1" noChangeAspect="1"/>
-          </p:cNvSpPr>
-          <p:nvPr>
-            <p:ph type="sldImg"/>
-          </p:nvPr>
-        </p:nvSpPr>
-        <p:spPr>
-          <a:xfrm>
-            <a:off x="685800" y="1143000"/>
-            <a:ext cx="5486400" cy="3086100"/>
-          </a:xfrm>
-        </p:spPr>
-      </p:sp>
-      <p:sp>
-        <p:nvSpPr>
-          <p:cNvPr id="3" name="Заметки 2"/>
-          <p:cNvSpPr>
-            <a:spLocks noGrp="1"/>
-          </p:cNvSpPr>
-          <p:nvPr>
-            <p:ph type="body" idx="1"/>
-          </p:nvPr>
-        </p:nvSpPr>
-        <p:spPr/>
-        <p:txBody>
-          <a:bodyPr/>
-          <a:lstStyle/>
-          <a:p>
-            <a:endParaRPr lang="ru-RU"/>
-          </a:p>
-        </p:txBody>
-      </p:sp>
-      <p:sp>
-        <p:nvSpPr>
-          <p:cNvPr id="4" name="Номер слайда 3"/>
-          <p:cNvSpPr>
-            <a:spLocks noGrp="1"/>
-          </p:cNvSpPr>
-          <p:nvPr>
-            <p:ph type="sldNum" sz="quarter" idx="10"/>
-          </p:nvPr>
-        </p:nvSpPr>
-        <p:spPr/>
-        <p:txBody>
-          <a:bodyPr/>
-          <a:lstStyle/>
-          <a:p>
-            <a:fld id="{F0F4E2F1-1521-4C3A-A563-2F7D19AB6E0B}" type="slidenum">
-              <a:rPr lang="en-US" smtClean="0"/>
-              <a:pPr/>
-              <a:t>49</a:t>
-            </a:fld>
-            <a:endParaRPr lang="en-US"/>
-          </a:p>
-        </p:txBody>
-      </p:sp>
-    </p:spTree>
-    <p:extLst>
-      <p:ext uri="{BB962C8B-B14F-4D97-AF65-F5344CB8AC3E}">
-        <p14:creationId xmlns:p14="http://schemas.microsoft.com/office/powerpoint/2010/main" val="1656152086"/>
-      </p:ext>
-    </p:extLst>
-  </p:cSld>
-  <p:clrMapOvr>
-    <a:masterClrMapping/>
-  </p:clrMapOvr>
-</p:notes>
-</file>
-
 <file path=ppt/notesSlides/notesSlide5.xml><?xml version="1.0" encoding="utf-8"?>
 <p:notes xmlns:a="http://schemas.openxmlformats.org/drawingml/2006/main" xmlns:r="http://schemas.openxmlformats.org/officeDocument/2006/relationships" xmlns:p="http://schemas.openxmlformats.org/presentationml/2006/main">
   <p:cSld>
@@ -4608,906 +4036,6 @@
     <p:extLst>
       <p:ext uri="{BB962C8B-B14F-4D97-AF65-F5344CB8AC3E}">
         <p14:creationId xmlns:p14="http://schemas.microsoft.com/office/powerpoint/2010/main" val="4192424366"/>
-      </p:ext>
-    </p:extLst>
-  </p:cSld>
-  <p:clrMapOvr>
-    <a:masterClrMapping/>
-  </p:clrMapOvr>
-</p:notes>
-</file>
-
-<file path=ppt/notesSlides/notesSlide50.xml><?xml version="1.0" encoding="utf-8"?>
-<p:notes xmlns:a="http://schemas.openxmlformats.org/drawingml/2006/main" xmlns:r="http://schemas.openxmlformats.org/officeDocument/2006/relationships" xmlns:p="http://schemas.openxmlformats.org/presentationml/2006/main">
-  <p:cSld>
-    <p:spTree>
-      <p:nvGrpSpPr>
-        <p:cNvPr id="1" name=""/>
-        <p:cNvGrpSpPr/>
-        <p:nvPr/>
-      </p:nvGrpSpPr>
-      <p:grpSpPr>
-        <a:xfrm>
-          <a:off x="0" y="0"/>
-          <a:ext cx="0" cy="0"/>
-          <a:chOff x="0" y="0"/>
-          <a:chExt cx="0" cy="0"/>
-        </a:xfrm>
-      </p:grpSpPr>
-      <p:sp>
-        <p:nvSpPr>
-          <p:cNvPr id="2" name="Образ слайда 1"/>
-          <p:cNvSpPr>
-            <a:spLocks noGrp="1" noRot="1" noChangeAspect="1"/>
-          </p:cNvSpPr>
-          <p:nvPr>
-            <p:ph type="sldImg"/>
-          </p:nvPr>
-        </p:nvSpPr>
-        <p:spPr>
-          <a:xfrm>
-            <a:off x="685800" y="1143000"/>
-            <a:ext cx="5486400" cy="3086100"/>
-          </a:xfrm>
-        </p:spPr>
-      </p:sp>
-      <p:sp>
-        <p:nvSpPr>
-          <p:cNvPr id="3" name="Заметки 2"/>
-          <p:cNvSpPr>
-            <a:spLocks noGrp="1"/>
-          </p:cNvSpPr>
-          <p:nvPr>
-            <p:ph type="body" idx="1"/>
-          </p:nvPr>
-        </p:nvSpPr>
-        <p:spPr/>
-        <p:txBody>
-          <a:bodyPr/>
-          <a:lstStyle/>
-          <a:p>
-            <a:endParaRPr lang="ru-RU"/>
-          </a:p>
-        </p:txBody>
-      </p:sp>
-      <p:sp>
-        <p:nvSpPr>
-          <p:cNvPr id="4" name="Номер слайда 3"/>
-          <p:cNvSpPr>
-            <a:spLocks noGrp="1"/>
-          </p:cNvSpPr>
-          <p:nvPr>
-            <p:ph type="sldNum" sz="quarter" idx="10"/>
-          </p:nvPr>
-        </p:nvSpPr>
-        <p:spPr/>
-        <p:txBody>
-          <a:bodyPr/>
-          <a:lstStyle/>
-          <a:p>
-            <a:fld id="{F0F4E2F1-1521-4C3A-A563-2F7D19AB6E0B}" type="slidenum">
-              <a:rPr lang="en-US" smtClean="0"/>
-              <a:pPr/>
-              <a:t>50</a:t>
-            </a:fld>
-            <a:endParaRPr lang="en-US"/>
-          </a:p>
-        </p:txBody>
-      </p:sp>
-    </p:spTree>
-    <p:extLst>
-      <p:ext uri="{BB962C8B-B14F-4D97-AF65-F5344CB8AC3E}">
-        <p14:creationId xmlns:p14="http://schemas.microsoft.com/office/powerpoint/2010/main" val="3263933777"/>
-      </p:ext>
-    </p:extLst>
-  </p:cSld>
-  <p:clrMapOvr>
-    <a:masterClrMapping/>
-  </p:clrMapOvr>
-</p:notes>
-</file>
-
-<file path=ppt/notesSlides/notesSlide51.xml><?xml version="1.0" encoding="utf-8"?>
-<p:notes xmlns:a="http://schemas.openxmlformats.org/drawingml/2006/main" xmlns:r="http://schemas.openxmlformats.org/officeDocument/2006/relationships" xmlns:p="http://schemas.openxmlformats.org/presentationml/2006/main">
-  <p:cSld>
-    <p:spTree>
-      <p:nvGrpSpPr>
-        <p:cNvPr id="1" name=""/>
-        <p:cNvGrpSpPr/>
-        <p:nvPr/>
-      </p:nvGrpSpPr>
-      <p:grpSpPr>
-        <a:xfrm>
-          <a:off x="0" y="0"/>
-          <a:ext cx="0" cy="0"/>
-          <a:chOff x="0" y="0"/>
-          <a:chExt cx="0" cy="0"/>
-        </a:xfrm>
-      </p:grpSpPr>
-      <p:sp>
-        <p:nvSpPr>
-          <p:cNvPr id="2" name="Образ слайда 1"/>
-          <p:cNvSpPr>
-            <a:spLocks noGrp="1" noRot="1" noChangeAspect="1"/>
-          </p:cNvSpPr>
-          <p:nvPr>
-            <p:ph type="sldImg"/>
-          </p:nvPr>
-        </p:nvSpPr>
-        <p:spPr>
-          <a:xfrm>
-            <a:off x="685800" y="1143000"/>
-            <a:ext cx="5486400" cy="3086100"/>
-          </a:xfrm>
-        </p:spPr>
-      </p:sp>
-      <p:sp>
-        <p:nvSpPr>
-          <p:cNvPr id="3" name="Заметки 2"/>
-          <p:cNvSpPr>
-            <a:spLocks noGrp="1"/>
-          </p:cNvSpPr>
-          <p:nvPr>
-            <p:ph type="body" idx="1"/>
-          </p:nvPr>
-        </p:nvSpPr>
-        <p:spPr/>
-        <p:txBody>
-          <a:bodyPr/>
-          <a:lstStyle/>
-          <a:p>
-            <a:endParaRPr lang="ru-RU"/>
-          </a:p>
-        </p:txBody>
-      </p:sp>
-      <p:sp>
-        <p:nvSpPr>
-          <p:cNvPr id="4" name="Номер слайда 3"/>
-          <p:cNvSpPr>
-            <a:spLocks noGrp="1"/>
-          </p:cNvSpPr>
-          <p:nvPr>
-            <p:ph type="sldNum" sz="quarter" idx="10"/>
-          </p:nvPr>
-        </p:nvSpPr>
-        <p:spPr/>
-        <p:txBody>
-          <a:bodyPr/>
-          <a:lstStyle/>
-          <a:p>
-            <a:fld id="{F0F4E2F1-1521-4C3A-A563-2F7D19AB6E0B}" type="slidenum">
-              <a:rPr lang="en-US" smtClean="0"/>
-              <a:pPr/>
-              <a:t>51</a:t>
-            </a:fld>
-            <a:endParaRPr lang="en-US"/>
-          </a:p>
-        </p:txBody>
-      </p:sp>
-    </p:spTree>
-    <p:extLst>
-      <p:ext uri="{BB962C8B-B14F-4D97-AF65-F5344CB8AC3E}">
-        <p14:creationId xmlns:p14="http://schemas.microsoft.com/office/powerpoint/2010/main" val="3169570860"/>
-      </p:ext>
-    </p:extLst>
-  </p:cSld>
-  <p:clrMapOvr>
-    <a:masterClrMapping/>
-  </p:clrMapOvr>
-</p:notes>
-</file>
-
-<file path=ppt/notesSlides/notesSlide52.xml><?xml version="1.0" encoding="utf-8"?>
-<p:notes xmlns:a="http://schemas.openxmlformats.org/drawingml/2006/main" xmlns:r="http://schemas.openxmlformats.org/officeDocument/2006/relationships" xmlns:p="http://schemas.openxmlformats.org/presentationml/2006/main">
-  <p:cSld>
-    <p:spTree>
-      <p:nvGrpSpPr>
-        <p:cNvPr id="1" name=""/>
-        <p:cNvGrpSpPr/>
-        <p:nvPr/>
-      </p:nvGrpSpPr>
-      <p:grpSpPr>
-        <a:xfrm>
-          <a:off x="0" y="0"/>
-          <a:ext cx="0" cy="0"/>
-          <a:chOff x="0" y="0"/>
-          <a:chExt cx="0" cy="0"/>
-        </a:xfrm>
-      </p:grpSpPr>
-      <p:sp>
-        <p:nvSpPr>
-          <p:cNvPr id="2" name="Образ слайда 1"/>
-          <p:cNvSpPr>
-            <a:spLocks noGrp="1" noRot="1" noChangeAspect="1"/>
-          </p:cNvSpPr>
-          <p:nvPr>
-            <p:ph type="sldImg"/>
-          </p:nvPr>
-        </p:nvSpPr>
-        <p:spPr>
-          <a:xfrm>
-            <a:off x="685800" y="1143000"/>
-            <a:ext cx="5486400" cy="3086100"/>
-          </a:xfrm>
-        </p:spPr>
-      </p:sp>
-      <p:sp>
-        <p:nvSpPr>
-          <p:cNvPr id="3" name="Заметки 2"/>
-          <p:cNvSpPr>
-            <a:spLocks noGrp="1"/>
-          </p:cNvSpPr>
-          <p:nvPr>
-            <p:ph type="body" idx="1"/>
-          </p:nvPr>
-        </p:nvSpPr>
-        <p:spPr/>
-        <p:txBody>
-          <a:bodyPr/>
-          <a:lstStyle/>
-          <a:p>
-            <a:endParaRPr lang="ru-RU"/>
-          </a:p>
-        </p:txBody>
-      </p:sp>
-      <p:sp>
-        <p:nvSpPr>
-          <p:cNvPr id="4" name="Номер слайда 3"/>
-          <p:cNvSpPr>
-            <a:spLocks noGrp="1"/>
-          </p:cNvSpPr>
-          <p:nvPr>
-            <p:ph type="sldNum" sz="quarter" idx="10"/>
-          </p:nvPr>
-        </p:nvSpPr>
-        <p:spPr/>
-        <p:txBody>
-          <a:bodyPr/>
-          <a:lstStyle/>
-          <a:p>
-            <a:fld id="{F0F4E2F1-1521-4C3A-A563-2F7D19AB6E0B}" type="slidenum">
-              <a:rPr lang="en-US" smtClean="0"/>
-              <a:pPr/>
-              <a:t>52</a:t>
-            </a:fld>
-            <a:endParaRPr lang="en-US"/>
-          </a:p>
-        </p:txBody>
-      </p:sp>
-    </p:spTree>
-    <p:extLst>
-      <p:ext uri="{BB962C8B-B14F-4D97-AF65-F5344CB8AC3E}">
-        <p14:creationId xmlns:p14="http://schemas.microsoft.com/office/powerpoint/2010/main" val="496582809"/>
-      </p:ext>
-    </p:extLst>
-  </p:cSld>
-  <p:clrMapOvr>
-    <a:masterClrMapping/>
-  </p:clrMapOvr>
-</p:notes>
-</file>
-
-<file path=ppt/notesSlides/notesSlide53.xml><?xml version="1.0" encoding="utf-8"?>
-<p:notes xmlns:a="http://schemas.openxmlformats.org/drawingml/2006/main" xmlns:r="http://schemas.openxmlformats.org/officeDocument/2006/relationships" xmlns:p="http://schemas.openxmlformats.org/presentationml/2006/main">
-  <p:cSld>
-    <p:spTree>
-      <p:nvGrpSpPr>
-        <p:cNvPr id="1" name=""/>
-        <p:cNvGrpSpPr/>
-        <p:nvPr/>
-      </p:nvGrpSpPr>
-      <p:grpSpPr>
-        <a:xfrm>
-          <a:off x="0" y="0"/>
-          <a:ext cx="0" cy="0"/>
-          <a:chOff x="0" y="0"/>
-          <a:chExt cx="0" cy="0"/>
-        </a:xfrm>
-      </p:grpSpPr>
-      <p:sp>
-        <p:nvSpPr>
-          <p:cNvPr id="2" name="Образ слайда 1"/>
-          <p:cNvSpPr>
-            <a:spLocks noGrp="1" noRot="1" noChangeAspect="1"/>
-          </p:cNvSpPr>
-          <p:nvPr>
-            <p:ph type="sldImg"/>
-          </p:nvPr>
-        </p:nvSpPr>
-        <p:spPr>
-          <a:xfrm>
-            <a:off x="685800" y="1143000"/>
-            <a:ext cx="5486400" cy="3086100"/>
-          </a:xfrm>
-        </p:spPr>
-      </p:sp>
-      <p:sp>
-        <p:nvSpPr>
-          <p:cNvPr id="3" name="Заметки 2"/>
-          <p:cNvSpPr>
-            <a:spLocks noGrp="1"/>
-          </p:cNvSpPr>
-          <p:nvPr>
-            <p:ph type="body" idx="1"/>
-          </p:nvPr>
-        </p:nvSpPr>
-        <p:spPr/>
-        <p:txBody>
-          <a:bodyPr/>
-          <a:lstStyle/>
-          <a:p>
-            <a:endParaRPr lang="ru-RU"/>
-          </a:p>
-        </p:txBody>
-      </p:sp>
-      <p:sp>
-        <p:nvSpPr>
-          <p:cNvPr id="4" name="Номер слайда 3"/>
-          <p:cNvSpPr>
-            <a:spLocks noGrp="1"/>
-          </p:cNvSpPr>
-          <p:nvPr>
-            <p:ph type="sldNum" sz="quarter" idx="10"/>
-          </p:nvPr>
-        </p:nvSpPr>
-        <p:spPr/>
-        <p:txBody>
-          <a:bodyPr/>
-          <a:lstStyle/>
-          <a:p>
-            <a:fld id="{F0F4E2F1-1521-4C3A-A563-2F7D19AB6E0B}" type="slidenum">
-              <a:rPr lang="en-US" smtClean="0"/>
-              <a:pPr/>
-              <a:t>53</a:t>
-            </a:fld>
-            <a:endParaRPr lang="en-US"/>
-          </a:p>
-        </p:txBody>
-      </p:sp>
-    </p:spTree>
-    <p:extLst>
-      <p:ext uri="{BB962C8B-B14F-4D97-AF65-F5344CB8AC3E}">
-        <p14:creationId xmlns:p14="http://schemas.microsoft.com/office/powerpoint/2010/main" val="1026519042"/>
-      </p:ext>
-    </p:extLst>
-  </p:cSld>
-  <p:clrMapOvr>
-    <a:masterClrMapping/>
-  </p:clrMapOvr>
-</p:notes>
-</file>
-
-<file path=ppt/notesSlides/notesSlide54.xml><?xml version="1.0" encoding="utf-8"?>
-<p:notes xmlns:a="http://schemas.openxmlformats.org/drawingml/2006/main" xmlns:r="http://schemas.openxmlformats.org/officeDocument/2006/relationships" xmlns:p="http://schemas.openxmlformats.org/presentationml/2006/main">
-  <p:cSld>
-    <p:spTree>
-      <p:nvGrpSpPr>
-        <p:cNvPr id="1" name=""/>
-        <p:cNvGrpSpPr/>
-        <p:nvPr/>
-      </p:nvGrpSpPr>
-      <p:grpSpPr>
-        <a:xfrm>
-          <a:off x="0" y="0"/>
-          <a:ext cx="0" cy="0"/>
-          <a:chOff x="0" y="0"/>
-          <a:chExt cx="0" cy="0"/>
-        </a:xfrm>
-      </p:grpSpPr>
-      <p:sp>
-        <p:nvSpPr>
-          <p:cNvPr id="2" name="Образ слайда 1"/>
-          <p:cNvSpPr>
-            <a:spLocks noGrp="1" noRot="1" noChangeAspect="1"/>
-          </p:cNvSpPr>
-          <p:nvPr>
-            <p:ph type="sldImg"/>
-          </p:nvPr>
-        </p:nvSpPr>
-        <p:spPr>
-          <a:xfrm>
-            <a:off x="685800" y="1143000"/>
-            <a:ext cx="5486400" cy="3086100"/>
-          </a:xfrm>
-        </p:spPr>
-      </p:sp>
-      <p:sp>
-        <p:nvSpPr>
-          <p:cNvPr id="3" name="Заметки 2"/>
-          <p:cNvSpPr>
-            <a:spLocks noGrp="1"/>
-          </p:cNvSpPr>
-          <p:nvPr>
-            <p:ph type="body" idx="1"/>
-          </p:nvPr>
-        </p:nvSpPr>
-        <p:spPr/>
-        <p:txBody>
-          <a:bodyPr/>
-          <a:lstStyle/>
-          <a:p>
-            <a:endParaRPr lang="ru-RU"/>
-          </a:p>
-        </p:txBody>
-      </p:sp>
-      <p:sp>
-        <p:nvSpPr>
-          <p:cNvPr id="4" name="Номер слайда 3"/>
-          <p:cNvSpPr>
-            <a:spLocks noGrp="1"/>
-          </p:cNvSpPr>
-          <p:nvPr>
-            <p:ph type="sldNum" sz="quarter" idx="10"/>
-          </p:nvPr>
-        </p:nvSpPr>
-        <p:spPr/>
-        <p:txBody>
-          <a:bodyPr/>
-          <a:lstStyle/>
-          <a:p>
-            <a:fld id="{F0F4E2F1-1521-4C3A-A563-2F7D19AB6E0B}" type="slidenum">
-              <a:rPr lang="en-US" smtClean="0"/>
-              <a:pPr/>
-              <a:t>54</a:t>
-            </a:fld>
-            <a:endParaRPr lang="en-US"/>
-          </a:p>
-        </p:txBody>
-      </p:sp>
-    </p:spTree>
-    <p:extLst>
-      <p:ext uri="{BB962C8B-B14F-4D97-AF65-F5344CB8AC3E}">
-        <p14:creationId xmlns:p14="http://schemas.microsoft.com/office/powerpoint/2010/main" val="2707964830"/>
-      </p:ext>
-    </p:extLst>
-  </p:cSld>
-  <p:clrMapOvr>
-    <a:masterClrMapping/>
-  </p:clrMapOvr>
-</p:notes>
-</file>
-
-<file path=ppt/notesSlides/notesSlide55.xml><?xml version="1.0" encoding="utf-8"?>
-<p:notes xmlns:a="http://schemas.openxmlformats.org/drawingml/2006/main" xmlns:r="http://schemas.openxmlformats.org/officeDocument/2006/relationships" xmlns:p="http://schemas.openxmlformats.org/presentationml/2006/main">
-  <p:cSld>
-    <p:spTree>
-      <p:nvGrpSpPr>
-        <p:cNvPr id="1" name=""/>
-        <p:cNvGrpSpPr/>
-        <p:nvPr/>
-      </p:nvGrpSpPr>
-      <p:grpSpPr>
-        <a:xfrm>
-          <a:off x="0" y="0"/>
-          <a:ext cx="0" cy="0"/>
-          <a:chOff x="0" y="0"/>
-          <a:chExt cx="0" cy="0"/>
-        </a:xfrm>
-      </p:grpSpPr>
-      <p:sp>
-        <p:nvSpPr>
-          <p:cNvPr id="2" name="Образ слайда 1"/>
-          <p:cNvSpPr>
-            <a:spLocks noGrp="1" noRot="1" noChangeAspect="1"/>
-          </p:cNvSpPr>
-          <p:nvPr>
-            <p:ph type="sldImg"/>
-          </p:nvPr>
-        </p:nvSpPr>
-        <p:spPr>
-          <a:xfrm>
-            <a:off x="685800" y="1143000"/>
-            <a:ext cx="5486400" cy="3086100"/>
-          </a:xfrm>
-        </p:spPr>
-      </p:sp>
-      <p:sp>
-        <p:nvSpPr>
-          <p:cNvPr id="3" name="Заметки 2"/>
-          <p:cNvSpPr>
-            <a:spLocks noGrp="1"/>
-          </p:cNvSpPr>
-          <p:nvPr>
-            <p:ph type="body" idx="1"/>
-          </p:nvPr>
-        </p:nvSpPr>
-        <p:spPr/>
-        <p:txBody>
-          <a:bodyPr/>
-          <a:lstStyle/>
-          <a:p>
-            <a:endParaRPr lang="ru-RU"/>
-          </a:p>
-        </p:txBody>
-      </p:sp>
-      <p:sp>
-        <p:nvSpPr>
-          <p:cNvPr id="4" name="Номер слайда 3"/>
-          <p:cNvSpPr>
-            <a:spLocks noGrp="1"/>
-          </p:cNvSpPr>
-          <p:nvPr>
-            <p:ph type="sldNum" sz="quarter" idx="10"/>
-          </p:nvPr>
-        </p:nvSpPr>
-        <p:spPr/>
-        <p:txBody>
-          <a:bodyPr/>
-          <a:lstStyle/>
-          <a:p>
-            <a:fld id="{F0F4E2F1-1521-4C3A-A563-2F7D19AB6E0B}" type="slidenum">
-              <a:rPr lang="en-US" smtClean="0"/>
-              <a:pPr/>
-              <a:t>55</a:t>
-            </a:fld>
-            <a:endParaRPr lang="en-US"/>
-          </a:p>
-        </p:txBody>
-      </p:sp>
-    </p:spTree>
-    <p:extLst>
-      <p:ext uri="{BB962C8B-B14F-4D97-AF65-F5344CB8AC3E}">
-        <p14:creationId xmlns:p14="http://schemas.microsoft.com/office/powerpoint/2010/main" val="3878154680"/>
-      </p:ext>
-    </p:extLst>
-  </p:cSld>
-  <p:clrMapOvr>
-    <a:masterClrMapping/>
-  </p:clrMapOvr>
-</p:notes>
-</file>
-
-<file path=ppt/notesSlides/notesSlide56.xml><?xml version="1.0" encoding="utf-8"?>
-<p:notes xmlns:a="http://schemas.openxmlformats.org/drawingml/2006/main" xmlns:r="http://schemas.openxmlformats.org/officeDocument/2006/relationships" xmlns:p="http://schemas.openxmlformats.org/presentationml/2006/main">
-  <p:cSld>
-    <p:spTree>
-      <p:nvGrpSpPr>
-        <p:cNvPr id="1" name=""/>
-        <p:cNvGrpSpPr/>
-        <p:nvPr/>
-      </p:nvGrpSpPr>
-      <p:grpSpPr>
-        <a:xfrm>
-          <a:off x="0" y="0"/>
-          <a:ext cx="0" cy="0"/>
-          <a:chOff x="0" y="0"/>
-          <a:chExt cx="0" cy="0"/>
-        </a:xfrm>
-      </p:grpSpPr>
-      <p:sp>
-        <p:nvSpPr>
-          <p:cNvPr id="2" name="Образ слайда 1"/>
-          <p:cNvSpPr>
-            <a:spLocks noGrp="1" noRot="1" noChangeAspect="1"/>
-          </p:cNvSpPr>
-          <p:nvPr>
-            <p:ph type="sldImg"/>
-          </p:nvPr>
-        </p:nvSpPr>
-        <p:spPr>
-          <a:xfrm>
-            <a:off x="685800" y="1143000"/>
-            <a:ext cx="5486400" cy="3086100"/>
-          </a:xfrm>
-        </p:spPr>
-      </p:sp>
-      <p:sp>
-        <p:nvSpPr>
-          <p:cNvPr id="3" name="Заметки 2"/>
-          <p:cNvSpPr>
-            <a:spLocks noGrp="1"/>
-          </p:cNvSpPr>
-          <p:nvPr>
-            <p:ph type="body" idx="1"/>
-          </p:nvPr>
-        </p:nvSpPr>
-        <p:spPr/>
-        <p:txBody>
-          <a:bodyPr/>
-          <a:lstStyle/>
-          <a:p>
-            <a:endParaRPr lang="ru-RU"/>
-          </a:p>
-        </p:txBody>
-      </p:sp>
-      <p:sp>
-        <p:nvSpPr>
-          <p:cNvPr id="4" name="Номер слайда 3"/>
-          <p:cNvSpPr>
-            <a:spLocks noGrp="1"/>
-          </p:cNvSpPr>
-          <p:nvPr>
-            <p:ph type="sldNum" sz="quarter" idx="10"/>
-          </p:nvPr>
-        </p:nvSpPr>
-        <p:spPr/>
-        <p:txBody>
-          <a:bodyPr/>
-          <a:lstStyle/>
-          <a:p>
-            <a:fld id="{F0F4E2F1-1521-4C3A-A563-2F7D19AB6E0B}" type="slidenum">
-              <a:rPr lang="en-US" smtClean="0"/>
-              <a:pPr/>
-              <a:t>56</a:t>
-            </a:fld>
-            <a:endParaRPr lang="en-US"/>
-          </a:p>
-        </p:txBody>
-      </p:sp>
-    </p:spTree>
-    <p:extLst>
-      <p:ext uri="{BB962C8B-B14F-4D97-AF65-F5344CB8AC3E}">
-        <p14:creationId xmlns:p14="http://schemas.microsoft.com/office/powerpoint/2010/main" val="240744734"/>
-      </p:ext>
-    </p:extLst>
-  </p:cSld>
-  <p:clrMapOvr>
-    <a:masterClrMapping/>
-  </p:clrMapOvr>
-</p:notes>
-</file>
-
-<file path=ppt/notesSlides/notesSlide57.xml><?xml version="1.0" encoding="utf-8"?>
-<p:notes xmlns:a="http://schemas.openxmlformats.org/drawingml/2006/main" xmlns:r="http://schemas.openxmlformats.org/officeDocument/2006/relationships" xmlns:p="http://schemas.openxmlformats.org/presentationml/2006/main">
-  <p:cSld>
-    <p:spTree>
-      <p:nvGrpSpPr>
-        <p:cNvPr id="1" name=""/>
-        <p:cNvGrpSpPr/>
-        <p:nvPr/>
-      </p:nvGrpSpPr>
-      <p:grpSpPr>
-        <a:xfrm>
-          <a:off x="0" y="0"/>
-          <a:ext cx="0" cy="0"/>
-          <a:chOff x="0" y="0"/>
-          <a:chExt cx="0" cy="0"/>
-        </a:xfrm>
-      </p:grpSpPr>
-      <p:sp>
-        <p:nvSpPr>
-          <p:cNvPr id="2" name="Образ слайда 1"/>
-          <p:cNvSpPr>
-            <a:spLocks noGrp="1" noRot="1" noChangeAspect="1"/>
-          </p:cNvSpPr>
-          <p:nvPr>
-            <p:ph type="sldImg"/>
-          </p:nvPr>
-        </p:nvSpPr>
-        <p:spPr>
-          <a:xfrm>
-            <a:off x="685800" y="1143000"/>
-            <a:ext cx="5486400" cy="3086100"/>
-          </a:xfrm>
-        </p:spPr>
-      </p:sp>
-      <p:sp>
-        <p:nvSpPr>
-          <p:cNvPr id="3" name="Заметки 2"/>
-          <p:cNvSpPr>
-            <a:spLocks noGrp="1"/>
-          </p:cNvSpPr>
-          <p:nvPr>
-            <p:ph type="body" idx="1"/>
-          </p:nvPr>
-        </p:nvSpPr>
-        <p:spPr/>
-        <p:txBody>
-          <a:bodyPr/>
-          <a:lstStyle/>
-          <a:p>
-            <a:endParaRPr lang="ru-RU"/>
-          </a:p>
-        </p:txBody>
-      </p:sp>
-      <p:sp>
-        <p:nvSpPr>
-          <p:cNvPr id="4" name="Номер слайда 3"/>
-          <p:cNvSpPr>
-            <a:spLocks noGrp="1"/>
-          </p:cNvSpPr>
-          <p:nvPr>
-            <p:ph type="sldNum" sz="quarter" idx="10"/>
-          </p:nvPr>
-        </p:nvSpPr>
-        <p:spPr/>
-        <p:txBody>
-          <a:bodyPr/>
-          <a:lstStyle/>
-          <a:p>
-            <a:fld id="{F0F4E2F1-1521-4C3A-A563-2F7D19AB6E0B}" type="slidenum">
-              <a:rPr lang="en-US" smtClean="0"/>
-              <a:pPr/>
-              <a:t>57</a:t>
-            </a:fld>
-            <a:endParaRPr lang="en-US"/>
-          </a:p>
-        </p:txBody>
-      </p:sp>
-    </p:spTree>
-    <p:extLst>
-      <p:ext uri="{BB962C8B-B14F-4D97-AF65-F5344CB8AC3E}">
-        <p14:creationId xmlns:p14="http://schemas.microsoft.com/office/powerpoint/2010/main" val="4102029814"/>
-      </p:ext>
-    </p:extLst>
-  </p:cSld>
-  <p:clrMapOvr>
-    <a:masterClrMapping/>
-  </p:clrMapOvr>
-</p:notes>
-</file>
-
-<file path=ppt/notesSlides/notesSlide58.xml><?xml version="1.0" encoding="utf-8"?>
-<p:notes xmlns:a="http://schemas.openxmlformats.org/drawingml/2006/main" xmlns:r="http://schemas.openxmlformats.org/officeDocument/2006/relationships" xmlns:p="http://schemas.openxmlformats.org/presentationml/2006/main">
-  <p:cSld>
-    <p:spTree>
-      <p:nvGrpSpPr>
-        <p:cNvPr id="1" name=""/>
-        <p:cNvGrpSpPr/>
-        <p:nvPr/>
-      </p:nvGrpSpPr>
-      <p:grpSpPr>
-        <a:xfrm>
-          <a:off x="0" y="0"/>
-          <a:ext cx="0" cy="0"/>
-          <a:chOff x="0" y="0"/>
-          <a:chExt cx="0" cy="0"/>
-        </a:xfrm>
-      </p:grpSpPr>
-      <p:sp>
-        <p:nvSpPr>
-          <p:cNvPr id="2" name="Образ слайда 1"/>
-          <p:cNvSpPr>
-            <a:spLocks noGrp="1" noRot="1" noChangeAspect="1"/>
-          </p:cNvSpPr>
-          <p:nvPr>
-            <p:ph type="sldImg"/>
-          </p:nvPr>
-        </p:nvSpPr>
-        <p:spPr>
-          <a:xfrm>
-            <a:off x="685800" y="1143000"/>
-            <a:ext cx="5486400" cy="3086100"/>
-          </a:xfrm>
-        </p:spPr>
-      </p:sp>
-      <p:sp>
-        <p:nvSpPr>
-          <p:cNvPr id="3" name="Заметки 2"/>
-          <p:cNvSpPr>
-            <a:spLocks noGrp="1"/>
-          </p:cNvSpPr>
-          <p:nvPr>
-            <p:ph type="body" idx="1"/>
-          </p:nvPr>
-        </p:nvSpPr>
-        <p:spPr/>
-        <p:txBody>
-          <a:bodyPr/>
-          <a:lstStyle/>
-          <a:p>
-            <a:endParaRPr lang="ru-RU"/>
-          </a:p>
-        </p:txBody>
-      </p:sp>
-      <p:sp>
-        <p:nvSpPr>
-          <p:cNvPr id="4" name="Номер слайда 3"/>
-          <p:cNvSpPr>
-            <a:spLocks noGrp="1"/>
-          </p:cNvSpPr>
-          <p:nvPr>
-            <p:ph type="sldNum" sz="quarter" idx="10"/>
-          </p:nvPr>
-        </p:nvSpPr>
-        <p:spPr/>
-        <p:txBody>
-          <a:bodyPr/>
-          <a:lstStyle/>
-          <a:p>
-            <a:fld id="{F0F4E2F1-1521-4C3A-A563-2F7D19AB6E0B}" type="slidenum">
-              <a:rPr lang="en-US" smtClean="0"/>
-              <a:pPr/>
-              <a:t>58</a:t>
-            </a:fld>
-            <a:endParaRPr lang="en-US"/>
-          </a:p>
-        </p:txBody>
-      </p:sp>
-    </p:spTree>
-    <p:extLst>
-      <p:ext uri="{BB962C8B-B14F-4D97-AF65-F5344CB8AC3E}">
-        <p14:creationId xmlns:p14="http://schemas.microsoft.com/office/powerpoint/2010/main" val="3164181345"/>
-      </p:ext>
-    </p:extLst>
-  </p:cSld>
-  <p:clrMapOvr>
-    <a:masterClrMapping/>
-  </p:clrMapOvr>
-</p:notes>
-</file>
-
-<file path=ppt/notesSlides/notesSlide59.xml><?xml version="1.0" encoding="utf-8"?>
-<p:notes xmlns:a="http://schemas.openxmlformats.org/drawingml/2006/main" xmlns:r="http://schemas.openxmlformats.org/officeDocument/2006/relationships" xmlns:p="http://schemas.openxmlformats.org/presentationml/2006/main">
-  <p:cSld>
-    <p:spTree>
-      <p:nvGrpSpPr>
-        <p:cNvPr id="1" name=""/>
-        <p:cNvGrpSpPr/>
-        <p:nvPr/>
-      </p:nvGrpSpPr>
-      <p:grpSpPr>
-        <a:xfrm>
-          <a:off x="0" y="0"/>
-          <a:ext cx="0" cy="0"/>
-          <a:chOff x="0" y="0"/>
-          <a:chExt cx="0" cy="0"/>
-        </a:xfrm>
-      </p:grpSpPr>
-      <p:sp>
-        <p:nvSpPr>
-          <p:cNvPr id="2" name="Образ слайда 1"/>
-          <p:cNvSpPr>
-            <a:spLocks noGrp="1" noRot="1" noChangeAspect="1"/>
-          </p:cNvSpPr>
-          <p:nvPr>
-            <p:ph type="sldImg"/>
-          </p:nvPr>
-        </p:nvSpPr>
-        <p:spPr>
-          <a:xfrm>
-            <a:off x="685800" y="1143000"/>
-            <a:ext cx="5486400" cy="3086100"/>
-          </a:xfrm>
-        </p:spPr>
-      </p:sp>
-      <p:sp>
-        <p:nvSpPr>
-          <p:cNvPr id="3" name="Заметки 2"/>
-          <p:cNvSpPr>
-            <a:spLocks noGrp="1"/>
-          </p:cNvSpPr>
-          <p:nvPr>
-            <p:ph type="body" idx="1"/>
-          </p:nvPr>
-        </p:nvSpPr>
-        <p:spPr/>
-        <p:txBody>
-          <a:bodyPr/>
-          <a:lstStyle/>
-          <a:p>
-            <a:endParaRPr lang="ru-RU"/>
-          </a:p>
-        </p:txBody>
-      </p:sp>
-      <p:sp>
-        <p:nvSpPr>
-          <p:cNvPr id="4" name="Номер слайда 3"/>
-          <p:cNvSpPr>
-            <a:spLocks noGrp="1"/>
-          </p:cNvSpPr>
-          <p:nvPr>
-            <p:ph type="sldNum" sz="quarter" idx="10"/>
-          </p:nvPr>
-        </p:nvSpPr>
-        <p:spPr/>
-        <p:txBody>
-          <a:bodyPr/>
-          <a:lstStyle/>
-          <a:p>
-            <a:fld id="{F0F4E2F1-1521-4C3A-A563-2F7D19AB6E0B}" type="slidenum">
-              <a:rPr lang="en-US" smtClean="0"/>
-              <a:pPr/>
-              <a:t>59</a:t>
-            </a:fld>
-            <a:endParaRPr lang="en-US"/>
-          </a:p>
-        </p:txBody>
-      </p:sp>
-    </p:spTree>
-    <p:extLst>
-      <p:ext uri="{BB962C8B-B14F-4D97-AF65-F5344CB8AC3E}">
-        <p14:creationId xmlns:p14="http://schemas.microsoft.com/office/powerpoint/2010/main" val="2974285165"/>
       </p:ext>
     </p:extLst>
   </p:cSld>
@@ -5607,906 +4135,6 @@
 </p:notes>
 </file>
 
-<file path=ppt/notesSlides/notesSlide60.xml><?xml version="1.0" encoding="utf-8"?>
-<p:notes xmlns:a="http://schemas.openxmlformats.org/drawingml/2006/main" xmlns:r="http://schemas.openxmlformats.org/officeDocument/2006/relationships" xmlns:p="http://schemas.openxmlformats.org/presentationml/2006/main">
-  <p:cSld>
-    <p:spTree>
-      <p:nvGrpSpPr>
-        <p:cNvPr id="1" name=""/>
-        <p:cNvGrpSpPr/>
-        <p:nvPr/>
-      </p:nvGrpSpPr>
-      <p:grpSpPr>
-        <a:xfrm>
-          <a:off x="0" y="0"/>
-          <a:ext cx="0" cy="0"/>
-          <a:chOff x="0" y="0"/>
-          <a:chExt cx="0" cy="0"/>
-        </a:xfrm>
-      </p:grpSpPr>
-      <p:sp>
-        <p:nvSpPr>
-          <p:cNvPr id="2" name="Образ слайда 1"/>
-          <p:cNvSpPr>
-            <a:spLocks noGrp="1" noRot="1" noChangeAspect="1"/>
-          </p:cNvSpPr>
-          <p:nvPr>
-            <p:ph type="sldImg"/>
-          </p:nvPr>
-        </p:nvSpPr>
-        <p:spPr>
-          <a:xfrm>
-            <a:off x="685800" y="1143000"/>
-            <a:ext cx="5486400" cy="3086100"/>
-          </a:xfrm>
-        </p:spPr>
-      </p:sp>
-      <p:sp>
-        <p:nvSpPr>
-          <p:cNvPr id="3" name="Заметки 2"/>
-          <p:cNvSpPr>
-            <a:spLocks noGrp="1"/>
-          </p:cNvSpPr>
-          <p:nvPr>
-            <p:ph type="body" idx="1"/>
-          </p:nvPr>
-        </p:nvSpPr>
-        <p:spPr/>
-        <p:txBody>
-          <a:bodyPr/>
-          <a:lstStyle/>
-          <a:p>
-            <a:endParaRPr lang="ru-RU"/>
-          </a:p>
-        </p:txBody>
-      </p:sp>
-      <p:sp>
-        <p:nvSpPr>
-          <p:cNvPr id="4" name="Номер слайда 3"/>
-          <p:cNvSpPr>
-            <a:spLocks noGrp="1"/>
-          </p:cNvSpPr>
-          <p:nvPr>
-            <p:ph type="sldNum" sz="quarter" idx="10"/>
-          </p:nvPr>
-        </p:nvSpPr>
-        <p:spPr/>
-        <p:txBody>
-          <a:bodyPr/>
-          <a:lstStyle/>
-          <a:p>
-            <a:fld id="{F0F4E2F1-1521-4C3A-A563-2F7D19AB6E0B}" type="slidenum">
-              <a:rPr lang="en-US" smtClean="0"/>
-              <a:pPr/>
-              <a:t>60</a:t>
-            </a:fld>
-            <a:endParaRPr lang="en-US"/>
-          </a:p>
-        </p:txBody>
-      </p:sp>
-    </p:spTree>
-    <p:extLst>
-      <p:ext uri="{BB962C8B-B14F-4D97-AF65-F5344CB8AC3E}">
-        <p14:creationId xmlns:p14="http://schemas.microsoft.com/office/powerpoint/2010/main" val="3296693313"/>
-      </p:ext>
-    </p:extLst>
-  </p:cSld>
-  <p:clrMapOvr>
-    <a:masterClrMapping/>
-  </p:clrMapOvr>
-</p:notes>
-</file>
-
-<file path=ppt/notesSlides/notesSlide61.xml><?xml version="1.0" encoding="utf-8"?>
-<p:notes xmlns:a="http://schemas.openxmlformats.org/drawingml/2006/main" xmlns:r="http://schemas.openxmlformats.org/officeDocument/2006/relationships" xmlns:p="http://schemas.openxmlformats.org/presentationml/2006/main">
-  <p:cSld>
-    <p:spTree>
-      <p:nvGrpSpPr>
-        <p:cNvPr id="1" name=""/>
-        <p:cNvGrpSpPr/>
-        <p:nvPr/>
-      </p:nvGrpSpPr>
-      <p:grpSpPr>
-        <a:xfrm>
-          <a:off x="0" y="0"/>
-          <a:ext cx="0" cy="0"/>
-          <a:chOff x="0" y="0"/>
-          <a:chExt cx="0" cy="0"/>
-        </a:xfrm>
-      </p:grpSpPr>
-      <p:sp>
-        <p:nvSpPr>
-          <p:cNvPr id="2" name="Образ слайда 1"/>
-          <p:cNvSpPr>
-            <a:spLocks noGrp="1" noRot="1" noChangeAspect="1"/>
-          </p:cNvSpPr>
-          <p:nvPr>
-            <p:ph type="sldImg"/>
-          </p:nvPr>
-        </p:nvSpPr>
-        <p:spPr>
-          <a:xfrm>
-            <a:off x="685800" y="1143000"/>
-            <a:ext cx="5486400" cy="3086100"/>
-          </a:xfrm>
-        </p:spPr>
-      </p:sp>
-      <p:sp>
-        <p:nvSpPr>
-          <p:cNvPr id="3" name="Заметки 2"/>
-          <p:cNvSpPr>
-            <a:spLocks noGrp="1"/>
-          </p:cNvSpPr>
-          <p:nvPr>
-            <p:ph type="body" idx="1"/>
-          </p:nvPr>
-        </p:nvSpPr>
-        <p:spPr/>
-        <p:txBody>
-          <a:bodyPr/>
-          <a:lstStyle/>
-          <a:p>
-            <a:endParaRPr lang="ru-RU"/>
-          </a:p>
-        </p:txBody>
-      </p:sp>
-      <p:sp>
-        <p:nvSpPr>
-          <p:cNvPr id="4" name="Номер слайда 3"/>
-          <p:cNvSpPr>
-            <a:spLocks noGrp="1"/>
-          </p:cNvSpPr>
-          <p:nvPr>
-            <p:ph type="sldNum" sz="quarter" idx="10"/>
-          </p:nvPr>
-        </p:nvSpPr>
-        <p:spPr/>
-        <p:txBody>
-          <a:bodyPr/>
-          <a:lstStyle/>
-          <a:p>
-            <a:fld id="{F0F4E2F1-1521-4C3A-A563-2F7D19AB6E0B}" type="slidenum">
-              <a:rPr lang="en-US" smtClean="0"/>
-              <a:pPr/>
-              <a:t>61</a:t>
-            </a:fld>
-            <a:endParaRPr lang="en-US"/>
-          </a:p>
-        </p:txBody>
-      </p:sp>
-    </p:spTree>
-    <p:extLst>
-      <p:ext uri="{BB962C8B-B14F-4D97-AF65-F5344CB8AC3E}">
-        <p14:creationId xmlns:p14="http://schemas.microsoft.com/office/powerpoint/2010/main" val="3553250112"/>
-      </p:ext>
-    </p:extLst>
-  </p:cSld>
-  <p:clrMapOvr>
-    <a:masterClrMapping/>
-  </p:clrMapOvr>
-</p:notes>
-</file>
-
-<file path=ppt/notesSlides/notesSlide62.xml><?xml version="1.0" encoding="utf-8"?>
-<p:notes xmlns:a="http://schemas.openxmlformats.org/drawingml/2006/main" xmlns:r="http://schemas.openxmlformats.org/officeDocument/2006/relationships" xmlns:p="http://schemas.openxmlformats.org/presentationml/2006/main">
-  <p:cSld>
-    <p:spTree>
-      <p:nvGrpSpPr>
-        <p:cNvPr id="1" name=""/>
-        <p:cNvGrpSpPr/>
-        <p:nvPr/>
-      </p:nvGrpSpPr>
-      <p:grpSpPr>
-        <a:xfrm>
-          <a:off x="0" y="0"/>
-          <a:ext cx="0" cy="0"/>
-          <a:chOff x="0" y="0"/>
-          <a:chExt cx="0" cy="0"/>
-        </a:xfrm>
-      </p:grpSpPr>
-      <p:sp>
-        <p:nvSpPr>
-          <p:cNvPr id="2" name="Образ слайда 1"/>
-          <p:cNvSpPr>
-            <a:spLocks noGrp="1" noRot="1" noChangeAspect="1"/>
-          </p:cNvSpPr>
-          <p:nvPr>
-            <p:ph type="sldImg"/>
-          </p:nvPr>
-        </p:nvSpPr>
-        <p:spPr>
-          <a:xfrm>
-            <a:off x="685800" y="1143000"/>
-            <a:ext cx="5486400" cy="3086100"/>
-          </a:xfrm>
-        </p:spPr>
-      </p:sp>
-      <p:sp>
-        <p:nvSpPr>
-          <p:cNvPr id="3" name="Заметки 2"/>
-          <p:cNvSpPr>
-            <a:spLocks noGrp="1"/>
-          </p:cNvSpPr>
-          <p:nvPr>
-            <p:ph type="body" idx="1"/>
-          </p:nvPr>
-        </p:nvSpPr>
-        <p:spPr/>
-        <p:txBody>
-          <a:bodyPr/>
-          <a:lstStyle/>
-          <a:p>
-            <a:endParaRPr lang="ru-RU"/>
-          </a:p>
-        </p:txBody>
-      </p:sp>
-      <p:sp>
-        <p:nvSpPr>
-          <p:cNvPr id="4" name="Номер слайда 3"/>
-          <p:cNvSpPr>
-            <a:spLocks noGrp="1"/>
-          </p:cNvSpPr>
-          <p:nvPr>
-            <p:ph type="sldNum" sz="quarter" idx="10"/>
-          </p:nvPr>
-        </p:nvSpPr>
-        <p:spPr/>
-        <p:txBody>
-          <a:bodyPr/>
-          <a:lstStyle/>
-          <a:p>
-            <a:fld id="{F0F4E2F1-1521-4C3A-A563-2F7D19AB6E0B}" type="slidenum">
-              <a:rPr lang="en-US" smtClean="0"/>
-              <a:pPr/>
-              <a:t>62</a:t>
-            </a:fld>
-            <a:endParaRPr lang="en-US"/>
-          </a:p>
-        </p:txBody>
-      </p:sp>
-    </p:spTree>
-    <p:extLst>
-      <p:ext uri="{BB962C8B-B14F-4D97-AF65-F5344CB8AC3E}">
-        <p14:creationId xmlns:p14="http://schemas.microsoft.com/office/powerpoint/2010/main" val="2392519845"/>
-      </p:ext>
-    </p:extLst>
-  </p:cSld>
-  <p:clrMapOvr>
-    <a:masterClrMapping/>
-  </p:clrMapOvr>
-</p:notes>
-</file>
-
-<file path=ppt/notesSlides/notesSlide63.xml><?xml version="1.0" encoding="utf-8"?>
-<p:notes xmlns:a="http://schemas.openxmlformats.org/drawingml/2006/main" xmlns:r="http://schemas.openxmlformats.org/officeDocument/2006/relationships" xmlns:p="http://schemas.openxmlformats.org/presentationml/2006/main">
-  <p:cSld>
-    <p:spTree>
-      <p:nvGrpSpPr>
-        <p:cNvPr id="1" name=""/>
-        <p:cNvGrpSpPr/>
-        <p:nvPr/>
-      </p:nvGrpSpPr>
-      <p:grpSpPr>
-        <a:xfrm>
-          <a:off x="0" y="0"/>
-          <a:ext cx="0" cy="0"/>
-          <a:chOff x="0" y="0"/>
-          <a:chExt cx="0" cy="0"/>
-        </a:xfrm>
-      </p:grpSpPr>
-      <p:sp>
-        <p:nvSpPr>
-          <p:cNvPr id="2" name="Образ слайда 1"/>
-          <p:cNvSpPr>
-            <a:spLocks noGrp="1" noRot="1" noChangeAspect="1"/>
-          </p:cNvSpPr>
-          <p:nvPr>
-            <p:ph type="sldImg"/>
-          </p:nvPr>
-        </p:nvSpPr>
-        <p:spPr>
-          <a:xfrm>
-            <a:off x="685800" y="1143000"/>
-            <a:ext cx="5486400" cy="3086100"/>
-          </a:xfrm>
-        </p:spPr>
-      </p:sp>
-      <p:sp>
-        <p:nvSpPr>
-          <p:cNvPr id="3" name="Заметки 2"/>
-          <p:cNvSpPr>
-            <a:spLocks noGrp="1"/>
-          </p:cNvSpPr>
-          <p:nvPr>
-            <p:ph type="body" idx="1"/>
-          </p:nvPr>
-        </p:nvSpPr>
-        <p:spPr/>
-        <p:txBody>
-          <a:bodyPr/>
-          <a:lstStyle/>
-          <a:p>
-            <a:endParaRPr lang="ru-RU"/>
-          </a:p>
-        </p:txBody>
-      </p:sp>
-      <p:sp>
-        <p:nvSpPr>
-          <p:cNvPr id="4" name="Номер слайда 3"/>
-          <p:cNvSpPr>
-            <a:spLocks noGrp="1"/>
-          </p:cNvSpPr>
-          <p:nvPr>
-            <p:ph type="sldNum" sz="quarter" idx="10"/>
-          </p:nvPr>
-        </p:nvSpPr>
-        <p:spPr/>
-        <p:txBody>
-          <a:bodyPr/>
-          <a:lstStyle/>
-          <a:p>
-            <a:fld id="{F0F4E2F1-1521-4C3A-A563-2F7D19AB6E0B}" type="slidenum">
-              <a:rPr lang="en-US" smtClean="0"/>
-              <a:pPr/>
-              <a:t>63</a:t>
-            </a:fld>
-            <a:endParaRPr lang="en-US"/>
-          </a:p>
-        </p:txBody>
-      </p:sp>
-    </p:spTree>
-    <p:extLst>
-      <p:ext uri="{BB962C8B-B14F-4D97-AF65-F5344CB8AC3E}">
-        <p14:creationId xmlns:p14="http://schemas.microsoft.com/office/powerpoint/2010/main" val="1218003862"/>
-      </p:ext>
-    </p:extLst>
-  </p:cSld>
-  <p:clrMapOvr>
-    <a:masterClrMapping/>
-  </p:clrMapOvr>
-</p:notes>
-</file>
-
-<file path=ppt/notesSlides/notesSlide64.xml><?xml version="1.0" encoding="utf-8"?>
-<p:notes xmlns:a="http://schemas.openxmlformats.org/drawingml/2006/main" xmlns:r="http://schemas.openxmlformats.org/officeDocument/2006/relationships" xmlns:p="http://schemas.openxmlformats.org/presentationml/2006/main">
-  <p:cSld>
-    <p:spTree>
-      <p:nvGrpSpPr>
-        <p:cNvPr id="1" name=""/>
-        <p:cNvGrpSpPr/>
-        <p:nvPr/>
-      </p:nvGrpSpPr>
-      <p:grpSpPr>
-        <a:xfrm>
-          <a:off x="0" y="0"/>
-          <a:ext cx="0" cy="0"/>
-          <a:chOff x="0" y="0"/>
-          <a:chExt cx="0" cy="0"/>
-        </a:xfrm>
-      </p:grpSpPr>
-      <p:sp>
-        <p:nvSpPr>
-          <p:cNvPr id="2" name="Образ слайда 1"/>
-          <p:cNvSpPr>
-            <a:spLocks noGrp="1" noRot="1" noChangeAspect="1"/>
-          </p:cNvSpPr>
-          <p:nvPr>
-            <p:ph type="sldImg"/>
-          </p:nvPr>
-        </p:nvSpPr>
-        <p:spPr>
-          <a:xfrm>
-            <a:off x="685800" y="1143000"/>
-            <a:ext cx="5486400" cy="3086100"/>
-          </a:xfrm>
-        </p:spPr>
-      </p:sp>
-      <p:sp>
-        <p:nvSpPr>
-          <p:cNvPr id="3" name="Заметки 2"/>
-          <p:cNvSpPr>
-            <a:spLocks noGrp="1"/>
-          </p:cNvSpPr>
-          <p:nvPr>
-            <p:ph type="body" idx="1"/>
-          </p:nvPr>
-        </p:nvSpPr>
-        <p:spPr/>
-        <p:txBody>
-          <a:bodyPr/>
-          <a:lstStyle/>
-          <a:p>
-            <a:endParaRPr lang="ru-RU"/>
-          </a:p>
-        </p:txBody>
-      </p:sp>
-      <p:sp>
-        <p:nvSpPr>
-          <p:cNvPr id="4" name="Номер слайда 3"/>
-          <p:cNvSpPr>
-            <a:spLocks noGrp="1"/>
-          </p:cNvSpPr>
-          <p:nvPr>
-            <p:ph type="sldNum" sz="quarter" idx="10"/>
-          </p:nvPr>
-        </p:nvSpPr>
-        <p:spPr/>
-        <p:txBody>
-          <a:bodyPr/>
-          <a:lstStyle/>
-          <a:p>
-            <a:fld id="{F0F4E2F1-1521-4C3A-A563-2F7D19AB6E0B}" type="slidenum">
-              <a:rPr lang="en-US" smtClean="0"/>
-              <a:pPr/>
-              <a:t>64</a:t>
-            </a:fld>
-            <a:endParaRPr lang="en-US"/>
-          </a:p>
-        </p:txBody>
-      </p:sp>
-    </p:spTree>
-    <p:extLst>
-      <p:ext uri="{BB962C8B-B14F-4D97-AF65-F5344CB8AC3E}">
-        <p14:creationId xmlns:p14="http://schemas.microsoft.com/office/powerpoint/2010/main" val="2679552813"/>
-      </p:ext>
-    </p:extLst>
-  </p:cSld>
-  <p:clrMapOvr>
-    <a:masterClrMapping/>
-  </p:clrMapOvr>
-</p:notes>
-</file>
-
-<file path=ppt/notesSlides/notesSlide65.xml><?xml version="1.0" encoding="utf-8"?>
-<p:notes xmlns:a="http://schemas.openxmlformats.org/drawingml/2006/main" xmlns:r="http://schemas.openxmlformats.org/officeDocument/2006/relationships" xmlns:p="http://schemas.openxmlformats.org/presentationml/2006/main">
-  <p:cSld>
-    <p:spTree>
-      <p:nvGrpSpPr>
-        <p:cNvPr id="1" name=""/>
-        <p:cNvGrpSpPr/>
-        <p:nvPr/>
-      </p:nvGrpSpPr>
-      <p:grpSpPr>
-        <a:xfrm>
-          <a:off x="0" y="0"/>
-          <a:ext cx="0" cy="0"/>
-          <a:chOff x="0" y="0"/>
-          <a:chExt cx="0" cy="0"/>
-        </a:xfrm>
-      </p:grpSpPr>
-      <p:sp>
-        <p:nvSpPr>
-          <p:cNvPr id="2" name="Образ слайда 1"/>
-          <p:cNvSpPr>
-            <a:spLocks noGrp="1" noRot="1" noChangeAspect="1"/>
-          </p:cNvSpPr>
-          <p:nvPr>
-            <p:ph type="sldImg"/>
-          </p:nvPr>
-        </p:nvSpPr>
-        <p:spPr>
-          <a:xfrm>
-            <a:off x="685800" y="1143000"/>
-            <a:ext cx="5486400" cy="3086100"/>
-          </a:xfrm>
-        </p:spPr>
-      </p:sp>
-      <p:sp>
-        <p:nvSpPr>
-          <p:cNvPr id="3" name="Заметки 2"/>
-          <p:cNvSpPr>
-            <a:spLocks noGrp="1"/>
-          </p:cNvSpPr>
-          <p:nvPr>
-            <p:ph type="body" idx="1"/>
-          </p:nvPr>
-        </p:nvSpPr>
-        <p:spPr/>
-        <p:txBody>
-          <a:bodyPr/>
-          <a:lstStyle/>
-          <a:p>
-            <a:endParaRPr lang="ru-RU"/>
-          </a:p>
-        </p:txBody>
-      </p:sp>
-      <p:sp>
-        <p:nvSpPr>
-          <p:cNvPr id="4" name="Номер слайда 3"/>
-          <p:cNvSpPr>
-            <a:spLocks noGrp="1"/>
-          </p:cNvSpPr>
-          <p:nvPr>
-            <p:ph type="sldNum" sz="quarter" idx="10"/>
-          </p:nvPr>
-        </p:nvSpPr>
-        <p:spPr/>
-        <p:txBody>
-          <a:bodyPr/>
-          <a:lstStyle/>
-          <a:p>
-            <a:fld id="{F0F4E2F1-1521-4C3A-A563-2F7D19AB6E0B}" type="slidenum">
-              <a:rPr lang="en-US" smtClean="0"/>
-              <a:pPr/>
-              <a:t>65</a:t>
-            </a:fld>
-            <a:endParaRPr lang="en-US"/>
-          </a:p>
-        </p:txBody>
-      </p:sp>
-    </p:spTree>
-    <p:extLst>
-      <p:ext uri="{BB962C8B-B14F-4D97-AF65-F5344CB8AC3E}">
-        <p14:creationId xmlns:p14="http://schemas.microsoft.com/office/powerpoint/2010/main" val="148915197"/>
-      </p:ext>
-    </p:extLst>
-  </p:cSld>
-  <p:clrMapOvr>
-    <a:masterClrMapping/>
-  </p:clrMapOvr>
-</p:notes>
-</file>
-
-<file path=ppt/notesSlides/notesSlide66.xml><?xml version="1.0" encoding="utf-8"?>
-<p:notes xmlns:a="http://schemas.openxmlformats.org/drawingml/2006/main" xmlns:r="http://schemas.openxmlformats.org/officeDocument/2006/relationships" xmlns:p="http://schemas.openxmlformats.org/presentationml/2006/main">
-  <p:cSld>
-    <p:spTree>
-      <p:nvGrpSpPr>
-        <p:cNvPr id="1" name=""/>
-        <p:cNvGrpSpPr/>
-        <p:nvPr/>
-      </p:nvGrpSpPr>
-      <p:grpSpPr>
-        <a:xfrm>
-          <a:off x="0" y="0"/>
-          <a:ext cx="0" cy="0"/>
-          <a:chOff x="0" y="0"/>
-          <a:chExt cx="0" cy="0"/>
-        </a:xfrm>
-      </p:grpSpPr>
-      <p:sp>
-        <p:nvSpPr>
-          <p:cNvPr id="2" name="Образ слайда 1"/>
-          <p:cNvSpPr>
-            <a:spLocks noGrp="1" noRot="1" noChangeAspect="1"/>
-          </p:cNvSpPr>
-          <p:nvPr>
-            <p:ph type="sldImg"/>
-          </p:nvPr>
-        </p:nvSpPr>
-        <p:spPr>
-          <a:xfrm>
-            <a:off x="685800" y="1143000"/>
-            <a:ext cx="5486400" cy="3086100"/>
-          </a:xfrm>
-        </p:spPr>
-      </p:sp>
-      <p:sp>
-        <p:nvSpPr>
-          <p:cNvPr id="3" name="Заметки 2"/>
-          <p:cNvSpPr>
-            <a:spLocks noGrp="1"/>
-          </p:cNvSpPr>
-          <p:nvPr>
-            <p:ph type="body" idx="1"/>
-          </p:nvPr>
-        </p:nvSpPr>
-        <p:spPr/>
-        <p:txBody>
-          <a:bodyPr/>
-          <a:lstStyle/>
-          <a:p>
-            <a:endParaRPr lang="ru-RU"/>
-          </a:p>
-        </p:txBody>
-      </p:sp>
-      <p:sp>
-        <p:nvSpPr>
-          <p:cNvPr id="4" name="Номер слайда 3"/>
-          <p:cNvSpPr>
-            <a:spLocks noGrp="1"/>
-          </p:cNvSpPr>
-          <p:nvPr>
-            <p:ph type="sldNum" sz="quarter" idx="10"/>
-          </p:nvPr>
-        </p:nvSpPr>
-        <p:spPr/>
-        <p:txBody>
-          <a:bodyPr/>
-          <a:lstStyle/>
-          <a:p>
-            <a:fld id="{F0F4E2F1-1521-4C3A-A563-2F7D19AB6E0B}" type="slidenum">
-              <a:rPr lang="en-US" smtClean="0"/>
-              <a:pPr/>
-              <a:t>66</a:t>
-            </a:fld>
-            <a:endParaRPr lang="en-US"/>
-          </a:p>
-        </p:txBody>
-      </p:sp>
-    </p:spTree>
-    <p:extLst>
-      <p:ext uri="{BB962C8B-B14F-4D97-AF65-F5344CB8AC3E}">
-        <p14:creationId xmlns:p14="http://schemas.microsoft.com/office/powerpoint/2010/main" val="1691215039"/>
-      </p:ext>
-    </p:extLst>
-  </p:cSld>
-  <p:clrMapOvr>
-    <a:masterClrMapping/>
-  </p:clrMapOvr>
-</p:notes>
-</file>
-
-<file path=ppt/notesSlides/notesSlide67.xml><?xml version="1.0" encoding="utf-8"?>
-<p:notes xmlns:a="http://schemas.openxmlformats.org/drawingml/2006/main" xmlns:r="http://schemas.openxmlformats.org/officeDocument/2006/relationships" xmlns:p="http://schemas.openxmlformats.org/presentationml/2006/main">
-  <p:cSld>
-    <p:spTree>
-      <p:nvGrpSpPr>
-        <p:cNvPr id="1" name=""/>
-        <p:cNvGrpSpPr/>
-        <p:nvPr/>
-      </p:nvGrpSpPr>
-      <p:grpSpPr>
-        <a:xfrm>
-          <a:off x="0" y="0"/>
-          <a:ext cx="0" cy="0"/>
-          <a:chOff x="0" y="0"/>
-          <a:chExt cx="0" cy="0"/>
-        </a:xfrm>
-      </p:grpSpPr>
-      <p:sp>
-        <p:nvSpPr>
-          <p:cNvPr id="2" name="Образ слайда 1"/>
-          <p:cNvSpPr>
-            <a:spLocks noGrp="1" noRot="1" noChangeAspect="1"/>
-          </p:cNvSpPr>
-          <p:nvPr>
-            <p:ph type="sldImg"/>
-          </p:nvPr>
-        </p:nvSpPr>
-        <p:spPr>
-          <a:xfrm>
-            <a:off x="685800" y="1143000"/>
-            <a:ext cx="5486400" cy="3086100"/>
-          </a:xfrm>
-        </p:spPr>
-      </p:sp>
-      <p:sp>
-        <p:nvSpPr>
-          <p:cNvPr id="3" name="Заметки 2"/>
-          <p:cNvSpPr>
-            <a:spLocks noGrp="1"/>
-          </p:cNvSpPr>
-          <p:nvPr>
-            <p:ph type="body" idx="1"/>
-          </p:nvPr>
-        </p:nvSpPr>
-        <p:spPr/>
-        <p:txBody>
-          <a:bodyPr/>
-          <a:lstStyle/>
-          <a:p>
-            <a:endParaRPr lang="ru-RU"/>
-          </a:p>
-        </p:txBody>
-      </p:sp>
-      <p:sp>
-        <p:nvSpPr>
-          <p:cNvPr id="4" name="Номер слайда 3"/>
-          <p:cNvSpPr>
-            <a:spLocks noGrp="1"/>
-          </p:cNvSpPr>
-          <p:nvPr>
-            <p:ph type="sldNum" sz="quarter" idx="10"/>
-          </p:nvPr>
-        </p:nvSpPr>
-        <p:spPr/>
-        <p:txBody>
-          <a:bodyPr/>
-          <a:lstStyle/>
-          <a:p>
-            <a:fld id="{F0F4E2F1-1521-4C3A-A563-2F7D19AB6E0B}" type="slidenum">
-              <a:rPr lang="en-US" smtClean="0"/>
-              <a:pPr/>
-              <a:t>67</a:t>
-            </a:fld>
-            <a:endParaRPr lang="en-US"/>
-          </a:p>
-        </p:txBody>
-      </p:sp>
-    </p:spTree>
-    <p:extLst>
-      <p:ext uri="{BB962C8B-B14F-4D97-AF65-F5344CB8AC3E}">
-        <p14:creationId xmlns:p14="http://schemas.microsoft.com/office/powerpoint/2010/main" val="246608226"/>
-      </p:ext>
-    </p:extLst>
-  </p:cSld>
-  <p:clrMapOvr>
-    <a:masterClrMapping/>
-  </p:clrMapOvr>
-</p:notes>
-</file>
-
-<file path=ppt/notesSlides/notesSlide68.xml><?xml version="1.0" encoding="utf-8"?>
-<p:notes xmlns:a="http://schemas.openxmlformats.org/drawingml/2006/main" xmlns:r="http://schemas.openxmlformats.org/officeDocument/2006/relationships" xmlns:p="http://schemas.openxmlformats.org/presentationml/2006/main">
-  <p:cSld>
-    <p:spTree>
-      <p:nvGrpSpPr>
-        <p:cNvPr id="1" name=""/>
-        <p:cNvGrpSpPr/>
-        <p:nvPr/>
-      </p:nvGrpSpPr>
-      <p:grpSpPr>
-        <a:xfrm>
-          <a:off x="0" y="0"/>
-          <a:ext cx="0" cy="0"/>
-          <a:chOff x="0" y="0"/>
-          <a:chExt cx="0" cy="0"/>
-        </a:xfrm>
-      </p:grpSpPr>
-      <p:sp>
-        <p:nvSpPr>
-          <p:cNvPr id="2" name="Образ слайда 1"/>
-          <p:cNvSpPr>
-            <a:spLocks noGrp="1" noRot="1" noChangeAspect="1"/>
-          </p:cNvSpPr>
-          <p:nvPr>
-            <p:ph type="sldImg"/>
-          </p:nvPr>
-        </p:nvSpPr>
-        <p:spPr>
-          <a:xfrm>
-            <a:off x="685800" y="1143000"/>
-            <a:ext cx="5486400" cy="3086100"/>
-          </a:xfrm>
-        </p:spPr>
-      </p:sp>
-      <p:sp>
-        <p:nvSpPr>
-          <p:cNvPr id="3" name="Заметки 2"/>
-          <p:cNvSpPr>
-            <a:spLocks noGrp="1"/>
-          </p:cNvSpPr>
-          <p:nvPr>
-            <p:ph type="body" idx="1"/>
-          </p:nvPr>
-        </p:nvSpPr>
-        <p:spPr/>
-        <p:txBody>
-          <a:bodyPr/>
-          <a:lstStyle/>
-          <a:p>
-            <a:endParaRPr lang="ru-RU"/>
-          </a:p>
-        </p:txBody>
-      </p:sp>
-      <p:sp>
-        <p:nvSpPr>
-          <p:cNvPr id="4" name="Номер слайда 3"/>
-          <p:cNvSpPr>
-            <a:spLocks noGrp="1"/>
-          </p:cNvSpPr>
-          <p:nvPr>
-            <p:ph type="sldNum" sz="quarter" idx="10"/>
-          </p:nvPr>
-        </p:nvSpPr>
-        <p:spPr/>
-        <p:txBody>
-          <a:bodyPr/>
-          <a:lstStyle/>
-          <a:p>
-            <a:fld id="{F0F4E2F1-1521-4C3A-A563-2F7D19AB6E0B}" type="slidenum">
-              <a:rPr lang="en-US" smtClean="0"/>
-              <a:pPr/>
-              <a:t>68</a:t>
-            </a:fld>
-            <a:endParaRPr lang="en-US"/>
-          </a:p>
-        </p:txBody>
-      </p:sp>
-    </p:spTree>
-    <p:extLst>
-      <p:ext uri="{BB962C8B-B14F-4D97-AF65-F5344CB8AC3E}">
-        <p14:creationId xmlns:p14="http://schemas.microsoft.com/office/powerpoint/2010/main" val="3720351087"/>
-      </p:ext>
-    </p:extLst>
-  </p:cSld>
-  <p:clrMapOvr>
-    <a:masterClrMapping/>
-  </p:clrMapOvr>
-</p:notes>
-</file>
-
-<file path=ppt/notesSlides/notesSlide69.xml><?xml version="1.0" encoding="utf-8"?>
-<p:notes xmlns:a="http://schemas.openxmlformats.org/drawingml/2006/main" xmlns:r="http://schemas.openxmlformats.org/officeDocument/2006/relationships" xmlns:p="http://schemas.openxmlformats.org/presentationml/2006/main">
-  <p:cSld>
-    <p:spTree>
-      <p:nvGrpSpPr>
-        <p:cNvPr id="1" name=""/>
-        <p:cNvGrpSpPr/>
-        <p:nvPr/>
-      </p:nvGrpSpPr>
-      <p:grpSpPr>
-        <a:xfrm>
-          <a:off x="0" y="0"/>
-          <a:ext cx="0" cy="0"/>
-          <a:chOff x="0" y="0"/>
-          <a:chExt cx="0" cy="0"/>
-        </a:xfrm>
-      </p:grpSpPr>
-      <p:sp>
-        <p:nvSpPr>
-          <p:cNvPr id="2" name="Образ слайда 1"/>
-          <p:cNvSpPr>
-            <a:spLocks noGrp="1" noRot="1" noChangeAspect="1"/>
-          </p:cNvSpPr>
-          <p:nvPr>
-            <p:ph type="sldImg"/>
-          </p:nvPr>
-        </p:nvSpPr>
-        <p:spPr>
-          <a:xfrm>
-            <a:off x="685800" y="1143000"/>
-            <a:ext cx="5486400" cy="3086100"/>
-          </a:xfrm>
-        </p:spPr>
-      </p:sp>
-      <p:sp>
-        <p:nvSpPr>
-          <p:cNvPr id="3" name="Заметки 2"/>
-          <p:cNvSpPr>
-            <a:spLocks noGrp="1"/>
-          </p:cNvSpPr>
-          <p:nvPr>
-            <p:ph type="body" idx="1"/>
-          </p:nvPr>
-        </p:nvSpPr>
-        <p:spPr/>
-        <p:txBody>
-          <a:bodyPr/>
-          <a:lstStyle/>
-          <a:p>
-            <a:endParaRPr lang="ru-RU"/>
-          </a:p>
-        </p:txBody>
-      </p:sp>
-      <p:sp>
-        <p:nvSpPr>
-          <p:cNvPr id="4" name="Номер слайда 3"/>
-          <p:cNvSpPr>
-            <a:spLocks noGrp="1"/>
-          </p:cNvSpPr>
-          <p:nvPr>
-            <p:ph type="sldNum" sz="quarter" idx="10"/>
-          </p:nvPr>
-        </p:nvSpPr>
-        <p:spPr/>
-        <p:txBody>
-          <a:bodyPr/>
-          <a:lstStyle/>
-          <a:p>
-            <a:fld id="{F0F4E2F1-1521-4C3A-A563-2F7D19AB6E0B}" type="slidenum">
-              <a:rPr lang="en-US" smtClean="0"/>
-              <a:pPr/>
-              <a:t>69</a:t>
-            </a:fld>
-            <a:endParaRPr lang="en-US"/>
-          </a:p>
-        </p:txBody>
-      </p:sp>
-    </p:spTree>
-    <p:extLst>
-      <p:ext uri="{BB962C8B-B14F-4D97-AF65-F5344CB8AC3E}">
-        <p14:creationId xmlns:p14="http://schemas.microsoft.com/office/powerpoint/2010/main" val="1716288303"/>
-      </p:ext>
-    </p:extLst>
-  </p:cSld>
-  <p:clrMapOvr>
-    <a:masterClrMapping/>
-  </p:clrMapOvr>
-</p:notes>
-</file>
-
 <file path=ppt/notesSlides/notesSlide7.xml><?xml version="1.0" encoding="utf-8"?>
 <p:notes xmlns:a="http://schemas.openxmlformats.org/drawingml/2006/main" xmlns:r="http://schemas.openxmlformats.org/officeDocument/2006/relationships" xmlns:p="http://schemas.openxmlformats.org/presentationml/2006/main">
   <p:cSld>
@@ -6588,546 +4216,6 @@
     <p:extLst>
       <p:ext uri="{BB962C8B-B14F-4D97-AF65-F5344CB8AC3E}">
         <p14:creationId xmlns:p14="http://schemas.microsoft.com/office/powerpoint/2010/main" val="3340032319"/>
-      </p:ext>
-    </p:extLst>
-  </p:cSld>
-  <p:clrMapOvr>
-    <a:masterClrMapping/>
-  </p:clrMapOvr>
-</p:notes>
-</file>
-
-<file path=ppt/notesSlides/notesSlide70.xml><?xml version="1.0" encoding="utf-8"?>
-<p:notes xmlns:a="http://schemas.openxmlformats.org/drawingml/2006/main" xmlns:r="http://schemas.openxmlformats.org/officeDocument/2006/relationships" xmlns:p="http://schemas.openxmlformats.org/presentationml/2006/main">
-  <p:cSld>
-    <p:spTree>
-      <p:nvGrpSpPr>
-        <p:cNvPr id="1" name=""/>
-        <p:cNvGrpSpPr/>
-        <p:nvPr/>
-      </p:nvGrpSpPr>
-      <p:grpSpPr>
-        <a:xfrm>
-          <a:off x="0" y="0"/>
-          <a:ext cx="0" cy="0"/>
-          <a:chOff x="0" y="0"/>
-          <a:chExt cx="0" cy="0"/>
-        </a:xfrm>
-      </p:grpSpPr>
-      <p:sp>
-        <p:nvSpPr>
-          <p:cNvPr id="2" name="Образ слайда 1"/>
-          <p:cNvSpPr>
-            <a:spLocks noGrp="1" noRot="1" noChangeAspect="1"/>
-          </p:cNvSpPr>
-          <p:nvPr>
-            <p:ph type="sldImg"/>
-          </p:nvPr>
-        </p:nvSpPr>
-        <p:spPr>
-          <a:xfrm>
-            <a:off x="685800" y="1143000"/>
-            <a:ext cx="5486400" cy="3086100"/>
-          </a:xfrm>
-        </p:spPr>
-      </p:sp>
-      <p:sp>
-        <p:nvSpPr>
-          <p:cNvPr id="3" name="Заметки 2"/>
-          <p:cNvSpPr>
-            <a:spLocks noGrp="1"/>
-          </p:cNvSpPr>
-          <p:nvPr>
-            <p:ph type="body" idx="1"/>
-          </p:nvPr>
-        </p:nvSpPr>
-        <p:spPr/>
-        <p:txBody>
-          <a:bodyPr/>
-          <a:lstStyle/>
-          <a:p>
-            <a:endParaRPr lang="ru-RU"/>
-          </a:p>
-        </p:txBody>
-      </p:sp>
-      <p:sp>
-        <p:nvSpPr>
-          <p:cNvPr id="4" name="Номер слайда 3"/>
-          <p:cNvSpPr>
-            <a:spLocks noGrp="1"/>
-          </p:cNvSpPr>
-          <p:nvPr>
-            <p:ph type="sldNum" sz="quarter" idx="10"/>
-          </p:nvPr>
-        </p:nvSpPr>
-        <p:spPr/>
-        <p:txBody>
-          <a:bodyPr/>
-          <a:lstStyle/>
-          <a:p>
-            <a:fld id="{F0F4E2F1-1521-4C3A-A563-2F7D19AB6E0B}" type="slidenum">
-              <a:rPr lang="en-US" smtClean="0"/>
-              <a:pPr/>
-              <a:t>70</a:t>
-            </a:fld>
-            <a:endParaRPr lang="en-US"/>
-          </a:p>
-        </p:txBody>
-      </p:sp>
-    </p:spTree>
-    <p:extLst>
-      <p:ext uri="{BB962C8B-B14F-4D97-AF65-F5344CB8AC3E}">
-        <p14:creationId xmlns:p14="http://schemas.microsoft.com/office/powerpoint/2010/main" val="2925621090"/>
-      </p:ext>
-    </p:extLst>
-  </p:cSld>
-  <p:clrMapOvr>
-    <a:masterClrMapping/>
-  </p:clrMapOvr>
-</p:notes>
-</file>
-
-<file path=ppt/notesSlides/notesSlide71.xml><?xml version="1.0" encoding="utf-8"?>
-<p:notes xmlns:a="http://schemas.openxmlformats.org/drawingml/2006/main" xmlns:r="http://schemas.openxmlformats.org/officeDocument/2006/relationships" xmlns:p="http://schemas.openxmlformats.org/presentationml/2006/main">
-  <p:cSld>
-    <p:spTree>
-      <p:nvGrpSpPr>
-        <p:cNvPr id="1" name=""/>
-        <p:cNvGrpSpPr/>
-        <p:nvPr/>
-      </p:nvGrpSpPr>
-      <p:grpSpPr>
-        <a:xfrm>
-          <a:off x="0" y="0"/>
-          <a:ext cx="0" cy="0"/>
-          <a:chOff x="0" y="0"/>
-          <a:chExt cx="0" cy="0"/>
-        </a:xfrm>
-      </p:grpSpPr>
-      <p:sp>
-        <p:nvSpPr>
-          <p:cNvPr id="2" name="Образ слайда 1"/>
-          <p:cNvSpPr>
-            <a:spLocks noGrp="1" noRot="1" noChangeAspect="1"/>
-          </p:cNvSpPr>
-          <p:nvPr>
-            <p:ph type="sldImg"/>
-          </p:nvPr>
-        </p:nvSpPr>
-        <p:spPr>
-          <a:xfrm>
-            <a:off x="685800" y="1143000"/>
-            <a:ext cx="5486400" cy="3086100"/>
-          </a:xfrm>
-        </p:spPr>
-      </p:sp>
-      <p:sp>
-        <p:nvSpPr>
-          <p:cNvPr id="3" name="Заметки 2"/>
-          <p:cNvSpPr>
-            <a:spLocks noGrp="1"/>
-          </p:cNvSpPr>
-          <p:nvPr>
-            <p:ph type="body" idx="1"/>
-          </p:nvPr>
-        </p:nvSpPr>
-        <p:spPr/>
-        <p:txBody>
-          <a:bodyPr/>
-          <a:lstStyle/>
-          <a:p>
-            <a:endParaRPr lang="ru-RU"/>
-          </a:p>
-        </p:txBody>
-      </p:sp>
-      <p:sp>
-        <p:nvSpPr>
-          <p:cNvPr id="4" name="Номер слайда 3"/>
-          <p:cNvSpPr>
-            <a:spLocks noGrp="1"/>
-          </p:cNvSpPr>
-          <p:nvPr>
-            <p:ph type="sldNum" sz="quarter" idx="10"/>
-          </p:nvPr>
-        </p:nvSpPr>
-        <p:spPr/>
-        <p:txBody>
-          <a:bodyPr/>
-          <a:lstStyle/>
-          <a:p>
-            <a:fld id="{F0F4E2F1-1521-4C3A-A563-2F7D19AB6E0B}" type="slidenum">
-              <a:rPr lang="en-US" smtClean="0"/>
-              <a:pPr/>
-              <a:t>71</a:t>
-            </a:fld>
-            <a:endParaRPr lang="en-US"/>
-          </a:p>
-        </p:txBody>
-      </p:sp>
-    </p:spTree>
-    <p:extLst>
-      <p:ext uri="{BB962C8B-B14F-4D97-AF65-F5344CB8AC3E}">
-        <p14:creationId xmlns:p14="http://schemas.microsoft.com/office/powerpoint/2010/main" val="285830521"/>
-      </p:ext>
-    </p:extLst>
-  </p:cSld>
-  <p:clrMapOvr>
-    <a:masterClrMapping/>
-  </p:clrMapOvr>
-</p:notes>
-</file>
-
-<file path=ppt/notesSlides/notesSlide72.xml><?xml version="1.0" encoding="utf-8"?>
-<p:notes xmlns:a="http://schemas.openxmlformats.org/drawingml/2006/main" xmlns:r="http://schemas.openxmlformats.org/officeDocument/2006/relationships" xmlns:p="http://schemas.openxmlformats.org/presentationml/2006/main">
-  <p:cSld>
-    <p:spTree>
-      <p:nvGrpSpPr>
-        <p:cNvPr id="1" name=""/>
-        <p:cNvGrpSpPr/>
-        <p:nvPr/>
-      </p:nvGrpSpPr>
-      <p:grpSpPr>
-        <a:xfrm>
-          <a:off x="0" y="0"/>
-          <a:ext cx="0" cy="0"/>
-          <a:chOff x="0" y="0"/>
-          <a:chExt cx="0" cy="0"/>
-        </a:xfrm>
-      </p:grpSpPr>
-      <p:sp>
-        <p:nvSpPr>
-          <p:cNvPr id="2" name="Образ слайда 1"/>
-          <p:cNvSpPr>
-            <a:spLocks noGrp="1" noRot="1" noChangeAspect="1"/>
-          </p:cNvSpPr>
-          <p:nvPr>
-            <p:ph type="sldImg"/>
-          </p:nvPr>
-        </p:nvSpPr>
-        <p:spPr>
-          <a:xfrm>
-            <a:off x="685800" y="1143000"/>
-            <a:ext cx="5486400" cy="3086100"/>
-          </a:xfrm>
-        </p:spPr>
-      </p:sp>
-      <p:sp>
-        <p:nvSpPr>
-          <p:cNvPr id="3" name="Заметки 2"/>
-          <p:cNvSpPr>
-            <a:spLocks noGrp="1"/>
-          </p:cNvSpPr>
-          <p:nvPr>
-            <p:ph type="body" idx="1"/>
-          </p:nvPr>
-        </p:nvSpPr>
-        <p:spPr/>
-        <p:txBody>
-          <a:bodyPr/>
-          <a:lstStyle/>
-          <a:p>
-            <a:endParaRPr lang="ru-RU"/>
-          </a:p>
-        </p:txBody>
-      </p:sp>
-      <p:sp>
-        <p:nvSpPr>
-          <p:cNvPr id="4" name="Номер слайда 3"/>
-          <p:cNvSpPr>
-            <a:spLocks noGrp="1"/>
-          </p:cNvSpPr>
-          <p:nvPr>
-            <p:ph type="sldNum" sz="quarter" idx="10"/>
-          </p:nvPr>
-        </p:nvSpPr>
-        <p:spPr/>
-        <p:txBody>
-          <a:bodyPr/>
-          <a:lstStyle/>
-          <a:p>
-            <a:fld id="{F0F4E2F1-1521-4C3A-A563-2F7D19AB6E0B}" type="slidenum">
-              <a:rPr lang="en-US" smtClean="0"/>
-              <a:pPr/>
-              <a:t>72</a:t>
-            </a:fld>
-            <a:endParaRPr lang="en-US"/>
-          </a:p>
-        </p:txBody>
-      </p:sp>
-    </p:spTree>
-    <p:extLst>
-      <p:ext uri="{BB962C8B-B14F-4D97-AF65-F5344CB8AC3E}">
-        <p14:creationId xmlns:p14="http://schemas.microsoft.com/office/powerpoint/2010/main" val="3184564910"/>
-      </p:ext>
-    </p:extLst>
-  </p:cSld>
-  <p:clrMapOvr>
-    <a:masterClrMapping/>
-  </p:clrMapOvr>
-</p:notes>
-</file>
-
-<file path=ppt/notesSlides/notesSlide73.xml><?xml version="1.0" encoding="utf-8"?>
-<p:notes xmlns:a="http://schemas.openxmlformats.org/drawingml/2006/main" xmlns:r="http://schemas.openxmlformats.org/officeDocument/2006/relationships" xmlns:p="http://schemas.openxmlformats.org/presentationml/2006/main">
-  <p:cSld>
-    <p:spTree>
-      <p:nvGrpSpPr>
-        <p:cNvPr id="1" name=""/>
-        <p:cNvGrpSpPr/>
-        <p:nvPr/>
-      </p:nvGrpSpPr>
-      <p:grpSpPr>
-        <a:xfrm>
-          <a:off x="0" y="0"/>
-          <a:ext cx="0" cy="0"/>
-          <a:chOff x="0" y="0"/>
-          <a:chExt cx="0" cy="0"/>
-        </a:xfrm>
-      </p:grpSpPr>
-      <p:sp>
-        <p:nvSpPr>
-          <p:cNvPr id="2" name="Образ слайда 1"/>
-          <p:cNvSpPr>
-            <a:spLocks noGrp="1" noRot="1" noChangeAspect="1"/>
-          </p:cNvSpPr>
-          <p:nvPr>
-            <p:ph type="sldImg"/>
-          </p:nvPr>
-        </p:nvSpPr>
-        <p:spPr>
-          <a:xfrm>
-            <a:off x="685800" y="1143000"/>
-            <a:ext cx="5486400" cy="3086100"/>
-          </a:xfrm>
-        </p:spPr>
-      </p:sp>
-      <p:sp>
-        <p:nvSpPr>
-          <p:cNvPr id="3" name="Заметки 2"/>
-          <p:cNvSpPr>
-            <a:spLocks noGrp="1"/>
-          </p:cNvSpPr>
-          <p:nvPr>
-            <p:ph type="body" idx="1"/>
-          </p:nvPr>
-        </p:nvSpPr>
-        <p:spPr/>
-        <p:txBody>
-          <a:bodyPr/>
-          <a:lstStyle/>
-          <a:p>
-            <a:endParaRPr lang="ru-RU"/>
-          </a:p>
-        </p:txBody>
-      </p:sp>
-      <p:sp>
-        <p:nvSpPr>
-          <p:cNvPr id="4" name="Номер слайда 3"/>
-          <p:cNvSpPr>
-            <a:spLocks noGrp="1"/>
-          </p:cNvSpPr>
-          <p:nvPr>
-            <p:ph type="sldNum" sz="quarter" idx="10"/>
-          </p:nvPr>
-        </p:nvSpPr>
-        <p:spPr/>
-        <p:txBody>
-          <a:bodyPr/>
-          <a:lstStyle/>
-          <a:p>
-            <a:fld id="{F0F4E2F1-1521-4C3A-A563-2F7D19AB6E0B}" type="slidenum">
-              <a:rPr lang="en-US" smtClean="0"/>
-              <a:pPr/>
-              <a:t>73</a:t>
-            </a:fld>
-            <a:endParaRPr lang="en-US"/>
-          </a:p>
-        </p:txBody>
-      </p:sp>
-    </p:spTree>
-    <p:extLst>
-      <p:ext uri="{BB962C8B-B14F-4D97-AF65-F5344CB8AC3E}">
-        <p14:creationId xmlns:p14="http://schemas.microsoft.com/office/powerpoint/2010/main" val="1036764351"/>
-      </p:ext>
-    </p:extLst>
-  </p:cSld>
-  <p:clrMapOvr>
-    <a:masterClrMapping/>
-  </p:clrMapOvr>
-</p:notes>
-</file>
-
-<file path=ppt/notesSlides/notesSlide74.xml><?xml version="1.0" encoding="utf-8"?>
-<p:notes xmlns:a="http://schemas.openxmlformats.org/drawingml/2006/main" xmlns:r="http://schemas.openxmlformats.org/officeDocument/2006/relationships" xmlns:p="http://schemas.openxmlformats.org/presentationml/2006/main">
-  <p:cSld>
-    <p:spTree>
-      <p:nvGrpSpPr>
-        <p:cNvPr id="1" name=""/>
-        <p:cNvGrpSpPr/>
-        <p:nvPr/>
-      </p:nvGrpSpPr>
-      <p:grpSpPr>
-        <a:xfrm>
-          <a:off x="0" y="0"/>
-          <a:ext cx="0" cy="0"/>
-          <a:chOff x="0" y="0"/>
-          <a:chExt cx="0" cy="0"/>
-        </a:xfrm>
-      </p:grpSpPr>
-      <p:sp>
-        <p:nvSpPr>
-          <p:cNvPr id="2" name="Образ слайда 1"/>
-          <p:cNvSpPr>
-            <a:spLocks noGrp="1" noRot="1" noChangeAspect="1"/>
-          </p:cNvSpPr>
-          <p:nvPr>
-            <p:ph type="sldImg"/>
-          </p:nvPr>
-        </p:nvSpPr>
-        <p:spPr>
-          <a:xfrm>
-            <a:off x="685800" y="1143000"/>
-            <a:ext cx="5486400" cy="3086100"/>
-          </a:xfrm>
-        </p:spPr>
-      </p:sp>
-      <p:sp>
-        <p:nvSpPr>
-          <p:cNvPr id="3" name="Заметки 2"/>
-          <p:cNvSpPr>
-            <a:spLocks noGrp="1"/>
-          </p:cNvSpPr>
-          <p:nvPr>
-            <p:ph type="body" idx="1"/>
-          </p:nvPr>
-        </p:nvSpPr>
-        <p:spPr/>
-        <p:txBody>
-          <a:bodyPr/>
-          <a:lstStyle/>
-          <a:p>
-            <a:endParaRPr lang="ru-RU"/>
-          </a:p>
-        </p:txBody>
-      </p:sp>
-      <p:sp>
-        <p:nvSpPr>
-          <p:cNvPr id="4" name="Номер слайда 3"/>
-          <p:cNvSpPr>
-            <a:spLocks noGrp="1"/>
-          </p:cNvSpPr>
-          <p:nvPr>
-            <p:ph type="sldNum" sz="quarter" idx="10"/>
-          </p:nvPr>
-        </p:nvSpPr>
-        <p:spPr/>
-        <p:txBody>
-          <a:bodyPr/>
-          <a:lstStyle/>
-          <a:p>
-            <a:fld id="{F0F4E2F1-1521-4C3A-A563-2F7D19AB6E0B}" type="slidenum">
-              <a:rPr lang="en-US" smtClean="0"/>
-              <a:pPr/>
-              <a:t>74</a:t>
-            </a:fld>
-            <a:endParaRPr lang="en-US"/>
-          </a:p>
-        </p:txBody>
-      </p:sp>
-    </p:spTree>
-    <p:extLst>
-      <p:ext uri="{BB962C8B-B14F-4D97-AF65-F5344CB8AC3E}">
-        <p14:creationId xmlns:p14="http://schemas.microsoft.com/office/powerpoint/2010/main" val="3463084077"/>
-      </p:ext>
-    </p:extLst>
-  </p:cSld>
-  <p:clrMapOvr>
-    <a:masterClrMapping/>
-  </p:clrMapOvr>
-</p:notes>
-</file>
-
-<file path=ppt/notesSlides/notesSlide75.xml><?xml version="1.0" encoding="utf-8"?>
-<p:notes xmlns:a="http://schemas.openxmlformats.org/drawingml/2006/main" xmlns:r="http://schemas.openxmlformats.org/officeDocument/2006/relationships" xmlns:p="http://schemas.openxmlformats.org/presentationml/2006/main">
-  <p:cSld>
-    <p:spTree>
-      <p:nvGrpSpPr>
-        <p:cNvPr id="1" name=""/>
-        <p:cNvGrpSpPr/>
-        <p:nvPr/>
-      </p:nvGrpSpPr>
-      <p:grpSpPr>
-        <a:xfrm>
-          <a:off x="0" y="0"/>
-          <a:ext cx="0" cy="0"/>
-          <a:chOff x="0" y="0"/>
-          <a:chExt cx="0" cy="0"/>
-        </a:xfrm>
-      </p:grpSpPr>
-      <p:sp>
-        <p:nvSpPr>
-          <p:cNvPr id="2" name="Образ слайда 1"/>
-          <p:cNvSpPr>
-            <a:spLocks noGrp="1" noRot="1" noChangeAspect="1"/>
-          </p:cNvSpPr>
-          <p:nvPr>
-            <p:ph type="sldImg"/>
-          </p:nvPr>
-        </p:nvSpPr>
-        <p:spPr>
-          <a:xfrm>
-            <a:off x="685800" y="1143000"/>
-            <a:ext cx="5486400" cy="3086100"/>
-          </a:xfrm>
-        </p:spPr>
-      </p:sp>
-      <p:sp>
-        <p:nvSpPr>
-          <p:cNvPr id="3" name="Заметки 2"/>
-          <p:cNvSpPr>
-            <a:spLocks noGrp="1"/>
-          </p:cNvSpPr>
-          <p:nvPr>
-            <p:ph type="body" idx="1"/>
-          </p:nvPr>
-        </p:nvSpPr>
-        <p:spPr/>
-        <p:txBody>
-          <a:bodyPr/>
-          <a:lstStyle/>
-          <a:p>
-            <a:endParaRPr lang="ru-RU"/>
-          </a:p>
-        </p:txBody>
-      </p:sp>
-      <p:sp>
-        <p:nvSpPr>
-          <p:cNvPr id="4" name="Номер слайда 3"/>
-          <p:cNvSpPr>
-            <a:spLocks noGrp="1"/>
-          </p:cNvSpPr>
-          <p:nvPr>
-            <p:ph type="sldNum" sz="quarter" idx="10"/>
-          </p:nvPr>
-        </p:nvSpPr>
-        <p:spPr/>
-        <p:txBody>
-          <a:bodyPr/>
-          <a:lstStyle/>
-          <a:p>
-            <a:fld id="{F0F4E2F1-1521-4C3A-A563-2F7D19AB6E0B}" type="slidenum">
-              <a:rPr lang="en-US" smtClean="0"/>
-              <a:pPr/>
-              <a:t>75</a:t>
-            </a:fld>
-            <a:endParaRPr lang="en-US"/>
-          </a:p>
-        </p:txBody>
-      </p:sp>
-    </p:spTree>
-    <p:extLst>
-      <p:ext uri="{BB962C8B-B14F-4D97-AF65-F5344CB8AC3E}">
-        <p14:creationId xmlns:p14="http://schemas.microsoft.com/office/powerpoint/2010/main" val="352084144"/>
       </p:ext>
     </p:extLst>
   </p:cSld>
@@ -7474,7 +4562,7 @@
           <p:cNvPr id="9" name="Номер слайда 3">
             <a:extLst>
               <a:ext uri="{FF2B5EF4-FFF2-40B4-BE49-F238E27FC236}">
-                <a16:creationId xmlns:a16="http://schemas.microsoft.com/office/drawing/2014/main" id="{3DF48714-7FE4-4364-BF9D-28B9C9E2979D}"/>
+                <a16:creationId xmlns:a16="http://schemas.microsoft.com/office/drawing/2014/main" xmlns="" id="{3DF48714-7FE4-4364-BF9D-28B9C9E2979D}"/>
               </a:ext>
             </a:extLst>
           </p:cNvPr>
@@ -7686,7 +4774,7 @@
           <p:cNvPr id="10" name="Номер слайда 3">
             <a:extLst>
               <a:ext uri="{FF2B5EF4-FFF2-40B4-BE49-F238E27FC236}">
-                <a16:creationId xmlns:a16="http://schemas.microsoft.com/office/drawing/2014/main" id="{3DF48714-7FE4-4364-BF9D-28B9C9E2979D}"/>
+                <a16:creationId xmlns:a16="http://schemas.microsoft.com/office/drawing/2014/main" xmlns="" id="{3DF48714-7FE4-4364-BF9D-28B9C9E2979D}"/>
               </a:ext>
             </a:extLst>
           </p:cNvPr>
@@ -7905,7 +4993,7 @@
           <p:cNvPr id="9" name="Номер слайда 3">
             <a:extLst>
               <a:ext uri="{FF2B5EF4-FFF2-40B4-BE49-F238E27FC236}">
-                <a16:creationId xmlns:a16="http://schemas.microsoft.com/office/drawing/2014/main" id="{3DF48714-7FE4-4364-BF9D-28B9C9E2979D}"/>
+                <a16:creationId xmlns:a16="http://schemas.microsoft.com/office/drawing/2014/main" xmlns="" id="{3DF48714-7FE4-4364-BF9D-28B9C9E2979D}"/>
               </a:ext>
             </a:extLst>
           </p:cNvPr>
@@ -8035,7 +5123,7 @@
           <p:cNvPr id="7" name="Номер слайда 3">
             <a:extLst>
               <a:ext uri="{FF2B5EF4-FFF2-40B4-BE49-F238E27FC236}">
-                <a16:creationId xmlns:a16="http://schemas.microsoft.com/office/drawing/2014/main" id="{3DF48714-7FE4-4364-BF9D-28B9C9E2979D}"/>
+                <a16:creationId xmlns:a16="http://schemas.microsoft.com/office/drawing/2014/main" xmlns="" id="{3DF48714-7FE4-4364-BF9D-28B9C9E2979D}"/>
               </a:ext>
             </a:extLst>
           </p:cNvPr>
@@ -8247,7 +5335,7 @@
           <p:cNvPr id="9" name="Номер слайда 3">
             <a:extLst>
               <a:ext uri="{FF2B5EF4-FFF2-40B4-BE49-F238E27FC236}">
-                <a16:creationId xmlns:a16="http://schemas.microsoft.com/office/drawing/2014/main" id="{3DF48714-7FE4-4364-BF9D-28B9C9E2979D}"/>
+                <a16:creationId xmlns:a16="http://schemas.microsoft.com/office/drawing/2014/main" xmlns="" id="{3DF48714-7FE4-4364-BF9D-28B9C9E2979D}"/>
               </a:ext>
             </a:extLst>
           </p:cNvPr>
@@ -8535,7 +5623,7 @@
           <p:cNvPr id="9" name="Номер слайда 3">
             <a:extLst>
               <a:ext uri="{FF2B5EF4-FFF2-40B4-BE49-F238E27FC236}">
-                <a16:creationId xmlns:a16="http://schemas.microsoft.com/office/drawing/2014/main" id="{3DF48714-7FE4-4364-BF9D-28B9C9E2979D}"/>
+                <a16:creationId xmlns:a16="http://schemas.microsoft.com/office/drawing/2014/main" xmlns="" id="{3DF48714-7FE4-4364-BF9D-28B9C9E2979D}"/>
               </a:ext>
             </a:extLst>
           </p:cNvPr>
@@ -8806,7 +5894,7 @@
           <p:cNvPr id="10" name="Номер слайда 3">
             <a:extLst>
               <a:ext uri="{FF2B5EF4-FFF2-40B4-BE49-F238E27FC236}">
-                <a16:creationId xmlns:a16="http://schemas.microsoft.com/office/drawing/2014/main" id="{3DF48714-7FE4-4364-BF9D-28B9C9E2979D}"/>
+                <a16:creationId xmlns:a16="http://schemas.microsoft.com/office/drawing/2014/main" xmlns="" id="{3DF48714-7FE4-4364-BF9D-28B9C9E2979D}"/>
               </a:ext>
             </a:extLst>
           </p:cNvPr>
@@ -9212,7 +6300,7 @@
           <p:cNvPr id="12" name="Номер слайда 3">
             <a:extLst>
               <a:ext uri="{FF2B5EF4-FFF2-40B4-BE49-F238E27FC236}">
-                <a16:creationId xmlns:a16="http://schemas.microsoft.com/office/drawing/2014/main" id="{3DF48714-7FE4-4364-BF9D-28B9C9E2979D}"/>
+                <a16:creationId xmlns:a16="http://schemas.microsoft.com/office/drawing/2014/main" xmlns="" id="{3DF48714-7FE4-4364-BF9D-28B9C9E2979D}"/>
               </a:ext>
             </a:extLst>
           </p:cNvPr>
@@ -9369,7 +6457,7 @@
           <p:cNvPr id="8" name="Номер слайда 3">
             <a:extLst>
               <a:ext uri="{FF2B5EF4-FFF2-40B4-BE49-F238E27FC236}">
-                <a16:creationId xmlns:a16="http://schemas.microsoft.com/office/drawing/2014/main" id="{3DF48714-7FE4-4364-BF9D-28B9C9E2979D}"/>
+                <a16:creationId xmlns:a16="http://schemas.microsoft.com/office/drawing/2014/main" xmlns="" id="{3DF48714-7FE4-4364-BF9D-28B9C9E2979D}"/>
               </a:ext>
             </a:extLst>
           </p:cNvPr>
@@ -9506,7 +6594,7 @@
           <p:cNvPr id="7" name="Номер слайда 3">
             <a:extLst>
               <a:ext uri="{FF2B5EF4-FFF2-40B4-BE49-F238E27FC236}">
-                <a16:creationId xmlns:a16="http://schemas.microsoft.com/office/drawing/2014/main" id="{3DF48714-7FE4-4364-BF9D-28B9C9E2979D}"/>
+                <a16:creationId xmlns:a16="http://schemas.microsoft.com/office/drawing/2014/main" xmlns="" id="{3DF48714-7FE4-4364-BF9D-28B9C9E2979D}"/>
               </a:ext>
             </a:extLst>
           </p:cNvPr>
@@ -9825,7 +6913,7 @@
           <p:cNvPr id="10" name="Номер слайда 3">
             <a:extLst>
               <a:ext uri="{FF2B5EF4-FFF2-40B4-BE49-F238E27FC236}">
-                <a16:creationId xmlns:a16="http://schemas.microsoft.com/office/drawing/2014/main" id="{3DF48714-7FE4-4364-BF9D-28B9C9E2979D}"/>
+                <a16:creationId xmlns:a16="http://schemas.microsoft.com/office/drawing/2014/main" xmlns="" id="{3DF48714-7FE4-4364-BF9D-28B9C9E2979D}"/>
               </a:ext>
             </a:extLst>
           </p:cNvPr>
@@ -10121,7 +7209,7 @@
           <p:cNvPr id="10" name="Номер слайда 3">
             <a:extLst>
               <a:ext uri="{FF2B5EF4-FFF2-40B4-BE49-F238E27FC236}">
-                <a16:creationId xmlns:a16="http://schemas.microsoft.com/office/drawing/2014/main" id="{3DF48714-7FE4-4364-BF9D-28B9C9E2979D}"/>
+                <a16:creationId xmlns:a16="http://schemas.microsoft.com/office/drawing/2014/main" xmlns="" id="{3DF48714-7FE4-4364-BF9D-28B9C9E2979D}"/>
               </a:ext>
             </a:extLst>
           </p:cNvPr>
@@ -10394,7 +7482,7 @@
           <p:cNvPr id="9" name="Номер слайда 3">
             <a:extLst>
               <a:ext uri="{FF2B5EF4-FFF2-40B4-BE49-F238E27FC236}">
-                <a16:creationId xmlns:a16="http://schemas.microsoft.com/office/drawing/2014/main" id="{3DF48714-7FE4-4364-BF9D-28B9C9E2979D}"/>
+                <a16:creationId xmlns:a16="http://schemas.microsoft.com/office/drawing/2014/main" xmlns="" id="{3DF48714-7FE4-4364-BF9D-28B9C9E2979D}"/>
               </a:ext>
             </a:extLst>
           </p:cNvPr>
@@ -10856,7 +7944,7 @@
           <p:cNvPr id="17" name="Заголовок 16">
             <a:extLst>
               <a:ext uri="{FF2B5EF4-FFF2-40B4-BE49-F238E27FC236}">
-                <a16:creationId xmlns:a16="http://schemas.microsoft.com/office/drawing/2014/main" id="{D630362D-1F09-46B4-9DE4-AEA483AC82FD}"/>
+                <a16:creationId xmlns:a16="http://schemas.microsoft.com/office/drawing/2014/main" xmlns="" id="{D630362D-1F09-46B4-9DE4-AEA483AC82FD}"/>
               </a:ext>
             </a:extLst>
           </p:cNvPr>
@@ -11048,7 +8136,7 @@
           <p:cNvPr id="12" name="TextBox 11">
             <a:extLst>
               <a:ext uri="{FF2B5EF4-FFF2-40B4-BE49-F238E27FC236}">
-                <a16:creationId xmlns:a16="http://schemas.microsoft.com/office/drawing/2014/main" id="{F7B00361-5492-4290-B470-295172C16526}"/>
+                <a16:creationId xmlns:a16="http://schemas.microsoft.com/office/drawing/2014/main" xmlns="" id="{F7B00361-5492-4290-B470-295172C16526}"/>
               </a:ext>
             </a:extLst>
           </p:cNvPr>
@@ -11358,7 +8446,7 @@
           <p:cNvPr id="22" name="Rectangle 28" descr="Светлый диагональный 2">
             <a:extLst>
               <a:ext uri="{FF2B5EF4-FFF2-40B4-BE49-F238E27FC236}">
-                <a16:creationId xmlns:a16="http://schemas.microsoft.com/office/drawing/2014/main" id="{2A0E99F7-A4CC-4E8F-8C74-D6A03276576B}"/>
+                <a16:creationId xmlns:a16="http://schemas.microsoft.com/office/drawing/2014/main" xmlns="" id="{2A0E99F7-A4CC-4E8F-8C74-D6A03276576B}"/>
               </a:ext>
             </a:extLst>
           </p:cNvPr>
@@ -11427,7 +8515,7 @@
           <p:cNvPr id="23" name="TextBox 22">
             <a:extLst>
               <a:ext uri="{FF2B5EF4-FFF2-40B4-BE49-F238E27FC236}">
-                <a16:creationId xmlns:a16="http://schemas.microsoft.com/office/drawing/2014/main" id="{99DF0FE0-DB9D-4180-8370-CD26FB46DF57}"/>
+                <a16:creationId xmlns:a16="http://schemas.microsoft.com/office/drawing/2014/main" xmlns="" id="{99DF0FE0-DB9D-4180-8370-CD26FB46DF57}"/>
               </a:ext>
             </a:extLst>
           </p:cNvPr>
@@ -13284,7 +10372,7 @@
           <p:cNvPr id="23" name="TextBox 22">
             <a:extLst>
               <a:ext uri="{FF2B5EF4-FFF2-40B4-BE49-F238E27FC236}">
-                <a16:creationId xmlns:a16="http://schemas.microsoft.com/office/drawing/2014/main" id="{99DF0FE0-DB9D-4180-8370-CD26FB46DF57}"/>
+                <a16:creationId xmlns:a16="http://schemas.microsoft.com/office/drawing/2014/main" xmlns="" id="{99DF0FE0-DB9D-4180-8370-CD26FB46DF57}"/>
               </a:ext>
             </a:extLst>
           </p:cNvPr>
@@ -13837,7 +10925,7 @@
           <p:cNvPr id="12" name="TextBox 11">
             <a:extLst>
               <a:ext uri="{FF2B5EF4-FFF2-40B4-BE49-F238E27FC236}">
-                <a16:creationId xmlns:a16="http://schemas.microsoft.com/office/drawing/2014/main" id="{99DF0FE0-DB9D-4180-8370-CD26FB46DF57}"/>
+                <a16:creationId xmlns:a16="http://schemas.microsoft.com/office/drawing/2014/main" xmlns="" id="{99DF0FE0-DB9D-4180-8370-CD26FB46DF57}"/>
               </a:ext>
             </a:extLst>
           </p:cNvPr>
@@ -15136,7 +12224,7 @@
           <p:cNvPr id="15" name="TextBox 14">
             <a:extLst>
               <a:ext uri="{FF2B5EF4-FFF2-40B4-BE49-F238E27FC236}">
-                <a16:creationId xmlns:a16="http://schemas.microsoft.com/office/drawing/2014/main" id="{99DF0FE0-DB9D-4180-8370-CD26FB46DF57}"/>
+                <a16:creationId xmlns:a16="http://schemas.microsoft.com/office/drawing/2014/main" xmlns="" id="{99DF0FE0-DB9D-4180-8370-CD26FB46DF57}"/>
               </a:ext>
             </a:extLst>
           </p:cNvPr>
@@ -16203,7 +13291,7 @@
           <p:cNvPr id="15" name="TextBox 14">
             <a:extLst>
               <a:ext uri="{FF2B5EF4-FFF2-40B4-BE49-F238E27FC236}">
-                <a16:creationId xmlns:a16="http://schemas.microsoft.com/office/drawing/2014/main" id="{99DF0FE0-DB9D-4180-8370-CD26FB46DF57}"/>
+                <a16:creationId xmlns:a16="http://schemas.microsoft.com/office/drawing/2014/main" xmlns="" id="{99DF0FE0-DB9D-4180-8370-CD26FB46DF57}"/>
               </a:ext>
             </a:extLst>
           </p:cNvPr>
@@ -16362,7 +13450,7 @@
           <p:cNvPr id="25" name="TextBox 24">
             <a:extLst>
               <a:ext uri="{FF2B5EF4-FFF2-40B4-BE49-F238E27FC236}">
-                <a16:creationId xmlns:a16="http://schemas.microsoft.com/office/drawing/2014/main" id="{A3B76C38-5C63-40EA-9C87-3E38ECF3DF17}"/>
+                <a16:creationId xmlns:a16="http://schemas.microsoft.com/office/drawing/2014/main" xmlns="" id="{A3B76C38-5C63-40EA-9C87-3E38ECF3DF17}"/>
               </a:ext>
             </a:extLst>
           </p:cNvPr>
@@ -16766,7 +13854,7 @@
           <p:cNvPr id="9" name="Rectangle 28" descr="Светлый диагональный 2">
             <a:extLst>
               <a:ext uri="{FF2B5EF4-FFF2-40B4-BE49-F238E27FC236}">
-                <a16:creationId xmlns:a16="http://schemas.microsoft.com/office/drawing/2014/main" id="{2A0E99F7-A4CC-4E8F-8C74-D6A03276576B}"/>
+                <a16:creationId xmlns:a16="http://schemas.microsoft.com/office/drawing/2014/main" xmlns="" id="{2A0E99F7-A4CC-4E8F-8C74-D6A03276576B}"/>
               </a:ext>
             </a:extLst>
           </p:cNvPr>
@@ -16835,7 +13923,7 @@
           <p:cNvPr id="5" name="TextBox 4">
             <a:extLst>
               <a:ext uri="{FF2B5EF4-FFF2-40B4-BE49-F238E27FC236}">
-                <a16:creationId xmlns:a16="http://schemas.microsoft.com/office/drawing/2014/main" id="{A3B76C38-5C63-40EA-9C87-3E38ECF3DF17}"/>
+                <a16:creationId xmlns:a16="http://schemas.microsoft.com/office/drawing/2014/main" xmlns="" id="{A3B76C38-5C63-40EA-9C87-3E38ECF3DF17}"/>
               </a:ext>
             </a:extLst>
           </p:cNvPr>
@@ -17397,7 +14485,7 @@
           <p:cNvPr id="25" name="TextBox 24">
             <a:extLst>
               <a:ext uri="{FF2B5EF4-FFF2-40B4-BE49-F238E27FC236}">
-                <a16:creationId xmlns:a16="http://schemas.microsoft.com/office/drawing/2014/main" id="{A3B76C38-5C63-40EA-9C87-3E38ECF3DF17}"/>
+                <a16:creationId xmlns:a16="http://schemas.microsoft.com/office/drawing/2014/main" xmlns="" id="{A3B76C38-5C63-40EA-9C87-3E38ECF3DF17}"/>
               </a:ext>
             </a:extLst>
           </p:cNvPr>
@@ -19544,7 +16632,7 @@
           <p:cNvPr id="22" name="Rectangle 28" descr="Светлый диагональный 2">
             <a:extLst>
               <a:ext uri="{FF2B5EF4-FFF2-40B4-BE49-F238E27FC236}">
-                <a16:creationId xmlns:a16="http://schemas.microsoft.com/office/drawing/2014/main" id="{2A0E99F7-A4CC-4E8F-8C74-D6A03276576B}"/>
+                <a16:creationId xmlns:a16="http://schemas.microsoft.com/office/drawing/2014/main" xmlns="" id="{2A0E99F7-A4CC-4E8F-8C74-D6A03276576B}"/>
               </a:ext>
             </a:extLst>
           </p:cNvPr>
@@ -19613,7 +16701,7 @@
           <p:cNvPr id="23" name="TextBox 22">
             <a:extLst>
               <a:ext uri="{FF2B5EF4-FFF2-40B4-BE49-F238E27FC236}">
-                <a16:creationId xmlns:a16="http://schemas.microsoft.com/office/drawing/2014/main" id="{99DF0FE0-DB9D-4180-8370-CD26FB46DF57}"/>
+                <a16:creationId xmlns:a16="http://schemas.microsoft.com/office/drawing/2014/main" xmlns="" id="{99DF0FE0-DB9D-4180-8370-CD26FB46DF57}"/>
               </a:ext>
             </a:extLst>
           </p:cNvPr>
@@ -20039,7 +17127,7 @@
           <p:cNvPr id="10" name="TextBox 9">
             <a:extLst>
               <a:ext uri="{FF2B5EF4-FFF2-40B4-BE49-F238E27FC236}">
-                <a16:creationId xmlns:a16="http://schemas.microsoft.com/office/drawing/2014/main" id="{99DF0FE0-DB9D-4180-8370-CD26FB46DF57}"/>
+                <a16:creationId xmlns:a16="http://schemas.microsoft.com/office/drawing/2014/main" xmlns="" id="{99DF0FE0-DB9D-4180-8370-CD26FB46DF57}"/>
               </a:ext>
             </a:extLst>
           </p:cNvPr>
@@ -20785,7 +17873,7 @@
           <p:cNvPr id="23" name="TextBox 22">
             <a:extLst>
               <a:ext uri="{FF2B5EF4-FFF2-40B4-BE49-F238E27FC236}">
-                <a16:creationId xmlns:a16="http://schemas.microsoft.com/office/drawing/2014/main" id="{99DF0FE0-DB9D-4180-8370-CD26FB46DF57}"/>
+                <a16:creationId xmlns:a16="http://schemas.microsoft.com/office/drawing/2014/main" xmlns="" id="{99DF0FE0-DB9D-4180-8370-CD26FB46DF57}"/>
               </a:ext>
             </a:extLst>
           </p:cNvPr>
@@ -21381,7 +18469,7 @@
           <p:cNvPr id="15" name="TextBox 14">
             <a:extLst>
               <a:ext uri="{FF2B5EF4-FFF2-40B4-BE49-F238E27FC236}">
-                <a16:creationId xmlns:a16="http://schemas.microsoft.com/office/drawing/2014/main" id="{99DF0FE0-DB9D-4180-8370-CD26FB46DF57}"/>
+                <a16:creationId xmlns:a16="http://schemas.microsoft.com/office/drawing/2014/main" xmlns="" id="{99DF0FE0-DB9D-4180-8370-CD26FB46DF57}"/>
               </a:ext>
             </a:extLst>
           </p:cNvPr>
@@ -21444,7 +18532,7 @@
           <p:cNvPr id="10" name="TextBox 9">
             <a:extLst>
               <a:ext uri="{FF2B5EF4-FFF2-40B4-BE49-F238E27FC236}">
-                <a16:creationId xmlns:a16="http://schemas.microsoft.com/office/drawing/2014/main" id="{99DF0FE0-DB9D-4180-8370-CD26FB46DF57}"/>
+                <a16:creationId xmlns:a16="http://schemas.microsoft.com/office/drawing/2014/main" xmlns="" id="{99DF0FE0-DB9D-4180-8370-CD26FB46DF57}"/>
               </a:ext>
             </a:extLst>
           </p:cNvPr>
@@ -21608,7 +18696,7 @@
           <p:cNvPr id="25" name="TextBox 24">
             <a:extLst>
               <a:ext uri="{FF2B5EF4-FFF2-40B4-BE49-F238E27FC236}">
-                <a16:creationId xmlns:a16="http://schemas.microsoft.com/office/drawing/2014/main" id="{A3B76C38-5C63-40EA-9C87-3E38ECF3DF17}"/>
+                <a16:creationId xmlns:a16="http://schemas.microsoft.com/office/drawing/2014/main" xmlns="" id="{A3B76C38-5C63-40EA-9C87-3E38ECF3DF17}"/>
               </a:ext>
             </a:extLst>
           </p:cNvPr>
@@ -22275,7 +19363,7 @@
           <p:cNvPr id="9" name="Rectangle 28" descr="Светлый диагональный 2">
             <a:extLst>
               <a:ext uri="{FF2B5EF4-FFF2-40B4-BE49-F238E27FC236}">
-                <a16:creationId xmlns:a16="http://schemas.microsoft.com/office/drawing/2014/main" id="{2A0E99F7-A4CC-4E8F-8C74-D6A03276576B}"/>
+                <a16:creationId xmlns:a16="http://schemas.microsoft.com/office/drawing/2014/main" xmlns="" id="{2A0E99F7-A4CC-4E8F-8C74-D6A03276576B}"/>
               </a:ext>
             </a:extLst>
           </p:cNvPr>
@@ -22452,7 +19540,7 @@
           <p:cNvPr id="23" name="TextBox 22">
             <a:extLst>
               <a:ext uri="{FF2B5EF4-FFF2-40B4-BE49-F238E27FC236}">
-                <a16:creationId xmlns:a16="http://schemas.microsoft.com/office/drawing/2014/main" id="{99DF0FE0-DB9D-4180-8370-CD26FB46DF57}"/>
+                <a16:creationId xmlns:a16="http://schemas.microsoft.com/office/drawing/2014/main" xmlns="" id="{99DF0FE0-DB9D-4180-8370-CD26FB46DF57}"/>
               </a:ext>
             </a:extLst>
           </p:cNvPr>
@@ -23064,7 +20152,7 @@
           <p:cNvPr id="22" name="Rectangle 28" descr="Светлый диагональный 2">
             <a:extLst>
               <a:ext uri="{FF2B5EF4-FFF2-40B4-BE49-F238E27FC236}">
-                <a16:creationId xmlns:a16="http://schemas.microsoft.com/office/drawing/2014/main" id="{2A0E99F7-A4CC-4E8F-8C74-D6A03276576B}"/>
+                <a16:creationId xmlns:a16="http://schemas.microsoft.com/office/drawing/2014/main" xmlns="" id="{2A0E99F7-A4CC-4E8F-8C74-D6A03276576B}"/>
               </a:ext>
             </a:extLst>
           </p:cNvPr>
@@ -25462,7 +22550,7 @@
           <p:cNvPr id="36" name="Rectangle 28" descr="Светлый диагональный 2">
             <a:extLst>
               <a:ext uri="{FF2B5EF4-FFF2-40B4-BE49-F238E27FC236}">
-                <a16:creationId xmlns:a16="http://schemas.microsoft.com/office/drawing/2014/main" id="{2A0E99F7-A4CC-4E8F-8C74-D6A03276576B}"/>
+                <a16:creationId xmlns:a16="http://schemas.microsoft.com/office/drawing/2014/main" xmlns="" id="{2A0E99F7-A4CC-4E8F-8C74-D6A03276576B}"/>
               </a:ext>
             </a:extLst>
           </p:cNvPr>
@@ -27496,7 +24584,7 @@
           <p:cNvPr id="32" name="TextBox 31">
             <a:extLst>
               <a:ext uri="{FF2B5EF4-FFF2-40B4-BE49-F238E27FC236}">
-                <a16:creationId xmlns:a16="http://schemas.microsoft.com/office/drawing/2014/main" id="{D7596DC6-9603-4C7D-83E7-F88E4663228E}"/>
+                <a16:creationId xmlns:a16="http://schemas.microsoft.com/office/drawing/2014/main" xmlns="" id="{D7596DC6-9603-4C7D-83E7-F88E4663228E}"/>
               </a:ext>
             </a:extLst>
           </p:cNvPr>
@@ -27640,7 +24728,7 @@
           <p:cNvPr id="43" name="Группа 42">
             <a:extLst>
               <a:ext uri="{FF2B5EF4-FFF2-40B4-BE49-F238E27FC236}">
-                <a16:creationId xmlns:a16="http://schemas.microsoft.com/office/drawing/2014/main" id="{F8ACBECF-83C1-4378-8A40-2C9A9BE3E1D2}"/>
+                <a16:creationId xmlns:a16="http://schemas.microsoft.com/office/drawing/2014/main" xmlns="" id="{F8ACBECF-83C1-4378-8A40-2C9A9BE3E1D2}"/>
               </a:ext>
             </a:extLst>
           </p:cNvPr>
@@ -27660,7 +24748,7 @@
             <p:cNvPr id="44" name="Прямоугольник 43">
               <a:extLst>
                 <a:ext uri="{FF2B5EF4-FFF2-40B4-BE49-F238E27FC236}">
-                  <a16:creationId xmlns:a16="http://schemas.microsoft.com/office/drawing/2014/main" id="{EE945D43-FB69-44C9-8FA3-D7962E359FCC}"/>
+                  <a16:creationId xmlns:a16="http://schemas.microsoft.com/office/drawing/2014/main" xmlns="" id="{EE945D43-FB69-44C9-8FA3-D7962E359FCC}"/>
                 </a:ext>
               </a:extLst>
             </p:cNvPr>
@@ -27716,7 +24804,7 @@
             <p:cNvPr id="39" name="Группа 38">
               <a:extLst>
                 <a:ext uri="{FF2B5EF4-FFF2-40B4-BE49-F238E27FC236}">
-                  <a16:creationId xmlns:a16="http://schemas.microsoft.com/office/drawing/2014/main" id="{5200D70B-29AE-4226-96BA-0F97CD53E4B9}"/>
+                  <a16:creationId xmlns:a16="http://schemas.microsoft.com/office/drawing/2014/main" xmlns="" id="{5200D70B-29AE-4226-96BA-0F97CD53E4B9}"/>
                 </a:ext>
               </a:extLst>
             </p:cNvPr>
@@ -27736,7 +24824,7 @@
               <p:cNvPr id="27" name="Группа 26">
                 <a:extLst>
                   <a:ext uri="{FF2B5EF4-FFF2-40B4-BE49-F238E27FC236}">
-                    <a16:creationId xmlns:a16="http://schemas.microsoft.com/office/drawing/2014/main" id="{6D90A6C4-7933-487F-9693-207B5061C590}"/>
+                    <a16:creationId xmlns:a16="http://schemas.microsoft.com/office/drawing/2014/main" xmlns="" id="{6D90A6C4-7933-487F-9693-207B5061C590}"/>
                   </a:ext>
                 </a:extLst>
               </p:cNvPr>
@@ -27756,7 +24844,7 @@
                 <p:cNvPr id="28" name="Прямоугольник 27">
                   <a:extLst>
                     <a:ext uri="{FF2B5EF4-FFF2-40B4-BE49-F238E27FC236}">
-                      <a16:creationId xmlns:a16="http://schemas.microsoft.com/office/drawing/2014/main" id="{807030FF-28BE-4A46-8AAA-A80468C75441}"/>
+                      <a16:creationId xmlns:a16="http://schemas.microsoft.com/office/drawing/2014/main" xmlns="" id="{807030FF-28BE-4A46-8AAA-A80468C75441}"/>
                     </a:ext>
                   </a:extLst>
                 </p:cNvPr>
@@ -27836,7 +24924,7 @@
                 <p:cNvPr id="9" name="Группа 8">
                   <a:extLst>
                     <a:ext uri="{FF2B5EF4-FFF2-40B4-BE49-F238E27FC236}">
-                      <a16:creationId xmlns:a16="http://schemas.microsoft.com/office/drawing/2014/main" id="{D771CDE3-86D6-4AC2-A9C0-6F7337B2E52A}"/>
+                      <a16:creationId xmlns:a16="http://schemas.microsoft.com/office/drawing/2014/main" xmlns="" id="{D771CDE3-86D6-4AC2-A9C0-6F7337B2E52A}"/>
                     </a:ext>
                   </a:extLst>
                 </p:cNvPr>
@@ -27856,7 +24944,7 @@
                   <p:cNvPr id="13" name="Прямоугольник 12">
                     <a:extLst>
                       <a:ext uri="{FF2B5EF4-FFF2-40B4-BE49-F238E27FC236}">
-                        <a16:creationId xmlns:a16="http://schemas.microsoft.com/office/drawing/2014/main" id="{C5B3F426-C6AB-4971-BF1E-5C15D602CEAF}"/>
+                        <a16:creationId xmlns:a16="http://schemas.microsoft.com/office/drawing/2014/main" xmlns="" id="{C5B3F426-C6AB-4971-BF1E-5C15D602CEAF}"/>
                       </a:ext>
                     </a:extLst>
                   </p:cNvPr>
@@ -27918,7 +25006,7 @@
                   <p:cNvPr id="14" name="Прямоугольник 13">
                     <a:extLst>
                       <a:ext uri="{FF2B5EF4-FFF2-40B4-BE49-F238E27FC236}">
-                        <a16:creationId xmlns:a16="http://schemas.microsoft.com/office/drawing/2014/main" id="{788BA2BB-E730-49B7-B223-CD016A833589}"/>
+                        <a16:creationId xmlns:a16="http://schemas.microsoft.com/office/drawing/2014/main" xmlns="" id="{788BA2BB-E730-49B7-B223-CD016A833589}"/>
                       </a:ext>
                     </a:extLst>
                   </p:cNvPr>
@@ -27982,7 +25070,7 @@
               <p:cNvPr id="33" name="Прямоугольник 32">
                 <a:extLst>
                   <a:ext uri="{FF2B5EF4-FFF2-40B4-BE49-F238E27FC236}">
-                    <a16:creationId xmlns:a16="http://schemas.microsoft.com/office/drawing/2014/main" id="{D4CF6140-571E-4782-BC0D-C21B33997ABD}"/>
+                    <a16:creationId xmlns:a16="http://schemas.microsoft.com/office/drawing/2014/main" xmlns="" id="{D4CF6140-571E-4782-BC0D-C21B33997ABD}"/>
                   </a:ext>
                 </a:extLst>
               </p:cNvPr>
@@ -28044,7 +25132,7 @@
               <p:cNvPr id="34" name="Прямоугольник 33">
                 <a:extLst>
                   <a:ext uri="{FF2B5EF4-FFF2-40B4-BE49-F238E27FC236}">
-                    <a16:creationId xmlns:a16="http://schemas.microsoft.com/office/drawing/2014/main" id="{C54FA159-79E5-495C-8052-773785830B80}"/>
+                    <a16:creationId xmlns:a16="http://schemas.microsoft.com/office/drawing/2014/main" xmlns="" id="{C54FA159-79E5-495C-8052-773785830B80}"/>
                   </a:ext>
                 </a:extLst>
               </p:cNvPr>
@@ -28097,7 +25185,7 @@
               <p:cNvPr id="35" name="Прямая со стрелкой 34">
                 <a:extLst>
                   <a:ext uri="{FF2B5EF4-FFF2-40B4-BE49-F238E27FC236}">
-                    <a16:creationId xmlns:a16="http://schemas.microsoft.com/office/drawing/2014/main" id="{AA09A283-B353-4142-92AB-6715E1C3BEF5}"/>
+                    <a16:creationId xmlns:a16="http://schemas.microsoft.com/office/drawing/2014/main" xmlns="" id="{AA09A283-B353-4142-92AB-6715E1C3BEF5}"/>
                   </a:ext>
                 </a:extLst>
               </p:cNvPr>
@@ -28250,7 +25338,7 @@
           <p:cNvPr id="23" name="TextBox 22">
             <a:extLst>
               <a:ext uri="{FF2B5EF4-FFF2-40B4-BE49-F238E27FC236}">
-                <a16:creationId xmlns:a16="http://schemas.microsoft.com/office/drawing/2014/main" id="{99DF0FE0-DB9D-4180-8370-CD26FB46DF57}"/>
+                <a16:creationId xmlns:a16="http://schemas.microsoft.com/office/drawing/2014/main" xmlns="" id="{99DF0FE0-DB9D-4180-8370-CD26FB46DF57}"/>
               </a:ext>
             </a:extLst>
           </p:cNvPr>
@@ -28500,7 +25588,7 @@
           <p:cNvPr id="10" name="TextBox 9">
             <a:extLst>
               <a:ext uri="{FF2B5EF4-FFF2-40B4-BE49-F238E27FC236}">
-                <a16:creationId xmlns:a16="http://schemas.microsoft.com/office/drawing/2014/main" id="{99DF0FE0-DB9D-4180-8370-CD26FB46DF57}"/>
+                <a16:creationId xmlns:a16="http://schemas.microsoft.com/office/drawing/2014/main" xmlns="" id="{99DF0FE0-DB9D-4180-8370-CD26FB46DF57}"/>
               </a:ext>
             </a:extLst>
           </p:cNvPr>
@@ -28576,7 +25664,7 @@
           <p:cNvPr id="11" name="Rectangle 28" descr="Светлый диагональный 2">
             <a:extLst>
               <a:ext uri="{FF2B5EF4-FFF2-40B4-BE49-F238E27FC236}">
-                <a16:creationId xmlns:a16="http://schemas.microsoft.com/office/drawing/2014/main" id="{2A0E99F7-A4CC-4E8F-8C74-D6A03276576B}"/>
+                <a16:creationId xmlns:a16="http://schemas.microsoft.com/office/drawing/2014/main" xmlns="" id="{2A0E99F7-A4CC-4E8F-8C74-D6A03276576B}"/>
               </a:ext>
             </a:extLst>
           </p:cNvPr>
@@ -29526,7 +26614,7 @@
           <p:cNvPr id="22" name="Rectangle 28" descr="Светлый диагональный 2">
             <a:extLst>
               <a:ext uri="{FF2B5EF4-FFF2-40B4-BE49-F238E27FC236}">
-                <a16:creationId xmlns:a16="http://schemas.microsoft.com/office/drawing/2014/main" id="{2A0E99F7-A4CC-4E8F-8C74-D6A03276576B}"/>
+                <a16:creationId xmlns:a16="http://schemas.microsoft.com/office/drawing/2014/main" xmlns="" id="{2A0E99F7-A4CC-4E8F-8C74-D6A03276576B}"/>
               </a:ext>
             </a:extLst>
           </p:cNvPr>
@@ -32835,7 +29923,7 @@
           <p:cNvPr id="22" name="Rectangle 28" descr="Светлый диагональный 2">
             <a:extLst>
               <a:ext uri="{FF2B5EF4-FFF2-40B4-BE49-F238E27FC236}">
-                <a16:creationId xmlns:a16="http://schemas.microsoft.com/office/drawing/2014/main" id="{2A0E99F7-A4CC-4E8F-8C74-D6A03276576B}"/>
+                <a16:creationId xmlns:a16="http://schemas.microsoft.com/office/drawing/2014/main" xmlns="" id="{2A0E99F7-A4CC-4E8F-8C74-D6A03276576B}"/>
               </a:ext>
             </a:extLst>
           </p:cNvPr>
@@ -32913,7 +30001,7 @@
           <p:cNvPr id="23" name="TextBox 22">
             <a:extLst>
               <a:ext uri="{FF2B5EF4-FFF2-40B4-BE49-F238E27FC236}">
-                <a16:creationId xmlns:a16="http://schemas.microsoft.com/office/drawing/2014/main" id="{99DF0FE0-DB9D-4180-8370-CD26FB46DF57}"/>
+                <a16:creationId xmlns:a16="http://schemas.microsoft.com/office/drawing/2014/main" xmlns="" id="{99DF0FE0-DB9D-4180-8370-CD26FB46DF57}"/>
               </a:ext>
             </a:extLst>
           </p:cNvPr>
@@ -34007,7 +31095,7 @@
           <p:cNvPr id="23" name="TextBox 22">
             <a:extLst>
               <a:ext uri="{FF2B5EF4-FFF2-40B4-BE49-F238E27FC236}">
-                <a16:creationId xmlns:a16="http://schemas.microsoft.com/office/drawing/2014/main" id="{99DF0FE0-DB9D-4180-8370-CD26FB46DF57}"/>
+                <a16:creationId xmlns:a16="http://schemas.microsoft.com/office/drawing/2014/main" xmlns="" id="{99DF0FE0-DB9D-4180-8370-CD26FB46DF57}"/>
               </a:ext>
             </a:extLst>
           </p:cNvPr>
@@ -35351,7 +32439,7 @@
           <p:cNvPr id="22" name="Rectangle 28" descr="Светлый диагональный 2">
             <a:extLst>
               <a:ext uri="{FF2B5EF4-FFF2-40B4-BE49-F238E27FC236}">
-                <a16:creationId xmlns:a16="http://schemas.microsoft.com/office/drawing/2014/main" id="{2A0E99F7-A4CC-4E8F-8C74-D6A03276576B}"/>
+                <a16:creationId xmlns:a16="http://schemas.microsoft.com/office/drawing/2014/main" xmlns="" id="{2A0E99F7-A4CC-4E8F-8C74-D6A03276576B}"/>
               </a:ext>
             </a:extLst>
           </p:cNvPr>
@@ -35420,7 +32508,7 @@
           <p:cNvPr id="23" name="TextBox 22">
             <a:extLst>
               <a:ext uri="{FF2B5EF4-FFF2-40B4-BE49-F238E27FC236}">
-                <a16:creationId xmlns:a16="http://schemas.microsoft.com/office/drawing/2014/main" id="{99DF0FE0-DB9D-4180-8370-CD26FB46DF57}"/>
+                <a16:creationId xmlns:a16="http://schemas.microsoft.com/office/drawing/2014/main" xmlns="" id="{99DF0FE0-DB9D-4180-8370-CD26FB46DF57}"/>
               </a:ext>
             </a:extLst>
           </p:cNvPr>
@@ -35967,7 +33055,7 @@
           <p:cNvPr id="7" name="TextBox 6">
             <a:extLst>
               <a:ext uri="{FF2B5EF4-FFF2-40B4-BE49-F238E27FC236}">
-                <a16:creationId xmlns:a16="http://schemas.microsoft.com/office/drawing/2014/main" id="{99DF0FE0-DB9D-4180-8370-CD26FB46DF57}"/>
+                <a16:creationId xmlns:a16="http://schemas.microsoft.com/office/drawing/2014/main" xmlns="" id="{99DF0FE0-DB9D-4180-8370-CD26FB46DF57}"/>
               </a:ext>
             </a:extLst>
           </p:cNvPr>
@@ -36706,7 +33794,7 @@
           <p:cNvPr id="7" name="TextBox 6">
             <a:extLst>
               <a:ext uri="{FF2B5EF4-FFF2-40B4-BE49-F238E27FC236}">
-                <a16:creationId xmlns:a16="http://schemas.microsoft.com/office/drawing/2014/main" id="{99DF0FE0-DB9D-4180-8370-CD26FB46DF57}"/>
+                <a16:creationId xmlns:a16="http://schemas.microsoft.com/office/drawing/2014/main" xmlns="" id="{99DF0FE0-DB9D-4180-8370-CD26FB46DF57}"/>
               </a:ext>
             </a:extLst>
           </p:cNvPr>
@@ -36736,125 +33824,83 @@
             </a:pPr>
             <a:r>
               <a:rPr lang="ru-RU" sz="2400" b="1" dirty="0">
-                <a:solidFill>
-                  <a:srgbClr val="323232"/>
-                </a:solidFill>
                 <a:latin typeface="Bookman Old Style" panose="02050604050505020204" pitchFamily="18" charset="0"/>
               </a:rPr>
               <a:t>Сортировка перемешиванием</a:t>
             </a:r>
             <a:r>
               <a:rPr lang="ru-RU" sz="2400" dirty="0">
-                <a:solidFill>
-                  <a:srgbClr val="323232"/>
-                </a:solidFill>
                 <a:latin typeface="Bookman Old Style" panose="02050604050505020204" pitchFamily="18" charset="0"/>
               </a:rPr>
               <a:t> (</a:t>
             </a:r>
             <a:r>
               <a:rPr lang="ru-RU" sz="2400" i="1" dirty="0" err="1">
-                <a:solidFill>
-                  <a:srgbClr val="323232"/>
-                </a:solidFill>
                 <a:latin typeface="Bookman Old Style" panose="02050604050505020204" pitchFamily="18" charset="0"/>
               </a:rPr>
               <a:t>cocktail</a:t>
             </a:r>
             <a:r>
               <a:rPr lang="ru-RU" sz="2400" i="1" dirty="0">
-                <a:solidFill>
-                  <a:srgbClr val="323232"/>
-                </a:solidFill>
                 <a:latin typeface="Bookman Old Style" panose="02050604050505020204" pitchFamily="18" charset="0"/>
               </a:rPr>
               <a:t> </a:t>
             </a:r>
             <a:r>
               <a:rPr lang="ru-RU" sz="2400" i="1" dirty="0" err="1">
-                <a:solidFill>
-                  <a:srgbClr val="323232"/>
-                </a:solidFill>
                 <a:latin typeface="Bookman Old Style" panose="02050604050505020204" pitchFamily="18" charset="0"/>
               </a:rPr>
               <a:t>sort</a:t>
             </a:r>
             <a:r>
               <a:rPr lang="ru-RU" sz="2400" dirty="0">
-                <a:solidFill>
-                  <a:srgbClr val="323232"/>
-                </a:solidFill>
                 <a:latin typeface="Bookman Old Style" panose="02050604050505020204" pitchFamily="18" charset="0"/>
               </a:rPr>
               <a:t>, </a:t>
             </a:r>
             <a:r>
               <a:rPr lang="ru-RU" sz="2400" i="1" dirty="0" err="1">
-                <a:solidFill>
-                  <a:srgbClr val="323232"/>
-                </a:solidFill>
                 <a:latin typeface="Bookman Old Style" panose="02050604050505020204" pitchFamily="18" charset="0"/>
               </a:rPr>
               <a:t>shaker</a:t>
             </a:r>
             <a:r>
               <a:rPr lang="ru-RU" sz="2400" i="1" dirty="0">
-                <a:solidFill>
-                  <a:srgbClr val="323232"/>
-                </a:solidFill>
                 <a:latin typeface="Bookman Old Style" panose="02050604050505020204" pitchFamily="18" charset="0"/>
               </a:rPr>
               <a:t> </a:t>
             </a:r>
             <a:r>
               <a:rPr lang="ru-RU" sz="2400" i="1" dirty="0" err="1">
-                <a:solidFill>
-                  <a:srgbClr val="323232"/>
-                </a:solidFill>
                 <a:latin typeface="Bookman Old Style" panose="02050604050505020204" pitchFamily="18" charset="0"/>
               </a:rPr>
               <a:t>sort</a:t>
             </a:r>
             <a:r>
               <a:rPr lang="ru-RU" sz="2400" dirty="0">
-                <a:solidFill>
-                  <a:srgbClr val="323232"/>
-                </a:solidFill>
                 <a:latin typeface="Bookman Old Style" panose="02050604050505020204" pitchFamily="18" charset="0"/>
               </a:rPr>
               <a:t>), или </a:t>
             </a:r>
             <a:r>
               <a:rPr lang="ru-RU" sz="2400" dirty="0" err="1">
-                <a:solidFill>
-                  <a:srgbClr val="323232"/>
-                </a:solidFill>
                 <a:latin typeface="Bookman Old Style" panose="02050604050505020204" pitchFamily="18" charset="0"/>
               </a:rPr>
               <a:t>шейкерная</a:t>
             </a:r>
             <a:r>
               <a:rPr lang="ru-RU" sz="2400" dirty="0">
-                <a:solidFill>
-                  <a:srgbClr val="323232"/>
-                </a:solidFill>
                 <a:latin typeface="Bookman Old Style" panose="02050604050505020204" pitchFamily="18" charset="0"/>
               </a:rPr>
               <a:t> сортировка – это усовершенствованная разновидность сортировки пузырьком, при которой сортировка производиться в двух направлениях, меняя направление при каждом проходе</a:t>
             </a:r>
             <a:r>
               <a:rPr lang="ru-RU" sz="2400" dirty="0" smtClean="0">
-                <a:solidFill>
-                  <a:srgbClr val="323232"/>
-                </a:solidFill>
                 <a:latin typeface="Bookman Old Style" panose="02050604050505020204" pitchFamily="18" charset="0"/>
               </a:rPr>
               <a:t>.</a:t>
             </a:r>
             <a:endParaRPr lang="en-US" sz="2400" dirty="0" smtClean="0">
-              <a:solidFill>
-                <a:srgbClr val="323232"/>
-              </a:solidFill>
               <a:latin typeface="Bookman Old Style" panose="02050604050505020204" pitchFamily="18" charset="0"/>
             </a:endParaRPr>
           </a:p>
@@ -36868,9 +33914,6 @@
             </a:pPr>
             <a:r>
               <a:rPr lang="ru-RU" sz="2400" dirty="0" smtClean="0">
-                <a:solidFill>
-                  <a:srgbClr val="323232"/>
-                </a:solidFill>
                 <a:latin typeface="Bookman Old Style" panose="02050604050505020204" pitchFamily="18" charset="0"/>
               </a:rPr>
               <a:t>на каждой итерации, фиксируем границы части массива в которой происходит обмен;</a:t>
@@ -36886,9 +33929,6 @@
             </a:pPr>
             <a:r>
               <a:rPr lang="ru-RU" sz="2400" dirty="0" smtClean="0">
-                <a:solidFill>
-                  <a:srgbClr val="323232"/>
-                </a:solidFill>
                 <a:latin typeface="Bookman Old Style" panose="02050604050505020204" pitchFamily="18" charset="0"/>
               </a:rPr>
               <a:t>массив обходится поочередно от начала массива к концу и от конца к началу;</a:t>
@@ -36902,26 +33942,17 @@
             </a:pPr>
             <a:r>
               <a:rPr lang="ru-RU" sz="2400" dirty="0" smtClean="0">
-                <a:solidFill>
-                  <a:srgbClr val="323232"/>
-                </a:solidFill>
                 <a:latin typeface="Bookman Old Style" panose="02050604050505020204" pitchFamily="18" charset="0"/>
               </a:rPr>
               <a:t>При </a:t>
             </a:r>
             <a:r>
               <a:rPr lang="ru-RU" sz="2400" dirty="0">
-                <a:solidFill>
-                  <a:srgbClr val="323232"/>
-                </a:solidFill>
                 <a:latin typeface="Bookman Old Style" panose="02050604050505020204" pitchFamily="18" charset="0"/>
               </a:rPr>
               <a:t>этом минимальный элемент перемещается в начало массива, а максимальный - в конец, после этого уменьшается рабочая область массива.</a:t>
             </a:r>
             <a:endParaRPr lang="ru-RU" sz="2400" b="0" i="0" dirty="0">
-              <a:solidFill>
-                <a:srgbClr val="323232"/>
-              </a:solidFill>
               <a:effectLst/>
               <a:latin typeface="Bookman Old Style" panose="02050604050505020204" pitchFamily="18" charset="0"/>
             </a:endParaRPr>
@@ -40343,7 +37374,7 @@
           <p:cNvPr id="7" name="TextBox 6">
             <a:extLst>
               <a:ext uri="{FF2B5EF4-FFF2-40B4-BE49-F238E27FC236}">
-                <a16:creationId xmlns:a16="http://schemas.microsoft.com/office/drawing/2014/main" id="{99DF0FE0-DB9D-4180-8370-CD26FB46DF57}"/>
+                <a16:creationId xmlns:a16="http://schemas.microsoft.com/office/drawing/2014/main" xmlns="" id="{99DF0FE0-DB9D-4180-8370-CD26FB46DF57}"/>
               </a:ext>
             </a:extLst>
           </p:cNvPr>
@@ -40704,7 +37735,7 @@
           <p:cNvPr id="7" name="TextBox 6">
             <a:extLst>
               <a:ext uri="{FF2B5EF4-FFF2-40B4-BE49-F238E27FC236}">
-                <a16:creationId xmlns:a16="http://schemas.microsoft.com/office/drawing/2014/main" id="{99DF0FE0-DB9D-4180-8370-CD26FB46DF57}"/>
+                <a16:creationId xmlns:a16="http://schemas.microsoft.com/office/drawing/2014/main" xmlns="" id="{99DF0FE0-DB9D-4180-8370-CD26FB46DF57}"/>
               </a:ext>
             </a:extLst>
           </p:cNvPr>
@@ -40979,671 +38010,6 @@
   <p:clrMapOvr>
     <a:masterClrMapping/>
   </p:clrMapOvr>
-  <p:timing>
-    <p:tnLst>
-      <p:par>
-        <p:cTn id="1" dur="indefinite" restart="never" nodeType="tmRoot"/>
-      </p:par>
-    </p:tnLst>
-  </p:timing>
-</p:sld>
-</file>
-
-<file path=ppt/slides/slide44.xml><?xml version="1.0" encoding="utf-8"?>
-<p:sld xmlns:a="http://schemas.openxmlformats.org/drawingml/2006/main" xmlns:r="http://schemas.openxmlformats.org/officeDocument/2006/relationships" xmlns:p="http://schemas.openxmlformats.org/presentationml/2006/main">
-  <p:cSld>
-    <p:spTree>
-      <p:nvGrpSpPr>
-        <p:cNvPr id="1" name=""/>
-        <p:cNvGrpSpPr/>
-        <p:nvPr/>
-      </p:nvGrpSpPr>
-      <p:grpSpPr>
-        <a:xfrm>
-          <a:off x="0" y="0"/>
-          <a:ext cx="0" cy="0"/>
-          <a:chOff x="0" y="0"/>
-          <a:chExt cx="0" cy="0"/>
-        </a:xfrm>
-      </p:grpSpPr>
-      <p:sp>
-        <p:nvSpPr>
-          <p:cNvPr id="10" name="Прямоугольник 9"/>
-          <p:cNvSpPr/>
-          <p:nvPr/>
-        </p:nvSpPr>
-        <p:spPr>
-          <a:xfrm>
-            <a:off x="334327" y="654356"/>
-            <a:ext cx="11523346" cy="5583067"/>
-          </a:xfrm>
-          <a:prstGeom prst="rect">
-            <a:avLst/>
-          </a:prstGeom>
-        </p:spPr>
-        <p:txBody>
-          <a:bodyPr wrap="square">
-            <a:spAutoFit/>
-          </a:bodyPr>
-          <a:lstStyle/>
-          <a:p>
-            <a:pPr algn="just">
-              <a:lnSpc>
-                <a:spcPct val="110000"/>
-              </a:lnSpc>
-              <a:spcAft>
-                <a:spcPts val="600"/>
-              </a:spcAft>
-            </a:pPr>
-            <a:r>
-              <a:rPr lang="ru-RU" sz="2400" b="1" dirty="0" smtClean="0">
-                <a:latin typeface="Bookman Old Style" panose="02050604050505020204" pitchFamily="18" charset="0"/>
-              </a:rPr>
-              <a:t>Примечание к выполнению:</a:t>
-            </a:r>
-          </a:p>
-          <a:p>
-            <a:pPr algn="just">
-              <a:lnSpc>
-                <a:spcPct val="110000"/>
-              </a:lnSpc>
-              <a:spcAft>
-                <a:spcPts val="600"/>
-              </a:spcAft>
-            </a:pPr>
-            <a:r>
-              <a:rPr lang="ru-RU" sz="2400" dirty="0" smtClean="0">
-                <a:latin typeface="Bookman Old Style" panose="02050604050505020204" pitchFamily="18" charset="0"/>
-                <a:cs typeface="Times New Roman"/>
-              </a:rPr>
-              <a:t>Входные данные задавать в коде программы </a:t>
-            </a:r>
-            <a:r>
-              <a:rPr lang="ru-RU" sz="2400" b="1" dirty="0" smtClean="0">
-                <a:latin typeface="Bookman Old Style" panose="02050604050505020204" pitchFamily="18" charset="0"/>
-                <a:cs typeface="Times New Roman"/>
-              </a:rPr>
-              <a:t>вручную</a:t>
-            </a:r>
-            <a:r>
-              <a:rPr lang="ru-RU" sz="2400" dirty="0" smtClean="0">
-                <a:latin typeface="Bookman Old Style" panose="02050604050505020204" pitchFamily="18" charset="0"/>
-                <a:cs typeface="Times New Roman"/>
-              </a:rPr>
-              <a:t> (вместо считывания из файла).</a:t>
-            </a:r>
-          </a:p>
-          <a:p>
-            <a:pPr algn="just">
-              <a:lnSpc>
-                <a:spcPct val="110000"/>
-              </a:lnSpc>
-              <a:spcAft>
-                <a:spcPts val="600"/>
-              </a:spcAft>
-            </a:pPr>
-            <a:r>
-              <a:rPr lang="ru-RU" sz="2400" dirty="0" smtClean="0">
-                <a:latin typeface="Bookman Old Style" panose="02050604050505020204" pitchFamily="18" charset="0"/>
-                <a:cs typeface="Times New Roman"/>
-              </a:rPr>
-              <a:t>Например, если в задаче написано, что входной файл содержит 2 числа, то можно создать 2 переменные в коде и попросить пользователя ввести эти 2 числа через консоль.</a:t>
-            </a:r>
-          </a:p>
-          <a:p>
-            <a:pPr algn="just">
-              <a:lnSpc>
-                <a:spcPct val="110000"/>
-              </a:lnSpc>
-              <a:spcAft>
-                <a:spcPts val="600"/>
-              </a:spcAft>
-            </a:pPr>
-            <a:endParaRPr lang="ru-RU" sz="2400" dirty="0" smtClean="0">
-              <a:latin typeface="Bookman Old Style" panose="02050604050505020204" pitchFamily="18" charset="0"/>
-              <a:cs typeface="Times New Roman"/>
-            </a:endParaRPr>
-          </a:p>
-          <a:p>
-            <a:pPr>
-              <a:lnSpc>
-                <a:spcPct val="110000"/>
-              </a:lnSpc>
-              <a:spcAft>
-                <a:spcPts val="600"/>
-              </a:spcAft>
-            </a:pPr>
-            <a:r>
-              <a:rPr lang="ru-RU" sz="2400" dirty="0" smtClean="0">
-                <a:latin typeface="Bookman Old Style" panose="02050604050505020204" pitchFamily="18" charset="0"/>
-                <a:cs typeface="Times New Roman"/>
-              </a:rPr>
-              <a:t>Ответ на задание выводить в консоль.</a:t>
-            </a:r>
-            <a:endParaRPr lang="ru-RU" sz="2400" dirty="0">
-              <a:latin typeface="Bookman Old Style" panose="02050604050505020204" pitchFamily="18" charset="0"/>
-              <a:cs typeface="Times New Roman"/>
-            </a:endParaRPr>
-          </a:p>
-          <a:p>
-            <a:pPr algn="just">
-              <a:lnSpc>
-                <a:spcPct val="110000"/>
-              </a:lnSpc>
-              <a:spcAft>
-                <a:spcPts val="600"/>
-              </a:spcAft>
-            </a:pPr>
-            <a:endParaRPr lang="ru-RU" sz="2400" dirty="0">
-              <a:latin typeface="Bookman Old Style" panose="02050604050505020204" pitchFamily="18" charset="0"/>
-              <a:cs typeface="Times New Roman"/>
-            </a:endParaRPr>
-          </a:p>
-          <a:p>
-            <a:pPr algn="just">
-              <a:lnSpc>
-                <a:spcPct val="110000"/>
-              </a:lnSpc>
-              <a:spcAft>
-                <a:spcPts val="600"/>
-              </a:spcAft>
-            </a:pPr>
-            <a:r>
-              <a:rPr lang="ru-RU" sz="2400" dirty="0" smtClean="0">
-                <a:latin typeface="Bookman Old Style" panose="02050604050505020204" pitchFamily="18" charset="0"/>
-                <a:cs typeface="Times New Roman"/>
-              </a:rPr>
-              <a:t>Задания даны </a:t>
-            </a:r>
-            <a:r>
-              <a:rPr lang="ru-RU" sz="2400" b="1" dirty="0" smtClean="0">
-                <a:latin typeface="Bookman Old Style" panose="02050604050505020204" pitchFamily="18" charset="0"/>
-                <a:cs typeface="Times New Roman"/>
-              </a:rPr>
-              <a:t>по вариантам</a:t>
-            </a:r>
-            <a:r>
-              <a:rPr lang="ru-RU" sz="2400" dirty="0" smtClean="0">
-                <a:latin typeface="Bookman Old Style" panose="02050604050505020204" pitchFamily="18" charset="0"/>
-                <a:cs typeface="Times New Roman"/>
-              </a:rPr>
-              <a:t>, каждому по одному заданию.</a:t>
-            </a:r>
-          </a:p>
-          <a:p>
-            <a:pPr algn="just">
-              <a:lnSpc>
-                <a:spcPct val="110000"/>
-              </a:lnSpc>
-              <a:spcAft>
-                <a:spcPts val="600"/>
-              </a:spcAft>
-            </a:pPr>
-            <a:endParaRPr lang="ru-RU" sz="2400" dirty="0">
-              <a:latin typeface="Bookman Old Style" panose="02050604050505020204" pitchFamily="18" charset="0"/>
-              <a:cs typeface="Times New Roman"/>
-            </a:endParaRPr>
-          </a:p>
-          <a:p>
-            <a:pPr algn="just">
-              <a:lnSpc>
-                <a:spcPct val="110000"/>
-              </a:lnSpc>
-              <a:spcAft>
-                <a:spcPts val="600"/>
-              </a:spcAft>
-            </a:pPr>
-            <a:r>
-              <a:rPr lang="ru-RU" sz="2400" dirty="0" smtClean="0">
-                <a:latin typeface="Bookman Old Style" panose="02050604050505020204" pitchFamily="18" charset="0"/>
-                <a:cs typeface="Times New Roman"/>
-              </a:rPr>
-              <a:t>В случае, если что-либо неясно необходимо позвать преподавателя.</a:t>
-            </a:r>
-          </a:p>
-        </p:txBody>
-      </p:sp>
-      <p:sp>
-        <p:nvSpPr>
-          <p:cNvPr id="3" name="Rectangle 28" descr="Светлый диагональный 2">
-            <a:extLst>
-              <a:ext uri="{FF2B5EF4-FFF2-40B4-BE49-F238E27FC236}">
-                <a16:creationId xmlns:a16="http://schemas.microsoft.com/office/drawing/2014/main" id="{BB3DD146-65A3-48E1-9F24-69A934AA0608}"/>
-              </a:ext>
-            </a:extLst>
-          </p:cNvPr>
-          <p:cNvSpPr>
-            <a:spLocks noChangeArrowheads="1"/>
-          </p:cNvSpPr>
-          <p:nvPr/>
-        </p:nvSpPr>
-        <p:spPr bwMode="auto">
-          <a:xfrm>
-            <a:off x="0" y="-1"/>
-            <a:ext cx="12192000" cy="654357"/>
-          </a:xfrm>
-          <a:prstGeom prst="rect">
-            <a:avLst/>
-          </a:prstGeom>
-          <a:pattFill prst="ltUpDiag">
-            <a:fgClr>
-              <a:schemeClr val="accent1">
-                <a:lumMod val="40000"/>
-                <a:lumOff val="60000"/>
-              </a:schemeClr>
-            </a:fgClr>
-            <a:bgClr>
-              <a:srgbClr val="FFFFFF"/>
-            </a:bgClr>
-          </a:pattFill>
-          <a:ln w="15875" algn="ctr">
-            <a:solidFill>
-              <a:schemeClr val="accent5">
-                <a:lumMod val="50000"/>
-              </a:schemeClr>
-            </a:solidFill>
-            <a:miter lim="800000"/>
-            <a:headEnd/>
-            <a:tailEnd/>
-          </a:ln>
-          <a:effectLst/>
-        </p:spPr>
-        <p:txBody>
-          <a:bodyPr vert="horz" wrap="square" lIns="18000" tIns="18000" rIns="18000" bIns="18000" numCol="1" anchor="ctr" anchorCtr="0" compatLnSpc="1">
-            <a:prstTxWarp prst="textNoShape">
-              <a:avLst/>
-            </a:prstTxWarp>
-          </a:bodyPr>
-          <a:lstStyle/>
-          <a:p>
-            <a:pPr algn="ctr"/>
-            <a:r>
-              <a:rPr lang="ru-RU" sz="2800" b="1" dirty="0" smtClean="0">
-                <a:solidFill>
-                  <a:schemeClr val="tx2">
-                    <a:lumMod val="50000"/>
-                  </a:schemeClr>
-                </a:solidFill>
-                <a:latin typeface="Bookman Old Style" panose="02050604050505020204" pitchFamily="18" charset="0"/>
-                <a:cs typeface="Times New Roman" panose="02020603050405020304" pitchFamily="18" charset="0"/>
-              </a:rPr>
-              <a:t>Практика</a:t>
-            </a:r>
-            <a:endParaRPr lang="ru-RU" sz="2800" b="1" dirty="0">
-              <a:solidFill>
-                <a:schemeClr val="tx2">
-                  <a:lumMod val="50000"/>
-                </a:schemeClr>
-              </a:solidFill>
-              <a:latin typeface="Bookman Old Style" panose="02050604050505020204" pitchFamily="18" charset="0"/>
-              <a:cs typeface="Times New Roman" panose="02020603050405020304" pitchFamily="18" charset="0"/>
-            </a:endParaRPr>
-          </a:p>
-        </p:txBody>
-      </p:sp>
-    </p:spTree>
-    <p:extLst>
-      <p:ext uri="{BB962C8B-B14F-4D97-AF65-F5344CB8AC3E}">
-        <p14:creationId xmlns:p14="http://schemas.microsoft.com/office/powerpoint/2010/main" val="1400068531"/>
-      </p:ext>
-    </p:extLst>
-  </p:cSld>
-  <p:clrMapOvr>
-    <a:masterClrMapping/>
-  </p:clrMapOvr>
-  <mc:AlternateContent xmlns:mc="http://schemas.openxmlformats.org/markup-compatibility/2006" xmlns:p14="http://schemas.microsoft.com/office/powerpoint/2010/main">
-    <mc:Choice Requires="p14">
-      <p:transition spd="slow" p14:dur="2000"/>
-    </mc:Choice>
-    <mc:Fallback xmlns="">
-      <p:transition spd="slow"/>
-    </mc:Fallback>
-  </mc:AlternateContent>
-  <p:timing>
-    <p:tnLst>
-      <p:par>
-        <p:cTn id="1" dur="indefinite" restart="never" nodeType="tmRoot"/>
-      </p:par>
-    </p:tnLst>
-  </p:timing>
-</p:sld>
-</file>
-
-<file path=ppt/slides/slide45.xml><?xml version="1.0" encoding="utf-8"?>
-<p:sld xmlns:a="http://schemas.openxmlformats.org/drawingml/2006/main" xmlns:r="http://schemas.openxmlformats.org/officeDocument/2006/relationships" xmlns:p="http://schemas.openxmlformats.org/presentationml/2006/main">
-  <p:cSld>
-    <p:spTree>
-      <p:nvGrpSpPr>
-        <p:cNvPr id="1" name=""/>
-        <p:cNvGrpSpPr/>
-        <p:nvPr/>
-      </p:nvGrpSpPr>
-      <p:grpSpPr>
-        <a:xfrm>
-          <a:off x="0" y="0"/>
-          <a:ext cx="0" cy="0"/>
-          <a:chOff x="0" y="0"/>
-          <a:chExt cx="0" cy="0"/>
-        </a:xfrm>
-      </p:grpSpPr>
-      <p:pic>
-        <p:nvPicPr>
-          <p:cNvPr id="2" name="Рисунок 1"/>
-          <p:cNvPicPr>
-            <a:picLocks noChangeAspect="1"/>
-          </p:cNvPicPr>
-          <p:nvPr/>
-        </p:nvPicPr>
-        <p:blipFill>
-          <a:blip r:embed="rId3"/>
-          <a:stretch>
-            <a:fillRect/>
-          </a:stretch>
-        </p:blipFill>
-        <p:spPr>
-          <a:xfrm>
-            <a:off x="901700" y="23047"/>
-            <a:ext cx="10121900" cy="6834953"/>
-          </a:xfrm>
-          <a:prstGeom prst="rect">
-            <a:avLst/>
-          </a:prstGeom>
-        </p:spPr>
-      </p:pic>
-    </p:spTree>
-    <p:extLst>
-      <p:ext uri="{BB962C8B-B14F-4D97-AF65-F5344CB8AC3E}">
-        <p14:creationId xmlns:p14="http://schemas.microsoft.com/office/powerpoint/2010/main" val="4228132139"/>
-      </p:ext>
-    </p:extLst>
-  </p:cSld>
-  <p:clrMapOvr>
-    <a:masterClrMapping/>
-  </p:clrMapOvr>
-  <mc:AlternateContent xmlns:mc="http://schemas.openxmlformats.org/markup-compatibility/2006" xmlns:p14="http://schemas.microsoft.com/office/powerpoint/2010/main">
-    <mc:Choice Requires="p14">
-      <p:transition spd="slow" p14:dur="2000"/>
-    </mc:Choice>
-    <mc:Fallback xmlns="">
-      <p:transition spd="slow"/>
-    </mc:Fallback>
-  </mc:AlternateContent>
-  <p:timing>
-    <p:tnLst>
-      <p:par>
-        <p:cTn id="1" dur="indefinite" restart="never" nodeType="tmRoot"/>
-      </p:par>
-    </p:tnLst>
-  </p:timing>
-</p:sld>
-</file>
-
-<file path=ppt/slides/slide46.xml><?xml version="1.0" encoding="utf-8"?>
-<p:sld xmlns:a="http://schemas.openxmlformats.org/drawingml/2006/main" xmlns:r="http://schemas.openxmlformats.org/officeDocument/2006/relationships" xmlns:p="http://schemas.openxmlformats.org/presentationml/2006/main">
-  <p:cSld>
-    <p:spTree>
-      <p:nvGrpSpPr>
-        <p:cNvPr id="1" name=""/>
-        <p:cNvGrpSpPr/>
-        <p:nvPr/>
-      </p:nvGrpSpPr>
-      <p:grpSpPr>
-        <a:xfrm>
-          <a:off x="0" y="0"/>
-          <a:ext cx="0" cy="0"/>
-          <a:chOff x="0" y="0"/>
-          <a:chExt cx="0" cy="0"/>
-        </a:xfrm>
-      </p:grpSpPr>
-      <p:pic>
-        <p:nvPicPr>
-          <p:cNvPr id="2" name="Рисунок 1"/>
-          <p:cNvPicPr>
-            <a:picLocks noChangeAspect="1"/>
-          </p:cNvPicPr>
-          <p:nvPr/>
-        </p:nvPicPr>
-        <p:blipFill>
-          <a:blip r:embed="rId3"/>
-          <a:stretch>
-            <a:fillRect/>
-          </a:stretch>
-        </p:blipFill>
-        <p:spPr>
-          <a:xfrm>
-            <a:off x="723900" y="0"/>
-            <a:ext cx="10502900" cy="6813358"/>
-          </a:xfrm>
-          <a:prstGeom prst="rect">
-            <a:avLst/>
-          </a:prstGeom>
-        </p:spPr>
-      </p:pic>
-    </p:spTree>
-    <p:extLst>
-      <p:ext uri="{BB962C8B-B14F-4D97-AF65-F5344CB8AC3E}">
-        <p14:creationId xmlns:p14="http://schemas.microsoft.com/office/powerpoint/2010/main" val="1376419685"/>
-      </p:ext>
-    </p:extLst>
-  </p:cSld>
-  <p:clrMapOvr>
-    <a:masterClrMapping/>
-  </p:clrMapOvr>
-  <mc:AlternateContent xmlns:mc="http://schemas.openxmlformats.org/markup-compatibility/2006" xmlns:p14="http://schemas.microsoft.com/office/powerpoint/2010/main">
-    <mc:Choice Requires="p14">
-      <p:transition spd="slow" p14:dur="2000"/>
-    </mc:Choice>
-    <mc:Fallback xmlns="">
-      <p:transition spd="slow"/>
-    </mc:Fallback>
-  </mc:AlternateContent>
-  <p:timing>
-    <p:tnLst>
-      <p:par>
-        <p:cTn id="1" dur="indefinite" restart="never" nodeType="tmRoot"/>
-      </p:par>
-    </p:tnLst>
-  </p:timing>
-</p:sld>
-</file>
-
-<file path=ppt/slides/slide47.xml><?xml version="1.0" encoding="utf-8"?>
-<p:sld xmlns:a="http://schemas.openxmlformats.org/drawingml/2006/main" xmlns:r="http://schemas.openxmlformats.org/officeDocument/2006/relationships" xmlns:p="http://schemas.openxmlformats.org/presentationml/2006/main">
-  <p:cSld>
-    <p:spTree>
-      <p:nvGrpSpPr>
-        <p:cNvPr id="1" name=""/>
-        <p:cNvGrpSpPr/>
-        <p:nvPr/>
-      </p:nvGrpSpPr>
-      <p:grpSpPr>
-        <a:xfrm>
-          <a:off x="0" y="0"/>
-          <a:ext cx="0" cy="0"/>
-          <a:chOff x="0" y="0"/>
-          <a:chExt cx="0" cy="0"/>
-        </a:xfrm>
-      </p:grpSpPr>
-      <p:pic>
-        <p:nvPicPr>
-          <p:cNvPr id="2" name="Рисунок 1"/>
-          <p:cNvPicPr>
-            <a:picLocks noChangeAspect="1"/>
-          </p:cNvPicPr>
-          <p:nvPr/>
-        </p:nvPicPr>
-        <p:blipFill>
-          <a:blip r:embed="rId3"/>
-          <a:stretch>
-            <a:fillRect/>
-          </a:stretch>
-        </p:blipFill>
-        <p:spPr>
-          <a:xfrm>
-            <a:off x="0" y="0"/>
-            <a:ext cx="12195228" cy="6083300"/>
-          </a:xfrm>
-          <a:prstGeom prst="rect">
-            <a:avLst/>
-          </a:prstGeom>
-        </p:spPr>
-      </p:pic>
-    </p:spTree>
-    <p:extLst>
-      <p:ext uri="{BB962C8B-B14F-4D97-AF65-F5344CB8AC3E}">
-        <p14:creationId xmlns:p14="http://schemas.microsoft.com/office/powerpoint/2010/main" val="3678626133"/>
-      </p:ext>
-    </p:extLst>
-  </p:cSld>
-  <p:clrMapOvr>
-    <a:masterClrMapping/>
-  </p:clrMapOvr>
-  <mc:AlternateContent xmlns:mc="http://schemas.openxmlformats.org/markup-compatibility/2006" xmlns:p14="http://schemas.microsoft.com/office/powerpoint/2010/main">
-    <mc:Choice Requires="p14">
-      <p:transition spd="slow" p14:dur="2000"/>
-    </mc:Choice>
-    <mc:Fallback xmlns="">
-      <p:transition spd="slow"/>
-    </mc:Fallback>
-  </mc:AlternateContent>
-  <p:timing>
-    <p:tnLst>
-      <p:par>
-        <p:cTn id="1" dur="indefinite" restart="never" nodeType="tmRoot"/>
-      </p:par>
-    </p:tnLst>
-  </p:timing>
-</p:sld>
-</file>
-
-<file path=ppt/slides/slide48.xml><?xml version="1.0" encoding="utf-8"?>
-<p:sld xmlns:a="http://schemas.openxmlformats.org/drawingml/2006/main" xmlns:r="http://schemas.openxmlformats.org/officeDocument/2006/relationships" xmlns:p="http://schemas.openxmlformats.org/presentationml/2006/main">
-  <p:cSld>
-    <p:spTree>
-      <p:nvGrpSpPr>
-        <p:cNvPr id="1" name=""/>
-        <p:cNvGrpSpPr/>
-        <p:nvPr/>
-      </p:nvGrpSpPr>
-      <p:grpSpPr>
-        <a:xfrm>
-          <a:off x="0" y="0"/>
-          <a:ext cx="0" cy="0"/>
-          <a:chOff x="0" y="0"/>
-          <a:chExt cx="0" cy="0"/>
-        </a:xfrm>
-      </p:grpSpPr>
-      <p:pic>
-        <p:nvPicPr>
-          <p:cNvPr id="2" name="Рисунок 1"/>
-          <p:cNvPicPr>
-            <a:picLocks noChangeAspect="1"/>
-          </p:cNvPicPr>
-          <p:nvPr/>
-        </p:nvPicPr>
-        <p:blipFill>
-          <a:blip r:embed="rId3"/>
-          <a:stretch>
-            <a:fillRect/>
-          </a:stretch>
-        </p:blipFill>
-        <p:spPr>
-          <a:xfrm>
-            <a:off x="1" y="0"/>
-            <a:ext cx="12192000" cy="5517130"/>
-          </a:xfrm>
-          <a:prstGeom prst="rect">
-            <a:avLst/>
-          </a:prstGeom>
-        </p:spPr>
-      </p:pic>
-    </p:spTree>
-    <p:extLst>
-      <p:ext uri="{BB962C8B-B14F-4D97-AF65-F5344CB8AC3E}">
-        <p14:creationId xmlns:p14="http://schemas.microsoft.com/office/powerpoint/2010/main" val="1258266079"/>
-      </p:ext>
-    </p:extLst>
-  </p:cSld>
-  <p:clrMapOvr>
-    <a:masterClrMapping/>
-  </p:clrMapOvr>
-  <mc:AlternateContent xmlns:mc="http://schemas.openxmlformats.org/markup-compatibility/2006" xmlns:p14="http://schemas.microsoft.com/office/powerpoint/2010/main">
-    <mc:Choice Requires="p14">
-      <p:transition spd="slow" p14:dur="2000"/>
-    </mc:Choice>
-    <mc:Fallback xmlns="">
-      <p:transition spd="slow"/>
-    </mc:Fallback>
-  </mc:AlternateContent>
-  <p:timing>
-    <p:tnLst>
-      <p:par>
-        <p:cTn id="1" dur="indefinite" restart="never" nodeType="tmRoot"/>
-      </p:par>
-    </p:tnLst>
-  </p:timing>
-</p:sld>
-</file>
-
-<file path=ppt/slides/slide49.xml><?xml version="1.0" encoding="utf-8"?>
-<p:sld xmlns:a="http://schemas.openxmlformats.org/drawingml/2006/main" xmlns:r="http://schemas.openxmlformats.org/officeDocument/2006/relationships" xmlns:p="http://schemas.openxmlformats.org/presentationml/2006/main">
-  <p:cSld>
-    <p:spTree>
-      <p:nvGrpSpPr>
-        <p:cNvPr id="1" name=""/>
-        <p:cNvGrpSpPr/>
-        <p:nvPr/>
-      </p:nvGrpSpPr>
-      <p:grpSpPr>
-        <a:xfrm>
-          <a:off x="0" y="0"/>
-          <a:ext cx="0" cy="0"/>
-          <a:chOff x="0" y="0"/>
-          <a:chExt cx="0" cy="0"/>
-        </a:xfrm>
-      </p:grpSpPr>
-      <p:pic>
-        <p:nvPicPr>
-          <p:cNvPr id="2" name="Рисунок 1"/>
-          <p:cNvPicPr>
-            <a:picLocks noChangeAspect="1"/>
-          </p:cNvPicPr>
-          <p:nvPr/>
-        </p:nvPicPr>
-        <p:blipFill>
-          <a:blip r:embed="rId3"/>
-          <a:stretch>
-            <a:fillRect/>
-          </a:stretch>
-        </p:blipFill>
-        <p:spPr>
-          <a:xfrm>
-            <a:off x="444500" y="0"/>
-            <a:ext cx="11267654" cy="6858000"/>
-          </a:xfrm>
-          <a:prstGeom prst="rect">
-            <a:avLst/>
-          </a:prstGeom>
-        </p:spPr>
-      </p:pic>
-    </p:spTree>
-    <p:extLst>
-      <p:ext uri="{BB962C8B-B14F-4D97-AF65-F5344CB8AC3E}">
-        <p14:creationId xmlns:p14="http://schemas.microsoft.com/office/powerpoint/2010/main" val="2311512374"/>
-      </p:ext>
-    </p:extLst>
-  </p:cSld>
-  <p:clrMapOvr>
-    <a:masterClrMapping/>
-  </p:clrMapOvr>
-  <mc:AlternateContent xmlns:mc="http://schemas.openxmlformats.org/markup-compatibility/2006" xmlns:p14="http://schemas.microsoft.com/office/powerpoint/2010/main">
-    <mc:Choice Requires="p14">
-      <p:transition spd="slow" p14:dur="2000"/>
-    </mc:Choice>
-    <mc:Fallback xmlns="">
-      <p:transition spd="slow"/>
-    </mc:Fallback>
-  </mc:AlternateContent>
   <p:timing>
     <p:tnLst>
       <p:par>
@@ -41739,7 +38105,7 @@
           <p:cNvPr id="22" name="Rectangle 28" descr="Светлый диагональный 2">
             <a:extLst>
               <a:ext uri="{FF2B5EF4-FFF2-40B4-BE49-F238E27FC236}">
-                <a16:creationId xmlns:a16="http://schemas.microsoft.com/office/drawing/2014/main" id="{2A0E99F7-A4CC-4E8F-8C74-D6A03276576B}"/>
+                <a16:creationId xmlns:a16="http://schemas.microsoft.com/office/drawing/2014/main" xmlns="" id="{2A0E99F7-A4CC-4E8F-8C74-D6A03276576B}"/>
               </a:ext>
             </a:extLst>
           </p:cNvPr>
@@ -41817,7 +38183,7 @@
           <p:cNvPr id="23" name="TextBox 22">
             <a:extLst>
               <a:ext uri="{FF2B5EF4-FFF2-40B4-BE49-F238E27FC236}">
-                <a16:creationId xmlns:a16="http://schemas.microsoft.com/office/drawing/2014/main" id="{99DF0FE0-DB9D-4180-8370-CD26FB46DF57}"/>
+                <a16:creationId xmlns:a16="http://schemas.microsoft.com/office/drawing/2014/main" xmlns="" id="{99DF0FE0-DB9D-4180-8370-CD26FB46DF57}"/>
               </a:ext>
             </a:extLst>
           </p:cNvPr>
@@ -42133,696 +38499,6 @@
   <p:clrMapOvr>
     <a:masterClrMapping/>
   </p:clrMapOvr>
-  <p:timing>
-    <p:tnLst>
-      <p:par>
-        <p:cTn id="1" dur="indefinite" restart="never" nodeType="tmRoot"/>
-      </p:par>
-    </p:tnLst>
-  </p:timing>
-</p:sld>
-</file>
-
-<file path=ppt/slides/slide50.xml><?xml version="1.0" encoding="utf-8"?>
-<p:sld xmlns:a="http://schemas.openxmlformats.org/drawingml/2006/main" xmlns:r="http://schemas.openxmlformats.org/officeDocument/2006/relationships" xmlns:p="http://schemas.openxmlformats.org/presentationml/2006/main">
-  <p:cSld>
-    <p:spTree>
-      <p:nvGrpSpPr>
-        <p:cNvPr id="1" name=""/>
-        <p:cNvGrpSpPr/>
-        <p:nvPr/>
-      </p:nvGrpSpPr>
-      <p:grpSpPr>
-        <a:xfrm>
-          <a:off x="0" y="0"/>
-          <a:ext cx="0" cy="0"/>
-          <a:chOff x="0" y="0"/>
-          <a:chExt cx="0" cy="0"/>
-        </a:xfrm>
-      </p:grpSpPr>
-      <p:pic>
-        <p:nvPicPr>
-          <p:cNvPr id="2" name="Рисунок 1"/>
-          <p:cNvPicPr>
-            <a:picLocks noChangeAspect="1"/>
-          </p:cNvPicPr>
-          <p:nvPr/>
-        </p:nvPicPr>
-        <p:blipFill>
-          <a:blip r:embed="rId3"/>
-          <a:stretch>
-            <a:fillRect/>
-          </a:stretch>
-        </p:blipFill>
-        <p:spPr>
-          <a:xfrm>
-            <a:off x="0" y="0"/>
-            <a:ext cx="12192000" cy="6367888"/>
-          </a:xfrm>
-          <a:prstGeom prst="rect">
-            <a:avLst/>
-          </a:prstGeom>
-        </p:spPr>
-      </p:pic>
-    </p:spTree>
-    <p:extLst>
-      <p:ext uri="{BB962C8B-B14F-4D97-AF65-F5344CB8AC3E}">
-        <p14:creationId xmlns:p14="http://schemas.microsoft.com/office/powerpoint/2010/main" val="437314274"/>
-      </p:ext>
-    </p:extLst>
-  </p:cSld>
-  <p:clrMapOvr>
-    <a:masterClrMapping/>
-  </p:clrMapOvr>
-  <mc:AlternateContent xmlns:mc="http://schemas.openxmlformats.org/markup-compatibility/2006" xmlns:p14="http://schemas.microsoft.com/office/powerpoint/2010/main">
-    <mc:Choice Requires="p14">
-      <p:transition spd="slow" p14:dur="2000"/>
-    </mc:Choice>
-    <mc:Fallback xmlns="">
-      <p:transition spd="slow"/>
-    </mc:Fallback>
-  </mc:AlternateContent>
-  <p:timing>
-    <p:tnLst>
-      <p:par>
-        <p:cTn id="1" dur="indefinite" restart="never" nodeType="tmRoot"/>
-      </p:par>
-    </p:tnLst>
-  </p:timing>
-</p:sld>
-</file>
-
-<file path=ppt/slides/slide51.xml><?xml version="1.0" encoding="utf-8"?>
-<p:sld xmlns:a="http://schemas.openxmlformats.org/drawingml/2006/main" xmlns:r="http://schemas.openxmlformats.org/officeDocument/2006/relationships" xmlns:p="http://schemas.openxmlformats.org/presentationml/2006/main">
-  <p:cSld>
-    <p:spTree>
-      <p:nvGrpSpPr>
-        <p:cNvPr id="1" name=""/>
-        <p:cNvGrpSpPr/>
-        <p:nvPr/>
-      </p:nvGrpSpPr>
-      <p:grpSpPr>
-        <a:xfrm>
-          <a:off x="0" y="0"/>
-          <a:ext cx="0" cy="0"/>
-          <a:chOff x="0" y="0"/>
-          <a:chExt cx="0" cy="0"/>
-        </a:xfrm>
-      </p:grpSpPr>
-      <p:pic>
-        <p:nvPicPr>
-          <p:cNvPr id="2" name="Рисунок 1"/>
-          <p:cNvPicPr>
-            <a:picLocks noChangeAspect="1"/>
-          </p:cNvPicPr>
-          <p:nvPr/>
-        </p:nvPicPr>
-        <p:blipFill>
-          <a:blip r:embed="rId3"/>
-          <a:stretch>
-            <a:fillRect/>
-          </a:stretch>
-        </p:blipFill>
-        <p:spPr>
-          <a:xfrm>
-            <a:off x="0" y="0"/>
-            <a:ext cx="12192000" cy="6538567"/>
-          </a:xfrm>
-          <a:prstGeom prst="rect">
-            <a:avLst/>
-          </a:prstGeom>
-        </p:spPr>
-      </p:pic>
-    </p:spTree>
-    <p:extLst>
-      <p:ext uri="{BB962C8B-B14F-4D97-AF65-F5344CB8AC3E}">
-        <p14:creationId xmlns:p14="http://schemas.microsoft.com/office/powerpoint/2010/main" val="2519146007"/>
-      </p:ext>
-    </p:extLst>
-  </p:cSld>
-  <p:clrMapOvr>
-    <a:masterClrMapping/>
-  </p:clrMapOvr>
-  <mc:AlternateContent xmlns:mc="http://schemas.openxmlformats.org/markup-compatibility/2006" xmlns:p14="http://schemas.microsoft.com/office/powerpoint/2010/main">
-    <mc:Choice Requires="p14">
-      <p:transition spd="slow" p14:dur="2000"/>
-    </mc:Choice>
-    <mc:Fallback xmlns="">
-      <p:transition spd="slow"/>
-    </mc:Fallback>
-  </mc:AlternateContent>
-  <p:timing>
-    <p:tnLst>
-      <p:par>
-        <p:cTn id="1" dur="indefinite" restart="never" nodeType="tmRoot"/>
-      </p:par>
-    </p:tnLst>
-  </p:timing>
-</p:sld>
-</file>
-
-<file path=ppt/slides/slide52.xml><?xml version="1.0" encoding="utf-8"?>
-<p:sld xmlns:a="http://schemas.openxmlformats.org/drawingml/2006/main" xmlns:r="http://schemas.openxmlformats.org/officeDocument/2006/relationships" xmlns:p="http://schemas.openxmlformats.org/presentationml/2006/main">
-  <p:cSld>
-    <p:spTree>
-      <p:nvGrpSpPr>
-        <p:cNvPr id="1" name=""/>
-        <p:cNvGrpSpPr/>
-        <p:nvPr/>
-      </p:nvGrpSpPr>
-      <p:grpSpPr>
-        <a:xfrm>
-          <a:off x="0" y="0"/>
-          <a:ext cx="0" cy="0"/>
-          <a:chOff x="0" y="0"/>
-          <a:chExt cx="0" cy="0"/>
-        </a:xfrm>
-      </p:grpSpPr>
-      <p:pic>
-        <p:nvPicPr>
-          <p:cNvPr id="2" name="Рисунок 1"/>
-          <p:cNvPicPr>
-            <a:picLocks noChangeAspect="1"/>
-          </p:cNvPicPr>
-          <p:nvPr/>
-        </p:nvPicPr>
-        <p:blipFill>
-          <a:blip r:embed="rId3"/>
-          <a:stretch>
-            <a:fillRect/>
-          </a:stretch>
-        </p:blipFill>
-        <p:spPr>
-          <a:xfrm>
-            <a:off x="0" y="0"/>
-            <a:ext cx="12150164" cy="6273800"/>
-          </a:xfrm>
-          <a:prstGeom prst="rect">
-            <a:avLst/>
-          </a:prstGeom>
-        </p:spPr>
-      </p:pic>
-    </p:spTree>
-    <p:extLst>
-      <p:ext uri="{BB962C8B-B14F-4D97-AF65-F5344CB8AC3E}">
-        <p14:creationId xmlns:p14="http://schemas.microsoft.com/office/powerpoint/2010/main" val="2057037030"/>
-      </p:ext>
-    </p:extLst>
-  </p:cSld>
-  <p:clrMapOvr>
-    <a:masterClrMapping/>
-  </p:clrMapOvr>
-  <mc:AlternateContent xmlns:mc="http://schemas.openxmlformats.org/markup-compatibility/2006" xmlns:p14="http://schemas.microsoft.com/office/powerpoint/2010/main">
-    <mc:Choice Requires="p14">
-      <p:transition spd="slow" p14:dur="2000"/>
-    </mc:Choice>
-    <mc:Fallback xmlns="">
-      <p:transition spd="slow"/>
-    </mc:Fallback>
-  </mc:AlternateContent>
-  <p:timing>
-    <p:tnLst>
-      <p:par>
-        <p:cTn id="1" dur="indefinite" restart="never" nodeType="tmRoot"/>
-      </p:par>
-    </p:tnLst>
-  </p:timing>
-</p:sld>
-</file>
-
-<file path=ppt/slides/slide53.xml><?xml version="1.0" encoding="utf-8"?>
-<p:sld xmlns:a="http://schemas.openxmlformats.org/drawingml/2006/main" xmlns:r="http://schemas.openxmlformats.org/officeDocument/2006/relationships" xmlns:p="http://schemas.openxmlformats.org/presentationml/2006/main">
-  <p:cSld>
-    <p:spTree>
-      <p:nvGrpSpPr>
-        <p:cNvPr id="1" name=""/>
-        <p:cNvGrpSpPr/>
-        <p:nvPr/>
-      </p:nvGrpSpPr>
-      <p:grpSpPr>
-        <a:xfrm>
-          <a:off x="0" y="0"/>
-          <a:ext cx="0" cy="0"/>
-          <a:chOff x="0" y="0"/>
-          <a:chExt cx="0" cy="0"/>
-        </a:xfrm>
-      </p:grpSpPr>
-      <p:pic>
-        <p:nvPicPr>
-          <p:cNvPr id="2" name="Рисунок 1"/>
-          <p:cNvPicPr>
-            <a:picLocks noChangeAspect="1"/>
-          </p:cNvPicPr>
-          <p:nvPr/>
-        </p:nvPicPr>
-        <p:blipFill>
-          <a:blip r:embed="rId3"/>
-          <a:stretch>
-            <a:fillRect/>
-          </a:stretch>
-        </p:blipFill>
-        <p:spPr>
-          <a:xfrm>
-            <a:off x="-1" y="0"/>
-            <a:ext cx="12168479" cy="5956300"/>
-          </a:xfrm>
-          <a:prstGeom prst="rect">
-            <a:avLst/>
-          </a:prstGeom>
-        </p:spPr>
-      </p:pic>
-    </p:spTree>
-    <p:extLst>
-      <p:ext uri="{BB962C8B-B14F-4D97-AF65-F5344CB8AC3E}">
-        <p14:creationId xmlns:p14="http://schemas.microsoft.com/office/powerpoint/2010/main" val="3383971689"/>
-      </p:ext>
-    </p:extLst>
-  </p:cSld>
-  <p:clrMapOvr>
-    <a:masterClrMapping/>
-  </p:clrMapOvr>
-  <mc:AlternateContent xmlns:mc="http://schemas.openxmlformats.org/markup-compatibility/2006" xmlns:p14="http://schemas.microsoft.com/office/powerpoint/2010/main">
-    <mc:Choice Requires="p14">
-      <p:transition spd="slow" p14:dur="2000"/>
-    </mc:Choice>
-    <mc:Fallback xmlns="">
-      <p:transition spd="slow"/>
-    </mc:Fallback>
-  </mc:AlternateContent>
-  <p:timing>
-    <p:tnLst>
-      <p:par>
-        <p:cTn id="1" dur="indefinite" restart="never" nodeType="tmRoot"/>
-      </p:par>
-    </p:tnLst>
-  </p:timing>
-</p:sld>
-</file>
-
-<file path=ppt/slides/slide54.xml><?xml version="1.0" encoding="utf-8"?>
-<p:sld xmlns:a="http://schemas.openxmlformats.org/drawingml/2006/main" xmlns:r="http://schemas.openxmlformats.org/officeDocument/2006/relationships" xmlns:p="http://schemas.openxmlformats.org/presentationml/2006/main">
-  <p:cSld>
-    <p:spTree>
-      <p:nvGrpSpPr>
-        <p:cNvPr id="1" name=""/>
-        <p:cNvGrpSpPr/>
-        <p:nvPr/>
-      </p:nvGrpSpPr>
-      <p:grpSpPr>
-        <a:xfrm>
-          <a:off x="0" y="0"/>
-          <a:ext cx="0" cy="0"/>
-          <a:chOff x="0" y="0"/>
-          <a:chExt cx="0" cy="0"/>
-        </a:xfrm>
-      </p:grpSpPr>
-      <p:pic>
-        <p:nvPicPr>
-          <p:cNvPr id="2" name="Рисунок 1"/>
-          <p:cNvPicPr>
-            <a:picLocks noChangeAspect="1"/>
-          </p:cNvPicPr>
-          <p:nvPr/>
-        </p:nvPicPr>
-        <p:blipFill>
-          <a:blip r:embed="rId3"/>
-          <a:stretch>
-            <a:fillRect/>
-          </a:stretch>
-        </p:blipFill>
-        <p:spPr>
-          <a:xfrm>
-            <a:off x="508000" y="0"/>
-            <a:ext cx="10896600" cy="6826324"/>
-          </a:xfrm>
-          <a:prstGeom prst="rect">
-            <a:avLst/>
-          </a:prstGeom>
-        </p:spPr>
-      </p:pic>
-    </p:spTree>
-    <p:extLst>
-      <p:ext uri="{BB962C8B-B14F-4D97-AF65-F5344CB8AC3E}">
-        <p14:creationId xmlns:p14="http://schemas.microsoft.com/office/powerpoint/2010/main" val="3854413146"/>
-      </p:ext>
-    </p:extLst>
-  </p:cSld>
-  <p:clrMapOvr>
-    <a:masterClrMapping/>
-  </p:clrMapOvr>
-  <mc:AlternateContent xmlns:mc="http://schemas.openxmlformats.org/markup-compatibility/2006" xmlns:p14="http://schemas.microsoft.com/office/powerpoint/2010/main">
-    <mc:Choice Requires="p14">
-      <p:transition spd="slow" p14:dur="2000"/>
-    </mc:Choice>
-    <mc:Fallback xmlns="">
-      <p:transition spd="slow"/>
-    </mc:Fallback>
-  </mc:AlternateContent>
-  <p:timing>
-    <p:tnLst>
-      <p:par>
-        <p:cTn id="1" dur="indefinite" restart="never" nodeType="tmRoot"/>
-      </p:par>
-    </p:tnLst>
-  </p:timing>
-</p:sld>
-</file>
-
-<file path=ppt/slides/slide55.xml><?xml version="1.0" encoding="utf-8"?>
-<p:sld xmlns:a="http://schemas.openxmlformats.org/drawingml/2006/main" xmlns:r="http://schemas.openxmlformats.org/officeDocument/2006/relationships" xmlns:p="http://schemas.openxmlformats.org/presentationml/2006/main">
-  <p:cSld>
-    <p:spTree>
-      <p:nvGrpSpPr>
-        <p:cNvPr id="1" name=""/>
-        <p:cNvGrpSpPr/>
-        <p:nvPr/>
-      </p:nvGrpSpPr>
-      <p:grpSpPr>
-        <a:xfrm>
-          <a:off x="0" y="0"/>
-          <a:ext cx="0" cy="0"/>
-          <a:chOff x="0" y="0"/>
-          <a:chExt cx="0" cy="0"/>
-        </a:xfrm>
-      </p:grpSpPr>
-      <p:pic>
-        <p:nvPicPr>
-          <p:cNvPr id="2" name="Рисунок 1"/>
-          <p:cNvPicPr>
-            <a:picLocks noChangeAspect="1"/>
-          </p:cNvPicPr>
-          <p:nvPr/>
-        </p:nvPicPr>
-        <p:blipFill>
-          <a:blip r:embed="rId3"/>
-          <a:stretch>
-            <a:fillRect/>
-          </a:stretch>
-        </p:blipFill>
-        <p:spPr>
-          <a:xfrm>
-            <a:off x="0" y="368300"/>
-            <a:ext cx="12103100" cy="5470488"/>
-          </a:xfrm>
-          <a:prstGeom prst="rect">
-            <a:avLst/>
-          </a:prstGeom>
-        </p:spPr>
-      </p:pic>
-    </p:spTree>
-    <p:extLst>
-      <p:ext uri="{BB962C8B-B14F-4D97-AF65-F5344CB8AC3E}">
-        <p14:creationId xmlns:p14="http://schemas.microsoft.com/office/powerpoint/2010/main" val="3657030772"/>
-      </p:ext>
-    </p:extLst>
-  </p:cSld>
-  <p:clrMapOvr>
-    <a:masterClrMapping/>
-  </p:clrMapOvr>
-  <mc:AlternateContent xmlns:mc="http://schemas.openxmlformats.org/markup-compatibility/2006" xmlns:p14="http://schemas.microsoft.com/office/powerpoint/2010/main">
-    <mc:Choice Requires="p14">
-      <p:transition spd="slow" p14:dur="2000"/>
-    </mc:Choice>
-    <mc:Fallback xmlns="">
-      <p:transition spd="slow"/>
-    </mc:Fallback>
-  </mc:AlternateContent>
-  <p:timing>
-    <p:tnLst>
-      <p:par>
-        <p:cTn id="1" dur="indefinite" restart="never" nodeType="tmRoot"/>
-      </p:par>
-    </p:tnLst>
-  </p:timing>
-</p:sld>
-</file>
-
-<file path=ppt/slides/slide56.xml><?xml version="1.0" encoding="utf-8"?>
-<p:sld xmlns:a="http://schemas.openxmlformats.org/drawingml/2006/main" xmlns:r="http://schemas.openxmlformats.org/officeDocument/2006/relationships" xmlns:p="http://schemas.openxmlformats.org/presentationml/2006/main">
-  <p:cSld>
-    <p:spTree>
-      <p:nvGrpSpPr>
-        <p:cNvPr id="1" name=""/>
-        <p:cNvGrpSpPr/>
-        <p:nvPr/>
-      </p:nvGrpSpPr>
-      <p:grpSpPr>
-        <a:xfrm>
-          <a:off x="0" y="0"/>
-          <a:ext cx="0" cy="0"/>
-          <a:chOff x="0" y="0"/>
-          <a:chExt cx="0" cy="0"/>
-        </a:xfrm>
-      </p:grpSpPr>
-      <p:pic>
-        <p:nvPicPr>
-          <p:cNvPr id="2" name="Рисунок 1"/>
-          <p:cNvPicPr>
-            <a:picLocks noChangeAspect="1"/>
-          </p:cNvPicPr>
-          <p:nvPr/>
-        </p:nvPicPr>
-        <p:blipFill>
-          <a:blip r:embed="rId3"/>
-          <a:stretch>
-            <a:fillRect/>
-          </a:stretch>
-        </p:blipFill>
-        <p:spPr>
-          <a:xfrm>
-            <a:off x="-1" y="0"/>
-            <a:ext cx="12241315" cy="6858000"/>
-          </a:xfrm>
-          <a:prstGeom prst="rect">
-            <a:avLst/>
-          </a:prstGeom>
-        </p:spPr>
-      </p:pic>
-    </p:spTree>
-    <p:extLst>
-      <p:ext uri="{BB962C8B-B14F-4D97-AF65-F5344CB8AC3E}">
-        <p14:creationId xmlns:p14="http://schemas.microsoft.com/office/powerpoint/2010/main" val="429443180"/>
-      </p:ext>
-    </p:extLst>
-  </p:cSld>
-  <p:clrMapOvr>
-    <a:masterClrMapping/>
-  </p:clrMapOvr>
-  <mc:AlternateContent xmlns:mc="http://schemas.openxmlformats.org/markup-compatibility/2006" xmlns:p14="http://schemas.microsoft.com/office/powerpoint/2010/main">
-    <mc:Choice Requires="p14">
-      <p:transition spd="slow" p14:dur="2000"/>
-    </mc:Choice>
-    <mc:Fallback xmlns="">
-      <p:transition spd="slow"/>
-    </mc:Fallback>
-  </mc:AlternateContent>
-  <p:timing>
-    <p:tnLst>
-      <p:par>
-        <p:cTn id="1" dur="indefinite" restart="never" nodeType="tmRoot"/>
-      </p:par>
-    </p:tnLst>
-  </p:timing>
-</p:sld>
-</file>
-
-<file path=ppt/slides/slide57.xml><?xml version="1.0" encoding="utf-8"?>
-<p:sld xmlns:a="http://schemas.openxmlformats.org/drawingml/2006/main" xmlns:r="http://schemas.openxmlformats.org/officeDocument/2006/relationships" xmlns:p="http://schemas.openxmlformats.org/presentationml/2006/main">
-  <p:cSld>
-    <p:spTree>
-      <p:nvGrpSpPr>
-        <p:cNvPr id="1" name=""/>
-        <p:cNvGrpSpPr/>
-        <p:nvPr/>
-      </p:nvGrpSpPr>
-      <p:grpSpPr>
-        <a:xfrm>
-          <a:off x="0" y="0"/>
-          <a:ext cx="0" cy="0"/>
-          <a:chOff x="0" y="0"/>
-          <a:chExt cx="0" cy="0"/>
-        </a:xfrm>
-      </p:grpSpPr>
-      <p:pic>
-        <p:nvPicPr>
-          <p:cNvPr id="2" name="Рисунок 1"/>
-          <p:cNvPicPr>
-            <a:picLocks noChangeAspect="1"/>
-          </p:cNvPicPr>
-          <p:nvPr/>
-        </p:nvPicPr>
-        <p:blipFill>
-          <a:blip r:embed="rId3"/>
-          <a:stretch>
-            <a:fillRect/>
-          </a:stretch>
-        </p:blipFill>
-        <p:spPr>
-          <a:xfrm>
-            <a:off x="0" y="-1"/>
-            <a:ext cx="12192000" cy="5474251"/>
-          </a:xfrm>
-          <a:prstGeom prst="rect">
-            <a:avLst/>
-          </a:prstGeom>
-        </p:spPr>
-      </p:pic>
-    </p:spTree>
-    <p:extLst>
-      <p:ext uri="{BB962C8B-B14F-4D97-AF65-F5344CB8AC3E}">
-        <p14:creationId xmlns:p14="http://schemas.microsoft.com/office/powerpoint/2010/main" val="3432313739"/>
-      </p:ext>
-    </p:extLst>
-  </p:cSld>
-  <p:clrMapOvr>
-    <a:masterClrMapping/>
-  </p:clrMapOvr>
-  <mc:AlternateContent xmlns:mc="http://schemas.openxmlformats.org/markup-compatibility/2006" xmlns:p14="http://schemas.microsoft.com/office/powerpoint/2010/main">
-    <mc:Choice Requires="p14">
-      <p:transition spd="slow" p14:dur="2000"/>
-    </mc:Choice>
-    <mc:Fallback xmlns="">
-      <p:transition spd="slow"/>
-    </mc:Fallback>
-  </mc:AlternateContent>
-  <p:timing>
-    <p:tnLst>
-      <p:par>
-        <p:cTn id="1" dur="indefinite" restart="never" nodeType="tmRoot"/>
-      </p:par>
-    </p:tnLst>
-  </p:timing>
-</p:sld>
-</file>
-
-<file path=ppt/slides/slide58.xml><?xml version="1.0" encoding="utf-8"?>
-<p:sld xmlns:a="http://schemas.openxmlformats.org/drawingml/2006/main" xmlns:r="http://schemas.openxmlformats.org/officeDocument/2006/relationships" xmlns:p="http://schemas.openxmlformats.org/presentationml/2006/main">
-  <p:cSld>
-    <p:spTree>
-      <p:nvGrpSpPr>
-        <p:cNvPr id="1" name=""/>
-        <p:cNvGrpSpPr/>
-        <p:nvPr/>
-      </p:nvGrpSpPr>
-      <p:grpSpPr>
-        <a:xfrm>
-          <a:off x="0" y="0"/>
-          <a:ext cx="0" cy="0"/>
-          <a:chOff x="0" y="0"/>
-          <a:chExt cx="0" cy="0"/>
-        </a:xfrm>
-      </p:grpSpPr>
-      <p:pic>
-        <p:nvPicPr>
-          <p:cNvPr id="2" name="Рисунок 1"/>
-          <p:cNvPicPr>
-            <a:picLocks noChangeAspect="1"/>
-          </p:cNvPicPr>
-          <p:nvPr/>
-        </p:nvPicPr>
-        <p:blipFill>
-          <a:blip r:embed="rId3"/>
-          <a:stretch>
-            <a:fillRect/>
-          </a:stretch>
-        </p:blipFill>
-        <p:spPr>
-          <a:xfrm>
-            <a:off x="571500" y="0"/>
-            <a:ext cx="10719544" cy="6858000"/>
-          </a:xfrm>
-          <a:prstGeom prst="rect">
-            <a:avLst/>
-          </a:prstGeom>
-        </p:spPr>
-      </p:pic>
-    </p:spTree>
-    <p:extLst>
-      <p:ext uri="{BB962C8B-B14F-4D97-AF65-F5344CB8AC3E}">
-        <p14:creationId xmlns:p14="http://schemas.microsoft.com/office/powerpoint/2010/main" val="3866223016"/>
-      </p:ext>
-    </p:extLst>
-  </p:cSld>
-  <p:clrMapOvr>
-    <a:masterClrMapping/>
-  </p:clrMapOvr>
-  <mc:AlternateContent xmlns:mc="http://schemas.openxmlformats.org/markup-compatibility/2006" xmlns:p14="http://schemas.microsoft.com/office/powerpoint/2010/main">
-    <mc:Choice Requires="p14">
-      <p:transition spd="slow" p14:dur="2000"/>
-    </mc:Choice>
-    <mc:Fallback xmlns="">
-      <p:transition spd="slow"/>
-    </mc:Fallback>
-  </mc:AlternateContent>
-  <p:timing>
-    <p:tnLst>
-      <p:par>
-        <p:cTn id="1" dur="indefinite" restart="never" nodeType="tmRoot"/>
-      </p:par>
-    </p:tnLst>
-  </p:timing>
-</p:sld>
-</file>
-
-<file path=ppt/slides/slide59.xml><?xml version="1.0" encoding="utf-8"?>
-<p:sld xmlns:a="http://schemas.openxmlformats.org/drawingml/2006/main" xmlns:r="http://schemas.openxmlformats.org/officeDocument/2006/relationships" xmlns:p="http://schemas.openxmlformats.org/presentationml/2006/main">
-  <p:cSld>
-    <p:spTree>
-      <p:nvGrpSpPr>
-        <p:cNvPr id="1" name=""/>
-        <p:cNvGrpSpPr/>
-        <p:nvPr/>
-      </p:nvGrpSpPr>
-      <p:grpSpPr>
-        <a:xfrm>
-          <a:off x="0" y="0"/>
-          <a:ext cx="0" cy="0"/>
-          <a:chOff x="0" y="0"/>
-          <a:chExt cx="0" cy="0"/>
-        </a:xfrm>
-      </p:grpSpPr>
-      <p:pic>
-        <p:nvPicPr>
-          <p:cNvPr id="2" name="Рисунок 1"/>
-          <p:cNvPicPr>
-            <a:picLocks noChangeAspect="1"/>
-          </p:cNvPicPr>
-          <p:nvPr/>
-        </p:nvPicPr>
-        <p:blipFill>
-          <a:blip r:embed="rId3"/>
-          <a:stretch>
-            <a:fillRect/>
-          </a:stretch>
-        </p:blipFill>
-        <p:spPr>
-          <a:xfrm>
-            <a:off x="342900" y="0"/>
-            <a:ext cx="11480800" cy="6660206"/>
-          </a:xfrm>
-          <a:prstGeom prst="rect">
-            <a:avLst/>
-          </a:prstGeom>
-        </p:spPr>
-      </p:pic>
-    </p:spTree>
-    <p:extLst>
-      <p:ext uri="{BB962C8B-B14F-4D97-AF65-F5344CB8AC3E}">
-        <p14:creationId xmlns:p14="http://schemas.microsoft.com/office/powerpoint/2010/main" val="1712362861"/>
-      </p:ext>
-    </p:extLst>
-  </p:cSld>
-  <p:clrMapOvr>
-    <a:masterClrMapping/>
-  </p:clrMapOvr>
-  <mc:AlternateContent xmlns:mc="http://schemas.openxmlformats.org/markup-compatibility/2006" xmlns:p14="http://schemas.microsoft.com/office/powerpoint/2010/main">
-    <mc:Choice Requires="p14">
-      <p:transition spd="slow" p14:dur="2000"/>
-    </mc:Choice>
-    <mc:Fallback xmlns="">
-      <p:transition spd="slow"/>
-    </mc:Fallback>
-  </mc:AlternateContent>
   <p:timing>
     <p:tnLst>
       <p:par>
@@ -42918,7 +38594,7 @@
           <p:cNvPr id="23" name="TextBox 22">
             <a:extLst>
               <a:ext uri="{FF2B5EF4-FFF2-40B4-BE49-F238E27FC236}">
-                <a16:creationId xmlns:a16="http://schemas.microsoft.com/office/drawing/2014/main" id="{99DF0FE0-DB9D-4180-8370-CD26FB46DF57}"/>
+                <a16:creationId xmlns:a16="http://schemas.microsoft.com/office/drawing/2014/main" xmlns="" id="{99DF0FE0-DB9D-4180-8370-CD26FB46DF57}"/>
               </a:ext>
             </a:extLst>
           </p:cNvPr>
@@ -43377,696 +39053,6 @@
   <p:clrMapOvr>
     <a:masterClrMapping/>
   </p:clrMapOvr>
-  <p:timing>
-    <p:tnLst>
-      <p:par>
-        <p:cTn id="1" dur="indefinite" restart="never" nodeType="tmRoot"/>
-      </p:par>
-    </p:tnLst>
-  </p:timing>
-</p:sld>
-</file>
-
-<file path=ppt/slides/slide60.xml><?xml version="1.0" encoding="utf-8"?>
-<p:sld xmlns:a="http://schemas.openxmlformats.org/drawingml/2006/main" xmlns:r="http://schemas.openxmlformats.org/officeDocument/2006/relationships" xmlns:p="http://schemas.openxmlformats.org/presentationml/2006/main">
-  <p:cSld>
-    <p:spTree>
-      <p:nvGrpSpPr>
-        <p:cNvPr id="1" name=""/>
-        <p:cNvGrpSpPr/>
-        <p:nvPr/>
-      </p:nvGrpSpPr>
-      <p:grpSpPr>
-        <a:xfrm>
-          <a:off x="0" y="0"/>
-          <a:ext cx="0" cy="0"/>
-          <a:chOff x="0" y="0"/>
-          <a:chExt cx="0" cy="0"/>
-        </a:xfrm>
-      </p:grpSpPr>
-      <p:pic>
-        <p:nvPicPr>
-          <p:cNvPr id="2" name="Рисунок 1"/>
-          <p:cNvPicPr>
-            <a:picLocks noChangeAspect="1"/>
-          </p:cNvPicPr>
-          <p:nvPr/>
-        </p:nvPicPr>
-        <p:blipFill>
-          <a:blip r:embed="rId3"/>
-          <a:stretch>
-            <a:fillRect/>
-          </a:stretch>
-        </p:blipFill>
-        <p:spPr>
-          <a:xfrm>
-            <a:off x="393700" y="0"/>
-            <a:ext cx="11315700" cy="6818604"/>
-          </a:xfrm>
-          <a:prstGeom prst="rect">
-            <a:avLst/>
-          </a:prstGeom>
-        </p:spPr>
-      </p:pic>
-    </p:spTree>
-    <p:extLst>
-      <p:ext uri="{BB962C8B-B14F-4D97-AF65-F5344CB8AC3E}">
-        <p14:creationId xmlns:p14="http://schemas.microsoft.com/office/powerpoint/2010/main" val="62630306"/>
-      </p:ext>
-    </p:extLst>
-  </p:cSld>
-  <p:clrMapOvr>
-    <a:masterClrMapping/>
-  </p:clrMapOvr>
-  <mc:AlternateContent xmlns:mc="http://schemas.openxmlformats.org/markup-compatibility/2006" xmlns:p14="http://schemas.microsoft.com/office/powerpoint/2010/main">
-    <mc:Choice Requires="p14">
-      <p:transition spd="slow" p14:dur="2000"/>
-    </mc:Choice>
-    <mc:Fallback xmlns="">
-      <p:transition spd="slow"/>
-    </mc:Fallback>
-  </mc:AlternateContent>
-  <p:timing>
-    <p:tnLst>
-      <p:par>
-        <p:cTn id="1" dur="indefinite" restart="never" nodeType="tmRoot"/>
-      </p:par>
-    </p:tnLst>
-  </p:timing>
-</p:sld>
-</file>
-
-<file path=ppt/slides/slide61.xml><?xml version="1.0" encoding="utf-8"?>
-<p:sld xmlns:a="http://schemas.openxmlformats.org/drawingml/2006/main" xmlns:r="http://schemas.openxmlformats.org/officeDocument/2006/relationships" xmlns:p="http://schemas.openxmlformats.org/presentationml/2006/main">
-  <p:cSld>
-    <p:spTree>
-      <p:nvGrpSpPr>
-        <p:cNvPr id="1" name=""/>
-        <p:cNvGrpSpPr/>
-        <p:nvPr/>
-      </p:nvGrpSpPr>
-      <p:grpSpPr>
-        <a:xfrm>
-          <a:off x="0" y="0"/>
-          <a:ext cx="0" cy="0"/>
-          <a:chOff x="0" y="0"/>
-          <a:chExt cx="0" cy="0"/>
-        </a:xfrm>
-      </p:grpSpPr>
-      <p:pic>
-        <p:nvPicPr>
-          <p:cNvPr id="2" name="Рисунок 1"/>
-          <p:cNvPicPr>
-            <a:picLocks noChangeAspect="1"/>
-          </p:cNvPicPr>
-          <p:nvPr/>
-        </p:nvPicPr>
-        <p:blipFill>
-          <a:blip r:embed="rId3"/>
-          <a:stretch>
-            <a:fillRect/>
-          </a:stretch>
-        </p:blipFill>
-        <p:spPr>
-          <a:xfrm>
-            <a:off x="0" y="-1"/>
-            <a:ext cx="12192000" cy="5724815"/>
-          </a:xfrm>
-          <a:prstGeom prst="rect">
-            <a:avLst/>
-          </a:prstGeom>
-        </p:spPr>
-      </p:pic>
-    </p:spTree>
-    <p:extLst>
-      <p:ext uri="{BB962C8B-B14F-4D97-AF65-F5344CB8AC3E}">
-        <p14:creationId xmlns:p14="http://schemas.microsoft.com/office/powerpoint/2010/main" val="1333867262"/>
-      </p:ext>
-    </p:extLst>
-  </p:cSld>
-  <p:clrMapOvr>
-    <a:masterClrMapping/>
-  </p:clrMapOvr>
-  <mc:AlternateContent xmlns:mc="http://schemas.openxmlformats.org/markup-compatibility/2006" xmlns:p14="http://schemas.microsoft.com/office/powerpoint/2010/main">
-    <mc:Choice Requires="p14">
-      <p:transition spd="slow" p14:dur="2000"/>
-    </mc:Choice>
-    <mc:Fallback xmlns="">
-      <p:transition spd="slow"/>
-    </mc:Fallback>
-  </mc:AlternateContent>
-  <p:timing>
-    <p:tnLst>
-      <p:par>
-        <p:cTn id="1" dur="indefinite" restart="never" nodeType="tmRoot"/>
-      </p:par>
-    </p:tnLst>
-  </p:timing>
-</p:sld>
-</file>
-
-<file path=ppt/slides/slide62.xml><?xml version="1.0" encoding="utf-8"?>
-<p:sld xmlns:a="http://schemas.openxmlformats.org/drawingml/2006/main" xmlns:r="http://schemas.openxmlformats.org/officeDocument/2006/relationships" xmlns:p="http://schemas.openxmlformats.org/presentationml/2006/main">
-  <p:cSld>
-    <p:spTree>
-      <p:nvGrpSpPr>
-        <p:cNvPr id="1" name=""/>
-        <p:cNvGrpSpPr/>
-        <p:nvPr/>
-      </p:nvGrpSpPr>
-      <p:grpSpPr>
-        <a:xfrm>
-          <a:off x="0" y="0"/>
-          <a:ext cx="0" cy="0"/>
-          <a:chOff x="0" y="0"/>
-          <a:chExt cx="0" cy="0"/>
-        </a:xfrm>
-      </p:grpSpPr>
-      <p:pic>
-        <p:nvPicPr>
-          <p:cNvPr id="2" name="Рисунок 1"/>
-          <p:cNvPicPr>
-            <a:picLocks noChangeAspect="1"/>
-          </p:cNvPicPr>
-          <p:nvPr/>
-        </p:nvPicPr>
-        <p:blipFill>
-          <a:blip r:embed="rId3"/>
-          <a:stretch>
-            <a:fillRect/>
-          </a:stretch>
-        </p:blipFill>
-        <p:spPr>
-          <a:xfrm>
-            <a:off x="228600" y="0"/>
-            <a:ext cx="11629967" cy="6858000"/>
-          </a:xfrm>
-          <a:prstGeom prst="rect">
-            <a:avLst/>
-          </a:prstGeom>
-        </p:spPr>
-      </p:pic>
-    </p:spTree>
-    <p:extLst>
-      <p:ext uri="{BB962C8B-B14F-4D97-AF65-F5344CB8AC3E}">
-        <p14:creationId xmlns:p14="http://schemas.microsoft.com/office/powerpoint/2010/main" val="3223708655"/>
-      </p:ext>
-    </p:extLst>
-  </p:cSld>
-  <p:clrMapOvr>
-    <a:masterClrMapping/>
-  </p:clrMapOvr>
-  <mc:AlternateContent xmlns:mc="http://schemas.openxmlformats.org/markup-compatibility/2006" xmlns:p14="http://schemas.microsoft.com/office/powerpoint/2010/main">
-    <mc:Choice Requires="p14">
-      <p:transition spd="slow" p14:dur="2000"/>
-    </mc:Choice>
-    <mc:Fallback xmlns="">
-      <p:transition spd="slow"/>
-    </mc:Fallback>
-  </mc:AlternateContent>
-  <p:timing>
-    <p:tnLst>
-      <p:par>
-        <p:cTn id="1" dur="indefinite" restart="never" nodeType="tmRoot"/>
-      </p:par>
-    </p:tnLst>
-  </p:timing>
-</p:sld>
-</file>
-
-<file path=ppt/slides/slide63.xml><?xml version="1.0" encoding="utf-8"?>
-<p:sld xmlns:a="http://schemas.openxmlformats.org/drawingml/2006/main" xmlns:r="http://schemas.openxmlformats.org/officeDocument/2006/relationships" xmlns:p="http://schemas.openxmlformats.org/presentationml/2006/main">
-  <p:cSld>
-    <p:spTree>
-      <p:nvGrpSpPr>
-        <p:cNvPr id="1" name=""/>
-        <p:cNvGrpSpPr/>
-        <p:nvPr/>
-      </p:nvGrpSpPr>
-      <p:grpSpPr>
-        <a:xfrm>
-          <a:off x="0" y="0"/>
-          <a:ext cx="0" cy="0"/>
-          <a:chOff x="0" y="0"/>
-          <a:chExt cx="0" cy="0"/>
-        </a:xfrm>
-      </p:grpSpPr>
-      <p:pic>
-        <p:nvPicPr>
-          <p:cNvPr id="2" name="Рисунок 1"/>
-          <p:cNvPicPr>
-            <a:picLocks noChangeAspect="1"/>
-          </p:cNvPicPr>
-          <p:nvPr/>
-        </p:nvPicPr>
-        <p:blipFill>
-          <a:blip r:embed="rId3"/>
-          <a:stretch>
-            <a:fillRect/>
-          </a:stretch>
-        </p:blipFill>
-        <p:spPr>
-          <a:xfrm>
-            <a:off x="635000" y="0"/>
-            <a:ext cx="10662437" cy="6858000"/>
-          </a:xfrm>
-          <a:prstGeom prst="rect">
-            <a:avLst/>
-          </a:prstGeom>
-        </p:spPr>
-      </p:pic>
-    </p:spTree>
-    <p:extLst>
-      <p:ext uri="{BB962C8B-B14F-4D97-AF65-F5344CB8AC3E}">
-        <p14:creationId xmlns:p14="http://schemas.microsoft.com/office/powerpoint/2010/main" val="467324155"/>
-      </p:ext>
-    </p:extLst>
-  </p:cSld>
-  <p:clrMapOvr>
-    <a:masterClrMapping/>
-  </p:clrMapOvr>
-  <mc:AlternateContent xmlns:mc="http://schemas.openxmlformats.org/markup-compatibility/2006" xmlns:p14="http://schemas.microsoft.com/office/powerpoint/2010/main">
-    <mc:Choice Requires="p14">
-      <p:transition spd="slow" p14:dur="2000"/>
-    </mc:Choice>
-    <mc:Fallback xmlns="">
-      <p:transition spd="slow"/>
-    </mc:Fallback>
-  </mc:AlternateContent>
-  <p:timing>
-    <p:tnLst>
-      <p:par>
-        <p:cTn id="1" dur="indefinite" restart="never" nodeType="tmRoot"/>
-      </p:par>
-    </p:tnLst>
-  </p:timing>
-</p:sld>
-</file>
-
-<file path=ppt/slides/slide64.xml><?xml version="1.0" encoding="utf-8"?>
-<p:sld xmlns:a="http://schemas.openxmlformats.org/drawingml/2006/main" xmlns:r="http://schemas.openxmlformats.org/officeDocument/2006/relationships" xmlns:p="http://schemas.openxmlformats.org/presentationml/2006/main">
-  <p:cSld>
-    <p:spTree>
-      <p:nvGrpSpPr>
-        <p:cNvPr id="1" name=""/>
-        <p:cNvGrpSpPr/>
-        <p:nvPr/>
-      </p:nvGrpSpPr>
-      <p:grpSpPr>
-        <a:xfrm>
-          <a:off x="0" y="0"/>
-          <a:ext cx="0" cy="0"/>
-          <a:chOff x="0" y="0"/>
-          <a:chExt cx="0" cy="0"/>
-        </a:xfrm>
-      </p:grpSpPr>
-      <p:pic>
-        <p:nvPicPr>
-          <p:cNvPr id="2" name="Рисунок 1"/>
-          <p:cNvPicPr>
-            <a:picLocks noChangeAspect="1"/>
-          </p:cNvPicPr>
-          <p:nvPr/>
-        </p:nvPicPr>
-        <p:blipFill>
-          <a:blip r:embed="rId3"/>
-          <a:stretch>
-            <a:fillRect/>
-          </a:stretch>
-        </p:blipFill>
-        <p:spPr>
-          <a:xfrm>
-            <a:off x="0" y="0"/>
-            <a:ext cx="12192000" cy="6488140"/>
-          </a:xfrm>
-          <a:prstGeom prst="rect">
-            <a:avLst/>
-          </a:prstGeom>
-        </p:spPr>
-      </p:pic>
-    </p:spTree>
-    <p:extLst>
-      <p:ext uri="{BB962C8B-B14F-4D97-AF65-F5344CB8AC3E}">
-        <p14:creationId xmlns:p14="http://schemas.microsoft.com/office/powerpoint/2010/main" val="1577071141"/>
-      </p:ext>
-    </p:extLst>
-  </p:cSld>
-  <p:clrMapOvr>
-    <a:masterClrMapping/>
-  </p:clrMapOvr>
-  <mc:AlternateContent xmlns:mc="http://schemas.openxmlformats.org/markup-compatibility/2006" xmlns:p14="http://schemas.microsoft.com/office/powerpoint/2010/main">
-    <mc:Choice Requires="p14">
-      <p:transition spd="slow" p14:dur="2000"/>
-    </mc:Choice>
-    <mc:Fallback xmlns="">
-      <p:transition spd="slow"/>
-    </mc:Fallback>
-  </mc:AlternateContent>
-  <p:timing>
-    <p:tnLst>
-      <p:par>
-        <p:cTn id="1" dur="indefinite" restart="never" nodeType="tmRoot"/>
-      </p:par>
-    </p:tnLst>
-  </p:timing>
-</p:sld>
-</file>
-
-<file path=ppt/slides/slide65.xml><?xml version="1.0" encoding="utf-8"?>
-<p:sld xmlns:a="http://schemas.openxmlformats.org/drawingml/2006/main" xmlns:r="http://schemas.openxmlformats.org/officeDocument/2006/relationships" xmlns:p="http://schemas.openxmlformats.org/presentationml/2006/main">
-  <p:cSld>
-    <p:spTree>
-      <p:nvGrpSpPr>
-        <p:cNvPr id="1" name=""/>
-        <p:cNvGrpSpPr/>
-        <p:nvPr/>
-      </p:nvGrpSpPr>
-      <p:grpSpPr>
-        <a:xfrm>
-          <a:off x="0" y="0"/>
-          <a:ext cx="0" cy="0"/>
-          <a:chOff x="0" y="0"/>
-          <a:chExt cx="0" cy="0"/>
-        </a:xfrm>
-      </p:grpSpPr>
-      <p:pic>
-        <p:nvPicPr>
-          <p:cNvPr id="2" name="Рисунок 1"/>
-          <p:cNvPicPr>
-            <a:picLocks noChangeAspect="1"/>
-          </p:cNvPicPr>
-          <p:nvPr/>
-        </p:nvPicPr>
-        <p:blipFill>
-          <a:blip r:embed="rId3"/>
-          <a:stretch>
-            <a:fillRect/>
-          </a:stretch>
-        </p:blipFill>
-        <p:spPr>
-          <a:xfrm>
-            <a:off x="1905000" y="0"/>
-            <a:ext cx="7966835" cy="6858000"/>
-          </a:xfrm>
-          <a:prstGeom prst="rect">
-            <a:avLst/>
-          </a:prstGeom>
-        </p:spPr>
-      </p:pic>
-    </p:spTree>
-    <p:extLst>
-      <p:ext uri="{BB962C8B-B14F-4D97-AF65-F5344CB8AC3E}">
-        <p14:creationId xmlns:p14="http://schemas.microsoft.com/office/powerpoint/2010/main" val="25314908"/>
-      </p:ext>
-    </p:extLst>
-  </p:cSld>
-  <p:clrMapOvr>
-    <a:masterClrMapping/>
-  </p:clrMapOvr>
-  <mc:AlternateContent xmlns:mc="http://schemas.openxmlformats.org/markup-compatibility/2006" xmlns:p14="http://schemas.microsoft.com/office/powerpoint/2010/main">
-    <mc:Choice Requires="p14">
-      <p:transition spd="slow" p14:dur="2000"/>
-    </mc:Choice>
-    <mc:Fallback xmlns="">
-      <p:transition spd="slow"/>
-    </mc:Fallback>
-  </mc:AlternateContent>
-  <p:timing>
-    <p:tnLst>
-      <p:par>
-        <p:cTn id="1" dur="indefinite" restart="never" nodeType="tmRoot"/>
-      </p:par>
-    </p:tnLst>
-  </p:timing>
-</p:sld>
-</file>
-
-<file path=ppt/slides/slide66.xml><?xml version="1.0" encoding="utf-8"?>
-<p:sld xmlns:a="http://schemas.openxmlformats.org/drawingml/2006/main" xmlns:r="http://schemas.openxmlformats.org/officeDocument/2006/relationships" xmlns:p="http://schemas.openxmlformats.org/presentationml/2006/main">
-  <p:cSld>
-    <p:spTree>
-      <p:nvGrpSpPr>
-        <p:cNvPr id="1" name=""/>
-        <p:cNvGrpSpPr/>
-        <p:nvPr/>
-      </p:nvGrpSpPr>
-      <p:grpSpPr>
-        <a:xfrm>
-          <a:off x="0" y="0"/>
-          <a:ext cx="0" cy="0"/>
-          <a:chOff x="0" y="0"/>
-          <a:chExt cx="0" cy="0"/>
-        </a:xfrm>
-      </p:grpSpPr>
-      <p:pic>
-        <p:nvPicPr>
-          <p:cNvPr id="2" name="Рисунок 1"/>
-          <p:cNvPicPr>
-            <a:picLocks noChangeAspect="1"/>
-          </p:cNvPicPr>
-          <p:nvPr/>
-        </p:nvPicPr>
-        <p:blipFill>
-          <a:blip r:embed="rId3"/>
-          <a:stretch>
-            <a:fillRect/>
-          </a:stretch>
-        </p:blipFill>
-        <p:spPr>
-          <a:xfrm>
-            <a:off x="711200" y="36778"/>
-            <a:ext cx="10642600" cy="6821222"/>
-          </a:xfrm>
-          <a:prstGeom prst="rect">
-            <a:avLst/>
-          </a:prstGeom>
-        </p:spPr>
-      </p:pic>
-    </p:spTree>
-    <p:extLst>
-      <p:ext uri="{BB962C8B-B14F-4D97-AF65-F5344CB8AC3E}">
-        <p14:creationId xmlns:p14="http://schemas.microsoft.com/office/powerpoint/2010/main" val="2034404118"/>
-      </p:ext>
-    </p:extLst>
-  </p:cSld>
-  <p:clrMapOvr>
-    <a:masterClrMapping/>
-  </p:clrMapOvr>
-  <mc:AlternateContent xmlns:mc="http://schemas.openxmlformats.org/markup-compatibility/2006" xmlns:p14="http://schemas.microsoft.com/office/powerpoint/2010/main">
-    <mc:Choice Requires="p14">
-      <p:transition spd="slow" p14:dur="2000"/>
-    </mc:Choice>
-    <mc:Fallback xmlns="">
-      <p:transition spd="slow"/>
-    </mc:Fallback>
-  </mc:AlternateContent>
-  <p:timing>
-    <p:tnLst>
-      <p:par>
-        <p:cTn id="1" dur="indefinite" restart="never" nodeType="tmRoot"/>
-      </p:par>
-    </p:tnLst>
-  </p:timing>
-</p:sld>
-</file>
-
-<file path=ppt/slides/slide67.xml><?xml version="1.0" encoding="utf-8"?>
-<p:sld xmlns:a="http://schemas.openxmlformats.org/drawingml/2006/main" xmlns:r="http://schemas.openxmlformats.org/officeDocument/2006/relationships" xmlns:p="http://schemas.openxmlformats.org/presentationml/2006/main">
-  <p:cSld>
-    <p:spTree>
-      <p:nvGrpSpPr>
-        <p:cNvPr id="1" name=""/>
-        <p:cNvGrpSpPr/>
-        <p:nvPr/>
-      </p:nvGrpSpPr>
-      <p:grpSpPr>
-        <a:xfrm>
-          <a:off x="0" y="0"/>
-          <a:ext cx="0" cy="0"/>
-          <a:chOff x="0" y="0"/>
-          <a:chExt cx="0" cy="0"/>
-        </a:xfrm>
-      </p:grpSpPr>
-      <p:pic>
-        <p:nvPicPr>
-          <p:cNvPr id="3" name="Рисунок 2"/>
-          <p:cNvPicPr>
-            <a:picLocks noChangeAspect="1"/>
-          </p:cNvPicPr>
-          <p:nvPr/>
-        </p:nvPicPr>
-        <p:blipFill>
-          <a:blip r:embed="rId3"/>
-          <a:stretch>
-            <a:fillRect/>
-          </a:stretch>
-        </p:blipFill>
-        <p:spPr>
-          <a:xfrm>
-            <a:off x="0" y="0"/>
-            <a:ext cx="12188606" cy="6400800"/>
-          </a:xfrm>
-          <a:prstGeom prst="rect">
-            <a:avLst/>
-          </a:prstGeom>
-        </p:spPr>
-      </p:pic>
-    </p:spTree>
-    <p:extLst>
-      <p:ext uri="{BB962C8B-B14F-4D97-AF65-F5344CB8AC3E}">
-        <p14:creationId xmlns:p14="http://schemas.microsoft.com/office/powerpoint/2010/main" val="2075656145"/>
-      </p:ext>
-    </p:extLst>
-  </p:cSld>
-  <p:clrMapOvr>
-    <a:masterClrMapping/>
-  </p:clrMapOvr>
-  <mc:AlternateContent xmlns:mc="http://schemas.openxmlformats.org/markup-compatibility/2006" xmlns:p14="http://schemas.microsoft.com/office/powerpoint/2010/main">
-    <mc:Choice Requires="p14">
-      <p:transition spd="slow" p14:dur="2000"/>
-    </mc:Choice>
-    <mc:Fallback xmlns="">
-      <p:transition spd="slow"/>
-    </mc:Fallback>
-  </mc:AlternateContent>
-  <p:timing>
-    <p:tnLst>
-      <p:par>
-        <p:cTn id="1" dur="indefinite" restart="never" nodeType="tmRoot"/>
-      </p:par>
-    </p:tnLst>
-  </p:timing>
-</p:sld>
-</file>
-
-<file path=ppt/slides/slide68.xml><?xml version="1.0" encoding="utf-8"?>
-<p:sld xmlns:a="http://schemas.openxmlformats.org/drawingml/2006/main" xmlns:r="http://schemas.openxmlformats.org/officeDocument/2006/relationships" xmlns:p="http://schemas.openxmlformats.org/presentationml/2006/main">
-  <p:cSld>
-    <p:spTree>
-      <p:nvGrpSpPr>
-        <p:cNvPr id="1" name=""/>
-        <p:cNvGrpSpPr/>
-        <p:nvPr/>
-      </p:nvGrpSpPr>
-      <p:grpSpPr>
-        <a:xfrm>
-          <a:off x="0" y="0"/>
-          <a:ext cx="0" cy="0"/>
-          <a:chOff x="0" y="0"/>
-          <a:chExt cx="0" cy="0"/>
-        </a:xfrm>
-      </p:grpSpPr>
-      <p:pic>
-        <p:nvPicPr>
-          <p:cNvPr id="2" name="Рисунок 1"/>
-          <p:cNvPicPr>
-            <a:picLocks noChangeAspect="1"/>
-          </p:cNvPicPr>
-          <p:nvPr/>
-        </p:nvPicPr>
-        <p:blipFill>
-          <a:blip r:embed="rId3"/>
-          <a:stretch>
-            <a:fillRect/>
-          </a:stretch>
-        </p:blipFill>
-        <p:spPr>
-          <a:xfrm>
-            <a:off x="1786957" y="0"/>
-            <a:ext cx="7330077" cy="6858000"/>
-          </a:xfrm>
-          <a:prstGeom prst="rect">
-            <a:avLst/>
-          </a:prstGeom>
-        </p:spPr>
-      </p:pic>
-    </p:spTree>
-    <p:extLst>
-      <p:ext uri="{BB962C8B-B14F-4D97-AF65-F5344CB8AC3E}">
-        <p14:creationId xmlns:p14="http://schemas.microsoft.com/office/powerpoint/2010/main" val="3082984404"/>
-      </p:ext>
-    </p:extLst>
-  </p:cSld>
-  <p:clrMapOvr>
-    <a:masterClrMapping/>
-  </p:clrMapOvr>
-  <mc:AlternateContent xmlns:mc="http://schemas.openxmlformats.org/markup-compatibility/2006" xmlns:p14="http://schemas.microsoft.com/office/powerpoint/2010/main">
-    <mc:Choice Requires="p14">
-      <p:transition spd="slow" p14:dur="2000"/>
-    </mc:Choice>
-    <mc:Fallback xmlns="">
-      <p:transition spd="slow"/>
-    </mc:Fallback>
-  </mc:AlternateContent>
-  <p:timing>
-    <p:tnLst>
-      <p:par>
-        <p:cTn id="1" dur="indefinite" restart="never" nodeType="tmRoot"/>
-      </p:par>
-    </p:tnLst>
-  </p:timing>
-</p:sld>
-</file>
-
-<file path=ppt/slides/slide69.xml><?xml version="1.0" encoding="utf-8"?>
-<p:sld xmlns:a="http://schemas.openxmlformats.org/drawingml/2006/main" xmlns:r="http://schemas.openxmlformats.org/officeDocument/2006/relationships" xmlns:p="http://schemas.openxmlformats.org/presentationml/2006/main">
-  <p:cSld>
-    <p:spTree>
-      <p:nvGrpSpPr>
-        <p:cNvPr id="1" name=""/>
-        <p:cNvGrpSpPr/>
-        <p:nvPr/>
-      </p:nvGrpSpPr>
-      <p:grpSpPr>
-        <a:xfrm>
-          <a:off x="0" y="0"/>
-          <a:ext cx="0" cy="0"/>
-          <a:chOff x="0" y="0"/>
-          <a:chExt cx="0" cy="0"/>
-        </a:xfrm>
-      </p:grpSpPr>
-      <p:pic>
-        <p:nvPicPr>
-          <p:cNvPr id="2" name="Рисунок 1"/>
-          <p:cNvPicPr>
-            <a:picLocks noChangeAspect="1"/>
-          </p:cNvPicPr>
-          <p:nvPr/>
-        </p:nvPicPr>
-        <p:blipFill>
-          <a:blip r:embed="rId3"/>
-          <a:stretch>
-            <a:fillRect/>
-          </a:stretch>
-        </p:blipFill>
-        <p:spPr>
-          <a:xfrm>
-            <a:off x="0" y="0"/>
-            <a:ext cx="12192000" cy="6010542"/>
-          </a:xfrm>
-          <a:prstGeom prst="rect">
-            <a:avLst/>
-          </a:prstGeom>
-        </p:spPr>
-      </p:pic>
-    </p:spTree>
-    <p:extLst>
-      <p:ext uri="{BB962C8B-B14F-4D97-AF65-F5344CB8AC3E}">
-        <p14:creationId xmlns:p14="http://schemas.microsoft.com/office/powerpoint/2010/main" val="1743541924"/>
-      </p:ext>
-    </p:extLst>
-  </p:cSld>
-  <p:clrMapOvr>
-    <a:masterClrMapping/>
-  </p:clrMapOvr>
-  <mc:AlternateContent xmlns:mc="http://schemas.openxmlformats.org/markup-compatibility/2006" xmlns:p14="http://schemas.microsoft.com/office/powerpoint/2010/main">
-    <mc:Choice Requires="p14">
-      <p:transition spd="slow" p14:dur="2000"/>
-    </mc:Choice>
-    <mc:Fallback xmlns="">
-      <p:transition spd="slow"/>
-    </mc:Fallback>
-  </mc:AlternateContent>
   <p:timing>
     <p:tnLst>
       <p:par>
@@ -44162,7 +39148,7 @@
           <p:cNvPr id="23" name="TextBox 22">
             <a:extLst>
               <a:ext uri="{FF2B5EF4-FFF2-40B4-BE49-F238E27FC236}">
-                <a16:creationId xmlns:a16="http://schemas.microsoft.com/office/drawing/2014/main" id="{99DF0FE0-DB9D-4180-8370-CD26FB46DF57}"/>
+                <a16:creationId xmlns:a16="http://schemas.microsoft.com/office/drawing/2014/main" xmlns="" id="{99DF0FE0-DB9D-4180-8370-CD26FB46DF57}"/>
               </a:ext>
             </a:extLst>
           </p:cNvPr>
@@ -44916,420 +39902,6 @@
   <p:clrMapOvr>
     <a:masterClrMapping/>
   </p:clrMapOvr>
-  <p:timing>
-    <p:tnLst>
-      <p:par>
-        <p:cTn id="1" dur="indefinite" restart="never" nodeType="tmRoot"/>
-      </p:par>
-    </p:tnLst>
-  </p:timing>
-</p:sld>
-</file>
-
-<file path=ppt/slides/slide70.xml><?xml version="1.0" encoding="utf-8"?>
-<p:sld xmlns:a="http://schemas.openxmlformats.org/drawingml/2006/main" xmlns:r="http://schemas.openxmlformats.org/officeDocument/2006/relationships" xmlns:p="http://schemas.openxmlformats.org/presentationml/2006/main">
-  <p:cSld>
-    <p:spTree>
-      <p:nvGrpSpPr>
-        <p:cNvPr id="1" name=""/>
-        <p:cNvGrpSpPr/>
-        <p:nvPr/>
-      </p:nvGrpSpPr>
-      <p:grpSpPr>
-        <a:xfrm>
-          <a:off x="0" y="0"/>
-          <a:ext cx="0" cy="0"/>
-          <a:chOff x="0" y="0"/>
-          <a:chExt cx="0" cy="0"/>
-        </a:xfrm>
-      </p:grpSpPr>
-      <p:pic>
-        <p:nvPicPr>
-          <p:cNvPr id="2" name="Рисунок 1"/>
-          <p:cNvPicPr>
-            <a:picLocks noChangeAspect="1"/>
-          </p:cNvPicPr>
-          <p:nvPr/>
-        </p:nvPicPr>
-        <p:blipFill>
-          <a:blip r:embed="rId3"/>
-          <a:stretch>
-            <a:fillRect/>
-          </a:stretch>
-        </p:blipFill>
-        <p:spPr>
-          <a:xfrm>
-            <a:off x="304800" y="43175"/>
-            <a:ext cx="11620500" cy="6814825"/>
-          </a:xfrm>
-          <a:prstGeom prst="rect">
-            <a:avLst/>
-          </a:prstGeom>
-        </p:spPr>
-      </p:pic>
-    </p:spTree>
-    <p:extLst>
-      <p:ext uri="{BB962C8B-B14F-4D97-AF65-F5344CB8AC3E}">
-        <p14:creationId xmlns:p14="http://schemas.microsoft.com/office/powerpoint/2010/main" val="33088878"/>
-      </p:ext>
-    </p:extLst>
-  </p:cSld>
-  <p:clrMapOvr>
-    <a:masterClrMapping/>
-  </p:clrMapOvr>
-  <mc:AlternateContent xmlns:mc="http://schemas.openxmlformats.org/markup-compatibility/2006" xmlns:p14="http://schemas.microsoft.com/office/powerpoint/2010/main">
-    <mc:Choice Requires="p14">
-      <p:transition spd="slow" p14:dur="2000"/>
-    </mc:Choice>
-    <mc:Fallback xmlns="">
-      <p:transition spd="slow"/>
-    </mc:Fallback>
-  </mc:AlternateContent>
-  <p:timing>
-    <p:tnLst>
-      <p:par>
-        <p:cTn id="1" dur="indefinite" restart="never" nodeType="tmRoot"/>
-      </p:par>
-    </p:tnLst>
-  </p:timing>
-</p:sld>
-</file>
-
-<file path=ppt/slides/slide71.xml><?xml version="1.0" encoding="utf-8"?>
-<p:sld xmlns:a="http://schemas.openxmlformats.org/drawingml/2006/main" xmlns:r="http://schemas.openxmlformats.org/officeDocument/2006/relationships" xmlns:p="http://schemas.openxmlformats.org/presentationml/2006/main">
-  <p:cSld>
-    <p:spTree>
-      <p:nvGrpSpPr>
-        <p:cNvPr id="1" name=""/>
-        <p:cNvGrpSpPr/>
-        <p:nvPr/>
-      </p:nvGrpSpPr>
-      <p:grpSpPr>
-        <a:xfrm>
-          <a:off x="0" y="0"/>
-          <a:ext cx="0" cy="0"/>
-          <a:chOff x="0" y="0"/>
-          <a:chExt cx="0" cy="0"/>
-        </a:xfrm>
-      </p:grpSpPr>
-      <p:pic>
-        <p:nvPicPr>
-          <p:cNvPr id="2" name="Рисунок 1"/>
-          <p:cNvPicPr>
-            <a:picLocks noChangeAspect="1"/>
-          </p:cNvPicPr>
-          <p:nvPr/>
-        </p:nvPicPr>
-        <p:blipFill>
-          <a:blip r:embed="rId3"/>
-          <a:stretch>
-            <a:fillRect/>
-          </a:stretch>
-        </p:blipFill>
-        <p:spPr>
-          <a:xfrm>
-            <a:off x="0" y="0"/>
-            <a:ext cx="12163386" cy="5499100"/>
-          </a:xfrm>
-          <a:prstGeom prst="rect">
-            <a:avLst/>
-          </a:prstGeom>
-        </p:spPr>
-      </p:pic>
-    </p:spTree>
-    <p:extLst>
-      <p:ext uri="{BB962C8B-B14F-4D97-AF65-F5344CB8AC3E}">
-        <p14:creationId xmlns:p14="http://schemas.microsoft.com/office/powerpoint/2010/main" val="276678772"/>
-      </p:ext>
-    </p:extLst>
-  </p:cSld>
-  <p:clrMapOvr>
-    <a:masterClrMapping/>
-  </p:clrMapOvr>
-  <mc:AlternateContent xmlns:mc="http://schemas.openxmlformats.org/markup-compatibility/2006" xmlns:p14="http://schemas.microsoft.com/office/powerpoint/2010/main">
-    <mc:Choice Requires="p14">
-      <p:transition spd="slow" p14:dur="2000"/>
-    </mc:Choice>
-    <mc:Fallback xmlns="">
-      <p:transition spd="slow"/>
-    </mc:Fallback>
-  </mc:AlternateContent>
-  <p:timing>
-    <p:tnLst>
-      <p:par>
-        <p:cTn id="1" dur="indefinite" restart="never" nodeType="tmRoot"/>
-      </p:par>
-    </p:tnLst>
-  </p:timing>
-</p:sld>
-</file>
-
-<file path=ppt/slides/slide72.xml><?xml version="1.0" encoding="utf-8"?>
-<p:sld xmlns:a="http://schemas.openxmlformats.org/drawingml/2006/main" xmlns:r="http://schemas.openxmlformats.org/officeDocument/2006/relationships" xmlns:p="http://schemas.openxmlformats.org/presentationml/2006/main">
-  <p:cSld>
-    <p:spTree>
-      <p:nvGrpSpPr>
-        <p:cNvPr id="1" name=""/>
-        <p:cNvGrpSpPr/>
-        <p:nvPr/>
-      </p:nvGrpSpPr>
-      <p:grpSpPr>
-        <a:xfrm>
-          <a:off x="0" y="0"/>
-          <a:ext cx="0" cy="0"/>
-          <a:chOff x="0" y="0"/>
-          <a:chExt cx="0" cy="0"/>
-        </a:xfrm>
-      </p:grpSpPr>
-      <p:pic>
-        <p:nvPicPr>
-          <p:cNvPr id="2" name="Рисунок 1"/>
-          <p:cNvPicPr>
-            <a:picLocks noChangeAspect="1"/>
-          </p:cNvPicPr>
-          <p:nvPr/>
-        </p:nvPicPr>
-        <p:blipFill>
-          <a:blip r:embed="rId3"/>
-          <a:stretch>
-            <a:fillRect/>
-          </a:stretch>
-        </p:blipFill>
-        <p:spPr>
-          <a:xfrm>
-            <a:off x="0" y="0"/>
-            <a:ext cx="12192000" cy="6209678"/>
-          </a:xfrm>
-          <a:prstGeom prst="rect">
-            <a:avLst/>
-          </a:prstGeom>
-        </p:spPr>
-      </p:pic>
-    </p:spTree>
-    <p:extLst>
-      <p:ext uri="{BB962C8B-B14F-4D97-AF65-F5344CB8AC3E}">
-        <p14:creationId xmlns:p14="http://schemas.microsoft.com/office/powerpoint/2010/main" val="2775415917"/>
-      </p:ext>
-    </p:extLst>
-  </p:cSld>
-  <p:clrMapOvr>
-    <a:masterClrMapping/>
-  </p:clrMapOvr>
-  <mc:AlternateContent xmlns:mc="http://schemas.openxmlformats.org/markup-compatibility/2006" xmlns:p14="http://schemas.microsoft.com/office/powerpoint/2010/main">
-    <mc:Choice Requires="p14">
-      <p:transition spd="slow" p14:dur="2000"/>
-    </mc:Choice>
-    <mc:Fallback xmlns="">
-      <p:transition spd="slow"/>
-    </mc:Fallback>
-  </mc:AlternateContent>
-  <p:timing>
-    <p:tnLst>
-      <p:par>
-        <p:cTn id="1" dur="indefinite" restart="never" nodeType="tmRoot"/>
-      </p:par>
-    </p:tnLst>
-  </p:timing>
-</p:sld>
-</file>
-
-<file path=ppt/slides/slide73.xml><?xml version="1.0" encoding="utf-8"?>
-<p:sld xmlns:a="http://schemas.openxmlformats.org/drawingml/2006/main" xmlns:r="http://schemas.openxmlformats.org/officeDocument/2006/relationships" xmlns:p="http://schemas.openxmlformats.org/presentationml/2006/main">
-  <p:cSld>
-    <p:spTree>
-      <p:nvGrpSpPr>
-        <p:cNvPr id="1" name=""/>
-        <p:cNvGrpSpPr/>
-        <p:nvPr/>
-      </p:nvGrpSpPr>
-      <p:grpSpPr>
-        <a:xfrm>
-          <a:off x="0" y="0"/>
-          <a:ext cx="0" cy="0"/>
-          <a:chOff x="0" y="0"/>
-          <a:chExt cx="0" cy="0"/>
-        </a:xfrm>
-      </p:grpSpPr>
-      <p:pic>
-        <p:nvPicPr>
-          <p:cNvPr id="2" name="Рисунок 1"/>
-          <p:cNvPicPr>
-            <a:picLocks noChangeAspect="1"/>
-          </p:cNvPicPr>
-          <p:nvPr/>
-        </p:nvPicPr>
-        <p:blipFill>
-          <a:blip r:embed="rId3"/>
-          <a:stretch>
-            <a:fillRect/>
-          </a:stretch>
-        </p:blipFill>
-        <p:spPr>
-          <a:xfrm>
-            <a:off x="0" y="0"/>
-            <a:ext cx="12192000" cy="6687776"/>
-          </a:xfrm>
-          <a:prstGeom prst="rect">
-            <a:avLst/>
-          </a:prstGeom>
-        </p:spPr>
-      </p:pic>
-    </p:spTree>
-    <p:extLst>
-      <p:ext uri="{BB962C8B-B14F-4D97-AF65-F5344CB8AC3E}">
-        <p14:creationId xmlns:p14="http://schemas.microsoft.com/office/powerpoint/2010/main" val="3193429644"/>
-      </p:ext>
-    </p:extLst>
-  </p:cSld>
-  <p:clrMapOvr>
-    <a:masterClrMapping/>
-  </p:clrMapOvr>
-  <mc:AlternateContent xmlns:mc="http://schemas.openxmlformats.org/markup-compatibility/2006" xmlns:p14="http://schemas.microsoft.com/office/powerpoint/2010/main">
-    <mc:Choice Requires="p14">
-      <p:transition spd="slow" p14:dur="2000"/>
-    </mc:Choice>
-    <mc:Fallback xmlns="">
-      <p:transition spd="slow"/>
-    </mc:Fallback>
-  </mc:AlternateContent>
-  <p:timing>
-    <p:tnLst>
-      <p:par>
-        <p:cTn id="1" dur="indefinite" restart="never" nodeType="tmRoot"/>
-      </p:par>
-    </p:tnLst>
-  </p:timing>
-</p:sld>
-</file>
-
-<file path=ppt/slides/slide74.xml><?xml version="1.0" encoding="utf-8"?>
-<p:sld xmlns:a="http://schemas.openxmlformats.org/drawingml/2006/main" xmlns:r="http://schemas.openxmlformats.org/officeDocument/2006/relationships" xmlns:p="http://schemas.openxmlformats.org/presentationml/2006/main">
-  <p:cSld>
-    <p:spTree>
-      <p:nvGrpSpPr>
-        <p:cNvPr id="1" name=""/>
-        <p:cNvGrpSpPr/>
-        <p:nvPr/>
-      </p:nvGrpSpPr>
-      <p:grpSpPr>
-        <a:xfrm>
-          <a:off x="0" y="0"/>
-          <a:ext cx="0" cy="0"/>
-          <a:chOff x="0" y="0"/>
-          <a:chExt cx="0" cy="0"/>
-        </a:xfrm>
-      </p:grpSpPr>
-      <p:pic>
-        <p:nvPicPr>
-          <p:cNvPr id="2" name="Рисунок 1"/>
-          <p:cNvPicPr>
-            <a:picLocks noChangeAspect="1"/>
-          </p:cNvPicPr>
-          <p:nvPr/>
-        </p:nvPicPr>
-        <p:blipFill>
-          <a:blip r:embed="rId3"/>
-          <a:stretch>
-            <a:fillRect/>
-          </a:stretch>
-        </p:blipFill>
-        <p:spPr>
-          <a:xfrm>
-            <a:off x="0" y="0"/>
-            <a:ext cx="12173850" cy="6527800"/>
-          </a:xfrm>
-          <a:prstGeom prst="rect">
-            <a:avLst/>
-          </a:prstGeom>
-        </p:spPr>
-      </p:pic>
-    </p:spTree>
-    <p:extLst>
-      <p:ext uri="{BB962C8B-B14F-4D97-AF65-F5344CB8AC3E}">
-        <p14:creationId xmlns:p14="http://schemas.microsoft.com/office/powerpoint/2010/main" val="1559232348"/>
-      </p:ext>
-    </p:extLst>
-  </p:cSld>
-  <p:clrMapOvr>
-    <a:masterClrMapping/>
-  </p:clrMapOvr>
-  <mc:AlternateContent xmlns:mc="http://schemas.openxmlformats.org/markup-compatibility/2006" xmlns:p14="http://schemas.microsoft.com/office/powerpoint/2010/main">
-    <mc:Choice Requires="p14">
-      <p:transition spd="slow" p14:dur="2000"/>
-    </mc:Choice>
-    <mc:Fallback xmlns="">
-      <p:transition spd="slow"/>
-    </mc:Fallback>
-  </mc:AlternateContent>
-  <p:timing>
-    <p:tnLst>
-      <p:par>
-        <p:cTn id="1" dur="indefinite" restart="never" nodeType="tmRoot"/>
-      </p:par>
-    </p:tnLst>
-  </p:timing>
-</p:sld>
-</file>
-
-<file path=ppt/slides/slide75.xml><?xml version="1.0" encoding="utf-8"?>
-<p:sld xmlns:a="http://schemas.openxmlformats.org/drawingml/2006/main" xmlns:r="http://schemas.openxmlformats.org/officeDocument/2006/relationships" xmlns:p="http://schemas.openxmlformats.org/presentationml/2006/main">
-  <p:cSld>
-    <p:spTree>
-      <p:nvGrpSpPr>
-        <p:cNvPr id="1" name=""/>
-        <p:cNvGrpSpPr/>
-        <p:nvPr/>
-      </p:nvGrpSpPr>
-      <p:grpSpPr>
-        <a:xfrm>
-          <a:off x="0" y="0"/>
-          <a:ext cx="0" cy="0"/>
-          <a:chOff x="0" y="0"/>
-          <a:chExt cx="0" cy="0"/>
-        </a:xfrm>
-      </p:grpSpPr>
-      <p:pic>
-        <p:nvPicPr>
-          <p:cNvPr id="2" name="Рисунок 1"/>
-          <p:cNvPicPr>
-            <a:picLocks noChangeAspect="1"/>
-          </p:cNvPicPr>
-          <p:nvPr/>
-        </p:nvPicPr>
-        <p:blipFill>
-          <a:blip r:embed="rId3"/>
-          <a:stretch>
-            <a:fillRect/>
-          </a:stretch>
-        </p:blipFill>
-        <p:spPr>
-          <a:xfrm>
-            <a:off x="0" y="0"/>
-            <a:ext cx="12192000" cy="5509296"/>
-          </a:xfrm>
-          <a:prstGeom prst="rect">
-            <a:avLst/>
-          </a:prstGeom>
-        </p:spPr>
-      </p:pic>
-    </p:spTree>
-    <p:extLst>
-      <p:ext uri="{BB962C8B-B14F-4D97-AF65-F5344CB8AC3E}">
-        <p14:creationId xmlns:p14="http://schemas.microsoft.com/office/powerpoint/2010/main" val="2574856553"/>
-      </p:ext>
-    </p:extLst>
-  </p:cSld>
-  <p:clrMapOvr>
-    <a:masterClrMapping/>
-  </p:clrMapOvr>
-  <mc:AlternateContent xmlns:mc="http://schemas.openxmlformats.org/markup-compatibility/2006" xmlns:p14="http://schemas.microsoft.com/office/powerpoint/2010/main">
-    <mc:Choice Requires="p14">
-      <p:transition spd="slow" p14:dur="2000"/>
-    </mc:Choice>
-    <mc:Fallback xmlns="">
-      <p:transition spd="slow"/>
-    </mc:Fallback>
-  </mc:AlternateContent>
   <p:timing>
     <p:tnLst>
       <p:par>
@@ -45425,7 +39997,7 @@
           <p:cNvPr id="23" name="TextBox 22">
             <a:extLst>
               <a:ext uri="{FF2B5EF4-FFF2-40B4-BE49-F238E27FC236}">
-                <a16:creationId xmlns:a16="http://schemas.microsoft.com/office/drawing/2014/main" id="{99DF0FE0-DB9D-4180-8370-CD26FB46DF57}"/>
+                <a16:creationId xmlns:a16="http://schemas.microsoft.com/office/drawing/2014/main" xmlns="" id="{99DF0FE0-DB9D-4180-8370-CD26FB46DF57}"/>
               </a:ext>
             </a:extLst>
           </p:cNvPr>

--- a/Лекции/ИТиП лек 2 (лр 2, практическая 1).pptx
+++ b/Лекции/ИТиП лек 2 (лр 2, практическая 1).pptx
@@ -253,7 +253,7 @@
             <a:fld id="{AA2F9473-F066-431E-A6E8-1D478C995A6B}" type="datetimeFigureOut">
               <a:rPr lang="en-US" smtClean="0"/>
               <a:pPr/>
-              <a:t>3/10/2025</a:t>
+              <a:t>3/11/2025</a:t>
             </a:fld>
             <a:endParaRPr lang="en-US"/>
           </a:p>
@@ -11117,7 +11117,7 @@
         <p:spPr>
           <a:xfrm>
             <a:off x="0" y="0"/>
-            <a:ext cx="6095999" cy="2308324"/>
+            <a:ext cx="6095999" cy="3353675"/>
           </a:xfrm>
           <a:prstGeom prst="rect">
             <a:avLst/>
@@ -11130,7 +11130,11 @@
           </a:bodyPr>
           <a:lstStyle/>
           <a:p>
-            <a:pPr algn="just"/>
+            <a:pPr algn="just">
+              <a:lnSpc>
+                <a:spcPct val="150000"/>
+              </a:lnSpc>
+            </a:pPr>
             <a:r>
               <a:rPr lang="en-US" sz="2400" i="0" dirty="0">
                 <a:effectLst/>
@@ -11153,7 +11157,11 @@
             </a:r>
           </a:p>
           <a:p>
-            <a:pPr algn="just"/>
+            <a:pPr algn="just">
+              <a:lnSpc>
+                <a:spcPct val="150000"/>
+              </a:lnSpc>
+            </a:pPr>
             <a:r>
               <a:rPr lang="ru-RU" sz="2400" dirty="0" smtClean="0">
                 <a:latin typeface="Bookman Old Style" panose="02050604050505020204" pitchFamily="18" charset="0"/>
@@ -12415,8 +12423,8 @@
         </p:nvSpPr>
         <p:spPr>
           <a:xfrm>
-            <a:off x="3555620" y="5101303"/>
-            <a:ext cx="8406058" cy="1569660"/>
+            <a:off x="3555619" y="4444256"/>
+            <a:ext cx="8406058" cy="2245423"/>
           </a:xfrm>
           <a:prstGeom prst="rect">
             <a:avLst/>
@@ -12429,6 +12437,11 @@
           </a:bodyPr>
           <a:lstStyle/>
           <a:p>
+            <a:pPr algn="just">
+              <a:lnSpc>
+                <a:spcPct val="150000"/>
+              </a:lnSpc>
+            </a:pPr>
             <a:r>
               <a:rPr lang="ru-RU" sz="2400" dirty="0">
                 <a:latin typeface="Bookman Old Style" panose="02050604050505020204" pitchFamily="18" charset="0"/>
@@ -12458,6 +12471,11 @@
             </a:r>
           </a:p>
           <a:p>
+            <a:pPr algn="just">
+              <a:lnSpc>
+                <a:spcPct val="150000"/>
+              </a:lnSpc>
+            </a:pPr>
             <a:r>
               <a:rPr lang="ru-RU" sz="2400" dirty="0">
                 <a:latin typeface="Bookman Old Style" panose="02050604050505020204" pitchFamily="18" charset="0"/>
@@ -19732,7 +19750,7 @@
         <p:spPr>
           <a:xfrm>
             <a:off x="196904" y="126639"/>
-            <a:ext cx="11995096" cy="6001643"/>
+            <a:ext cx="11995096" cy="6740307"/>
           </a:xfrm>
           <a:prstGeom prst="rect">
             <a:avLst/>
@@ -19745,7 +19763,11 @@
           </a:bodyPr>
           <a:lstStyle/>
           <a:p>
-            <a:pPr algn="l"/>
+            <a:pPr algn="just">
+              <a:lnSpc>
+                <a:spcPct val="150000"/>
+              </a:lnSpc>
+            </a:pPr>
             <a:r>
               <a:rPr lang="ru-RU" sz="2400" i="0" dirty="0">
                 <a:effectLst/>
@@ -20193,6 +20215,11 @@
             </a:endParaRPr>
           </a:p>
           <a:p>
+            <a:pPr algn="just">
+              <a:lnSpc>
+                <a:spcPct val="150000"/>
+              </a:lnSpc>
+            </a:pPr>
             <a:r>
               <a:rPr lang="ru-RU" sz="2400" dirty="0">
                 <a:latin typeface="Bookman Old Style" panose="02050604050505020204" pitchFamily="18" charset="0"/>
@@ -20407,7 +20434,7 @@
         <p:spPr>
           <a:xfrm>
             <a:off x="169021" y="687143"/>
-            <a:ext cx="11666223" cy="5632311"/>
+            <a:ext cx="11666223" cy="6186309"/>
           </a:xfrm>
           <a:prstGeom prst="rect">
             <a:avLst/>
@@ -20419,6 +20446,11 @@
           </a:bodyPr>
           <a:lstStyle/>
           <a:p>
+            <a:pPr algn="just">
+              <a:lnSpc>
+                <a:spcPct val="150000"/>
+              </a:lnSpc>
+            </a:pPr>
             <a:r>
               <a:rPr lang="ru-RU" sz="2400" b="1" dirty="0">
                 <a:latin typeface="Bookman Old Style" panose="02050604050505020204" pitchFamily="18" charset="0"/>
@@ -20927,7 +20959,7 @@
         <p:spPr>
           <a:xfrm>
             <a:off x="158389" y="179312"/>
-            <a:ext cx="11666223" cy="6370975"/>
+            <a:ext cx="11666223" cy="6740307"/>
           </a:xfrm>
           <a:prstGeom prst="rect">
             <a:avLst/>
@@ -20939,12 +20971,330 @@
           </a:bodyPr>
           <a:lstStyle/>
           <a:p>
+            <a:pPr algn="just">
+              <a:lnSpc>
+                <a:spcPct val="150000"/>
+              </a:lnSpc>
+            </a:pPr>
             <a:r>
               <a:rPr lang="ru-RU" sz="2400" b="1" dirty="0" smtClean="0">
                 <a:latin typeface="Bookman Old Style" panose="02050604050505020204" pitchFamily="18" charset="0"/>
               </a:rPr>
               <a:t>Пример работы с массивом:</a:t>
             </a:r>
+            <a:endParaRPr lang="en-US" sz="2400" dirty="0" smtClean="0">
+              <a:solidFill>
+                <a:srgbClr val="000000"/>
+              </a:solidFill>
+              <a:latin typeface="Bookman Old Style" panose="02050604050505020204" pitchFamily="18" charset="0"/>
+            </a:endParaRPr>
+          </a:p>
+          <a:p>
+            <a:pPr algn="just">
+              <a:lnSpc>
+                <a:spcPct val="150000"/>
+              </a:lnSpc>
+            </a:pPr>
+            <a:r>
+              <a:rPr lang="ru-RU" sz="2400" dirty="0" smtClean="0">
+                <a:solidFill>
+                  <a:srgbClr val="000000"/>
+                </a:solidFill>
+                <a:latin typeface="Bookman Old Style" panose="02050604050505020204" pitchFamily="18" charset="0"/>
+              </a:rPr>
+              <a:t>К элементам массива обращаются по </a:t>
+            </a:r>
+            <a:r>
+              <a:rPr lang="ru-RU" sz="2400" b="1" dirty="0" smtClean="0">
+                <a:solidFill>
+                  <a:srgbClr val="000000"/>
+                </a:solidFill>
+                <a:latin typeface="Bookman Old Style" panose="02050604050505020204" pitchFamily="18" charset="0"/>
+              </a:rPr>
+              <a:t>Индексу.</a:t>
+            </a:r>
+            <a:endParaRPr lang="ru-RU" sz="2400" dirty="0" smtClean="0">
+              <a:solidFill>
+                <a:srgbClr val="000000"/>
+              </a:solidFill>
+              <a:latin typeface="Bookman Old Style" panose="02050604050505020204" pitchFamily="18" charset="0"/>
+            </a:endParaRPr>
+          </a:p>
+          <a:p>
+            <a:pPr algn="just">
+              <a:lnSpc>
+                <a:spcPct val="150000"/>
+              </a:lnSpc>
+            </a:pPr>
+            <a:r>
+              <a:rPr lang="ru-RU" sz="2400" dirty="0" smtClean="0">
+                <a:solidFill>
+                  <a:srgbClr val="000000"/>
+                </a:solidFill>
+                <a:latin typeface="Bookman Old Style" panose="02050604050505020204" pitchFamily="18" charset="0"/>
+              </a:rPr>
+              <a:t>Индексация начинается с </a:t>
+            </a:r>
+            <a:r>
+              <a:rPr lang="ru-RU" sz="2400" b="1" dirty="0" smtClean="0">
+                <a:solidFill>
+                  <a:srgbClr val="000000"/>
+                </a:solidFill>
+                <a:latin typeface="Bookman Old Style" panose="02050604050505020204" pitchFamily="18" charset="0"/>
+              </a:rPr>
+              <a:t>нуля</a:t>
+            </a:r>
+            <a:r>
+              <a:rPr lang="ru-RU" sz="2400" dirty="0" smtClean="0">
+                <a:solidFill>
+                  <a:srgbClr val="000000"/>
+                </a:solidFill>
+                <a:latin typeface="Bookman Old Style" panose="02050604050505020204" pitchFamily="18" charset="0"/>
+              </a:rPr>
+              <a:t>!</a:t>
+            </a:r>
+            <a:endParaRPr lang="ru-RU" sz="2400" dirty="0" smtClean="0">
+              <a:solidFill>
+                <a:srgbClr val="000000"/>
+              </a:solidFill>
+              <a:latin typeface="Bookman Old Style" panose="02050604050505020204" pitchFamily="18" charset="0"/>
+            </a:endParaRPr>
+          </a:p>
+          <a:p>
+            <a:pPr algn="just">
+              <a:lnSpc>
+                <a:spcPct val="150000"/>
+              </a:lnSpc>
+            </a:pPr>
+            <a:r>
+              <a:rPr lang="ru-RU" sz="2400" dirty="0" smtClean="0">
+                <a:solidFill>
+                  <a:srgbClr val="000000"/>
+                </a:solidFill>
+                <a:latin typeface="Bookman Old Style" panose="02050604050505020204" pitchFamily="18" charset="0"/>
+              </a:rPr>
+              <a:t>Создадим массив </a:t>
+            </a:r>
+            <a:r>
+              <a:rPr lang="ru-RU" sz="2400" b="1" dirty="0" smtClean="0">
+                <a:solidFill>
+                  <a:srgbClr val="000000"/>
+                </a:solidFill>
+                <a:latin typeface="Bookman Old Style" panose="02050604050505020204" pitchFamily="18" charset="0"/>
+              </a:rPr>
+              <a:t>длины 5</a:t>
+            </a:r>
+            <a:r>
+              <a:rPr lang="ru-RU" sz="2400" dirty="0" smtClean="0">
+                <a:solidFill>
+                  <a:srgbClr val="000000"/>
+                </a:solidFill>
+                <a:latin typeface="Bookman Old Style" panose="02050604050505020204" pitchFamily="18" charset="0"/>
+              </a:rPr>
+              <a:t>:</a:t>
+            </a:r>
+            <a:endParaRPr lang="ru-RU" sz="2400" dirty="0">
+              <a:solidFill>
+                <a:srgbClr val="000000"/>
+              </a:solidFill>
+              <a:latin typeface="Consolas" panose="020B0609020204030204" pitchFamily="49" charset="0"/>
+            </a:endParaRPr>
+          </a:p>
+          <a:p>
+            <a:r>
+              <a:rPr lang="en-US" sz="2400" dirty="0">
+                <a:solidFill>
+                  <a:srgbClr val="0000FF"/>
+                </a:solidFill>
+                <a:latin typeface="Consolas" panose="020B0609020204030204" pitchFamily="49" charset="0"/>
+              </a:rPr>
+              <a:t>double</a:t>
+            </a:r>
+            <a:r>
+              <a:rPr lang="en-US" sz="2400" dirty="0">
+                <a:solidFill>
+                  <a:srgbClr val="000000"/>
+                </a:solidFill>
+                <a:latin typeface="Consolas" panose="020B0609020204030204" pitchFamily="49" charset="0"/>
+              </a:rPr>
+              <a:t>[] array = </a:t>
+            </a:r>
+            <a:r>
+              <a:rPr lang="en-US" sz="2400" dirty="0">
+                <a:solidFill>
+                  <a:srgbClr val="0000FF"/>
+                </a:solidFill>
+                <a:latin typeface="Consolas" panose="020B0609020204030204" pitchFamily="49" charset="0"/>
+              </a:rPr>
+              <a:t>new</a:t>
+            </a:r>
+            <a:r>
+              <a:rPr lang="en-US" sz="2400" dirty="0">
+                <a:solidFill>
+                  <a:srgbClr val="000000"/>
+                </a:solidFill>
+                <a:latin typeface="Consolas" panose="020B0609020204030204" pitchFamily="49" charset="0"/>
+              </a:rPr>
+              <a:t> </a:t>
+            </a:r>
+            <a:r>
+              <a:rPr lang="en-US" sz="2400" dirty="0" smtClean="0">
+                <a:solidFill>
+                  <a:srgbClr val="0000FF"/>
+                </a:solidFill>
+                <a:latin typeface="Consolas" panose="020B0609020204030204" pitchFamily="49" charset="0"/>
+              </a:rPr>
+              <a:t>double</a:t>
+            </a:r>
+            <a:r>
+              <a:rPr lang="en-US" sz="2400" dirty="0" smtClean="0">
+                <a:solidFill>
+                  <a:srgbClr val="000000"/>
+                </a:solidFill>
+                <a:latin typeface="Consolas" panose="020B0609020204030204" pitchFamily="49" charset="0"/>
+              </a:rPr>
+              <a:t>[5];</a:t>
+            </a:r>
+            <a:r>
+              <a:rPr lang="ru-RU" sz="2400" dirty="0" smtClean="0">
+                <a:solidFill>
+                  <a:srgbClr val="000000"/>
+                </a:solidFill>
+                <a:latin typeface="Consolas" panose="020B0609020204030204" pitchFamily="49" charset="0"/>
+              </a:rPr>
+              <a:t> Внутри:</a:t>
+            </a:r>
+            <a:r>
+              <a:rPr lang="en-US" sz="2400" dirty="0" smtClean="0">
+                <a:solidFill>
+                  <a:srgbClr val="000000"/>
+                </a:solidFill>
+                <a:latin typeface="Consolas" panose="020B0609020204030204" pitchFamily="49" charset="0"/>
+              </a:rPr>
+              <a:t> 0 0 0 0 0</a:t>
+            </a:r>
+            <a:endParaRPr lang="en-US" sz="2400" dirty="0">
+              <a:solidFill>
+                <a:srgbClr val="000000"/>
+              </a:solidFill>
+              <a:latin typeface="Consolas" panose="020B0609020204030204" pitchFamily="49" charset="0"/>
+            </a:endParaRPr>
+          </a:p>
+          <a:p>
+            <a:endParaRPr lang="ru-RU" sz="2400" dirty="0">
+              <a:solidFill>
+                <a:srgbClr val="000000"/>
+              </a:solidFill>
+              <a:latin typeface="Consolas" panose="020B0609020204030204" pitchFamily="49" charset="0"/>
+            </a:endParaRPr>
+          </a:p>
+          <a:p>
+            <a:r>
+              <a:rPr lang="en-US" sz="2400" dirty="0" smtClean="0">
+                <a:solidFill>
+                  <a:srgbClr val="000000"/>
+                </a:solidFill>
+                <a:latin typeface="Consolas" panose="020B0609020204030204" pitchFamily="49" charset="0"/>
+              </a:rPr>
+              <a:t>array[0] = 3; </a:t>
+            </a:r>
+            <a:r>
+              <a:rPr lang="ru-RU" sz="2400" dirty="0">
+                <a:solidFill>
+                  <a:srgbClr val="000000"/>
+                </a:solidFill>
+                <a:latin typeface="Consolas" panose="020B0609020204030204" pitchFamily="49" charset="0"/>
+              </a:rPr>
+              <a:t>Внутри:</a:t>
+            </a:r>
+            <a:r>
+              <a:rPr lang="en-US" sz="2400" dirty="0">
+                <a:solidFill>
+                  <a:srgbClr val="000000"/>
+                </a:solidFill>
+                <a:latin typeface="Consolas" panose="020B0609020204030204" pitchFamily="49" charset="0"/>
+              </a:rPr>
+              <a:t> 3 </a:t>
+            </a:r>
+            <a:r>
+              <a:rPr lang="en-US" sz="2400" dirty="0" smtClean="0">
+                <a:solidFill>
+                  <a:srgbClr val="000000"/>
+                </a:solidFill>
+                <a:latin typeface="Consolas" panose="020B0609020204030204" pitchFamily="49" charset="0"/>
+              </a:rPr>
+              <a:t>0 0 0 0</a:t>
+            </a:r>
+            <a:endParaRPr lang="ru-RU" sz="2400" dirty="0" smtClean="0">
+              <a:solidFill>
+                <a:srgbClr val="000000"/>
+              </a:solidFill>
+              <a:latin typeface="Consolas" panose="020B0609020204030204" pitchFamily="49" charset="0"/>
+            </a:endParaRPr>
+          </a:p>
+          <a:p>
+            <a:r>
+              <a:rPr lang="en-US" sz="2400" dirty="0" smtClean="0">
+                <a:solidFill>
+                  <a:srgbClr val="000000"/>
+                </a:solidFill>
+                <a:latin typeface="Consolas" panose="020B0609020204030204" pitchFamily="49" charset="0"/>
+              </a:rPr>
+              <a:t>array[2] = 7; </a:t>
+            </a:r>
+            <a:r>
+              <a:rPr lang="ru-RU" sz="2400" dirty="0">
+                <a:solidFill>
+                  <a:srgbClr val="000000"/>
+                </a:solidFill>
+                <a:latin typeface="Consolas" panose="020B0609020204030204" pitchFamily="49" charset="0"/>
+              </a:rPr>
+              <a:t>Внутри:</a:t>
+            </a:r>
+            <a:r>
+              <a:rPr lang="en-US" sz="2400" dirty="0">
+                <a:solidFill>
+                  <a:srgbClr val="000000"/>
+                </a:solidFill>
+                <a:latin typeface="Consolas" panose="020B0609020204030204" pitchFamily="49" charset="0"/>
+              </a:rPr>
+              <a:t> 3 0 </a:t>
+            </a:r>
+            <a:r>
+              <a:rPr lang="en-US" sz="2400" dirty="0" smtClean="0">
+                <a:solidFill>
+                  <a:srgbClr val="000000"/>
+                </a:solidFill>
+                <a:latin typeface="Consolas" panose="020B0609020204030204" pitchFamily="49" charset="0"/>
+              </a:rPr>
+              <a:t>7 </a:t>
+            </a:r>
+            <a:r>
+              <a:rPr lang="en-US" sz="2400" dirty="0">
+                <a:solidFill>
+                  <a:srgbClr val="000000"/>
+                </a:solidFill>
+                <a:latin typeface="Consolas" panose="020B0609020204030204" pitchFamily="49" charset="0"/>
+              </a:rPr>
+              <a:t>0 </a:t>
+            </a:r>
+            <a:r>
+              <a:rPr lang="en-US" sz="2400" dirty="0" smtClean="0">
+                <a:solidFill>
+                  <a:srgbClr val="000000"/>
+                </a:solidFill>
+                <a:latin typeface="Consolas" panose="020B0609020204030204" pitchFamily="49" charset="0"/>
+              </a:rPr>
+              <a:t>0</a:t>
+            </a:r>
+            <a:endParaRPr lang="ru-RU" sz="2400" dirty="0" smtClean="0">
+              <a:solidFill>
+                <a:srgbClr val="000000"/>
+              </a:solidFill>
+              <a:latin typeface="Consolas" panose="020B0609020204030204" pitchFamily="49" charset="0"/>
+            </a:endParaRPr>
+          </a:p>
+          <a:p>
             <a:endParaRPr lang="en-US" sz="2400" dirty="0" smtClean="0">
               <a:solidFill>
                 <a:srgbClr val="000000"/>
@@ -20953,23 +21303,117 @@
             </a:endParaRPr>
           </a:p>
           <a:p>
+            <a:pPr algn="just">
+              <a:lnSpc>
+                <a:spcPct val="150000"/>
+              </a:lnSpc>
+            </a:pPr>
             <a:r>
               <a:rPr lang="ru-RU" sz="2400" dirty="0" smtClean="0">
                 <a:solidFill>
                   <a:srgbClr val="000000"/>
                 </a:solidFill>
-                <a:latin typeface="Consolas" panose="020B0609020204030204" pitchFamily="49" charset="0"/>
-              </a:rPr>
-              <a:t>К элементам массива обращаются по </a:t>
-            </a:r>
-            <a:r>
-              <a:rPr lang="ru-RU" sz="2400" b="1" dirty="0" smtClean="0">
-                <a:solidFill>
-                  <a:srgbClr val="000000"/>
-                </a:solidFill>
-                <a:latin typeface="Consolas" panose="020B0609020204030204" pitchFamily="49" charset="0"/>
-              </a:rPr>
-              <a:t>Индексу.</a:t>
+                <a:latin typeface="Bookman Old Style" panose="02050604050505020204" pitchFamily="18" charset="0"/>
+              </a:rPr>
+              <a:t>В новых версиях </a:t>
+            </a:r>
+            <a:r>
+              <a:rPr lang="en-US" sz="2400" dirty="0" smtClean="0">
+                <a:solidFill>
+                  <a:srgbClr val="000000"/>
+                </a:solidFill>
+                <a:latin typeface="Bookman Old Style" panose="02050604050505020204" pitchFamily="18" charset="0"/>
+              </a:rPr>
+              <a:t>C#</a:t>
+            </a:r>
+            <a:r>
+              <a:rPr lang="ru-RU" sz="2400" dirty="0" smtClean="0">
+                <a:solidFill>
+                  <a:srgbClr val="000000"/>
+                </a:solidFill>
+                <a:latin typeface="Bookman Old Style" panose="02050604050505020204" pitchFamily="18" charset="0"/>
+              </a:rPr>
+              <a:t> возможно обращение с конца</a:t>
+            </a:r>
+            <a:r>
+              <a:rPr lang="en-US" sz="2400" dirty="0" smtClean="0">
+                <a:solidFill>
+                  <a:srgbClr val="000000"/>
+                </a:solidFill>
+                <a:latin typeface="Bookman Old Style" panose="02050604050505020204" pitchFamily="18" charset="0"/>
+              </a:rPr>
+              <a:t>:</a:t>
+            </a:r>
+            <a:endParaRPr lang="ru-RU" sz="2400" dirty="0" smtClean="0">
+              <a:solidFill>
+                <a:srgbClr val="000000"/>
+              </a:solidFill>
+              <a:latin typeface="Bookman Old Style" panose="02050604050505020204" pitchFamily="18" charset="0"/>
+            </a:endParaRPr>
+          </a:p>
+          <a:p>
+            <a:r>
+              <a:rPr lang="en-US" sz="2400" dirty="0">
+                <a:solidFill>
+                  <a:srgbClr val="000000"/>
+                </a:solidFill>
+                <a:latin typeface="Consolas" panose="020B0609020204030204" pitchFamily="49" charset="0"/>
+              </a:rPr>
+              <a:t>array</a:t>
+            </a:r>
+            <a:r>
+              <a:rPr lang="en-US" sz="2400" dirty="0" smtClean="0">
+                <a:solidFill>
+                  <a:srgbClr val="000000"/>
+                </a:solidFill>
+                <a:latin typeface="Consolas" panose="020B0609020204030204" pitchFamily="49" charset="0"/>
+              </a:rPr>
+              <a:t>[^1] </a:t>
+            </a:r>
+            <a:r>
+              <a:rPr lang="en-US" sz="2400" dirty="0">
+                <a:solidFill>
+                  <a:srgbClr val="000000"/>
+                </a:solidFill>
+                <a:latin typeface="Consolas" panose="020B0609020204030204" pitchFamily="49" charset="0"/>
+              </a:rPr>
+              <a:t>= </a:t>
+            </a:r>
+            <a:r>
+              <a:rPr lang="en-US" sz="2400" dirty="0" smtClean="0">
+                <a:solidFill>
+                  <a:srgbClr val="000000"/>
+                </a:solidFill>
+                <a:latin typeface="Consolas" panose="020B0609020204030204" pitchFamily="49" charset="0"/>
+              </a:rPr>
+              <a:t>5; </a:t>
+            </a:r>
+            <a:r>
+              <a:rPr lang="ru-RU" sz="2400" dirty="0">
+                <a:solidFill>
+                  <a:srgbClr val="000000"/>
+                </a:solidFill>
+                <a:latin typeface="Consolas" panose="020B0609020204030204" pitchFamily="49" charset="0"/>
+              </a:rPr>
+              <a:t>Внутри:</a:t>
+            </a:r>
+            <a:r>
+              <a:rPr lang="en-US" sz="2400" dirty="0">
+                <a:solidFill>
+                  <a:srgbClr val="000000"/>
+                </a:solidFill>
+                <a:latin typeface="Consolas" panose="020B0609020204030204" pitchFamily="49" charset="0"/>
+              </a:rPr>
+              <a:t> 3 0 7 0 </a:t>
+            </a:r>
+            <a:r>
+              <a:rPr lang="en-US" sz="2400" dirty="0" smtClean="0">
+                <a:solidFill>
+                  <a:srgbClr val="000000"/>
+                </a:solidFill>
+                <a:latin typeface="Consolas" panose="020B0609020204030204" pitchFamily="49" charset="0"/>
+              </a:rPr>
+              <a:t>5</a:t>
             </a:r>
             <a:endParaRPr lang="ru-RU" sz="2400" dirty="0" smtClean="0">
               <a:solidFill>
@@ -20980,22 +21424,49 @@
           </a:p>
           <a:p>
             <a:r>
+              <a:rPr lang="en-US" sz="2400" dirty="0">
+                <a:solidFill>
+                  <a:srgbClr val="000000"/>
+                </a:solidFill>
+                <a:latin typeface="Consolas" panose="020B0609020204030204" pitchFamily="49" charset="0"/>
+              </a:rPr>
+              <a:t>array</a:t>
+            </a:r>
+            <a:r>
+              <a:rPr lang="en-US" sz="2400" dirty="0" smtClean="0">
+                <a:solidFill>
+                  <a:srgbClr val="000000"/>
+                </a:solidFill>
+                <a:latin typeface="Consolas" panose="020B0609020204030204" pitchFamily="49" charset="0"/>
+              </a:rPr>
+              <a:t>[^</a:t>
+            </a:r>
+            <a:r>
               <a:rPr lang="ru-RU" sz="2400" dirty="0" smtClean="0">
                 <a:solidFill>
                   <a:srgbClr val="000000"/>
                 </a:solidFill>
                 <a:latin typeface="Consolas" panose="020B0609020204030204" pitchFamily="49" charset="0"/>
               </a:rPr>
-              <a:t>Индексация начинается с </a:t>
-            </a:r>
-            <a:r>
-              <a:rPr lang="ru-RU" sz="2400" b="1" dirty="0" smtClean="0">
-                <a:solidFill>
-                  <a:srgbClr val="000000"/>
-                </a:solidFill>
-                <a:latin typeface="Consolas" panose="020B0609020204030204" pitchFamily="49" charset="0"/>
-              </a:rPr>
-              <a:t>нуля</a:t>
+              <a:t>2</a:t>
+            </a:r>
+            <a:r>
+              <a:rPr lang="en-US" sz="2400" dirty="0" smtClean="0">
+                <a:solidFill>
+                  <a:srgbClr val="000000"/>
+                </a:solidFill>
+                <a:latin typeface="Consolas" panose="020B0609020204030204" pitchFamily="49" charset="0"/>
+              </a:rPr>
+              <a:t>] </a:t>
+            </a:r>
+            <a:r>
+              <a:rPr lang="en-US" sz="2400" dirty="0">
+                <a:solidFill>
+                  <a:srgbClr val="000000"/>
+                </a:solidFill>
+                <a:latin typeface="Consolas" panose="020B0609020204030204" pitchFamily="49" charset="0"/>
+              </a:rPr>
+              <a:t>= </a:t>
             </a:r>
             <a:r>
               <a:rPr lang="ru-RU" sz="2400" dirty="0" smtClean="0">
@@ -21004,16 +21475,53 @@
                 </a:solidFill>
                 <a:latin typeface="Consolas" panose="020B0609020204030204" pitchFamily="49" charset="0"/>
               </a:rPr>
-              <a:t>!</a:t>
-            </a:r>
-            <a:endParaRPr lang="en-US" sz="2400" dirty="0" smtClean="0">
-              <a:solidFill>
-                <a:srgbClr val="000000"/>
-              </a:solidFill>
-              <a:latin typeface="Consolas" panose="020B0609020204030204" pitchFamily="49" charset="0"/>
-            </a:endParaRPr>
-          </a:p>
-          <a:p>
+              <a:t>1</a:t>
+            </a:r>
+            <a:r>
+              <a:rPr lang="en-US" sz="2400" dirty="0" smtClean="0">
+                <a:solidFill>
+                  <a:srgbClr val="000000"/>
+                </a:solidFill>
+                <a:latin typeface="Consolas" panose="020B0609020204030204" pitchFamily="49" charset="0"/>
+              </a:rPr>
+              <a:t>; </a:t>
+            </a:r>
+            <a:r>
+              <a:rPr lang="ru-RU" sz="2400" dirty="0">
+                <a:solidFill>
+                  <a:srgbClr val="000000"/>
+                </a:solidFill>
+                <a:latin typeface="Consolas" panose="020B0609020204030204" pitchFamily="49" charset="0"/>
+              </a:rPr>
+              <a:t>Внутри:</a:t>
+            </a:r>
+            <a:r>
+              <a:rPr lang="en-US" sz="2400" dirty="0">
+                <a:solidFill>
+                  <a:srgbClr val="000000"/>
+                </a:solidFill>
+                <a:latin typeface="Consolas" panose="020B0609020204030204" pitchFamily="49" charset="0"/>
+              </a:rPr>
+              <a:t> 3 0 7 </a:t>
+            </a:r>
+            <a:r>
+              <a:rPr lang="ru-RU" sz="2400" dirty="0" smtClean="0">
+                <a:solidFill>
+                  <a:srgbClr val="000000"/>
+                </a:solidFill>
+                <a:latin typeface="Consolas" panose="020B0609020204030204" pitchFamily="49" charset="0"/>
+              </a:rPr>
+              <a:t>1</a:t>
+            </a:r>
+            <a:r>
+              <a:rPr lang="en-US" sz="2400" dirty="0" smtClean="0">
+                <a:solidFill>
+                  <a:srgbClr val="000000"/>
+                </a:solidFill>
+                <a:latin typeface="Consolas" panose="020B0609020204030204" pitchFamily="49" charset="0"/>
+              </a:rPr>
+              <a:t> 5</a:t>
+            </a:r>
             <a:endParaRPr lang="ru-RU" sz="2400" dirty="0" smtClean="0">
               <a:solidFill>
                 <a:srgbClr val="000000"/>
@@ -21022,35 +21530,6 @@
             </a:endParaRPr>
           </a:p>
           <a:p>
-            <a:r>
-              <a:rPr lang="ru-RU" sz="2400" dirty="0" smtClean="0">
-                <a:solidFill>
-                  <a:srgbClr val="000000"/>
-                </a:solidFill>
-                <a:latin typeface="Consolas" panose="020B0609020204030204" pitchFamily="49" charset="0"/>
-              </a:rPr>
-              <a:t>Создадим массив </a:t>
-            </a:r>
-            <a:r>
-              <a:rPr lang="ru-RU" sz="2400" b="1" dirty="0" smtClean="0">
-                <a:solidFill>
-                  <a:srgbClr val="000000"/>
-                </a:solidFill>
-                <a:latin typeface="Consolas" panose="020B0609020204030204" pitchFamily="49" charset="0"/>
-              </a:rPr>
-              <a:t>длины 5</a:t>
-            </a:r>
-            <a:r>
-              <a:rPr lang="ru-RU" sz="2400" dirty="0" smtClean="0">
-                <a:solidFill>
-                  <a:srgbClr val="000000"/>
-                </a:solidFill>
-                <a:latin typeface="Consolas" panose="020B0609020204030204" pitchFamily="49" charset="0"/>
-              </a:rPr>
-              <a:t>:</a:t>
-            </a:r>
-          </a:p>
-          <a:p>
             <a:endParaRPr lang="ru-RU" sz="2400" dirty="0">
               <a:solidFill>
                 <a:srgbClr val="000000"/>
@@ -21059,447 +21538,26 @@
             </a:endParaRPr>
           </a:p>
           <a:p>
-            <a:r>
-              <a:rPr lang="en-US" sz="2400" dirty="0">
-                <a:solidFill>
-                  <a:srgbClr val="0000FF"/>
-                </a:solidFill>
-                <a:latin typeface="Consolas" panose="020B0609020204030204" pitchFamily="49" charset="0"/>
-              </a:rPr>
-              <a:t>double</a:t>
-            </a:r>
-            <a:r>
-              <a:rPr lang="en-US" sz="2400" dirty="0">
-                <a:solidFill>
-                  <a:srgbClr val="000000"/>
-                </a:solidFill>
-                <a:latin typeface="Consolas" panose="020B0609020204030204" pitchFamily="49" charset="0"/>
-              </a:rPr>
-              <a:t>[] array = </a:t>
-            </a:r>
-            <a:r>
-              <a:rPr lang="en-US" sz="2400" dirty="0">
-                <a:solidFill>
-                  <a:srgbClr val="0000FF"/>
-                </a:solidFill>
-                <a:latin typeface="Consolas" panose="020B0609020204030204" pitchFamily="49" charset="0"/>
-              </a:rPr>
-              <a:t>new</a:t>
-            </a:r>
-            <a:r>
-              <a:rPr lang="en-US" sz="2400" dirty="0">
-                <a:solidFill>
-                  <a:srgbClr val="000000"/>
-                </a:solidFill>
-                <a:latin typeface="Consolas" panose="020B0609020204030204" pitchFamily="49" charset="0"/>
-              </a:rPr>
-              <a:t> </a:t>
+            <a:pPr algn="just">
+              <a:lnSpc>
+                <a:spcPct val="150000"/>
+              </a:lnSpc>
+            </a:pPr>
+            <a:r>
+              <a:rPr lang="ru-RU" sz="2400" dirty="0" smtClean="0">
+                <a:solidFill>
+                  <a:srgbClr val="000000"/>
+                </a:solidFill>
+                <a:latin typeface="Bookman Old Style" panose="02050604050505020204" pitchFamily="18" charset="0"/>
+              </a:rPr>
+              <a:t>Чтобы узнать длину массива, необходимо вызвать свойство </a:t>
             </a:r>
             <a:r>
               <a:rPr lang="en-US" sz="2400" dirty="0" smtClean="0">
                 <a:solidFill>
-                  <a:srgbClr val="0000FF"/>
-                </a:solidFill>
-                <a:latin typeface="Consolas" panose="020B0609020204030204" pitchFamily="49" charset="0"/>
-              </a:rPr>
-              <a:t>double</a:t>
-            </a:r>
-            <a:r>
-              <a:rPr lang="en-US" sz="2400" dirty="0" smtClean="0">
-                <a:solidFill>
-                  <a:srgbClr val="000000"/>
-                </a:solidFill>
-                <a:latin typeface="Consolas" panose="020B0609020204030204" pitchFamily="49" charset="0"/>
-              </a:rPr>
-              <a:t>[5];</a:t>
-            </a:r>
-            <a:r>
-              <a:rPr lang="ru-RU" sz="2400" dirty="0" smtClean="0">
-                <a:solidFill>
-                  <a:srgbClr val="000000"/>
-                </a:solidFill>
-                <a:latin typeface="Consolas" panose="020B0609020204030204" pitchFamily="49" charset="0"/>
-              </a:rPr>
-              <a:t> Внутри:</a:t>
-            </a:r>
-            <a:r>
-              <a:rPr lang="en-US" sz="2400" dirty="0" smtClean="0">
-                <a:solidFill>
-                  <a:srgbClr val="000000"/>
-                </a:solidFill>
-                <a:latin typeface="Consolas" panose="020B0609020204030204" pitchFamily="49" charset="0"/>
-              </a:rPr>
-              <a:t> 0 0 0 0 0</a:t>
-            </a:r>
-            <a:endParaRPr lang="en-US" sz="2400" dirty="0">
-              <a:solidFill>
-                <a:srgbClr val="000000"/>
-              </a:solidFill>
-              <a:latin typeface="Consolas" panose="020B0609020204030204" pitchFamily="49" charset="0"/>
-            </a:endParaRPr>
-          </a:p>
-          <a:p>
-            <a:endParaRPr lang="ru-RU" sz="2400" dirty="0">
-              <a:solidFill>
-                <a:srgbClr val="000000"/>
-              </a:solidFill>
-              <a:latin typeface="Consolas" panose="020B0609020204030204" pitchFamily="49" charset="0"/>
-            </a:endParaRPr>
-          </a:p>
-          <a:p>
-            <a:r>
-              <a:rPr lang="en-US" sz="2400" dirty="0" smtClean="0">
-                <a:solidFill>
-                  <a:srgbClr val="000000"/>
-                </a:solidFill>
-                <a:latin typeface="Consolas" panose="020B0609020204030204" pitchFamily="49" charset="0"/>
-              </a:rPr>
-              <a:t>array[0] = 3; </a:t>
-            </a:r>
-            <a:r>
-              <a:rPr lang="ru-RU" sz="2400" dirty="0">
-                <a:solidFill>
-                  <a:srgbClr val="000000"/>
-                </a:solidFill>
-                <a:latin typeface="Consolas" panose="020B0609020204030204" pitchFamily="49" charset="0"/>
-              </a:rPr>
-              <a:t>Внутри:</a:t>
-            </a:r>
-            <a:r>
-              <a:rPr lang="en-US" sz="2400" dirty="0">
-                <a:solidFill>
-                  <a:srgbClr val="000000"/>
-                </a:solidFill>
-                <a:latin typeface="Consolas" panose="020B0609020204030204" pitchFamily="49" charset="0"/>
-              </a:rPr>
-              <a:t> 3 </a:t>
-            </a:r>
-            <a:r>
-              <a:rPr lang="en-US" sz="2400" dirty="0" smtClean="0">
-                <a:solidFill>
-                  <a:srgbClr val="000000"/>
-                </a:solidFill>
-                <a:latin typeface="Consolas" panose="020B0609020204030204" pitchFamily="49" charset="0"/>
-              </a:rPr>
-              <a:t>0 0 0 0</a:t>
-            </a:r>
-            <a:endParaRPr lang="ru-RU" sz="2400" dirty="0" smtClean="0">
-              <a:solidFill>
-                <a:srgbClr val="000000"/>
-              </a:solidFill>
-              <a:latin typeface="Consolas" panose="020B0609020204030204" pitchFamily="49" charset="0"/>
-            </a:endParaRPr>
-          </a:p>
-          <a:p>
-            <a:r>
-              <a:rPr lang="en-US" sz="2400" dirty="0" smtClean="0">
-                <a:solidFill>
-                  <a:srgbClr val="000000"/>
-                </a:solidFill>
-                <a:latin typeface="Consolas" panose="020B0609020204030204" pitchFamily="49" charset="0"/>
-              </a:rPr>
-              <a:t>array[2] = 7; </a:t>
-            </a:r>
-            <a:r>
-              <a:rPr lang="ru-RU" sz="2400" dirty="0">
-                <a:solidFill>
-                  <a:srgbClr val="000000"/>
-                </a:solidFill>
-                <a:latin typeface="Consolas" panose="020B0609020204030204" pitchFamily="49" charset="0"/>
-              </a:rPr>
-              <a:t>Внутри:</a:t>
-            </a:r>
-            <a:r>
-              <a:rPr lang="en-US" sz="2400" dirty="0">
-                <a:solidFill>
-                  <a:srgbClr val="000000"/>
-                </a:solidFill>
-                <a:latin typeface="Consolas" panose="020B0609020204030204" pitchFamily="49" charset="0"/>
-              </a:rPr>
-              <a:t> 3 0 </a:t>
-            </a:r>
-            <a:r>
-              <a:rPr lang="en-US" sz="2400" dirty="0" smtClean="0">
-                <a:solidFill>
-                  <a:srgbClr val="000000"/>
-                </a:solidFill>
-                <a:latin typeface="Consolas" panose="020B0609020204030204" pitchFamily="49" charset="0"/>
-              </a:rPr>
-              <a:t>7 </a:t>
-            </a:r>
-            <a:r>
-              <a:rPr lang="en-US" sz="2400" dirty="0">
-                <a:solidFill>
-                  <a:srgbClr val="000000"/>
-                </a:solidFill>
-                <a:latin typeface="Consolas" panose="020B0609020204030204" pitchFamily="49" charset="0"/>
-              </a:rPr>
-              <a:t>0 </a:t>
-            </a:r>
-            <a:r>
-              <a:rPr lang="en-US" sz="2400" dirty="0" smtClean="0">
-                <a:solidFill>
-                  <a:srgbClr val="000000"/>
-                </a:solidFill>
-                <a:latin typeface="Consolas" panose="020B0609020204030204" pitchFamily="49" charset="0"/>
-              </a:rPr>
-              <a:t>0</a:t>
-            </a:r>
-          </a:p>
-          <a:p>
-            <a:endParaRPr lang="en-US" sz="2400" dirty="0" smtClean="0">
-              <a:solidFill>
-                <a:srgbClr val="000000"/>
-              </a:solidFill>
-              <a:latin typeface="Consolas" panose="020B0609020204030204" pitchFamily="49" charset="0"/>
-            </a:endParaRPr>
-          </a:p>
-          <a:p>
-            <a:r>
-              <a:rPr lang="ru-RU" sz="2400" dirty="0" smtClean="0">
-                <a:solidFill>
-                  <a:srgbClr val="000000"/>
-                </a:solidFill>
-                <a:latin typeface="Consolas" panose="020B0609020204030204" pitchFamily="49" charset="0"/>
-              </a:rPr>
-              <a:t>В новых версиях </a:t>
-            </a:r>
-            <a:r>
-              <a:rPr lang="en-US" sz="2400" dirty="0" smtClean="0">
-                <a:solidFill>
-                  <a:srgbClr val="000000"/>
-                </a:solidFill>
-                <a:latin typeface="Consolas" panose="020B0609020204030204" pitchFamily="49" charset="0"/>
-              </a:rPr>
-              <a:t>C#</a:t>
-            </a:r>
-            <a:r>
-              <a:rPr lang="ru-RU" sz="2400" dirty="0" smtClean="0">
-                <a:solidFill>
-                  <a:srgbClr val="000000"/>
-                </a:solidFill>
-                <a:latin typeface="Consolas" panose="020B0609020204030204" pitchFamily="49" charset="0"/>
-              </a:rPr>
-              <a:t> возможно обращение с конца</a:t>
-            </a:r>
-            <a:r>
-              <a:rPr lang="en-US" sz="2400" dirty="0" smtClean="0">
-                <a:solidFill>
-                  <a:srgbClr val="000000"/>
-                </a:solidFill>
-                <a:latin typeface="Consolas" panose="020B0609020204030204" pitchFamily="49" charset="0"/>
-              </a:rPr>
-              <a:t>:</a:t>
-            </a:r>
-            <a:endParaRPr lang="ru-RU" sz="2400" dirty="0" smtClean="0">
-              <a:solidFill>
-                <a:srgbClr val="000000"/>
-              </a:solidFill>
-              <a:latin typeface="Consolas" panose="020B0609020204030204" pitchFamily="49" charset="0"/>
-            </a:endParaRPr>
-          </a:p>
-          <a:p>
-            <a:r>
-              <a:rPr lang="en-US" sz="2400" dirty="0">
-                <a:solidFill>
-                  <a:srgbClr val="000000"/>
-                </a:solidFill>
-                <a:latin typeface="Consolas" panose="020B0609020204030204" pitchFamily="49" charset="0"/>
-              </a:rPr>
-              <a:t>array</a:t>
-            </a:r>
-            <a:r>
-              <a:rPr lang="en-US" sz="2400" dirty="0" smtClean="0">
-                <a:solidFill>
-                  <a:srgbClr val="000000"/>
-                </a:solidFill>
-                <a:latin typeface="Consolas" panose="020B0609020204030204" pitchFamily="49" charset="0"/>
-              </a:rPr>
-              <a:t>[^1] </a:t>
-            </a:r>
-            <a:r>
-              <a:rPr lang="en-US" sz="2400" dirty="0">
-                <a:solidFill>
-                  <a:srgbClr val="000000"/>
-                </a:solidFill>
-                <a:latin typeface="Consolas" panose="020B0609020204030204" pitchFamily="49" charset="0"/>
-              </a:rPr>
-              <a:t>= </a:t>
-            </a:r>
-            <a:r>
-              <a:rPr lang="en-US" sz="2400" dirty="0" smtClean="0">
-                <a:solidFill>
-                  <a:srgbClr val="000000"/>
-                </a:solidFill>
-                <a:latin typeface="Consolas" panose="020B0609020204030204" pitchFamily="49" charset="0"/>
-              </a:rPr>
-              <a:t>5; </a:t>
-            </a:r>
-            <a:r>
-              <a:rPr lang="ru-RU" sz="2400" dirty="0">
-                <a:solidFill>
-                  <a:srgbClr val="000000"/>
-                </a:solidFill>
-                <a:latin typeface="Consolas" panose="020B0609020204030204" pitchFamily="49" charset="0"/>
-              </a:rPr>
-              <a:t>Внутри:</a:t>
-            </a:r>
-            <a:r>
-              <a:rPr lang="en-US" sz="2400" dirty="0">
-                <a:solidFill>
-                  <a:srgbClr val="000000"/>
-                </a:solidFill>
-                <a:latin typeface="Consolas" panose="020B0609020204030204" pitchFamily="49" charset="0"/>
-              </a:rPr>
-              <a:t> 3 0 7 0 </a:t>
-            </a:r>
-            <a:r>
-              <a:rPr lang="en-US" sz="2400" dirty="0" smtClean="0">
-                <a:solidFill>
-                  <a:srgbClr val="000000"/>
-                </a:solidFill>
-                <a:latin typeface="Consolas" panose="020B0609020204030204" pitchFamily="49" charset="0"/>
-              </a:rPr>
-              <a:t>5</a:t>
-            </a:r>
-            <a:endParaRPr lang="ru-RU" sz="2400" dirty="0" smtClean="0">
-              <a:solidFill>
-                <a:srgbClr val="000000"/>
-              </a:solidFill>
-              <a:latin typeface="Consolas" panose="020B0609020204030204" pitchFamily="49" charset="0"/>
-            </a:endParaRPr>
-          </a:p>
-          <a:p>
-            <a:r>
-              <a:rPr lang="en-US" sz="2400" dirty="0">
-                <a:solidFill>
-                  <a:srgbClr val="000000"/>
-                </a:solidFill>
-                <a:latin typeface="Consolas" panose="020B0609020204030204" pitchFamily="49" charset="0"/>
-              </a:rPr>
-              <a:t>array</a:t>
-            </a:r>
-            <a:r>
-              <a:rPr lang="en-US" sz="2400" dirty="0" smtClean="0">
-                <a:solidFill>
-                  <a:srgbClr val="000000"/>
-                </a:solidFill>
-                <a:latin typeface="Consolas" panose="020B0609020204030204" pitchFamily="49" charset="0"/>
-              </a:rPr>
-              <a:t>[^</a:t>
-            </a:r>
-            <a:r>
-              <a:rPr lang="ru-RU" sz="2400" dirty="0" smtClean="0">
-                <a:solidFill>
-                  <a:srgbClr val="000000"/>
-                </a:solidFill>
-                <a:latin typeface="Consolas" panose="020B0609020204030204" pitchFamily="49" charset="0"/>
-              </a:rPr>
-              <a:t>2</a:t>
-            </a:r>
-            <a:r>
-              <a:rPr lang="en-US" sz="2400" dirty="0" smtClean="0">
-                <a:solidFill>
-                  <a:srgbClr val="000000"/>
-                </a:solidFill>
-                <a:latin typeface="Consolas" panose="020B0609020204030204" pitchFamily="49" charset="0"/>
-              </a:rPr>
-              <a:t>] </a:t>
-            </a:r>
-            <a:r>
-              <a:rPr lang="en-US" sz="2400" dirty="0">
-                <a:solidFill>
-                  <a:srgbClr val="000000"/>
-                </a:solidFill>
-                <a:latin typeface="Consolas" panose="020B0609020204030204" pitchFamily="49" charset="0"/>
-              </a:rPr>
-              <a:t>= </a:t>
-            </a:r>
-            <a:r>
-              <a:rPr lang="ru-RU" sz="2400" dirty="0" smtClean="0">
-                <a:solidFill>
-                  <a:srgbClr val="000000"/>
-                </a:solidFill>
-                <a:latin typeface="Consolas" panose="020B0609020204030204" pitchFamily="49" charset="0"/>
-              </a:rPr>
-              <a:t>1</a:t>
-            </a:r>
-            <a:r>
-              <a:rPr lang="en-US" sz="2400" dirty="0" smtClean="0">
-                <a:solidFill>
-                  <a:srgbClr val="000000"/>
-                </a:solidFill>
-                <a:latin typeface="Consolas" panose="020B0609020204030204" pitchFamily="49" charset="0"/>
-              </a:rPr>
-              <a:t>; </a:t>
-            </a:r>
-            <a:r>
-              <a:rPr lang="ru-RU" sz="2400" dirty="0">
-                <a:solidFill>
-                  <a:srgbClr val="000000"/>
-                </a:solidFill>
-                <a:latin typeface="Consolas" panose="020B0609020204030204" pitchFamily="49" charset="0"/>
-              </a:rPr>
-              <a:t>Внутри:</a:t>
-            </a:r>
-            <a:r>
-              <a:rPr lang="en-US" sz="2400" dirty="0">
-                <a:solidFill>
-                  <a:srgbClr val="000000"/>
-                </a:solidFill>
-                <a:latin typeface="Consolas" panose="020B0609020204030204" pitchFamily="49" charset="0"/>
-              </a:rPr>
-              <a:t> 3 0 7 </a:t>
-            </a:r>
-            <a:r>
-              <a:rPr lang="ru-RU" sz="2400" dirty="0" smtClean="0">
-                <a:solidFill>
-                  <a:srgbClr val="000000"/>
-                </a:solidFill>
-                <a:latin typeface="Consolas" panose="020B0609020204030204" pitchFamily="49" charset="0"/>
-              </a:rPr>
-              <a:t>1</a:t>
-            </a:r>
-            <a:r>
-              <a:rPr lang="en-US" sz="2400" dirty="0" smtClean="0">
-                <a:solidFill>
-                  <a:srgbClr val="000000"/>
-                </a:solidFill>
-                <a:latin typeface="Consolas" panose="020B0609020204030204" pitchFamily="49" charset="0"/>
-              </a:rPr>
-              <a:t> 5</a:t>
-            </a:r>
-            <a:endParaRPr lang="ru-RU" sz="2400" dirty="0" smtClean="0">
-              <a:solidFill>
-                <a:srgbClr val="000000"/>
-              </a:solidFill>
-              <a:latin typeface="Consolas" panose="020B0609020204030204" pitchFamily="49" charset="0"/>
-            </a:endParaRPr>
-          </a:p>
-          <a:p>
-            <a:endParaRPr lang="ru-RU" sz="2400" dirty="0">
-              <a:solidFill>
-                <a:srgbClr val="000000"/>
-              </a:solidFill>
-              <a:latin typeface="Consolas" panose="020B0609020204030204" pitchFamily="49" charset="0"/>
-            </a:endParaRPr>
-          </a:p>
-          <a:p>
-            <a:r>
-              <a:rPr lang="ru-RU" sz="2400" dirty="0" smtClean="0">
-                <a:solidFill>
-                  <a:srgbClr val="000000"/>
-                </a:solidFill>
-                <a:latin typeface="Consolas" panose="020B0609020204030204" pitchFamily="49" charset="0"/>
-              </a:rPr>
-              <a:t>Чтобы узнать длину массива, необходимо вызвать свойство </a:t>
-            </a:r>
-            <a:r>
-              <a:rPr lang="en-US" sz="2400" dirty="0" smtClean="0">
-                <a:solidFill>
-                  <a:srgbClr val="000000"/>
-                </a:solidFill>
-                <a:latin typeface="Consolas" panose="020B0609020204030204" pitchFamily="49" charset="0"/>
+                  <a:srgbClr val="000000"/>
+                </a:solidFill>
+                <a:latin typeface="Bookman Old Style" panose="02050604050505020204" pitchFamily="18" charset="0"/>
               </a:rPr>
               <a:t>Length:</a:t>
             </a:r>
@@ -21676,8 +21734,8 @@
         </p:nvSpPr>
         <p:spPr>
           <a:xfrm>
-            <a:off x="158389" y="179312"/>
-            <a:ext cx="11666223" cy="6370975"/>
+            <a:off x="158389" y="0"/>
+            <a:ext cx="11666223" cy="6740307"/>
           </a:xfrm>
           <a:prstGeom prst="rect">
             <a:avLst/>
@@ -21689,11 +21747,476 @@
           </a:bodyPr>
           <a:lstStyle/>
           <a:p>
+            <a:pPr algn="just">
+              <a:lnSpc>
+                <a:spcPct val="150000"/>
+              </a:lnSpc>
+            </a:pPr>
             <a:r>
               <a:rPr lang="ru-RU" sz="2400" b="1" dirty="0" smtClean="0">
                 <a:latin typeface="Bookman Old Style" panose="02050604050505020204" pitchFamily="18" charset="0"/>
               </a:rPr>
-              <a:t>Пример работы с массивом:</a:t>
+              <a:t>Пример работы с массивом</a:t>
+            </a:r>
+            <a:r>
+              <a:rPr lang="ru-RU" sz="2400" b="1" dirty="0" smtClean="0">
+                <a:latin typeface="Bookman Old Style" panose="02050604050505020204" pitchFamily="18" charset="0"/>
+              </a:rPr>
+              <a:t>:</a:t>
+            </a:r>
+            <a:endParaRPr lang="ru-RU" sz="2400" dirty="0" smtClean="0">
+              <a:solidFill>
+                <a:srgbClr val="000000"/>
+              </a:solidFill>
+              <a:latin typeface="Bookman Old Style" panose="02050604050505020204" pitchFamily="18" charset="0"/>
+            </a:endParaRPr>
+          </a:p>
+          <a:p>
+            <a:pPr algn="just">
+              <a:lnSpc>
+                <a:spcPct val="150000"/>
+              </a:lnSpc>
+            </a:pPr>
+            <a:r>
+              <a:rPr lang="ru-RU" sz="2400" dirty="0" smtClean="0">
+                <a:solidFill>
+                  <a:srgbClr val="000000"/>
+                </a:solidFill>
+                <a:latin typeface="Bookman Old Style" panose="02050604050505020204" pitchFamily="18" charset="0"/>
+              </a:rPr>
+              <a:t>Создадим и сразу заполним массив</a:t>
+            </a:r>
+            <a:r>
+              <a:rPr lang="ru-RU" sz="2400" dirty="0" smtClean="0">
+                <a:solidFill>
+                  <a:srgbClr val="000000"/>
+                </a:solidFill>
+                <a:latin typeface="Bookman Old Style" panose="02050604050505020204" pitchFamily="18" charset="0"/>
+              </a:rPr>
+              <a:t>:</a:t>
+            </a:r>
+            <a:endParaRPr lang="ru-RU" sz="2400" dirty="0">
+              <a:solidFill>
+                <a:srgbClr val="000000"/>
+              </a:solidFill>
+              <a:latin typeface="Consolas" panose="020B0609020204030204" pitchFamily="49" charset="0"/>
+            </a:endParaRPr>
+          </a:p>
+          <a:p>
+            <a:r>
+              <a:rPr lang="en-US" sz="2400" dirty="0">
+                <a:solidFill>
+                  <a:srgbClr val="0000FF"/>
+                </a:solidFill>
+                <a:latin typeface="Consolas" panose="020B0609020204030204" pitchFamily="49" charset="0"/>
+              </a:rPr>
+              <a:t>double</a:t>
+            </a:r>
+            <a:r>
+              <a:rPr lang="en-US" sz="2400" dirty="0">
+                <a:solidFill>
+                  <a:srgbClr val="000000"/>
+                </a:solidFill>
+                <a:latin typeface="Consolas" panose="020B0609020204030204" pitchFamily="49" charset="0"/>
+              </a:rPr>
+              <a:t>[] array = </a:t>
+            </a:r>
+            <a:r>
+              <a:rPr lang="en-US" sz="2400" dirty="0">
+                <a:solidFill>
+                  <a:srgbClr val="0000FF"/>
+                </a:solidFill>
+                <a:latin typeface="Consolas" panose="020B0609020204030204" pitchFamily="49" charset="0"/>
+              </a:rPr>
+              <a:t>new</a:t>
+            </a:r>
+            <a:r>
+              <a:rPr lang="en-US" sz="2400" dirty="0">
+                <a:solidFill>
+                  <a:srgbClr val="000000"/>
+                </a:solidFill>
+                <a:latin typeface="Consolas" panose="020B0609020204030204" pitchFamily="49" charset="0"/>
+              </a:rPr>
+              <a:t> </a:t>
+            </a:r>
+            <a:r>
+              <a:rPr lang="en-US" sz="2400" dirty="0" smtClean="0">
+                <a:solidFill>
+                  <a:srgbClr val="0000FF"/>
+                </a:solidFill>
+                <a:latin typeface="Consolas" panose="020B0609020204030204" pitchFamily="49" charset="0"/>
+              </a:rPr>
+              <a:t>double</a:t>
+            </a:r>
+            <a:r>
+              <a:rPr lang="en-US" sz="2400" dirty="0" smtClean="0">
+                <a:solidFill>
+                  <a:srgbClr val="000000"/>
+                </a:solidFill>
+                <a:latin typeface="Consolas" panose="020B0609020204030204" pitchFamily="49" charset="0"/>
+              </a:rPr>
+              <a:t>[]</a:t>
+            </a:r>
+            <a:r>
+              <a:rPr lang="ru-RU" sz="2400" dirty="0" smtClean="0">
+                <a:solidFill>
+                  <a:srgbClr val="000000"/>
+                </a:solidFill>
+                <a:latin typeface="Consolas" panose="020B0609020204030204" pitchFamily="49" charset="0"/>
+              </a:rPr>
+              <a:t> </a:t>
+            </a:r>
+            <a:r>
+              <a:rPr lang="en-US" sz="2400" dirty="0" smtClean="0">
+                <a:solidFill>
+                  <a:srgbClr val="000000"/>
+                </a:solidFill>
+                <a:latin typeface="Consolas" panose="020B0609020204030204" pitchFamily="49" charset="0"/>
+              </a:rPr>
+              <a:t>{1, 3, 2, 5, 4};</a:t>
+            </a:r>
+            <a:endParaRPr lang="en-US" sz="2400" dirty="0">
+              <a:solidFill>
+                <a:srgbClr val="000000"/>
+              </a:solidFill>
+              <a:latin typeface="Consolas" panose="020B0609020204030204" pitchFamily="49" charset="0"/>
+            </a:endParaRPr>
+          </a:p>
+          <a:p>
+            <a:pPr algn="just">
+              <a:lnSpc>
+                <a:spcPct val="150000"/>
+              </a:lnSpc>
+            </a:pPr>
+            <a:r>
+              <a:rPr lang="ru-RU" sz="2400" dirty="0" smtClean="0">
+                <a:solidFill>
+                  <a:srgbClr val="000000"/>
+                </a:solidFill>
+                <a:latin typeface="Bookman Old Style" panose="02050604050505020204" pitchFamily="18" charset="0"/>
+              </a:rPr>
+              <a:t>Внутри:</a:t>
+            </a:r>
+            <a:r>
+              <a:rPr lang="en-US" sz="2400" dirty="0" smtClean="0">
+                <a:solidFill>
+                  <a:srgbClr val="000000"/>
+                </a:solidFill>
+                <a:latin typeface="Bookman Old Style" panose="02050604050505020204" pitchFamily="18" charset="0"/>
+              </a:rPr>
+              <a:t> 1 3 2 5 </a:t>
+            </a:r>
+            <a:r>
+              <a:rPr lang="en-US" sz="2400" dirty="0" smtClean="0">
+                <a:solidFill>
+                  <a:srgbClr val="000000"/>
+                </a:solidFill>
+                <a:latin typeface="Bookman Old Style" panose="02050604050505020204" pitchFamily="18" charset="0"/>
+              </a:rPr>
+              <a:t>4</a:t>
+            </a:r>
+            <a:endParaRPr lang="ru-RU" sz="2400" dirty="0" smtClean="0">
+              <a:solidFill>
+                <a:srgbClr val="000000"/>
+              </a:solidFill>
+              <a:latin typeface="Bookman Old Style" panose="02050604050505020204" pitchFamily="18" charset="0"/>
+            </a:endParaRPr>
+          </a:p>
+          <a:p>
+            <a:pPr algn="just">
+              <a:lnSpc>
+                <a:spcPct val="150000"/>
+              </a:lnSpc>
+            </a:pPr>
+            <a:endParaRPr lang="en-US" sz="2400" dirty="0" smtClean="0">
+              <a:solidFill>
+                <a:srgbClr val="000000"/>
+              </a:solidFill>
+              <a:latin typeface="Bookman Old Style" panose="02050604050505020204" pitchFamily="18" charset="0"/>
+            </a:endParaRPr>
+          </a:p>
+          <a:p>
+            <a:pPr algn="just">
+              <a:lnSpc>
+                <a:spcPct val="150000"/>
+              </a:lnSpc>
+            </a:pPr>
+            <a:r>
+              <a:rPr lang="ru-RU" sz="2400" dirty="0" smtClean="0">
+                <a:solidFill>
+                  <a:srgbClr val="000000"/>
+                </a:solidFill>
+                <a:latin typeface="Bookman Old Style" panose="02050604050505020204" pitchFamily="18" charset="0"/>
+              </a:rPr>
+              <a:t>Можно написать так</a:t>
+            </a:r>
+            <a:r>
+              <a:rPr lang="ru-RU" sz="2400" dirty="0" smtClean="0">
+                <a:solidFill>
+                  <a:srgbClr val="000000"/>
+                </a:solidFill>
+                <a:latin typeface="Bookman Old Style" panose="02050604050505020204" pitchFamily="18" charset="0"/>
+              </a:rPr>
+              <a:t>:</a:t>
+            </a:r>
+            <a:endParaRPr lang="ru-RU" sz="2400" dirty="0" smtClean="0">
+              <a:solidFill>
+                <a:srgbClr val="000000"/>
+              </a:solidFill>
+              <a:latin typeface="Consolas" panose="020B0609020204030204" pitchFamily="49" charset="0"/>
+            </a:endParaRPr>
+          </a:p>
+          <a:p>
+            <a:r>
+              <a:rPr lang="en-US" sz="2400" dirty="0">
+                <a:solidFill>
+                  <a:srgbClr val="0000FF"/>
+                </a:solidFill>
+                <a:latin typeface="Consolas" panose="020B0609020204030204" pitchFamily="49" charset="0"/>
+              </a:rPr>
+              <a:t>double</a:t>
+            </a:r>
+            <a:r>
+              <a:rPr lang="en-US" sz="2400" dirty="0">
+                <a:solidFill>
+                  <a:srgbClr val="000000"/>
+                </a:solidFill>
+                <a:latin typeface="Consolas" panose="020B0609020204030204" pitchFamily="49" charset="0"/>
+              </a:rPr>
+              <a:t>[] array = </a:t>
+            </a:r>
+            <a:r>
+              <a:rPr lang="en-US" sz="2400" dirty="0">
+                <a:solidFill>
+                  <a:srgbClr val="0000FF"/>
+                </a:solidFill>
+                <a:latin typeface="Consolas" panose="020B0609020204030204" pitchFamily="49" charset="0"/>
+              </a:rPr>
+              <a:t>new</a:t>
+            </a:r>
+            <a:r>
+              <a:rPr lang="en-US" sz="2400" dirty="0">
+                <a:solidFill>
+                  <a:srgbClr val="000000"/>
+                </a:solidFill>
+                <a:latin typeface="Consolas" panose="020B0609020204030204" pitchFamily="49" charset="0"/>
+              </a:rPr>
+              <a:t> </a:t>
+            </a:r>
+            <a:r>
+              <a:rPr lang="en-US" sz="2400" dirty="0" smtClean="0">
+                <a:solidFill>
+                  <a:srgbClr val="000000"/>
+                </a:solidFill>
+                <a:latin typeface="Consolas" panose="020B0609020204030204" pitchFamily="49" charset="0"/>
+              </a:rPr>
+              <a:t>[]</a:t>
+            </a:r>
+            <a:r>
+              <a:rPr lang="ru-RU" sz="2400" dirty="0" smtClean="0">
+                <a:solidFill>
+                  <a:srgbClr val="000000"/>
+                </a:solidFill>
+                <a:latin typeface="Consolas" panose="020B0609020204030204" pitchFamily="49" charset="0"/>
+              </a:rPr>
+              <a:t> </a:t>
+            </a:r>
+            <a:r>
+              <a:rPr lang="en-US" sz="2400" dirty="0">
+                <a:solidFill>
+                  <a:srgbClr val="000000"/>
+                </a:solidFill>
+                <a:latin typeface="Consolas" panose="020B0609020204030204" pitchFamily="49" charset="0"/>
+              </a:rPr>
+              <a:t>{</a:t>
+            </a:r>
+            <a:r>
+              <a:rPr lang="en-US" sz="2400" dirty="0" smtClean="0">
+                <a:solidFill>
+                  <a:srgbClr val="000000"/>
+                </a:solidFill>
+                <a:latin typeface="Consolas" panose="020B0609020204030204" pitchFamily="49" charset="0"/>
+              </a:rPr>
+              <a:t>1</a:t>
+            </a:r>
+            <a:r>
+              <a:rPr lang="ru-RU" sz="2400" dirty="0" smtClean="0">
+                <a:solidFill>
+                  <a:srgbClr val="000000"/>
+                </a:solidFill>
+                <a:latin typeface="Consolas" panose="020B0609020204030204" pitchFamily="49" charset="0"/>
+              </a:rPr>
+              <a:t>.0</a:t>
+            </a:r>
+            <a:r>
+              <a:rPr lang="en-US" sz="2400" dirty="0" smtClean="0">
+                <a:solidFill>
+                  <a:srgbClr val="000000"/>
+                </a:solidFill>
+                <a:latin typeface="Consolas" panose="020B0609020204030204" pitchFamily="49" charset="0"/>
+              </a:rPr>
+              <a:t>, </a:t>
+            </a:r>
+            <a:r>
+              <a:rPr lang="en-US" sz="2400" dirty="0">
+                <a:solidFill>
+                  <a:srgbClr val="000000"/>
+                </a:solidFill>
+                <a:latin typeface="Consolas" panose="020B0609020204030204" pitchFamily="49" charset="0"/>
+              </a:rPr>
+              <a:t>3, 2, 5, 4</a:t>
+            </a:r>
+            <a:r>
+              <a:rPr lang="en-US" sz="2400" dirty="0" smtClean="0">
+                <a:solidFill>
+                  <a:srgbClr val="000000"/>
+                </a:solidFill>
+                <a:latin typeface="Consolas" panose="020B0609020204030204" pitchFamily="49" charset="0"/>
+              </a:rPr>
+              <a:t>};</a:t>
+            </a:r>
+            <a:endParaRPr lang="ru-RU" sz="2400" dirty="0" smtClean="0">
+              <a:solidFill>
+                <a:srgbClr val="000000"/>
+              </a:solidFill>
+              <a:latin typeface="Consolas" panose="020B0609020204030204" pitchFamily="49" charset="0"/>
+            </a:endParaRPr>
+          </a:p>
+          <a:p>
+            <a:pPr algn="just">
+              <a:lnSpc>
+                <a:spcPct val="150000"/>
+              </a:lnSpc>
+            </a:pPr>
+            <a:r>
+              <a:rPr lang="ru-RU" sz="2400" dirty="0" smtClean="0">
+                <a:solidFill>
+                  <a:srgbClr val="000000"/>
+                </a:solidFill>
+                <a:latin typeface="Bookman Old Style" panose="02050604050505020204" pitchFamily="18" charset="0"/>
+              </a:rPr>
+              <a:t>Но тогда нужно явно указать, что числа вещественные написав знак после запятой хотя бы в одном числе: 1.0</a:t>
+            </a:r>
+            <a:endParaRPr lang="en-US" sz="2400" dirty="0">
+              <a:solidFill>
+                <a:srgbClr val="000000"/>
+              </a:solidFill>
+              <a:latin typeface="Bookman Old Style" panose="02050604050505020204" pitchFamily="18" charset="0"/>
+            </a:endParaRPr>
+          </a:p>
+          <a:p>
+            <a:pPr algn="just">
+              <a:lnSpc>
+                <a:spcPct val="150000"/>
+              </a:lnSpc>
+            </a:pPr>
+            <a:r>
+              <a:rPr lang="ru-RU" sz="2400" dirty="0">
+                <a:solidFill>
+                  <a:srgbClr val="000000"/>
+                </a:solidFill>
+                <a:latin typeface="Bookman Old Style" panose="02050604050505020204" pitchFamily="18" charset="0"/>
+              </a:rPr>
+              <a:t>Внутри:</a:t>
+            </a:r>
+            <a:r>
+              <a:rPr lang="en-US" sz="2400" dirty="0">
+                <a:solidFill>
+                  <a:srgbClr val="000000"/>
+                </a:solidFill>
+                <a:latin typeface="Bookman Old Style" panose="02050604050505020204" pitchFamily="18" charset="0"/>
+              </a:rPr>
+              <a:t> </a:t>
+            </a:r>
+            <a:r>
+              <a:rPr lang="en-US" sz="2400" dirty="0" smtClean="0">
+                <a:solidFill>
+                  <a:srgbClr val="000000"/>
+                </a:solidFill>
+                <a:latin typeface="Bookman Old Style" panose="02050604050505020204" pitchFamily="18" charset="0"/>
+              </a:rPr>
+              <a:t>1</a:t>
+            </a:r>
+            <a:r>
+              <a:rPr lang="ru-RU" sz="2400" dirty="0" smtClean="0">
+                <a:solidFill>
+                  <a:srgbClr val="000000"/>
+                </a:solidFill>
+                <a:latin typeface="Bookman Old Style" panose="02050604050505020204" pitchFamily="18" charset="0"/>
+              </a:rPr>
+              <a:t>.0</a:t>
+            </a:r>
+            <a:r>
+              <a:rPr lang="en-US" sz="2400" dirty="0" smtClean="0">
+                <a:solidFill>
+                  <a:srgbClr val="000000"/>
+                </a:solidFill>
+                <a:latin typeface="Bookman Old Style" panose="02050604050505020204" pitchFamily="18" charset="0"/>
+              </a:rPr>
+              <a:t> 3</a:t>
+            </a:r>
+            <a:r>
+              <a:rPr lang="ru-RU" sz="2400" dirty="0" smtClean="0">
+                <a:solidFill>
+                  <a:srgbClr val="000000"/>
+                </a:solidFill>
+                <a:latin typeface="Bookman Old Style" panose="02050604050505020204" pitchFamily="18" charset="0"/>
+              </a:rPr>
+              <a:t>.0</a:t>
+            </a:r>
+            <a:r>
+              <a:rPr lang="en-US" sz="2400" dirty="0" smtClean="0">
+                <a:solidFill>
+                  <a:srgbClr val="000000"/>
+                </a:solidFill>
+                <a:latin typeface="Bookman Old Style" panose="02050604050505020204" pitchFamily="18" charset="0"/>
+              </a:rPr>
+              <a:t> 2</a:t>
+            </a:r>
+            <a:r>
+              <a:rPr lang="ru-RU" sz="2400" dirty="0" smtClean="0">
+                <a:solidFill>
+                  <a:srgbClr val="000000"/>
+                </a:solidFill>
+                <a:latin typeface="Bookman Old Style" panose="02050604050505020204" pitchFamily="18" charset="0"/>
+              </a:rPr>
+              <a:t>.0</a:t>
+            </a:r>
+            <a:r>
+              <a:rPr lang="en-US" sz="2400" dirty="0" smtClean="0">
+                <a:solidFill>
+                  <a:srgbClr val="000000"/>
+                </a:solidFill>
+                <a:latin typeface="Bookman Old Style" panose="02050604050505020204" pitchFamily="18" charset="0"/>
+              </a:rPr>
+              <a:t> 5</a:t>
+            </a:r>
+            <a:r>
+              <a:rPr lang="ru-RU" sz="2400" dirty="0" smtClean="0">
+                <a:solidFill>
+                  <a:srgbClr val="000000"/>
+                </a:solidFill>
+                <a:latin typeface="Bookman Old Style" panose="02050604050505020204" pitchFamily="18" charset="0"/>
+              </a:rPr>
+              <a:t>.0</a:t>
+            </a:r>
+            <a:r>
+              <a:rPr lang="en-US" sz="2400" dirty="0" smtClean="0">
+                <a:solidFill>
+                  <a:srgbClr val="000000"/>
+                </a:solidFill>
+                <a:latin typeface="Bookman Old Style" panose="02050604050505020204" pitchFamily="18" charset="0"/>
+              </a:rPr>
+              <a:t> 4</a:t>
+            </a:r>
+            <a:r>
+              <a:rPr lang="ru-RU" sz="2400" dirty="0" smtClean="0">
+                <a:solidFill>
+                  <a:srgbClr val="000000"/>
+                </a:solidFill>
+                <a:latin typeface="Bookman Old Style" panose="02050604050505020204" pitchFamily="18" charset="0"/>
+              </a:rPr>
+              <a:t>.0</a:t>
             </a:r>
             <a:endParaRPr lang="en-US" sz="2400" dirty="0" smtClean="0">
               <a:solidFill>
@@ -21703,58 +22226,89 @@
             </a:endParaRPr>
           </a:p>
           <a:p>
-            <a:endParaRPr lang="ru-RU" sz="2400" dirty="0" smtClean="0">
-              <a:solidFill>
-                <a:srgbClr val="000000"/>
-              </a:solidFill>
-              <a:latin typeface="Consolas" panose="020B0609020204030204" pitchFamily="49" charset="0"/>
-            </a:endParaRPr>
-          </a:p>
-          <a:p>
+            <a:pPr algn="just">
+              <a:lnSpc>
+                <a:spcPct val="150000"/>
+              </a:lnSpc>
+            </a:pPr>
             <a:r>
               <a:rPr lang="ru-RU" sz="2400" dirty="0" smtClean="0">
                 <a:solidFill>
                   <a:srgbClr val="000000"/>
                 </a:solidFill>
-                <a:latin typeface="Consolas" panose="020B0609020204030204" pitchFamily="49" charset="0"/>
-              </a:rPr>
-              <a:t>Создадим и сразу заполним массив:</a:t>
-            </a:r>
-          </a:p>
-          <a:p>
+                <a:latin typeface="Bookman Old Style" panose="02050604050505020204" pitchFamily="18" charset="0"/>
+              </a:rPr>
+              <a:t>С применением </a:t>
+            </a:r>
+            <a:r>
+              <a:rPr lang="en-US" sz="2400" dirty="0" err="1" smtClean="0">
+                <a:solidFill>
+                  <a:srgbClr val="000000"/>
+                </a:solidFill>
+                <a:latin typeface="Bookman Old Style" panose="02050604050505020204" pitchFamily="18" charset="0"/>
+              </a:rPr>
+              <a:t>var</a:t>
+            </a:r>
+            <a:r>
+              <a:rPr lang="en-US" sz="2400" dirty="0">
+                <a:solidFill>
+                  <a:srgbClr val="000000"/>
+                </a:solidFill>
+                <a:latin typeface="Bookman Old Style" panose="02050604050505020204" pitchFamily="18" charset="0"/>
+              </a:rPr>
+              <a:t>:</a:t>
+            </a:r>
             <a:endParaRPr lang="ru-RU" sz="2400" dirty="0">
               <a:solidFill>
                 <a:srgbClr val="000000"/>
               </a:solidFill>
-              <a:latin typeface="Consolas" panose="020B0609020204030204" pitchFamily="49" charset="0"/>
+              <a:latin typeface="Bookman Old Style" panose="02050604050505020204" pitchFamily="18" charset="0"/>
             </a:endParaRPr>
           </a:p>
           <a:p>
             <a:r>
-              <a:rPr lang="en-US" sz="2400" dirty="0">
+              <a:rPr lang="en-US" sz="2400" dirty="0" err="1" smtClean="0">
                 <a:solidFill>
                   <a:srgbClr val="0000FF"/>
                 </a:solidFill>
                 <a:latin typeface="Consolas" panose="020B0609020204030204" pitchFamily="49" charset="0"/>
               </a:rPr>
-              <a:t>double</a:t>
-            </a:r>
-            <a:r>
-              <a:rPr lang="en-US" sz="2400" dirty="0">
-                <a:solidFill>
-                  <a:srgbClr val="000000"/>
-                </a:solidFill>
-                <a:latin typeface="Consolas" panose="020B0609020204030204" pitchFamily="49" charset="0"/>
-              </a:rPr>
-              <a:t>[] array = </a:t>
-            </a:r>
-            <a:r>
-              <a:rPr lang="en-US" sz="2400" dirty="0">
+              <a:t>var</a:t>
+            </a:r>
+            <a:r>
+              <a:rPr lang="en-US" sz="2400" dirty="0" smtClean="0">
                 <a:solidFill>
                   <a:srgbClr val="0000FF"/>
                 </a:solidFill>
                 <a:latin typeface="Consolas" panose="020B0609020204030204" pitchFamily="49" charset="0"/>
               </a:rPr>
+              <a:t> </a:t>
+            </a:r>
+            <a:r>
+              <a:rPr lang="en-US" sz="2400" dirty="0" smtClean="0">
+                <a:solidFill>
+                  <a:srgbClr val="000000"/>
+                </a:solidFill>
+                <a:latin typeface="Consolas" panose="020B0609020204030204" pitchFamily="49" charset="0"/>
+              </a:rPr>
+              <a:t>array </a:t>
+            </a:r>
+            <a:r>
+              <a:rPr lang="en-US" sz="2400" dirty="0">
+                <a:solidFill>
+                  <a:srgbClr val="000000"/>
+                </a:solidFill>
+                <a:latin typeface="Consolas" panose="020B0609020204030204" pitchFamily="49" charset="0"/>
+              </a:rPr>
+              <a:t>= </a:t>
+            </a:r>
+            <a:r>
+              <a:rPr lang="en-US" sz="2400" dirty="0">
+                <a:solidFill>
+                  <a:srgbClr val="0000FF"/>
+                </a:solidFill>
+                <a:latin typeface="Consolas" panose="020B0609020204030204" pitchFamily="49" charset="0"/>
+              </a:rPr>
               <a:t>new</a:t>
             </a:r>
             <a:r>
@@ -21764,43 +22318,52 @@
                 </a:solidFill>
                 <a:latin typeface="Consolas" panose="020B0609020204030204" pitchFamily="49" charset="0"/>
               </a:rPr>
+              <a:t> []</a:t>
+            </a:r>
+            <a:r>
+              <a:rPr lang="ru-RU" sz="2400" dirty="0">
+                <a:solidFill>
+                  <a:srgbClr val="000000"/>
+                </a:solidFill>
+                <a:latin typeface="Consolas" panose="020B0609020204030204" pitchFamily="49" charset="0"/>
+              </a:rPr>
               <a:t> </a:t>
             </a:r>
             <a:r>
+              <a:rPr lang="en-US" sz="2400" dirty="0">
+                <a:solidFill>
+                  <a:srgbClr val="000000"/>
+                </a:solidFill>
+                <a:latin typeface="Consolas" panose="020B0609020204030204" pitchFamily="49" charset="0"/>
+              </a:rPr>
+              <a:t>{1</a:t>
+            </a:r>
+            <a:r>
+              <a:rPr lang="ru-RU" sz="2400" dirty="0">
+                <a:solidFill>
+                  <a:srgbClr val="000000"/>
+                </a:solidFill>
+                <a:latin typeface="Consolas" panose="020B0609020204030204" pitchFamily="49" charset="0"/>
+              </a:rPr>
+              <a:t>.0</a:t>
+            </a:r>
+            <a:r>
+              <a:rPr lang="en-US" sz="2400" dirty="0">
+                <a:solidFill>
+                  <a:srgbClr val="000000"/>
+                </a:solidFill>
+                <a:latin typeface="Consolas" panose="020B0609020204030204" pitchFamily="49" charset="0"/>
+              </a:rPr>
+              <a:t>, 3, 2, 5, 4</a:t>
+            </a:r>
+            <a:r>
               <a:rPr lang="en-US" sz="2400" dirty="0" smtClean="0">
                 <a:solidFill>
-                  <a:srgbClr val="0000FF"/>
-                </a:solidFill>
-                <a:latin typeface="Consolas" panose="020B0609020204030204" pitchFamily="49" charset="0"/>
-              </a:rPr>
-              <a:t>double</a:t>
-            </a:r>
-            <a:r>
-              <a:rPr lang="en-US" sz="2400" dirty="0" smtClean="0">
-                <a:solidFill>
-                  <a:srgbClr val="000000"/>
-                </a:solidFill>
-                <a:latin typeface="Consolas" panose="020B0609020204030204" pitchFamily="49" charset="0"/>
-              </a:rPr>
-              <a:t>[]</a:t>
-            </a:r>
-            <a:r>
-              <a:rPr lang="ru-RU" sz="2400" dirty="0" smtClean="0">
-                <a:solidFill>
-                  <a:srgbClr val="000000"/>
-                </a:solidFill>
-                <a:latin typeface="Consolas" panose="020B0609020204030204" pitchFamily="49" charset="0"/>
-              </a:rPr>
-              <a:t> </a:t>
-            </a:r>
-            <a:r>
-              <a:rPr lang="en-US" sz="2400" dirty="0" smtClean="0">
-                <a:solidFill>
-                  <a:srgbClr val="000000"/>
-                </a:solidFill>
-                <a:latin typeface="Consolas" panose="020B0609020204030204" pitchFamily="49" charset="0"/>
-              </a:rPr>
-              <a:t>{1, 3, 2, 5, 4};</a:t>
+                  <a:srgbClr val="000000"/>
+                </a:solidFill>
+                <a:latin typeface="Consolas" panose="020B0609020204030204" pitchFamily="49" charset="0"/>
+              </a:rPr>
+              <a:t>};</a:t>
             </a:r>
             <a:endParaRPr lang="en-US" sz="2400" dirty="0">
               <a:solidFill>
@@ -21810,405 +22373,120 @@
             </a:endParaRPr>
           </a:p>
           <a:p>
-            <a:r>
-              <a:rPr lang="ru-RU" sz="2400" dirty="0" smtClean="0">
-                <a:solidFill>
-                  <a:srgbClr val="000000"/>
-                </a:solidFill>
-                <a:latin typeface="Consolas" panose="020B0609020204030204" pitchFamily="49" charset="0"/>
+            <a:pPr algn="just">
+              <a:lnSpc>
+                <a:spcPct val="150000"/>
+              </a:lnSpc>
+            </a:pPr>
+            <a:r>
+              <a:rPr lang="ru-RU" sz="2400" dirty="0">
+                <a:solidFill>
+                  <a:srgbClr val="000000"/>
+                </a:solidFill>
+                <a:latin typeface="Bookman Old Style" panose="02050604050505020204" pitchFamily="18" charset="0"/>
               </a:rPr>
               <a:t>Внутри:</a:t>
             </a:r>
             <a:r>
-              <a:rPr lang="en-US" sz="2400" dirty="0" smtClean="0">
-                <a:solidFill>
-                  <a:srgbClr val="000000"/>
-                </a:solidFill>
-                <a:latin typeface="Consolas" panose="020B0609020204030204" pitchFamily="49" charset="0"/>
-              </a:rPr>
-              <a:t> 1 3 2 5 4</a:t>
+              <a:rPr lang="en-US" sz="2400" dirty="0">
+                <a:solidFill>
+                  <a:srgbClr val="000000"/>
+                </a:solidFill>
+                <a:latin typeface="Bookman Old Style" panose="02050604050505020204" pitchFamily="18" charset="0"/>
+              </a:rPr>
+              <a:t> </a:t>
+            </a:r>
+            <a:r>
+              <a:rPr lang="en-US" sz="2400" dirty="0">
+                <a:solidFill>
+                  <a:srgbClr val="000000"/>
+                </a:solidFill>
+                <a:latin typeface="Bookman Old Style" panose="02050604050505020204" pitchFamily="18" charset="0"/>
+              </a:rPr>
+              <a:t>1</a:t>
+            </a:r>
+            <a:r>
+              <a:rPr lang="ru-RU" sz="2400" dirty="0">
+                <a:solidFill>
+                  <a:srgbClr val="000000"/>
+                </a:solidFill>
+                <a:latin typeface="Bookman Old Style" panose="02050604050505020204" pitchFamily="18" charset="0"/>
+              </a:rPr>
+              <a:t>.0</a:t>
+            </a:r>
+            <a:r>
+              <a:rPr lang="en-US" sz="2400" dirty="0">
+                <a:solidFill>
+                  <a:srgbClr val="000000"/>
+                </a:solidFill>
+                <a:latin typeface="Bookman Old Style" panose="02050604050505020204" pitchFamily="18" charset="0"/>
+              </a:rPr>
+              <a:t> 3</a:t>
+            </a:r>
+            <a:r>
+              <a:rPr lang="ru-RU" sz="2400" dirty="0">
+                <a:solidFill>
+                  <a:srgbClr val="000000"/>
+                </a:solidFill>
+                <a:latin typeface="Bookman Old Style" panose="02050604050505020204" pitchFamily="18" charset="0"/>
+              </a:rPr>
+              <a:t>.0</a:t>
+            </a:r>
+            <a:r>
+              <a:rPr lang="en-US" sz="2400" dirty="0">
+                <a:solidFill>
+                  <a:srgbClr val="000000"/>
+                </a:solidFill>
+                <a:latin typeface="Bookman Old Style" panose="02050604050505020204" pitchFamily="18" charset="0"/>
+              </a:rPr>
+              <a:t> 2</a:t>
+            </a:r>
+            <a:r>
+              <a:rPr lang="ru-RU" sz="2400" dirty="0">
+                <a:solidFill>
+                  <a:srgbClr val="000000"/>
+                </a:solidFill>
+                <a:latin typeface="Bookman Old Style" panose="02050604050505020204" pitchFamily="18" charset="0"/>
+              </a:rPr>
+              <a:t>.0</a:t>
+            </a:r>
+            <a:r>
+              <a:rPr lang="en-US" sz="2400" dirty="0">
+                <a:solidFill>
+                  <a:srgbClr val="000000"/>
+                </a:solidFill>
+                <a:latin typeface="Bookman Old Style" panose="02050604050505020204" pitchFamily="18" charset="0"/>
+              </a:rPr>
+              <a:t> 5</a:t>
+            </a:r>
+            <a:r>
+              <a:rPr lang="ru-RU" sz="2400" dirty="0">
+                <a:solidFill>
+                  <a:srgbClr val="000000"/>
+                </a:solidFill>
+                <a:latin typeface="Bookman Old Style" panose="02050604050505020204" pitchFamily="18" charset="0"/>
+              </a:rPr>
+              <a:t>.0</a:t>
+            </a:r>
+            <a:r>
+              <a:rPr lang="en-US" sz="2400" dirty="0">
+                <a:solidFill>
+                  <a:srgbClr val="000000"/>
+                </a:solidFill>
+                <a:latin typeface="Bookman Old Style" panose="02050604050505020204" pitchFamily="18" charset="0"/>
+              </a:rPr>
+              <a:t> 4</a:t>
+            </a:r>
+            <a:r>
+              <a:rPr lang="ru-RU" sz="2400" dirty="0">
+                <a:solidFill>
+                  <a:srgbClr val="000000"/>
+                </a:solidFill>
+                <a:latin typeface="Bookman Old Style" panose="02050604050505020204" pitchFamily="18" charset="0"/>
+              </a:rPr>
+              <a:t>.0</a:t>
             </a:r>
             <a:endParaRPr lang="en-US" sz="2400" dirty="0">
-              <a:solidFill>
-                <a:srgbClr val="000000"/>
-              </a:solidFill>
-              <a:latin typeface="Consolas" panose="020B0609020204030204" pitchFamily="49" charset="0"/>
-            </a:endParaRPr>
-          </a:p>
-          <a:p>
-            <a:endParaRPr lang="en-US" sz="2400" dirty="0" smtClean="0">
-              <a:solidFill>
-                <a:srgbClr val="000000"/>
-              </a:solidFill>
-              <a:latin typeface="Consolas" panose="020B0609020204030204" pitchFamily="49" charset="0"/>
-            </a:endParaRPr>
-          </a:p>
-          <a:p>
-            <a:r>
-              <a:rPr lang="ru-RU" sz="2400" dirty="0" smtClean="0">
-                <a:solidFill>
-                  <a:srgbClr val="000000"/>
-                </a:solidFill>
-                <a:latin typeface="Consolas" panose="020B0609020204030204" pitchFamily="49" charset="0"/>
-              </a:rPr>
-              <a:t>Можно написать так:</a:t>
-            </a:r>
-          </a:p>
-          <a:p>
-            <a:endParaRPr lang="ru-RU" sz="2400" dirty="0" smtClean="0">
-              <a:solidFill>
-                <a:srgbClr val="000000"/>
-              </a:solidFill>
-              <a:latin typeface="Consolas" panose="020B0609020204030204" pitchFamily="49" charset="0"/>
-            </a:endParaRPr>
-          </a:p>
-          <a:p>
-            <a:r>
-              <a:rPr lang="en-US" sz="2400" dirty="0">
-                <a:solidFill>
-                  <a:srgbClr val="0000FF"/>
-                </a:solidFill>
-                <a:latin typeface="Consolas" panose="020B0609020204030204" pitchFamily="49" charset="0"/>
-              </a:rPr>
-              <a:t>double</a:t>
-            </a:r>
-            <a:r>
-              <a:rPr lang="en-US" sz="2400" dirty="0">
-                <a:solidFill>
-                  <a:srgbClr val="000000"/>
-                </a:solidFill>
-                <a:latin typeface="Consolas" panose="020B0609020204030204" pitchFamily="49" charset="0"/>
-              </a:rPr>
-              <a:t>[] array = </a:t>
-            </a:r>
-            <a:r>
-              <a:rPr lang="en-US" sz="2400" dirty="0">
-                <a:solidFill>
-                  <a:srgbClr val="0000FF"/>
-                </a:solidFill>
-                <a:latin typeface="Consolas" panose="020B0609020204030204" pitchFamily="49" charset="0"/>
-              </a:rPr>
-              <a:t>new</a:t>
-            </a:r>
-            <a:r>
-              <a:rPr lang="en-US" sz="2400" dirty="0">
-                <a:solidFill>
-                  <a:srgbClr val="000000"/>
-                </a:solidFill>
-                <a:latin typeface="Consolas" panose="020B0609020204030204" pitchFamily="49" charset="0"/>
-              </a:rPr>
-              <a:t> </a:t>
-            </a:r>
-            <a:r>
-              <a:rPr lang="en-US" sz="2400" dirty="0" smtClean="0">
-                <a:solidFill>
-                  <a:srgbClr val="000000"/>
-                </a:solidFill>
-                <a:latin typeface="Consolas" panose="020B0609020204030204" pitchFamily="49" charset="0"/>
-              </a:rPr>
-              <a:t>[]</a:t>
-            </a:r>
-            <a:r>
-              <a:rPr lang="ru-RU" sz="2400" dirty="0" smtClean="0">
-                <a:solidFill>
-                  <a:srgbClr val="000000"/>
-                </a:solidFill>
-                <a:latin typeface="Consolas" panose="020B0609020204030204" pitchFamily="49" charset="0"/>
-              </a:rPr>
-              <a:t> </a:t>
-            </a:r>
-            <a:r>
-              <a:rPr lang="en-US" sz="2400" dirty="0">
-                <a:solidFill>
-                  <a:srgbClr val="000000"/>
-                </a:solidFill>
-                <a:latin typeface="Consolas" panose="020B0609020204030204" pitchFamily="49" charset="0"/>
-              </a:rPr>
-              <a:t>{</a:t>
-            </a:r>
-            <a:r>
-              <a:rPr lang="en-US" sz="2400" dirty="0" smtClean="0">
-                <a:solidFill>
-                  <a:srgbClr val="000000"/>
-                </a:solidFill>
-                <a:latin typeface="Consolas" panose="020B0609020204030204" pitchFamily="49" charset="0"/>
-              </a:rPr>
-              <a:t>1</a:t>
-            </a:r>
-            <a:r>
-              <a:rPr lang="ru-RU" sz="2400" dirty="0" smtClean="0">
-                <a:solidFill>
-                  <a:srgbClr val="000000"/>
-                </a:solidFill>
-                <a:latin typeface="Consolas" panose="020B0609020204030204" pitchFamily="49" charset="0"/>
-              </a:rPr>
-              <a:t>.0</a:t>
-            </a:r>
-            <a:r>
-              <a:rPr lang="en-US" sz="2400" dirty="0" smtClean="0">
-                <a:solidFill>
-                  <a:srgbClr val="000000"/>
-                </a:solidFill>
-                <a:latin typeface="Consolas" panose="020B0609020204030204" pitchFamily="49" charset="0"/>
-              </a:rPr>
-              <a:t>, </a:t>
-            </a:r>
-            <a:r>
-              <a:rPr lang="en-US" sz="2400" dirty="0">
-                <a:solidFill>
-                  <a:srgbClr val="000000"/>
-                </a:solidFill>
-                <a:latin typeface="Consolas" panose="020B0609020204030204" pitchFamily="49" charset="0"/>
-              </a:rPr>
-              <a:t>3, 2, 5, 4</a:t>
-            </a:r>
-            <a:r>
-              <a:rPr lang="en-US" sz="2400" dirty="0" smtClean="0">
-                <a:solidFill>
-                  <a:srgbClr val="000000"/>
-                </a:solidFill>
-                <a:latin typeface="Consolas" panose="020B0609020204030204" pitchFamily="49" charset="0"/>
-              </a:rPr>
-              <a:t>};</a:t>
-            </a:r>
-            <a:endParaRPr lang="ru-RU" sz="2400" dirty="0" smtClean="0">
-              <a:solidFill>
-                <a:srgbClr val="000000"/>
-              </a:solidFill>
-              <a:latin typeface="Consolas" panose="020B0609020204030204" pitchFamily="49" charset="0"/>
-            </a:endParaRPr>
-          </a:p>
-          <a:p>
-            <a:r>
-              <a:rPr lang="ru-RU" sz="2400" dirty="0" smtClean="0">
-                <a:solidFill>
-                  <a:srgbClr val="000000"/>
-                </a:solidFill>
-                <a:latin typeface="Consolas" panose="020B0609020204030204" pitchFamily="49" charset="0"/>
-              </a:rPr>
-              <a:t>Но тогда нужно явно указать, что числа вещественные написав знак после запятой хотя бы в одном числе: 1.0</a:t>
-            </a:r>
-            <a:endParaRPr lang="en-US" sz="2400" dirty="0">
-              <a:solidFill>
-                <a:srgbClr val="000000"/>
-              </a:solidFill>
-              <a:latin typeface="Consolas" panose="020B0609020204030204" pitchFamily="49" charset="0"/>
-            </a:endParaRPr>
-          </a:p>
-          <a:p>
-            <a:r>
-              <a:rPr lang="ru-RU" sz="2400" dirty="0">
-                <a:solidFill>
-                  <a:srgbClr val="000000"/>
-                </a:solidFill>
-                <a:latin typeface="Consolas" panose="020B0609020204030204" pitchFamily="49" charset="0"/>
-              </a:rPr>
-              <a:t>Внутри:</a:t>
-            </a:r>
-            <a:r>
-              <a:rPr lang="en-US" sz="2400" dirty="0">
-                <a:solidFill>
-                  <a:srgbClr val="000000"/>
-                </a:solidFill>
-                <a:latin typeface="Consolas" panose="020B0609020204030204" pitchFamily="49" charset="0"/>
-              </a:rPr>
-              <a:t> 1 3 2 5 </a:t>
-            </a:r>
-            <a:r>
-              <a:rPr lang="en-US" sz="2400" dirty="0" smtClean="0">
-                <a:solidFill>
-                  <a:srgbClr val="000000"/>
-                </a:solidFill>
-                <a:latin typeface="Consolas" panose="020B0609020204030204" pitchFamily="49" charset="0"/>
-              </a:rPr>
-              <a:t>4</a:t>
-            </a:r>
-            <a:endParaRPr lang="ru-RU" sz="2400" dirty="0" smtClean="0">
-              <a:solidFill>
-                <a:srgbClr val="000000"/>
-              </a:solidFill>
-              <a:latin typeface="Consolas" panose="020B0609020204030204" pitchFamily="49" charset="0"/>
-            </a:endParaRPr>
-          </a:p>
-          <a:p>
-            <a:endParaRPr lang="en-US" sz="2400" dirty="0" smtClean="0">
-              <a:solidFill>
-                <a:srgbClr val="000000"/>
-              </a:solidFill>
-              <a:latin typeface="Consolas" panose="020B0609020204030204" pitchFamily="49" charset="0"/>
-            </a:endParaRPr>
-          </a:p>
-          <a:p>
-            <a:r>
-              <a:rPr lang="ru-RU" sz="2400" dirty="0" smtClean="0">
-                <a:solidFill>
-                  <a:srgbClr val="000000"/>
-                </a:solidFill>
-                <a:latin typeface="Consolas" panose="020B0609020204030204" pitchFamily="49" charset="0"/>
-              </a:rPr>
-              <a:t>С применением </a:t>
-            </a:r>
-            <a:r>
-              <a:rPr lang="en-US" sz="2400" dirty="0" err="1" smtClean="0">
-                <a:solidFill>
-                  <a:srgbClr val="000000"/>
-                </a:solidFill>
-                <a:latin typeface="Consolas" panose="020B0609020204030204" pitchFamily="49" charset="0"/>
-              </a:rPr>
-              <a:t>var</a:t>
-            </a:r>
-            <a:r>
-              <a:rPr lang="en-US" sz="2400" dirty="0">
-                <a:solidFill>
-                  <a:srgbClr val="000000"/>
-                </a:solidFill>
-                <a:latin typeface="Consolas" panose="020B0609020204030204" pitchFamily="49" charset="0"/>
-              </a:rPr>
-              <a:t>:</a:t>
-            </a:r>
-            <a:endParaRPr lang="ru-RU" sz="2400" dirty="0">
-              <a:solidFill>
-                <a:srgbClr val="000000"/>
-              </a:solidFill>
-              <a:latin typeface="Consolas" panose="020B0609020204030204" pitchFamily="49" charset="0"/>
-            </a:endParaRPr>
-          </a:p>
-          <a:p>
-            <a:r>
-              <a:rPr lang="en-US" sz="2400" dirty="0" err="1" smtClean="0">
-                <a:solidFill>
-                  <a:srgbClr val="0000FF"/>
-                </a:solidFill>
-                <a:latin typeface="Consolas" panose="020B0609020204030204" pitchFamily="49" charset="0"/>
-              </a:rPr>
-              <a:t>var</a:t>
-            </a:r>
-            <a:r>
-              <a:rPr lang="en-US" sz="2400" dirty="0" smtClean="0">
-                <a:solidFill>
-                  <a:srgbClr val="0000FF"/>
-                </a:solidFill>
-                <a:latin typeface="Consolas" panose="020B0609020204030204" pitchFamily="49" charset="0"/>
-              </a:rPr>
-              <a:t> </a:t>
-            </a:r>
-            <a:r>
-              <a:rPr lang="en-US" sz="2400" dirty="0" smtClean="0">
-                <a:solidFill>
-                  <a:srgbClr val="000000"/>
-                </a:solidFill>
-                <a:latin typeface="Consolas" panose="020B0609020204030204" pitchFamily="49" charset="0"/>
-              </a:rPr>
-              <a:t>array </a:t>
-            </a:r>
-            <a:r>
-              <a:rPr lang="en-US" sz="2400" dirty="0">
-                <a:solidFill>
-                  <a:srgbClr val="000000"/>
-                </a:solidFill>
-                <a:latin typeface="Consolas" panose="020B0609020204030204" pitchFamily="49" charset="0"/>
-              </a:rPr>
-              <a:t>= </a:t>
-            </a:r>
-            <a:r>
-              <a:rPr lang="en-US" sz="2400" dirty="0">
-                <a:solidFill>
-                  <a:srgbClr val="0000FF"/>
-                </a:solidFill>
-                <a:latin typeface="Consolas" panose="020B0609020204030204" pitchFamily="49" charset="0"/>
-              </a:rPr>
-              <a:t>new</a:t>
-            </a:r>
-            <a:r>
-              <a:rPr lang="en-US" sz="2400" dirty="0">
-                <a:solidFill>
-                  <a:srgbClr val="000000"/>
-                </a:solidFill>
-                <a:latin typeface="Consolas" panose="020B0609020204030204" pitchFamily="49" charset="0"/>
-              </a:rPr>
-              <a:t> []</a:t>
-            </a:r>
-            <a:r>
-              <a:rPr lang="ru-RU" sz="2400" dirty="0">
-                <a:solidFill>
-                  <a:srgbClr val="000000"/>
-                </a:solidFill>
-                <a:latin typeface="Consolas" panose="020B0609020204030204" pitchFamily="49" charset="0"/>
-              </a:rPr>
-              <a:t> </a:t>
-            </a:r>
-            <a:r>
-              <a:rPr lang="en-US" sz="2400" dirty="0">
-                <a:solidFill>
-                  <a:srgbClr val="000000"/>
-                </a:solidFill>
-                <a:latin typeface="Consolas" panose="020B0609020204030204" pitchFamily="49" charset="0"/>
-              </a:rPr>
-              <a:t>{1</a:t>
-            </a:r>
-            <a:r>
-              <a:rPr lang="ru-RU" sz="2400" dirty="0">
-                <a:solidFill>
-                  <a:srgbClr val="000000"/>
-                </a:solidFill>
-                <a:latin typeface="Consolas" panose="020B0609020204030204" pitchFamily="49" charset="0"/>
-              </a:rPr>
-              <a:t>.0</a:t>
-            </a:r>
-            <a:r>
-              <a:rPr lang="en-US" sz="2400" dirty="0">
-                <a:solidFill>
-                  <a:srgbClr val="000000"/>
-                </a:solidFill>
-                <a:latin typeface="Consolas" panose="020B0609020204030204" pitchFamily="49" charset="0"/>
-              </a:rPr>
-              <a:t>, 3, 2, 5, 4</a:t>
-            </a:r>
-            <a:r>
-              <a:rPr lang="en-US" sz="2400" dirty="0" smtClean="0">
-                <a:solidFill>
-                  <a:srgbClr val="000000"/>
-                </a:solidFill>
-                <a:latin typeface="Consolas" panose="020B0609020204030204" pitchFamily="49" charset="0"/>
-              </a:rPr>
-              <a:t>};</a:t>
-            </a:r>
-            <a:endParaRPr lang="en-US" sz="2400" dirty="0">
-              <a:solidFill>
-                <a:srgbClr val="000000"/>
-              </a:solidFill>
-              <a:latin typeface="Consolas" panose="020B0609020204030204" pitchFamily="49" charset="0"/>
-            </a:endParaRPr>
-          </a:p>
-          <a:p>
-            <a:r>
-              <a:rPr lang="ru-RU" sz="2400" dirty="0">
-                <a:solidFill>
-                  <a:srgbClr val="000000"/>
-                </a:solidFill>
-                <a:latin typeface="Consolas" panose="020B0609020204030204" pitchFamily="49" charset="0"/>
-              </a:rPr>
-              <a:t>Внутри:</a:t>
-            </a:r>
-            <a:r>
-              <a:rPr lang="en-US" sz="2400" dirty="0">
-                <a:solidFill>
-                  <a:srgbClr val="000000"/>
-                </a:solidFill>
-                <a:latin typeface="Consolas" panose="020B0609020204030204" pitchFamily="49" charset="0"/>
-              </a:rPr>
-              <a:t> 1 3 2 5 </a:t>
-            </a:r>
-            <a:r>
-              <a:rPr lang="en-US" sz="2400" dirty="0" smtClean="0">
-                <a:solidFill>
-                  <a:srgbClr val="000000"/>
-                </a:solidFill>
-                <a:latin typeface="Consolas" panose="020B0609020204030204" pitchFamily="49" charset="0"/>
-              </a:rPr>
-              <a:t>4</a:t>
-            </a:r>
-            <a:endParaRPr lang="ru-RU" sz="2400" dirty="0">
               <a:solidFill>
                 <a:srgbClr val="000000"/>
               </a:solidFill>
@@ -27696,7 +27974,7 @@
           </a:bodyPr>
           <a:lstStyle/>
           <a:p>
-            <a:pPr indent="717550"/>
+            <a:pPr algn="just"/>
             <a:r>
               <a:rPr lang="ru-RU" sz="2400" dirty="0">
                 <a:solidFill>
@@ -27762,7 +28040,7 @@
             </a:r>
           </a:p>
           <a:p>
-            <a:pPr indent="717550"/>
+            <a:pPr algn="just"/>
             <a:r>
               <a:rPr lang="ru-RU" sz="2400" dirty="0">
                 <a:solidFill>
@@ -27810,7 +28088,7 @@
             </a:r>
           </a:p>
           <a:p>
-            <a:pPr indent="717550"/>
+            <a:pPr algn="just"/>
             <a:r>
               <a:rPr lang="ru-RU" sz="2400" dirty="0">
                 <a:solidFill>
@@ -28281,7 +28559,7 @@
                 <a:solidFill>
                   <a:srgbClr val="000000"/>
                 </a:solidFill>
-                <a:latin typeface="Consolas" panose="020B0609020204030204" pitchFamily="49" charset="0"/>
+                <a:latin typeface="Bookman Old Style" panose="02050604050505020204" pitchFamily="18" charset="0"/>
               </a:rPr>
               <a:t>Создадим массив с 2 строками и 3 столбцами:</a:t>
             </a:r>
@@ -28289,7 +28567,7 @@
               <a:solidFill>
                 <a:srgbClr val="000000"/>
               </a:solidFill>
-              <a:latin typeface="Consolas" panose="020B0609020204030204" pitchFamily="49" charset="0"/>
+              <a:latin typeface="Bookman Old Style" panose="02050604050505020204" pitchFamily="18" charset="0"/>
             </a:endParaRPr>
           </a:p>
           <a:p>
@@ -28401,37 +28679,37 @@
             </a:endParaRPr>
           </a:p>
           <a:p>
-            <a:pPr lvl="4"/>
+            <a:pPr lvl="4" algn="just"/>
             <a:r>
               <a:rPr lang="ru-RU" sz="2400" b="1" dirty="0" smtClean="0">
                 <a:solidFill>
                   <a:srgbClr val="000000"/>
                 </a:solidFill>
-                <a:latin typeface="Consolas" panose="020B0609020204030204" pitchFamily="49" charset="0"/>
+                <a:latin typeface="Bookman Old Style" panose="02050604050505020204" pitchFamily="18" charset="0"/>
               </a:rPr>
               <a:t>Внутри массива:</a:t>
             </a:r>
           </a:p>
           <a:p>
-            <a:pPr lvl="4"/>
+            <a:pPr lvl="4" algn="just"/>
             <a:r>
               <a:rPr lang="ru-RU" sz="2400" b="1" dirty="0" smtClean="0">
                 <a:solidFill>
                   <a:srgbClr val="000000"/>
                 </a:solidFill>
-                <a:latin typeface="Consolas" panose="020B0609020204030204" pitchFamily="49" charset="0"/>
+                <a:latin typeface="Bookman Old Style" panose="02050604050505020204" pitchFamily="18" charset="0"/>
               </a:rPr>
               <a:t>0 0 0</a:t>
             </a:r>
           </a:p>
           <a:p>
-            <a:pPr lvl="4"/>
+            <a:pPr lvl="4" algn="just"/>
             <a:r>
               <a:rPr lang="ru-RU" sz="2400" b="1" dirty="0" smtClean="0">
                 <a:solidFill>
                   <a:srgbClr val="000000"/>
                 </a:solidFill>
-                <a:latin typeface="Consolas" panose="020B0609020204030204" pitchFamily="49" charset="0"/>
+                <a:latin typeface="Bookman Old Style" panose="02050604050505020204" pitchFamily="18" charset="0"/>
               </a:rPr>
               <a:t>0 0 0</a:t>
             </a:r>
@@ -28470,13 +28748,13 @@
             </a:r>
           </a:p>
           <a:p>
-            <a:pPr lvl="4"/>
+            <a:pPr lvl="4" algn="just"/>
             <a:r>
               <a:rPr lang="ru-RU" sz="2400" b="1" dirty="0">
                 <a:solidFill>
                   <a:srgbClr val="000000"/>
                 </a:solidFill>
-                <a:latin typeface="Consolas" panose="020B0609020204030204" pitchFamily="49" charset="0"/>
+                <a:latin typeface="Bookman Old Style" panose="02050604050505020204" pitchFamily="18" charset="0"/>
               </a:rPr>
               <a:t>Внутри </a:t>
             </a:r>
@@ -28485,7 +28763,7 @@
                 <a:solidFill>
                   <a:srgbClr val="000000"/>
                 </a:solidFill>
-                <a:latin typeface="Consolas" panose="020B0609020204030204" pitchFamily="49" charset="0"/>
+                <a:latin typeface="Bookman Old Style" panose="02050604050505020204" pitchFamily="18" charset="0"/>
               </a:rPr>
               <a:t>массива:</a:t>
             </a:r>
@@ -28493,17 +28771,17 @@
               <a:solidFill>
                 <a:srgbClr val="000000"/>
               </a:solidFill>
-              <a:latin typeface="Consolas" panose="020B0609020204030204" pitchFamily="49" charset="0"/>
+              <a:latin typeface="Bookman Old Style" panose="02050604050505020204" pitchFamily="18" charset="0"/>
             </a:endParaRPr>
           </a:p>
           <a:p>
-            <a:pPr lvl="4"/>
+            <a:pPr lvl="4" algn="just"/>
             <a:r>
               <a:rPr lang="en-US" sz="2400" b="1" dirty="0" smtClean="0">
                 <a:solidFill>
                   <a:srgbClr val="000000"/>
                 </a:solidFill>
-                <a:latin typeface="Consolas" panose="020B0609020204030204" pitchFamily="49" charset="0"/>
+                <a:latin typeface="Bookman Old Style" panose="02050604050505020204" pitchFamily="18" charset="0"/>
               </a:rPr>
               <a:t>1</a:t>
             </a:r>
@@ -28512,7 +28790,7 @@
                 <a:solidFill>
                   <a:srgbClr val="000000"/>
                 </a:solidFill>
-                <a:latin typeface="Consolas" panose="020B0609020204030204" pitchFamily="49" charset="0"/>
+                <a:latin typeface="Bookman Old Style" panose="02050604050505020204" pitchFamily="18" charset="0"/>
               </a:rPr>
               <a:t> </a:t>
             </a:r>
@@ -28521,19 +28799,19 @@
                 <a:solidFill>
                   <a:srgbClr val="000000"/>
                 </a:solidFill>
-                <a:latin typeface="Consolas" panose="020B0609020204030204" pitchFamily="49" charset="0"/>
+                <a:latin typeface="Bookman Old Style" panose="02050604050505020204" pitchFamily="18" charset="0"/>
               </a:rPr>
               <a:t>0 0</a:t>
             </a:r>
           </a:p>
           <a:p>
-            <a:pPr lvl="4"/>
+            <a:pPr lvl="4" algn="just"/>
             <a:r>
               <a:rPr lang="ru-RU" sz="2400" b="1" dirty="0">
                 <a:solidFill>
                   <a:srgbClr val="000000"/>
                 </a:solidFill>
-                <a:latin typeface="Consolas" panose="020B0609020204030204" pitchFamily="49" charset="0"/>
+                <a:latin typeface="Bookman Old Style" panose="02050604050505020204" pitchFamily="18" charset="0"/>
               </a:rPr>
               <a:t>0 0 </a:t>
             </a:r>
@@ -28542,7 +28820,7 @@
                 <a:solidFill>
                   <a:srgbClr val="000000"/>
                 </a:solidFill>
-                <a:latin typeface="Consolas" panose="020B0609020204030204" pitchFamily="49" charset="0"/>
+                <a:latin typeface="Bookman Old Style" panose="02050604050505020204" pitchFamily="18" charset="0"/>
               </a:rPr>
               <a:t>2</a:t>
             </a:r>
@@ -28629,13 +28907,13 @@
             </a:endParaRPr>
           </a:p>
           <a:p>
-            <a:pPr lvl="4"/>
+            <a:pPr lvl="4" algn="just"/>
             <a:r>
               <a:rPr lang="ru-RU" sz="2400" b="1" dirty="0">
                 <a:solidFill>
                   <a:srgbClr val="000000"/>
                 </a:solidFill>
-                <a:latin typeface="Consolas" panose="020B0609020204030204" pitchFamily="49" charset="0"/>
+                <a:latin typeface="Bookman Old Style" panose="02050604050505020204" pitchFamily="18" charset="0"/>
               </a:rPr>
               <a:t>Внутри </a:t>
             </a:r>
@@ -28644,7 +28922,7 @@
                 <a:solidFill>
                   <a:srgbClr val="000000"/>
                 </a:solidFill>
-                <a:latin typeface="Consolas" panose="020B0609020204030204" pitchFamily="49" charset="0"/>
+                <a:latin typeface="Bookman Old Style" panose="02050604050505020204" pitchFamily="18" charset="0"/>
               </a:rPr>
               <a:t>массива:</a:t>
             </a:r>
@@ -28652,17 +28930,17 @@
               <a:solidFill>
                 <a:srgbClr val="000000"/>
               </a:solidFill>
-              <a:latin typeface="Consolas" panose="020B0609020204030204" pitchFamily="49" charset="0"/>
+              <a:latin typeface="Bookman Old Style" panose="02050604050505020204" pitchFamily="18" charset="0"/>
             </a:endParaRPr>
           </a:p>
           <a:p>
-            <a:pPr lvl="4"/>
+            <a:pPr lvl="4" algn="just"/>
             <a:r>
               <a:rPr lang="en-US" sz="2400" b="1" dirty="0">
                 <a:solidFill>
                   <a:srgbClr val="000000"/>
                 </a:solidFill>
-                <a:latin typeface="Consolas" panose="020B0609020204030204" pitchFamily="49" charset="0"/>
+                <a:latin typeface="Bookman Old Style" panose="02050604050505020204" pitchFamily="18" charset="0"/>
               </a:rPr>
               <a:t>1</a:t>
             </a:r>
@@ -28671,7 +28949,7 @@
                 <a:solidFill>
                   <a:srgbClr val="000000"/>
                 </a:solidFill>
-                <a:latin typeface="Consolas" panose="020B0609020204030204" pitchFamily="49" charset="0"/>
+                <a:latin typeface="Bookman Old Style" panose="02050604050505020204" pitchFamily="18" charset="0"/>
               </a:rPr>
               <a:t> </a:t>
             </a:r>
@@ -28680,7 +28958,7 @@
                 <a:solidFill>
                   <a:srgbClr val="000000"/>
                 </a:solidFill>
-                <a:latin typeface="Consolas" panose="020B0609020204030204" pitchFamily="49" charset="0"/>
+                <a:latin typeface="Bookman Old Style" panose="02050604050505020204" pitchFamily="18" charset="0"/>
               </a:rPr>
               <a:t>3</a:t>
             </a:r>
@@ -28689,7 +28967,7 @@
                 <a:solidFill>
                   <a:srgbClr val="000000"/>
                 </a:solidFill>
-                <a:latin typeface="Consolas" panose="020B0609020204030204" pitchFamily="49" charset="0"/>
+                <a:latin typeface="Bookman Old Style" panose="02050604050505020204" pitchFamily="18" charset="0"/>
               </a:rPr>
               <a:t> </a:t>
             </a:r>
@@ -28698,19 +28976,19 @@
                 <a:solidFill>
                   <a:srgbClr val="000000"/>
                 </a:solidFill>
-                <a:latin typeface="Consolas" panose="020B0609020204030204" pitchFamily="49" charset="0"/>
+                <a:latin typeface="Bookman Old Style" panose="02050604050505020204" pitchFamily="18" charset="0"/>
               </a:rPr>
               <a:t>0</a:t>
             </a:r>
           </a:p>
           <a:p>
-            <a:pPr lvl="4"/>
+            <a:pPr lvl="4" algn="just"/>
             <a:r>
               <a:rPr lang="en-US" sz="2400" b="1" dirty="0" smtClean="0">
                 <a:solidFill>
                   <a:srgbClr val="000000"/>
                 </a:solidFill>
-                <a:latin typeface="Consolas" panose="020B0609020204030204" pitchFamily="49" charset="0"/>
+                <a:latin typeface="Bookman Old Style" panose="02050604050505020204" pitchFamily="18" charset="0"/>
               </a:rPr>
               <a:t>4</a:t>
             </a:r>
@@ -28719,7 +28997,7 @@
                 <a:solidFill>
                   <a:srgbClr val="000000"/>
                 </a:solidFill>
-                <a:latin typeface="Consolas" panose="020B0609020204030204" pitchFamily="49" charset="0"/>
+                <a:latin typeface="Bookman Old Style" panose="02050604050505020204" pitchFamily="18" charset="0"/>
               </a:rPr>
               <a:t> </a:t>
             </a:r>
@@ -28728,7 +29006,7 @@
                 <a:solidFill>
                   <a:srgbClr val="000000"/>
                 </a:solidFill>
-                <a:latin typeface="Consolas" panose="020B0609020204030204" pitchFamily="49" charset="0"/>
+                <a:latin typeface="Bookman Old Style" panose="02050604050505020204" pitchFamily="18" charset="0"/>
               </a:rPr>
               <a:t>0 </a:t>
             </a:r>
@@ -28737,7 +29015,7 @@
                 <a:solidFill>
                   <a:srgbClr val="000000"/>
                 </a:solidFill>
-                <a:latin typeface="Consolas" panose="020B0609020204030204" pitchFamily="49" charset="0"/>
+                <a:latin typeface="Bookman Old Style" panose="02050604050505020204" pitchFamily="18" charset="0"/>
               </a:rPr>
               <a:t>2</a:t>
             </a:r>
@@ -28745,7 +29023,7 @@
               <a:solidFill>
                 <a:srgbClr val="000000"/>
               </a:solidFill>
-              <a:latin typeface="Consolas" panose="020B0609020204030204" pitchFamily="49" charset="0"/>
+              <a:latin typeface="Bookman Old Style" panose="02050604050505020204" pitchFamily="18" charset="0"/>
             </a:endParaRPr>
           </a:p>
         </p:txBody>
@@ -35394,8 +35672,8 @@
         </p:nvSpPr>
         <p:spPr>
           <a:xfrm>
-            <a:off x="156527" y="111816"/>
-            <a:ext cx="11578273" cy="6186309"/>
+            <a:off x="300446" y="111816"/>
+            <a:ext cx="11434354" cy="6186309"/>
           </a:xfrm>
           <a:prstGeom prst="rect">
             <a:avLst/>
@@ -35595,8 +35873,8 @@
         </p:nvSpPr>
         <p:spPr>
           <a:xfrm>
-            <a:off x="0" y="0"/>
-            <a:ext cx="12192000" cy="7109639"/>
+            <a:off x="222068" y="0"/>
+            <a:ext cx="11969931" cy="7109639"/>
           </a:xfrm>
           <a:prstGeom prst="rect">
             <a:avLst/>
@@ -39190,7 +39468,7 @@
         <p:spPr>
           <a:xfrm>
             <a:off x="186514" y="776834"/>
-            <a:ext cx="12005486" cy="4524315"/>
+            <a:ext cx="12005486" cy="6001643"/>
           </a:xfrm>
           <a:prstGeom prst="rect">
             <a:avLst/>
@@ -39203,7 +39481,11 @@
           </a:bodyPr>
           <a:lstStyle/>
           <a:p>
-            <a:pPr algn="l"/>
+            <a:pPr algn="l">
+              <a:lnSpc>
+                <a:spcPct val="150000"/>
+              </a:lnSpc>
+            </a:pPr>
             <a:r>
               <a:rPr lang="ru-RU" sz="2400" b="1" dirty="0" smtClean="0">
                 <a:latin typeface="Bookman Old Style" panose="02050604050505020204" pitchFamily="18" charset="0"/>
@@ -39219,7 +39501,11 @@
             </a:r>
           </a:p>
           <a:p>
-            <a:pPr algn="l"/>
+            <a:pPr algn="l">
+              <a:lnSpc>
+                <a:spcPct val="150000"/>
+              </a:lnSpc>
+            </a:pPr>
             <a:r>
               <a:rPr lang="ru-RU" sz="2400" dirty="0" smtClean="0">
                 <a:latin typeface="Bookman Old Style" panose="02050604050505020204" pitchFamily="18" charset="0"/>
@@ -39246,6 +39532,11 @@
             </a:endParaRPr>
           </a:p>
           <a:p>
+            <a:pPr>
+              <a:lnSpc>
+                <a:spcPct val="150000"/>
+              </a:lnSpc>
+            </a:pPr>
             <a:r>
               <a:rPr lang="ru-RU" sz="2400" dirty="0" smtClean="0">
                 <a:latin typeface="Bookman Old Style" panose="02050604050505020204" pitchFamily="18" charset="0"/>
@@ -39323,7 +39614,11 @@
             </a:r>
           </a:p>
           <a:p>
-            <a:pPr algn="l"/>
+            <a:pPr algn="l">
+              <a:lnSpc>
+                <a:spcPct val="150000"/>
+              </a:lnSpc>
+            </a:pPr>
             <a:r>
               <a:rPr lang="ru-RU" sz="2400" b="1" dirty="0" smtClean="0">
                 <a:latin typeface="Bookman Old Style" panose="02050604050505020204" pitchFamily="18" charset="0"/>
@@ -39446,7 +39741,11 @@
             </a:endParaRPr>
           </a:p>
           <a:p>
-            <a:pPr algn="l"/>
+            <a:pPr algn="just">
+              <a:lnSpc>
+                <a:spcPct val="150000"/>
+              </a:lnSpc>
+            </a:pPr>
             <a:r>
               <a:rPr lang="ru-RU" sz="2400" b="1" dirty="0" smtClean="0">
                 <a:latin typeface="Bookman Old Style" panose="02050604050505020204" pitchFamily="18" charset="0"/>
@@ -39461,7 +39760,11 @@
             </a:r>
           </a:p>
           <a:p>
-            <a:pPr algn="l"/>
+            <a:pPr algn="just">
+              <a:lnSpc>
+                <a:spcPct val="150000"/>
+              </a:lnSpc>
+            </a:pPr>
             <a:r>
               <a:rPr lang="ru-RU" sz="2400" dirty="0" smtClean="0">
                 <a:latin typeface="Bookman Old Style" panose="02050604050505020204" pitchFamily="18" charset="0"/>
@@ -39601,7 +39904,7 @@
         <p:spPr>
           <a:xfrm>
             <a:off x="287079" y="0"/>
-            <a:ext cx="11904921" cy="5262979"/>
+            <a:ext cx="11904921" cy="6186309"/>
           </a:xfrm>
           <a:prstGeom prst="rect">
             <a:avLst/>
@@ -39614,7 +39917,11 @@
           </a:bodyPr>
           <a:lstStyle/>
           <a:p>
-            <a:pPr algn="l"/>
+            <a:pPr algn="just">
+              <a:lnSpc>
+                <a:spcPct val="150000"/>
+              </a:lnSpc>
+            </a:pPr>
             <a:r>
               <a:rPr lang="ru-RU" sz="2400" b="1" dirty="0" smtClean="0">
                 <a:latin typeface="Bookman Old Style" panose="02050604050505020204" pitchFamily="18" charset="0"/>
@@ -39623,7 +39930,11 @@
             </a:r>
           </a:p>
           <a:p>
-            <a:pPr algn="l"/>
+            <a:pPr algn="just">
+              <a:lnSpc>
+                <a:spcPct val="150000"/>
+              </a:lnSpc>
+            </a:pPr>
             <a:r>
               <a:rPr lang="ru-RU" sz="2400" dirty="0" smtClean="0">
                 <a:latin typeface="Bookman Old Style" panose="02050604050505020204" pitchFamily="18" charset="0"/>
@@ -39671,7 +39982,11 @@
             </a:r>
           </a:p>
           <a:p>
-            <a:pPr algn="l"/>
+            <a:pPr algn="just">
+              <a:lnSpc>
+                <a:spcPct val="150000"/>
+              </a:lnSpc>
+            </a:pPr>
             <a:r>
               <a:rPr lang="ru-RU" sz="2400" b="1" dirty="0" smtClean="0">
                 <a:latin typeface="Bookman Old Style" panose="02050604050505020204" pitchFamily="18" charset="0"/>
@@ -39839,6 +40154,11 @@
             </a:endParaRPr>
           </a:p>
           <a:p>
+            <a:pPr algn="just">
+              <a:lnSpc>
+                <a:spcPct val="150000"/>
+              </a:lnSpc>
+            </a:pPr>
             <a:r>
               <a:rPr lang="ru-RU" sz="2400" dirty="0" smtClean="0">
                 <a:latin typeface="Bookman Old Style" panose="02050604050505020204" pitchFamily="18" charset="0"/>
@@ -39850,6 +40170,11 @@
             </a:endParaRPr>
           </a:p>
           <a:p>
+            <a:pPr algn="just">
+              <a:lnSpc>
+                <a:spcPct val="150000"/>
+              </a:lnSpc>
+            </a:pPr>
             <a:r>
               <a:rPr lang="ru-RU" sz="2400" dirty="0" smtClean="0">
                 <a:latin typeface="Bookman Old Style" panose="02050604050505020204" pitchFamily="18" charset="0"/>
@@ -40155,7 +40480,7 @@
         <p:spPr>
           <a:xfrm>
             <a:off x="287079" y="0"/>
-            <a:ext cx="11904921" cy="5632311"/>
+            <a:ext cx="11904921" cy="6186309"/>
           </a:xfrm>
           <a:prstGeom prst="rect">
             <a:avLst/>
@@ -40168,7 +40493,11 @@
           </a:bodyPr>
           <a:lstStyle/>
           <a:p>
-            <a:pPr algn="l"/>
+            <a:pPr algn="just">
+              <a:lnSpc>
+                <a:spcPct val="150000"/>
+              </a:lnSpc>
+            </a:pPr>
             <a:r>
               <a:rPr lang="ru-RU" sz="2400" b="1" dirty="0" smtClean="0">
                 <a:latin typeface="Bookman Old Style" panose="02050604050505020204" pitchFamily="18" charset="0"/>
@@ -40177,7 +40506,11 @@
             </a:r>
           </a:p>
           <a:p>
-            <a:pPr algn="l"/>
+            <a:pPr algn="just">
+              <a:lnSpc>
+                <a:spcPct val="150000"/>
+              </a:lnSpc>
+            </a:pPr>
             <a:r>
               <a:rPr lang="ru-RU" sz="2400" dirty="0" smtClean="0">
                 <a:latin typeface="Bookman Old Style" panose="02050604050505020204" pitchFamily="18" charset="0"/>
@@ -40542,6 +40875,11 @@
             </a:endParaRPr>
           </a:p>
           <a:p>
+            <a:pPr algn="just">
+              <a:lnSpc>
+                <a:spcPct val="150000"/>
+              </a:lnSpc>
+            </a:pPr>
             <a:r>
               <a:rPr lang="ru-RU" sz="2400" b="1" dirty="0" smtClean="0">
                 <a:latin typeface="Bookman Old Style" panose="02050604050505020204" pitchFamily="18" charset="0"/>
@@ -41004,7 +41342,7 @@
         <p:spPr>
           <a:xfrm>
             <a:off x="251459" y="0"/>
-            <a:ext cx="11940541" cy="6724918"/>
+            <a:ext cx="11940541" cy="6909584"/>
           </a:xfrm>
           <a:prstGeom prst="rect">
             <a:avLst/>
@@ -41017,7 +41355,11 @@
           </a:bodyPr>
           <a:lstStyle/>
           <a:p>
-            <a:pPr algn="l"/>
+            <a:pPr algn="just">
+              <a:lnSpc>
+                <a:spcPct val="150000"/>
+              </a:lnSpc>
+            </a:pPr>
             <a:r>
               <a:rPr lang="ru-RU" sz="2400" b="1" dirty="0" smtClean="0">
                 <a:latin typeface="Bookman Old Style" panose="02050604050505020204" pitchFamily="18" charset="0"/>
@@ -41038,7 +41380,11 @@
             </a:r>
           </a:p>
           <a:p>
-            <a:pPr algn="l"/>
+            <a:pPr algn="just">
+              <a:lnSpc>
+                <a:spcPct val="150000"/>
+              </a:lnSpc>
+            </a:pPr>
             <a:r>
               <a:rPr lang="ru-RU" sz="2400" dirty="0" smtClean="0">
                 <a:latin typeface="Bookman Old Style" panose="02050604050505020204" pitchFamily="18" charset="0"/>
@@ -41113,7 +41459,11 @@
             </a:r>
           </a:p>
           <a:p>
-            <a:pPr algn="l"/>
+            <a:pPr algn="just">
+              <a:lnSpc>
+                <a:spcPct val="150000"/>
+              </a:lnSpc>
+            </a:pPr>
             <a:r>
               <a:rPr lang="ru-RU" sz="2400" dirty="0" smtClean="0">
                 <a:latin typeface="Bookman Old Style" panose="02050604050505020204" pitchFamily="18" charset="0"/>
@@ -41139,11 +41489,14 @@
               <a:rPr lang="ru-RU" sz="2400" dirty="0" smtClean="0">
                 <a:latin typeface="Bookman Old Style" panose="02050604050505020204" pitchFamily="18" charset="0"/>
               </a:rPr>
-              <a:t>вещественный и нам нужно только 2 знака.</a:t>
-            </a:r>
-          </a:p>
-          <a:p>
-            <a:pPr algn="l"/>
+              <a:t>вещественный и нам нужно только 2 знака</a:t>
+            </a:r>
+            <a:r>
+              <a:rPr lang="ru-RU" sz="2400" dirty="0" smtClean="0">
+                <a:latin typeface="Bookman Old Style" panose="02050604050505020204" pitchFamily="18" charset="0"/>
+              </a:rPr>
+              <a:t>.</a:t>
+            </a:r>
             <a:endParaRPr lang="ru-RU" sz="2400" dirty="0" smtClean="0">
               <a:latin typeface="Bookman Old Style" panose="02050604050505020204" pitchFamily="18" charset="0"/>
             </a:endParaRPr>
@@ -41495,143 +41848,154 @@
               </a:rPr>
               <a:t>;</a:t>
             </a:r>
+            <a:endParaRPr lang="en-US" sz="2400" dirty="0" smtClean="0">
+              <a:latin typeface="Bookman Old Style" panose="02050604050505020204" pitchFamily="18" charset="0"/>
+            </a:endParaRPr>
+          </a:p>
+          <a:p>
+            <a:pPr algn="just">
+              <a:lnSpc>
+                <a:spcPct val="150000"/>
+              </a:lnSpc>
+            </a:pPr>
+            <a:r>
+              <a:rPr lang="en-US" sz="2400" dirty="0" smtClean="0">
+                <a:latin typeface="Bookman Old Style" panose="02050604050505020204" pitchFamily="18" charset="0"/>
+              </a:rPr>
+              <a:t>d – </a:t>
+            </a:r>
+            <a:r>
+              <a:rPr lang="ru-RU" sz="2400" dirty="0" smtClean="0">
+                <a:latin typeface="Bookman Old Style" panose="02050604050505020204" pitchFamily="18" charset="0"/>
+              </a:rPr>
+              <a:t>целые числа</a:t>
+            </a:r>
+            <a:r>
+              <a:rPr lang="en-US" sz="2400" dirty="0" smtClean="0">
+                <a:latin typeface="Bookman Old Style" panose="02050604050505020204" pitchFamily="18" charset="0"/>
+              </a:rPr>
+              <a:t>; f – </a:t>
+            </a:r>
+            <a:r>
+              <a:rPr lang="ru-RU" sz="2400" dirty="0" smtClean="0">
+                <a:latin typeface="Bookman Old Style" panose="02050604050505020204" pitchFamily="18" charset="0"/>
+              </a:rPr>
+              <a:t>дробные</a:t>
+            </a:r>
+            <a:r>
+              <a:rPr lang="en-US" sz="2400" dirty="0" smtClean="0">
+                <a:latin typeface="Bookman Old Style" panose="02050604050505020204" pitchFamily="18" charset="0"/>
+              </a:rPr>
+              <a:t>;</a:t>
+            </a:r>
+            <a:r>
+              <a:rPr lang="ru-RU" sz="2400" dirty="0" smtClean="0">
+                <a:latin typeface="Bookman Old Style" panose="02050604050505020204" pitchFamily="18" charset="0"/>
+              </a:rPr>
+              <a:t> </a:t>
+            </a:r>
+            <a:r>
+              <a:rPr lang="en-US" sz="2400" dirty="0" smtClean="0">
+                <a:latin typeface="Bookman Old Style" panose="02050604050505020204" pitchFamily="18" charset="0"/>
+              </a:rPr>
+              <a:t>c – </a:t>
+            </a:r>
+            <a:r>
+              <a:rPr lang="ru-RU" sz="2400" dirty="0" smtClean="0">
+                <a:latin typeface="Bookman Old Style" panose="02050604050505020204" pitchFamily="18" charset="0"/>
+              </a:rPr>
+              <a:t>денежный формат</a:t>
+            </a:r>
+            <a:r>
+              <a:rPr lang="en-US" sz="2400" dirty="0" smtClean="0">
+                <a:latin typeface="Bookman Old Style" panose="02050604050505020204" pitchFamily="18" charset="0"/>
+              </a:rPr>
+              <a:t>;</a:t>
+            </a:r>
+          </a:p>
+          <a:p>
+            <a:pPr algn="just">
+              <a:lnSpc>
+                <a:spcPct val="150000"/>
+              </a:lnSpc>
+            </a:pPr>
+            <a:r>
+              <a:rPr lang="en-US" sz="2400" dirty="0" smtClean="0">
+                <a:latin typeface="Bookman Old Style" panose="02050604050505020204" pitchFamily="18" charset="0"/>
+              </a:rPr>
+              <a:t>e – </a:t>
+            </a:r>
+            <a:r>
+              <a:rPr lang="ru-RU" sz="2400" dirty="0" smtClean="0">
+                <a:latin typeface="Bookman Old Style" panose="02050604050505020204" pitchFamily="18" charset="0"/>
+              </a:rPr>
+              <a:t>экспоненциальная форма записи</a:t>
+            </a:r>
+            <a:r>
+              <a:rPr lang="en-US" sz="2400" dirty="0" smtClean="0">
+                <a:latin typeface="Bookman Old Style" panose="02050604050505020204" pitchFamily="18" charset="0"/>
+              </a:rPr>
+              <a:t>;</a:t>
+            </a:r>
+          </a:p>
+          <a:p>
+            <a:pPr algn="just">
+              <a:lnSpc>
+                <a:spcPct val="150000"/>
+              </a:lnSpc>
+            </a:pPr>
+            <a:r>
+              <a:rPr lang="en-US" sz="2400" dirty="0" smtClean="0">
+                <a:latin typeface="Bookman Old Style" panose="02050604050505020204" pitchFamily="18" charset="0"/>
+              </a:rPr>
+              <a:t>g – </a:t>
+            </a:r>
+            <a:r>
+              <a:rPr lang="ru-RU" sz="2400" dirty="0" smtClean="0">
+                <a:latin typeface="Bookman Old Style" panose="02050604050505020204" pitchFamily="18" charset="0"/>
+              </a:rPr>
+              <a:t>выбирает наиболее короткий из </a:t>
+            </a:r>
+            <a:r>
+              <a:rPr lang="en-US" sz="2400" dirty="0" smtClean="0">
+                <a:latin typeface="Bookman Old Style" panose="02050604050505020204" pitchFamily="18" charset="0"/>
+              </a:rPr>
+              <a:t>f </a:t>
+            </a:r>
+            <a:r>
+              <a:rPr lang="ru-RU" sz="2400" dirty="0" smtClean="0">
+                <a:latin typeface="Bookman Old Style" panose="02050604050505020204" pitchFamily="18" charset="0"/>
+              </a:rPr>
+              <a:t>и </a:t>
+            </a:r>
+            <a:r>
+              <a:rPr lang="en-US" sz="2400" dirty="0" smtClean="0">
+                <a:latin typeface="Bookman Old Style" panose="02050604050505020204" pitchFamily="18" charset="0"/>
+              </a:rPr>
+              <a:t>e</a:t>
+            </a:r>
+            <a:r>
+              <a:rPr lang="en-US" sz="2400" dirty="0" smtClean="0">
+                <a:latin typeface="Bookman Old Style" panose="02050604050505020204" pitchFamily="18" charset="0"/>
+              </a:rPr>
+              <a:t>.</a:t>
+            </a:r>
+            <a:endParaRPr lang="en-US" sz="2400" dirty="0" smtClean="0">
+              <a:latin typeface="Bookman Old Style" panose="02050604050505020204" pitchFamily="18" charset="0"/>
+            </a:endParaRPr>
+          </a:p>
+          <a:p>
+            <a:r>
+              <a:rPr lang="ru-RU" sz="2400" dirty="0" smtClean="0">
+                <a:latin typeface="Bookman Old Style" panose="02050604050505020204" pitchFamily="18" charset="0"/>
+              </a:rPr>
+              <a:t>ИЛИ</a:t>
+            </a:r>
             <a:endParaRPr lang="en-US" sz="2400" dirty="0">
               <a:latin typeface="Bookman Old Style" panose="02050604050505020204" pitchFamily="18" charset="0"/>
             </a:endParaRPr>
           </a:p>
           <a:p>
-            <a:endParaRPr lang="en-US" sz="2400" dirty="0" smtClean="0">
-              <a:latin typeface="Bookman Old Style" panose="02050604050505020204" pitchFamily="18" charset="0"/>
-            </a:endParaRPr>
-          </a:p>
-          <a:p>
-            <a:r>
-              <a:rPr lang="en-US" sz="2400" dirty="0" smtClean="0">
-                <a:latin typeface="Bookman Old Style" panose="02050604050505020204" pitchFamily="18" charset="0"/>
-              </a:rPr>
-              <a:t>d – </a:t>
-            </a:r>
-            <a:r>
-              <a:rPr lang="ru-RU" sz="2400" dirty="0" smtClean="0">
-                <a:latin typeface="Bookman Old Style" panose="02050604050505020204" pitchFamily="18" charset="0"/>
-              </a:rPr>
-              <a:t>целые числа</a:t>
-            </a:r>
-            <a:r>
-              <a:rPr lang="en-US" sz="2400" dirty="0" smtClean="0">
-                <a:latin typeface="Bookman Old Style" panose="02050604050505020204" pitchFamily="18" charset="0"/>
-              </a:rPr>
-              <a:t>; f – </a:t>
-            </a:r>
-            <a:r>
-              <a:rPr lang="ru-RU" sz="2400" dirty="0" smtClean="0">
-                <a:latin typeface="Bookman Old Style" panose="02050604050505020204" pitchFamily="18" charset="0"/>
-              </a:rPr>
-              <a:t>дробные</a:t>
-            </a:r>
-            <a:r>
-              <a:rPr lang="en-US" sz="2400" dirty="0" smtClean="0">
-                <a:latin typeface="Bookman Old Style" panose="02050604050505020204" pitchFamily="18" charset="0"/>
-              </a:rPr>
-              <a:t>;</a:t>
-            </a:r>
-            <a:r>
-              <a:rPr lang="ru-RU" sz="2400" dirty="0" smtClean="0">
-                <a:latin typeface="Bookman Old Style" panose="02050604050505020204" pitchFamily="18" charset="0"/>
-              </a:rPr>
-              <a:t> </a:t>
-            </a:r>
-            <a:r>
-              <a:rPr lang="en-US" sz="2400" dirty="0" smtClean="0">
-                <a:latin typeface="Bookman Old Style" panose="02050604050505020204" pitchFamily="18" charset="0"/>
-              </a:rPr>
-              <a:t>c – </a:t>
-            </a:r>
-            <a:r>
-              <a:rPr lang="ru-RU" sz="2400" dirty="0" smtClean="0">
-                <a:latin typeface="Bookman Old Style" panose="02050604050505020204" pitchFamily="18" charset="0"/>
-              </a:rPr>
-              <a:t>денежный формат</a:t>
-            </a:r>
-            <a:r>
-              <a:rPr lang="en-US" sz="2400" dirty="0" smtClean="0">
-                <a:latin typeface="Bookman Old Style" panose="02050604050505020204" pitchFamily="18" charset="0"/>
-              </a:rPr>
-              <a:t>;</a:t>
-            </a:r>
-          </a:p>
-          <a:p>
-            <a:r>
-              <a:rPr lang="en-US" sz="2400" dirty="0" smtClean="0">
-                <a:latin typeface="Bookman Old Style" panose="02050604050505020204" pitchFamily="18" charset="0"/>
-              </a:rPr>
-              <a:t>e – </a:t>
-            </a:r>
-            <a:r>
-              <a:rPr lang="ru-RU" sz="2400" dirty="0" smtClean="0">
-                <a:latin typeface="Bookman Old Style" panose="02050604050505020204" pitchFamily="18" charset="0"/>
-              </a:rPr>
-              <a:t>экспоненциальная форма записи</a:t>
-            </a:r>
-            <a:r>
-              <a:rPr lang="en-US" sz="2400" dirty="0" smtClean="0">
-                <a:latin typeface="Bookman Old Style" panose="02050604050505020204" pitchFamily="18" charset="0"/>
-              </a:rPr>
-              <a:t>;</a:t>
-            </a:r>
-          </a:p>
-          <a:p>
-            <a:r>
-              <a:rPr lang="en-US" sz="2400" dirty="0" smtClean="0">
-                <a:latin typeface="Bookman Old Style" panose="02050604050505020204" pitchFamily="18" charset="0"/>
-              </a:rPr>
-              <a:t>g – </a:t>
-            </a:r>
-            <a:r>
-              <a:rPr lang="ru-RU" sz="2400" dirty="0" smtClean="0">
-                <a:latin typeface="Bookman Old Style" panose="02050604050505020204" pitchFamily="18" charset="0"/>
-              </a:rPr>
-              <a:t>выбирает наиболее короткий из </a:t>
-            </a:r>
-            <a:r>
-              <a:rPr lang="en-US" sz="2400" dirty="0" smtClean="0">
-                <a:latin typeface="Bookman Old Style" panose="02050604050505020204" pitchFamily="18" charset="0"/>
-              </a:rPr>
-              <a:t>f </a:t>
-            </a:r>
-            <a:r>
-              <a:rPr lang="ru-RU" sz="2400" dirty="0" smtClean="0">
-                <a:latin typeface="Bookman Old Style" panose="02050604050505020204" pitchFamily="18" charset="0"/>
-              </a:rPr>
-              <a:t>и </a:t>
-            </a:r>
-            <a:r>
-              <a:rPr lang="en-US" sz="2400" dirty="0" smtClean="0">
-                <a:latin typeface="Bookman Old Style" panose="02050604050505020204" pitchFamily="18" charset="0"/>
-              </a:rPr>
-              <a:t>e.</a:t>
-            </a:r>
-            <a:endParaRPr lang="en-US" sz="2400" dirty="0">
-              <a:latin typeface="Bookman Old Style" panose="02050604050505020204" pitchFamily="18" charset="0"/>
-            </a:endParaRPr>
-          </a:p>
-          <a:p>
-            <a:endParaRPr lang="en-US" sz="2400" dirty="0" smtClean="0">
-              <a:latin typeface="Bookman Old Style" panose="02050604050505020204" pitchFamily="18" charset="0"/>
-            </a:endParaRPr>
-          </a:p>
-          <a:p>
-            <a:r>
-              <a:rPr lang="ru-RU" sz="2400" dirty="0" smtClean="0">
-                <a:latin typeface="Bookman Old Style" panose="02050604050505020204" pitchFamily="18" charset="0"/>
-              </a:rPr>
-              <a:t>ИЛИ</a:t>
-            </a:r>
-            <a:endParaRPr lang="en-US" sz="2400" dirty="0">
-              <a:latin typeface="Bookman Old Style" panose="02050604050505020204" pitchFamily="18" charset="0"/>
-            </a:endParaRPr>
-          </a:p>
-          <a:p>
             <a:r>
               <a:rPr lang="en-US" sz="2400" dirty="0">
                 <a:solidFill>
@@ -41748,6 +42112,11 @@
             </a:endParaRPr>
           </a:p>
           <a:p>
+            <a:pPr algn="just">
+              <a:lnSpc>
+                <a:spcPct val="150000"/>
+              </a:lnSpc>
+            </a:pPr>
             <a:r>
               <a:rPr lang="ru-RU" sz="2400" dirty="0" smtClean="0">
                 <a:latin typeface="Bookman Old Style" panose="02050604050505020204" pitchFamily="18" charset="0"/>

--- a/Лекции/ИТиП лек 2 (лр 2, практическая 1).pptx
+++ b/Лекции/ИТиП лек 2 (лр 2, практическая 1).pptx
@@ -253,7 +253,7 @@
             <a:fld id="{AA2F9473-F066-431E-A6E8-1D478C995A6B}" type="datetimeFigureOut">
               <a:rPr lang="en-US" smtClean="0"/>
               <a:pPr/>
-              <a:t>3/11/2025</a:t>
+              <a:t>3/29/2025</a:t>
             </a:fld>
             <a:endParaRPr lang="en-US"/>
           </a:p>
@@ -20461,7 +20461,19 @@
               <a:rPr lang="ru-RU" sz="2400" dirty="0">
                 <a:latin typeface="Bookman Old Style" panose="02050604050505020204" pitchFamily="18" charset="0"/>
               </a:rPr>
-              <a:t> представляет набор однотипных данных. Объявление массива похоже на объявление переменной за тем исключением, что после указания типа ставятся квадратные скобки:</a:t>
+              <a:t> представляет </a:t>
+            </a:r>
+            <a:r>
+              <a:rPr lang="ru-RU" sz="2400" dirty="0" smtClean="0">
+                <a:latin typeface="Bookman Old Style" panose="02050604050505020204" pitchFamily="18" charset="0"/>
+              </a:rPr>
+              <a:t>собой набор </a:t>
+            </a:r>
+            <a:r>
+              <a:rPr lang="ru-RU" sz="2400" dirty="0">
+                <a:latin typeface="Bookman Old Style" panose="02050604050505020204" pitchFamily="18" charset="0"/>
+              </a:rPr>
+              <a:t>однотипных данных. Объявление массива похоже на объявление переменной за тем исключением, что после указания типа ставятся квадратные скобки:</a:t>
             </a:r>
           </a:p>
           <a:p>
@@ -21053,12 +21065,6 @@
               </a:rPr>
               <a:t>!</a:t>
             </a:r>
-            <a:endParaRPr lang="ru-RU" sz="2400" dirty="0" smtClean="0">
-              <a:solidFill>
-                <a:srgbClr val="000000"/>
-              </a:solidFill>
-              <a:latin typeface="Bookman Old Style" panose="02050604050505020204" pitchFamily="18" charset="0"/>
-            </a:endParaRPr>
           </a:p>
           <a:p>
             <a:pPr algn="just">
@@ -21756,13 +21762,7 @@
               <a:rPr lang="ru-RU" sz="2400" b="1" dirty="0" smtClean="0">
                 <a:latin typeface="Bookman Old Style" panose="02050604050505020204" pitchFamily="18" charset="0"/>
               </a:rPr>
-              <a:t>Пример работы с массивом</a:t>
-            </a:r>
-            <a:r>
-              <a:rPr lang="ru-RU" sz="2400" b="1" dirty="0" smtClean="0">
-                <a:latin typeface="Bookman Old Style" panose="02050604050505020204" pitchFamily="18" charset="0"/>
-              </a:rPr>
-              <a:t>:</a:t>
+              <a:t>Пример работы с массивом:</a:t>
             </a:r>
             <a:endParaRPr lang="ru-RU" sz="2400" dirty="0" smtClean="0">
               <a:solidFill>
@@ -21784,16 +21784,7 @@
                 </a:solidFill>
                 <a:latin typeface="Bookman Old Style" panose="02050604050505020204" pitchFamily="18" charset="0"/>
               </a:rPr>
-              <a:t>Создадим и сразу заполним массив</a:t>
-            </a:r>
-            <a:r>
-              <a:rPr lang="ru-RU" sz="2400" dirty="0" smtClean="0">
-                <a:solidFill>
-                  <a:srgbClr val="000000"/>
-                </a:solidFill>
-                <a:latin typeface="Bookman Old Style" panose="02050604050505020204" pitchFamily="18" charset="0"/>
-              </a:rPr>
-              <a:t>:</a:t>
+              <a:t>Создадим и сразу заполним массив:</a:t>
             </a:r>
             <a:endParaRPr lang="ru-RU" sz="2400" dirty="0">
               <a:solidFill>
@@ -21904,16 +21895,7 @@
                 </a:solidFill>
                 <a:latin typeface="Bookman Old Style" panose="02050604050505020204" pitchFamily="18" charset="0"/>
               </a:rPr>
-              <a:t> 1 3 2 5 </a:t>
-            </a:r>
-            <a:r>
-              <a:rPr lang="en-US" sz="2400" dirty="0" smtClean="0">
-                <a:solidFill>
-                  <a:srgbClr val="000000"/>
-                </a:solidFill>
-                <a:latin typeface="Bookman Old Style" panose="02050604050505020204" pitchFamily="18" charset="0"/>
-              </a:rPr>
-              <a:t>4</a:t>
+              <a:t> 1 3 2 5 4</a:t>
             </a:r>
             <a:endParaRPr lang="ru-RU" sz="2400" dirty="0" smtClean="0">
               <a:solidFill>
@@ -21948,16 +21930,7 @@
                 </a:solidFill>
                 <a:latin typeface="Bookman Old Style" panose="02050604050505020204" pitchFamily="18" charset="0"/>
               </a:rPr>
-              <a:t>Можно написать так</a:t>
-            </a:r>
-            <a:r>
-              <a:rPr lang="ru-RU" sz="2400" dirty="0" smtClean="0">
-                <a:solidFill>
-                  <a:srgbClr val="000000"/>
-                </a:solidFill>
-                <a:latin typeface="Bookman Old Style" panose="02050604050505020204" pitchFamily="18" charset="0"/>
-              </a:rPr>
-              <a:t>:</a:t>
+              <a:t>Можно написать так:</a:t>
             </a:r>
             <a:endParaRPr lang="ru-RU" sz="2400" dirty="0" smtClean="0">
               <a:solidFill>
@@ -22394,16 +22367,7 @@
                 </a:solidFill>
                 <a:latin typeface="Bookman Old Style" panose="02050604050505020204" pitchFamily="18" charset="0"/>
               </a:rPr>
-              <a:t> </a:t>
-            </a:r>
-            <a:r>
-              <a:rPr lang="en-US" sz="2400" dirty="0">
-                <a:solidFill>
-                  <a:srgbClr val="000000"/>
-                </a:solidFill>
-                <a:latin typeface="Bookman Old Style" panose="02050604050505020204" pitchFamily="18" charset="0"/>
-              </a:rPr>
-              <a:t>1</a:t>
+              <a:t> 1</a:t>
             </a:r>
             <a:r>
               <a:rPr lang="ru-RU" sz="2400" dirty="0">
@@ -39020,7 +38984,7 @@
         <p:spPr>
           <a:xfrm>
             <a:off x="156527" y="111816"/>
-            <a:ext cx="11578273" cy="3416320"/>
+            <a:ext cx="11578273" cy="5015668"/>
           </a:xfrm>
           <a:prstGeom prst="rect">
             <a:avLst/>
@@ -39033,7 +38997,11 @@
           </a:bodyPr>
           <a:lstStyle/>
           <a:p>
-            <a:pPr indent="717550" algn="just"/>
+            <a:pPr indent="717550" algn="just">
+              <a:lnSpc>
+                <a:spcPct val="150000"/>
+              </a:lnSpc>
+            </a:pPr>
             <a:r>
               <a:rPr lang="ru-RU" sz="2400" dirty="0" smtClean="0">
                 <a:latin typeface="Bookman Old Style" panose="02050604050505020204" pitchFamily="18" charset="0"/>
@@ -39043,6 +39011,9 @@
           </a:p>
           <a:p>
             <a:pPr marL="457200" indent="-457200" algn="just">
+              <a:lnSpc>
+                <a:spcPct val="150000"/>
+              </a:lnSpc>
               <a:buAutoNum type="arabicPeriod"/>
             </a:pPr>
             <a:r>
@@ -39101,6 +39072,9 @@
           </a:p>
           <a:p>
             <a:pPr marL="457200" indent="-457200" algn="just">
+              <a:lnSpc>
+                <a:spcPct val="150000"/>
+              </a:lnSpc>
               <a:buFontTx/>
               <a:buAutoNum type="arabicPeriod"/>
             </a:pPr>
@@ -39172,6 +39146,9 @@
           </a:p>
           <a:p>
             <a:pPr marL="457200" indent="-457200" algn="just">
+              <a:lnSpc>
+                <a:spcPct val="150000"/>
+              </a:lnSpc>
               <a:buFontTx/>
               <a:buAutoNum type="arabicPeriod"/>
             </a:pPr>
@@ -39224,6 +39201,9 @@
           </a:p>
           <a:p>
             <a:pPr marL="457200" indent="-457200" algn="just">
+              <a:lnSpc>
+                <a:spcPct val="150000"/>
+              </a:lnSpc>
               <a:buAutoNum type="arabicPeriod"/>
             </a:pPr>
             <a:r>
@@ -41489,17 +41469,8 @@
               <a:rPr lang="ru-RU" sz="2400" dirty="0" smtClean="0">
                 <a:latin typeface="Bookman Old Style" panose="02050604050505020204" pitchFamily="18" charset="0"/>
               </a:rPr>
-              <a:t>вещественный и нам нужно только 2 знака</a:t>
-            </a:r>
-            <a:r>
-              <a:rPr lang="ru-RU" sz="2400" dirty="0" smtClean="0">
-                <a:latin typeface="Bookman Old Style" panose="02050604050505020204" pitchFamily="18" charset="0"/>
-              </a:rPr>
-              <a:t>.</a:t>
-            </a:r>
-            <a:endParaRPr lang="ru-RU" sz="2400" dirty="0" smtClean="0">
-              <a:latin typeface="Bookman Old Style" panose="02050604050505020204" pitchFamily="18" charset="0"/>
-            </a:endParaRPr>
+              <a:t>вещественный и нам нужно только 2 знака.</a:t>
+            </a:r>
           </a:p>
           <a:p>
             <a:r>
@@ -41848,9 +41819,6 @@
               </a:rPr>
               <a:t>;</a:t>
             </a:r>
-            <a:endParaRPr lang="en-US" sz="2400" dirty="0" smtClean="0">
-              <a:latin typeface="Bookman Old Style" panose="02050604050505020204" pitchFamily="18" charset="0"/>
-            </a:endParaRPr>
           </a:p>
           <a:p>
             <a:pPr algn="just">
@@ -41972,17 +41940,8 @@
               <a:rPr lang="en-US" sz="2400" dirty="0" smtClean="0">
                 <a:latin typeface="Bookman Old Style" panose="02050604050505020204" pitchFamily="18" charset="0"/>
               </a:rPr>
-              <a:t>e</a:t>
-            </a:r>
-            <a:r>
-              <a:rPr lang="en-US" sz="2400" dirty="0" smtClean="0">
-                <a:latin typeface="Bookman Old Style" panose="02050604050505020204" pitchFamily="18" charset="0"/>
-              </a:rPr>
-              <a:t>.</a:t>
-            </a:r>
-            <a:endParaRPr lang="en-US" sz="2400" dirty="0" smtClean="0">
-              <a:latin typeface="Bookman Old Style" panose="02050604050505020204" pitchFamily="18" charset="0"/>
-            </a:endParaRPr>
+              <a:t>e.</a:t>
+            </a:r>
           </a:p>
           <a:p>
             <a:r>

--- a/Лекции/ИТиП лек 2 (лр 2, практическая 1).pptx
+++ b/Лекции/ИТиП лек 2 (лр 2, практическая 1).pptx
@@ -253,7 +253,7 @@
             <a:fld id="{AA2F9473-F066-431E-A6E8-1D478C995A6B}" type="datetimeFigureOut">
               <a:rPr lang="en-US" smtClean="0"/>
               <a:pPr/>
-              <a:t>3/29/2025</a:t>
+              <a:t>4/23/2025</a:t>
             </a:fld>
             <a:endParaRPr lang="en-US"/>
           </a:p>
@@ -8715,7 +8715,7 @@
           <a:noFill/>
         </p:spPr>
         <p:txBody>
-          <a:bodyPr wrap="square">
+          <a:bodyPr wrap="square" lIns="360000">
             <a:spAutoFit/>
           </a:bodyPr>
           <a:lstStyle/>
@@ -9124,7 +9124,7 @@
           </a:prstGeom>
         </p:spPr>
         <p:txBody>
-          <a:bodyPr wrap="square">
+          <a:bodyPr wrap="square" lIns="360000">
             <a:spAutoFit/>
           </a:bodyPr>
           <a:lstStyle/>
@@ -9679,7 +9679,7 @@
           </a:prstGeom>
         </p:spPr>
         <p:txBody>
-          <a:bodyPr wrap="square">
+          <a:bodyPr wrap="square" lIns="360000">
             <a:spAutoFit/>
           </a:bodyPr>
           <a:lstStyle/>
@@ -10154,7 +10154,7 @@
         <p:spPr>
           <a:xfrm>
             <a:off x="4011473" y="3811012"/>
-            <a:ext cx="8316290" cy="2677656"/>
+            <a:ext cx="8180527" cy="2677656"/>
           </a:xfrm>
           <a:prstGeom prst="rect">
             <a:avLst/>
@@ -10572,7 +10572,7 @@
           <a:noFill/>
         </p:spPr>
         <p:txBody>
-          <a:bodyPr wrap="square">
+          <a:bodyPr wrap="square" lIns="360000">
             <a:spAutoFit/>
           </a:bodyPr>
           <a:lstStyle/>
@@ -11117,7 +11117,7 @@
         <p:spPr>
           <a:xfrm>
             <a:off x="0" y="0"/>
-            <a:ext cx="6095999" cy="3353675"/>
+            <a:ext cx="6095999" cy="3416320"/>
           </a:xfrm>
           <a:prstGeom prst="rect">
             <a:avLst/>
@@ -11125,7 +11125,7 @@
           <a:noFill/>
         </p:spPr>
         <p:txBody>
-          <a:bodyPr wrap="square">
+          <a:bodyPr wrap="square" lIns="360000">
             <a:spAutoFit/>
           </a:bodyPr>
           <a:lstStyle/>
@@ -11671,7 +11671,7 @@
           </a:prstGeom>
         </p:spPr>
         <p:txBody>
-          <a:bodyPr wrap="square">
+          <a:bodyPr wrap="square" lIns="360000">
             <a:spAutoFit/>
           </a:bodyPr>
           <a:lstStyle/>
@@ -12423,8 +12423,8 @@
         </p:nvSpPr>
         <p:spPr>
           <a:xfrm>
-            <a:off x="3555619" y="4444256"/>
-            <a:ext cx="8406058" cy="2245423"/>
+            <a:off x="3555619" y="4472795"/>
+            <a:ext cx="8636381" cy="2308324"/>
           </a:xfrm>
           <a:prstGeom prst="rect">
             <a:avLst/>
@@ -12432,7 +12432,7 @@
           <a:noFill/>
         </p:spPr>
         <p:txBody>
-          <a:bodyPr wrap="square">
+          <a:bodyPr wrap="square" rIns="360000">
             <a:spAutoFit/>
           </a:bodyPr>
           <a:lstStyle/>
@@ -13500,8 +13500,8 @@
         </p:nvSpPr>
         <p:spPr>
           <a:xfrm>
-            <a:off x="451556" y="372598"/>
-            <a:ext cx="8406058" cy="461665"/>
+            <a:off x="0" y="311125"/>
+            <a:ext cx="12192000" cy="461665"/>
           </a:xfrm>
           <a:prstGeom prst="rect">
             <a:avLst/>
@@ -13509,7 +13509,7 @@
           <a:noFill/>
         </p:spPr>
         <p:txBody>
-          <a:bodyPr wrap="square">
+          <a:bodyPr wrap="square" lIns="360000">
             <a:spAutoFit/>
           </a:bodyPr>
           <a:lstStyle/>
@@ -13659,8 +13659,8 @@
         </p:nvSpPr>
         <p:spPr>
           <a:xfrm>
-            <a:off x="80103" y="654356"/>
-            <a:ext cx="6205701" cy="6186309"/>
+            <a:off x="1" y="654356"/>
+            <a:ext cx="6516060" cy="6186309"/>
           </a:xfrm>
           <a:prstGeom prst="rect">
             <a:avLst/>
@@ -13668,7 +13668,7 @@
           <a:noFill/>
         </p:spPr>
         <p:txBody>
-          <a:bodyPr wrap="square">
+          <a:bodyPr wrap="square" lIns="360000">
             <a:spAutoFit/>
           </a:bodyPr>
           <a:lstStyle/>
@@ -14132,8 +14132,8 @@
         </p:nvSpPr>
         <p:spPr>
           <a:xfrm>
-            <a:off x="6285804" y="1060621"/>
-            <a:ext cx="5906196" cy="5780044"/>
+            <a:off x="6516061" y="1077956"/>
+            <a:ext cx="5675939" cy="5780044"/>
           </a:xfrm>
           <a:prstGeom prst="rect">
             <a:avLst/>
@@ -14380,22 +14380,13 @@
               <a:t>i</a:t>
             </a:r>
             <a:r>
-              <a:rPr lang="en-US" sz="2400" smtClean="0">
-                <a:solidFill>
-                  <a:srgbClr val="000000"/>
-                </a:solidFill>
-                <a:latin typeface="Cascadia Mono" panose="020B0609020000020004" pitchFamily="49" charset="0"/>
-              </a:rPr>
-              <a:t> &gt; </a:t>
-            </a:r>
-            <a:r>
               <a:rPr lang="en-US" sz="2400" dirty="0" smtClean="0">
                 <a:solidFill>
                   <a:srgbClr val="000000"/>
                 </a:solidFill>
                 <a:latin typeface="Cascadia Mono" panose="020B0609020000020004" pitchFamily="49" charset="0"/>
               </a:rPr>
-              <a:t>5</a:t>
+              <a:t> &gt; 5</a:t>
             </a:r>
             <a:r>
               <a:rPr lang="ru-RU" sz="2400" dirty="0" smtClean="0">
@@ -14694,8 +14685,8 @@
         </p:nvSpPr>
         <p:spPr>
           <a:xfrm>
-            <a:off x="80103" y="85019"/>
-            <a:ext cx="6205701" cy="5373779"/>
+            <a:off x="10821" y="0"/>
+            <a:ext cx="6205701" cy="5780044"/>
           </a:xfrm>
           <a:prstGeom prst="rect">
             <a:avLst/>
@@ -14703,10 +14694,23 @@
           <a:noFill/>
         </p:spPr>
         <p:txBody>
-          <a:bodyPr wrap="square">
+          <a:bodyPr wrap="square" lIns="360000">
             <a:spAutoFit/>
           </a:bodyPr>
           <a:lstStyle/>
+          <a:p>
+            <a:pPr>
+              <a:lnSpc>
+                <a:spcPct val="110000"/>
+              </a:lnSpc>
+            </a:pPr>
+            <a:endParaRPr lang="ru-RU" sz="2400" dirty="0" smtClean="0">
+              <a:solidFill>
+                <a:srgbClr val="0000FF"/>
+              </a:solidFill>
+              <a:latin typeface="Cascadia Mono" panose="020B0609020000020004" pitchFamily="49" charset="0"/>
+            </a:endParaRPr>
+          </a:p>
           <a:p>
             <a:pPr>
               <a:lnSpc>
@@ -15934,15 +15938,15 @@
         </p:nvSpPr>
         <p:spPr>
           <a:xfrm>
-            <a:off x="0" y="21569"/>
-            <a:ext cx="11734800" cy="904863"/>
+            <a:off x="165" y="-616"/>
+            <a:ext cx="12191999" cy="904863"/>
           </a:xfrm>
           <a:prstGeom prst="rect">
             <a:avLst/>
           </a:prstGeom>
         </p:spPr>
         <p:txBody>
-          <a:bodyPr wrap="square">
+          <a:bodyPr wrap="square" lIns="360000" rIns="360000">
             <a:spAutoFit/>
           </a:bodyPr>
           <a:lstStyle/>
@@ -16124,7 +16128,7 @@
         </p:nvSpPr>
         <p:spPr>
           <a:xfrm>
-            <a:off x="10494817" y="2365217"/>
+            <a:off x="10218191" y="2365217"/>
             <a:ext cx="1697183" cy="508631"/>
           </a:xfrm>
           <a:prstGeom prst="rect">
@@ -16190,7 +16194,7 @@
         <p:spPr>
           <a:xfrm>
             <a:off x="9871365" y="2619532"/>
-            <a:ext cx="623452" cy="1"/>
+            <a:ext cx="346826" cy="1"/>
           </a:xfrm>
           <a:prstGeom prst="straightConnector1">
             <a:avLst/>
@@ -16398,7 +16402,7 @@
         </p:nvCxnSpPr>
         <p:spPr>
           <a:xfrm flipV="1">
-            <a:off x="11343409" y="1909531"/>
+            <a:off x="11066783" y="1909531"/>
             <a:ext cx="0" cy="455686"/>
           </a:xfrm>
           <a:prstGeom prst="straightConnector1">
@@ -16437,7 +16441,7 @@
         <p:spPr>
           <a:xfrm flipH="1">
             <a:off x="8303451" y="1909531"/>
-            <a:ext cx="3039958" cy="0"/>
+            <a:ext cx="2763332" cy="0"/>
           </a:xfrm>
           <a:prstGeom prst="straightConnector1">
             <a:avLst/>
@@ -16482,7 +16486,7 @@
           </a:prstGeom>
         </p:spPr>
         <p:txBody>
-          <a:bodyPr wrap="square">
+          <a:bodyPr wrap="square" lIns="360000">
             <a:spAutoFit/>
           </a:bodyPr>
           <a:lstStyle/>
@@ -16605,15 +16609,15 @@
         </p:nvSpPr>
         <p:spPr>
           <a:xfrm>
-            <a:off x="1" y="4719199"/>
-            <a:ext cx="11856026" cy="2200602"/>
+            <a:off x="0" y="4719199"/>
+            <a:ext cx="12191999" cy="2200602"/>
           </a:xfrm>
           <a:prstGeom prst="rect">
             <a:avLst/>
           </a:prstGeom>
         </p:spPr>
         <p:txBody>
-          <a:bodyPr wrap="square">
+          <a:bodyPr wrap="square" lIns="360000" rIns="360000">
             <a:spAutoFit/>
           </a:bodyPr>
           <a:lstStyle/>
@@ -17447,15 +17451,15 @@
         </p:nvSpPr>
         <p:spPr>
           <a:xfrm>
-            <a:off x="0" y="654356"/>
-            <a:ext cx="11523346" cy="5937010"/>
+            <a:off x="-1" y="654356"/>
+            <a:ext cx="12192001" cy="5937010"/>
           </a:xfrm>
           <a:prstGeom prst="rect">
             <a:avLst/>
           </a:prstGeom>
         </p:spPr>
         <p:txBody>
-          <a:bodyPr wrap="square">
+          <a:bodyPr wrap="square" lIns="360000" rIns="360000">
             <a:spAutoFit/>
           </a:bodyPr>
           <a:lstStyle/>
@@ -26208,7 +26212,7 @@
           </a:prstGeom>
         </p:spPr>
         <p:txBody>
-          <a:bodyPr wrap="square">
+          <a:bodyPr wrap="square" lIns="360000" rIns="360000">
             <a:spAutoFit/>
           </a:bodyPr>
           <a:lstStyle/>
@@ -31250,7 +31254,7 @@
         <p:spPr>
           <a:xfrm>
             <a:off x="0" y="659380"/>
-            <a:ext cx="12192000" cy="6001643"/>
+            <a:ext cx="12192000" cy="5632311"/>
           </a:xfrm>
           <a:prstGeom prst="rect">
             <a:avLst/>
@@ -31893,25 +31897,43 @@
                 </a:solidFill>
                 <a:latin typeface="Consolas" panose="020B0609020204030204" pitchFamily="49" charset="0"/>
               </a:rPr>
-              <a:t>от 0 строго до </a:t>
-            </a:r>
-            <a:r>
-              <a:rPr lang="en-US" sz="2400" dirty="0">
+              <a:t>строго от </a:t>
+            </a:r>
+            <a:r>
+              <a:rPr lang="ru-RU" sz="2400" dirty="0">
                 <a:solidFill>
                   <a:srgbClr val="008000"/>
                 </a:solidFill>
                 <a:latin typeface="Consolas" panose="020B0609020204030204" pitchFamily="49" charset="0"/>
               </a:rPr>
-              <a:t>max (max </a:t>
-            </a:r>
-            <a:r>
-              <a:rPr lang="ru-RU" sz="2400" dirty="0">
+              <a:t>0 </a:t>
+            </a:r>
+            <a:r>
+              <a:rPr lang="ru-RU" sz="2400" dirty="0" smtClean="0">
                 <a:solidFill>
                   <a:srgbClr val="008000"/>
                 </a:solidFill>
                 <a:latin typeface="Consolas" panose="020B0609020204030204" pitchFamily="49" charset="0"/>
               </a:rPr>
-              <a:t>не включается)</a:t>
+              <a:t>до </a:t>
+            </a:r>
+            <a:r>
+              <a:rPr lang="en-US" sz="2400" dirty="0" smtClean="0">
+                <a:solidFill>
+                  <a:srgbClr val="008000"/>
+                </a:solidFill>
+                <a:latin typeface="Consolas" panose="020B0609020204030204" pitchFamily="49" charset="0"/>
+              </a:rPr>
+              <a:t>max</a:t>
+            </a:r>
+            <a:r>
+              <a:rPr lang="ru-RU" sz="2400" dirty="0" smtClean="0">
+                <a:solidFill>
+                  <a:srgbClr val="008000"/>
+                </a:solidFill>
+                <a:latin typeface="Consolas" panose="020B0609020204030204" pitchFamily="49" charset="0"/>
+              </a:rPr>
+              <a:t>-1</a:t>
             </a:r>
             <a:endParaRPr lang="ru-RU" sz="2400" dirty="0">
               <a:solidFill>
@@ -32063,7 +32085,7 @@
                 </a:solidFill>
                 <a:latin typeface="Consolas" panose="020B0609020204030204" pitchFamily="49" charset="0"/>
               </a:rPr>
-              <a:t>от </a:t>
+              <a:t>строго от </a:t>
             </a:r>
             <a:r>
               <a:rPr lang="en-US" sz="2400" dirty="0">
@@ -32084,22 +32106,129 @@
               <a:t>строго до </a:t>
             </a:r>
             <a:r>
-              <a:rPr lang="en-US" sz="2400" dirty="0">
+              <a:rPr lang="en-US" sz="2400" dirty="0" smtClean="0">
                 <a:solidFill>
                   <a:srgbClr val="008000"/>
                 </a:solidFill>
                 <a:latin typeface="Consolas" panose="020B0609020204030204" pitchFamily="49" charset="0"/>
               </a:rPr>
-              <a:t>max (max </a:t>
+              <a:t>max</a:t>
+            </a:r>
+            <a:r>
+              <a:rPr lang="ru-RU" sz="2400" dirty="0" smtClean="0">
+                <a:solidFill>
+                  <a:srgbClr val="008000"/>
+                </a:solidFill>
+                <a:latin typeface="Consolas" panose="020B0609020204030204" pitchFamily="49" charset="0"/>
+              </a:rPr>
+              <a:t>-1</a:t>
+            </a:r>
+            <a:endParaRPr lang="ru-RU" sz="2400" dirty="0">
+              <a:solidFill>
+                <a:srgbClr val="008000"/>
+              </a:solidFill>
+              <a:latin typeface="Consolas" panose="020B0609020204030204" pitchFamily="49" charset="0"/>
+            </a:endParaRPr>
+          </a:p>
+          <a:p>
+            <a:r>
+              <a:rPr lang="ru-RU" sz="2400" dirty="0" err="1" smtClean="0">
+                <a:solidFill>
+                  <a:srgbClr val="0000FF"/>
+                </a:solidFill>
+                <a:latin typeface="Consolas" panose="020B0609020204030204" pitchFamily="49" charset="0"/>
+              </a:rPr>
+              <a:t>var</a:t>
+            </a:r>
+            <a:r>
+              <a:rPr lang="ru-RU" sz="2400" dirty="0" smtClean="0">
+                <a:solidFill>
+                  <a:srgbClr val="3B3B3B"/>
+                </a:solidFill>
+                <a:latin typeface="Consolas" panose="020B0609020204030204" pitchFamily="49" charset="0"/>
+              </a:rPr>
+              <a:t> </a:t>
             </a:r>
             <a:r>
               <a:rPr lang="ru-RU" sz="2400" dirty="0">
                 <a:solidFill>
+                  <a:srgbClr val="001080"/>
+                </a:solidFill>
+                <a:latin typeface="Consolas" panose="020B0609020204030204" pitchFamily="49" charset="0"/>
+              </a:rPr>
+              <a:t>number_4</a:t>
+            </a:r>
+            <a:r>
+              <a:rPr lang="ru-RU" sz="2400" dirty="0">
+                <a:solidFill>
+                  <a:srgbClr val="3B3B3B"/>
+                </a:solidFill>
+                <a:latin typeface="Consolas" panose="020B0609020204030204" pitchFamily="49" charset="0"/>
+              </a:rPr>
+              <a:t> </a:t>
+            </a:r>
+            <a:r>
+              <a:rPr lang="ru-RU" sz="2400" dirty="0">
+                <a:solidFill>
+                  <a:srgbClr val="000000"/>
+                </a:solidFill>
+                <a:latin typeface="Consolas" panose="020B0609020204030204" pitchFamily="49" charset="0"/>
+              </a:rPr>
+              <a:t>=</a:t>
+            </a:r>
+            <a:r>
+              <a:rPr lang="ru-RU" sz="2400" dirty="0">
+                <a:solidFill>
+                  <a:srgbClr val="3B3B3B"/>
+                </a:solidFill>
+                <a:latin typeface="Consolas" panose="020B0609020204030204" pitchFamily="49" charset="0"/>
+              </a:rPr>
+              <a:t> </a:t>
+            </a:r>
+            <a:r>
+              <a:rPr lang="ru-RU" sz="2400" dirty="0" err="1">
+                <a:solidFill>
+                  <a:srgbClr val="001080"/>
+                </a:solidFill>
+                <a:latin typeface="Consolas" panose="020B0609020204030204" pitchFamily="49" charset="0"/>
+              </a:rPr>
+              <a:t>rnd</a:t>
+            </a:r>
+            <a:r>
+              <a:rPr lang="ru-RU" sz="2400" dirty="0" err="1">
+                <a:solidFill>
+                  <a:srgbClr val="3B3B3B"/>
+                </a:solidFill>
+                <a:latin typeface="Consolas" panose="020B0609020204030204" pitchFamily="49" charset="0"/>
+              </a:rPr>
+              <a:t>.</a:t>
+            </a:r>
+            <a:r>
+              <a:rPr lang="ru-RU" sz="2400" dirty="0" err="1">
+                <a:solidFill>
+                  <a:srgbClr val="795E26"/>
+                </a:solidFill>
+                <a:latin typeface="Consolas" panose="020B0609020204030204" pitchFamily="49" charset="0"/>
+              </a:rPr>
+              <a:t>NextDouble</a:t>
+            </a:r>
+            <a:r>
+              <a:rPr lang="ru-RU" sz="2400" dirty="0">
+                <a:solidFill>
+                  <a:srgbClr val="3B3B3B"/>
+                </a:solidFill>
+                <a:latin typeface="Consolas" panose="020B0609020204030204" pitchFamily="49" charset="0"/>
+              </a:rPr>
+              <a:t>(); </a:t>
+            </a:r>
+            <a:r>
+              <a:rPr lang="ru-RU" sz="2400" dirty="0">
+                <a:solidFill>
                   <a:srgbClr val="008000"/>
                 </a:solidFill>
                 <a:latin typeface="Consolas" panose="020B0609020204030204" pitchFamily="49" charset="0"/>
               </a:rPr>
-              <a:t>не включается</a:t>
+              <a:t>// от 0 строго до 1 </a:t>
             </a:r>
             <a:r>
               <a:rPr lang="ru-RU" sz="2400" dirty="0" smtClean="0">
@@ -32108,117 +32237,7 @@
                 </a:solidFill>
                 <a:latin typeface="Consolas" panose="020B0609020204030204" pitchFamily="49" charset="0"/>
               </a:rPr>
-              <a:t>)</a:t>
-            </a:r>
-          </a:p>
-          <a:p>
-            <a:r>
-              <a:rPr lang="ru-RU" sz="2400" dirty="0" err="1">
-                <a:solidFill>
-                  <a:srgbClr val="0000FF"/>
-                </a:solidFill>
-                <a:latin typeface="Consolas" panose="020B0609020204030204" pitchFamily="49" charset="0"/>
-              </a:rPr>
-              <a:t>var</a:t>
-            </a:r>
-            <a:r>
-              <a:rPr lang="ru-RU" sz="2400" dirty="0">
-                <a:solidFill>
-                  <a:srgbClr val="3B3B3B"/>
-                </a:solidFill>
-                <a:latin typeface="Consolas" panose="020B0609020204030204" pitchFamily="49" charset="0"/>
-              </a:rPr>
-              <a:t> </a:t>
-            </a:r>
-            <a:r>
-              <a:rPr lang="ru-RU" sz="2400" dirty="0">
-                <a:solidFill>
-                  <a:srgbClr val="001080"/>
-                </a:solidFill>
-                <a:latin typeface="Consolas" panose="020B0609020204030204" pitchFamily="49" charset="0"/>
-              </a:rPr>
-              <a:t>number_4</a:t>
-            </a:r>
-            <a:r>
-              <a:rPr lang="ru-RU" sz="2400" dirty="0">
-                <a:solidFill>
-                  <a:srgbClr val="3B3B3B"/>
-                </a:solidFill>
-                <a:latin typeface="Consolas" panose="020B0609020204030204" pitchFamily="49" charset="0"/>
-              </a:rPr>
-              <a:t> </a:t>
-            </a:r>
-            <a:r>
-              <a:rPr lang="ru-RU" sz="2400" dirty="0">
-                <a:solidFill>
-                  <a:srgbClr val="000000"/>
-                </a:solidFill>
-                <a:latin typeface="Consolas" panose="020B0609020204030204" pitchFamily="49" charset="0"/>
-              </a:rPr>
-              <a:t>=</a:t>
-            </a:r>
-            <a:r>
-              <a:rPr lang="ru-RU" sz="2400" dirty="0">
-                <a:solidFill>
-                  <a:srgbClr val="3B3B3B"/>
-                </a:solidFill>
-                <a:latin typeface="Consolas" panose="020B0609020204030204" pitchFamily="49" charset="0"/>
-              </a:rPr>
-              <a:t> </a:t>
-            </a:r>
-            <a:r>
-              <a:rPr lang="ru-RU" sz="2400" dirty="0" err="1">
-                <a:solidFill>
-                  <a:srgbClr val="001080"/>
-                </a:solidFill>
-                <a:latin typeface="Consolas" panose="020B0609020204030204" pitchFamily="49" charset="0"/>
-              </a:rPr>
-              <a:t>rnd</a:t>
-            </a:r>
-            <a:r>
-              <a:rPr lang="ru-RU" sz="2400" dirty="0" err="1">
-                <a:solidFill>
-                  <a:srgbClr val="3B3B3B"/>
-                </a:solidFill>
-                <a:latin typeface="Consolas" panose="020B0609020204030204" pitchFamily="49" charset="0"/>
-              </a:rPr>
-              <a:t>.</a:t>
-            </a:r>
-            <a:r>
-              <a:rPr lang="ru-RU" sz="2400" dirty="0" err="1">
-                <a:solidFill>
-                  <a:srgbClr val="795E26"/>
-                </a:solidFill>
-                <a:latin typeface="Consolas" panose="020B0609020204030204" pitchFamily="49" charset="0"/>
-              </a:rPr>
-              <a:t>NextDouble</a:t>
-            </a:r>
-            <a:r>
-              <a:rPr lang="ru-RU" sz="2400" dirty="0">
-                <a:solidFill>
-                  <a:srgbClr val="3B3B3B"/>
-                </a:solidFill>
-                <a:latin typeface="Consolas" panose="020B0609020204030204" pitchFamily="49" charset="0"/>
-              </a:rPr>
-              <a:t>(); </a:t>
-            </a:r>
-            <a:r>
-              <a:rPr lang="ru-RU" sz="2400" dirty="0">
-                <a:solidFill>
-                  <a:srgbClr val="008000"/>
-                </a:solidFill>
-                <a:latin typeface="Consolas" panose="020B0609020204030204" pitchFamily="49" charset="0"/>
-              </a:rPr>
-              <a:t>// от 0 строго до 1 (1 не включается</a:t>
-            </a:r>
-            <a:r>
-              <a:rPr lang="ru-RU" sz="2400" dirty="0" smtClean="0">
-                <a:solidFill>
-                  <a:srgbClr val="008000"/>
-                </a:solidFill>
-                <a:latin typeface="Consolas" panose="020B0609020204030204" pitchFamily="49" charset="0"/>
-              </a:rPr>
-              <a:t>)</a:t>
+              <a:t>не включительно</a:t>
             </a:r>
             <a:endParaRPr lang="ru-RU" sz="2400" dirty="0">
               <a:solidFill>
@@ -34202,7 +34221,7 @@
         <p:spPr>
           <a:xfrm>
             <a:off x="6118638" y="5008547"/>
-            <a:ext cx="6128448" cy="1849453"/>
+            <a:ext cx="5791614" cy="1747803"/>
           </a:xfrm>
           <a:prstGeom prst="rect">
             <a:avLst/>
@@ -34225,8 +34244,8 @@
         </p:blipFill>
         <p:spPr>
           <a:xfrm>
-            <a:off x="1" y="5008547"/>
-            <a:ext cx="6169446" cy="1849453"/>
+            <a:off x="287288" y="5008547"/>
+            <a:ext cx="5831350" cy="1748100"/>
           </a:xfrm>
           <a:prstGeom prst="rect">
             <a:avLst/>
@@ -34249,7 +34268,7 @@
           </a:prstGeom>
         </p:spPr>
         <p:txBody>
-          <a:bodyPr wrap="square">
+          <a:bodyPr wrap="square" lIns="360000" rIns="360000">
             <a:spAutoFit/>
           </a:bodyPr>
           <a:lstStyle/>
@@ -39447,8 +39466,8 @@
         </p:nvSpPr>
         <p:spPr>
           <a:xfrm>
-            <a:off x="186514" y="776834"/>
-            <a:ext cx="12005486" cy="6001643"/>
+            <a:off x="1" y="654356"/>
+            <a:ext cx="12192000" cy="6001643"/>
           </a:xfrm>
           <a:prstGeom prst="rect">
             <a:avLst/>
@@ -39456,7 +39475,7 @@
           <a:noFill/>
         </p:spPr>
         <p:txBody>
-          <a:bodyPr wrap="square">
+          <a:bodyPr wrap="square" lIns="360000" rIns="360000">
             <a:spAutoFit/>
           </a:bodyPr>
           <a:lstStyle/>
@@ -39883,8 +39902,8 @@
         </p:nvSpPr>
         <p:spPr>
           <a:xfrm>
-            <a:off x="287079" y="0"/>
-            <a:ext cx="11904921" cy="6186309"/>
+            <a:off x="1" y="0"/>
+            <a:ext cx="12192000" cy="6740307"/>
           </a:xfrm>
           <a:prstGeom prst="rect">
             <a:avLst/>
@@ -39892,7 +39911,7 @@
           <a:noFill/>
         </p:spPr>
         <p:txBody>
-          <a:bodyPr wrap="square">
+          <a:bodyPr wrap="square" lIns="360000" rIns="360000">
             <a:spAutoFit/>
           </a:bodyPr>
           <a:lstStyle/>
@@ -40459,8 +40478,8 @@
         </p:nvSpPr>
         <p:spPr>
           <a:xfrm>
-            <a:off x="287079" y="0"/>
-            <a:ext cx="11904921" cy="6186309"/>
+            <a:off x="1" y="0"/>
+            <a:ext cx="12192000" cy="6186309"/>
           </a:xfrm>
           <a:prstGeom prst="rect">
             <a:avLst/>
@@ -40468,7 +40487,7 @@
           <a:noFill/>
         </p:spPr>
         <p:txBody>
-          <a:bodyPr wrap="square">
+          <a:bodyPr wrap="square" lIns="360000" rIns="360000">
             <a:spAutoFit/>
           </a:bodyPr>
           <a:lstStyle/>
@@ -40734,7 +40753,19 @@
               <a:rPr lang="en-US" sz="2400" dirty="0" smtClean="0">
                 <a:latin typeface="Bookman Old Style" panose="02050604050505020204" pitchFamily="18" charset="0"/>
               </a:rPr>
-              <a:t>, age, money);</a:t>
+              <a:t>,</a:t>
+            </a:r>
+            <a:r>
+              <a:rPr lang="en-US" sz="2400" dirty="0" err="1" smtClean="0">
+                <a:latin typeface="Bookman Old Style" panose="02050604050505020204" pitchFamily="18" charset="0"/>
+              </a:rPr>
+              <a:t>age,money</a:t>
+            </a:r>
+            <a:r>
+              <a:rPr lang="en-US" sz="2400" dirty="0" smtClean="0">
+                <a:latin typeface="Bookman Old Style" panose="02050604050505020204" pitchFamily="18" charset="0"/>
+              </a:rPr>
+              <a:t>);</a:t>
             </a:r>
             <a:r>
               <a:rPr lang="ru-RU" sz="2400" dirty="0" smtClean="0">
@@ -41321,8 +41352,8 @@
         </p:nvSpPr>
         <p:spPr>
           <a:xfrm>
-            <a:off x="251459" y="0"/>
-            <a:ext cx="11940541" cy="6909584"/>
+            <a:off x="1" y="0"/>
+            <a:ext cx="12192000" cy="6909584"/>
           </a:xfrm>
           <a:prstGeom prst="rect">
             <a:avLst/>
@@ -41330,7 +41361,7 @@
           <a:noFill/>
         </p:spPr>
         <p:txBody>
-          <a:bodyPr wrap="square">
+          <a:bodyPr wrap="square" lIns="360000" rIns="360000">
             <a:spAutoFit/>
           </a:bodyPr>
           <a:lstStyle/>
@@ -41684,7 +41715,19 @@
               <a:rPr lang="en-US" sz="2300" dirty="0" smtClean="0">
                 <a:latin typeface="Bookman Old Style" panose="02050604050505020204" pitchFamily="18" charset="0"/>
               </a:rPr>
-              <a:t>, age, money);</a:t>
+              <a:t>,</a:t>
+            </a:r>
+            <a:r>
+              <a:rPr lang="en-US" sz="2300" dirty="0" err="1" smtClean="0">
+                <a:latin typeface="Bookman Old Style" panose="02050604050505020204" pitchFamily="18" charset="0"/>
+              </a:rPr>
+              <a:t>age,money</a:t>
+            </a:r>
+            <a:r>
+              <a:rPr lang="en-US" sz="2300" dirty="0" smtClean="0">
+                <a:latin typeface="Bookman Old Style" panose="02050604050505020204" pitchFamily="18" charset="0"/>
+              </a:rPr>
+              <a:t>);</a:t>
             </a:r>
             <a:r>
               <a:rPr lang="ru-RU" sz="2300" dirty="0" smtClean="0">
@@ -42268,15 +42311,15 @@
         </p:nvSpPr>
         <p:spPr>
           <a:xfrm>
-            <a:off x="211454" y="774980"/>
-            <a:ext cx="11523346" cy="4210383"/>
+            <a:off x="0" y="648651"/>
+            <a:ext cx="12192000" cy="4210383"/>
           </a:xfrm>
           <a:prstGeom prst="rect">
             <a:avLst/>
           </a:prstGeom>
         </p:spPr>
         <p:txBody>
-          <a:bodyPr wrap="square">
+          <a:bodyPr wrap="square" lIns="360000" rIns="360000">
             <a:spAutoFit/>
           </a:bodyPr>
           <a:lstStyle/>
@@ -42389,7 +42432,14 @@
                 <a:latin typeface="Bookman Old Style" panose="02050604050505020204" pitchFamily="18" charset="0"/>
                 <a:ea typeface="Times New Roman" panose="02020603050405020304" pitchFamily="18" charset="0"/>
               </a:rPr>
-              <a:t> линейном </a:t>
+              <a:t> </a:t>
+            </a:r>
+            <a:r>
+              <a:rPr lang="ru-RU" sz="2400" b="1" dirty="0" smtClean="0">
+                <a:latin typeface="Bookman Old Style" panose="02050604050505020204" pitchFamily="18" charset="0"/>
+                <a:ea typeface="Times New Roman" panose="02020603050405020304" pitchFamily="18" charset="0"/>
+              </a:rPr>
+              <a:t>линейном </a:t>
             </a:r>
             <a:r>
               <a:rPr lang="ru-RU" sz="2400" dirty="0">
@@ -42461,7 +42511,7 @@
         </p:nvSpPr>
         <p:spPr>
           <a:xfrm>
-            <a:off x="1281718" y="3560908"/>
+            <a:off x="1186234" y="3430279"/>
             <a:ext cx="2576946" cy="508631"/>
           </a:xfrm>
           <a:prstGeom prst="rect">
@@ -42508,7 +42558,7 @@
         </p:nvSpPr>
         <p:spPr>
           <a:xfrm>
-            <a:off x="4364182" y="3564603"/>
+            <a:off x="4268698" y="3433974"/>
             <a:ext cx="2690293" cy="508631"/>
           </a:xfrm>
           <a:prstGeom prst="rect">
@@ -42564,7 +42614,7 @@
         </p:nvSpPr>
         <p:spPr>
           <a:xfrm>
-            <a:off x="7559993" y="3560907"/>
+            <a:off x="7464509" y="3430278"/>
             <a:ext cx="2765886" cy="508631"/>
           </a:xfrm>
           <a:prstGeom prst="rect">
@@ -42623,7 +42673,7 @@
         </p:nvCxnSpPr>
         <p:spPr>
           <a:xfrm>
-            <a:off x="3858664" y="3815224"/>
+            <a:off x="3763180" y="3684595"/>
             <a:ext cx="505518" cy="3695"/>
           </a:xfrm>
           <a:prstGeom prst="straightConnector1">
@@ -42664,7 +42714,7 @@
         </p:nvCxnSpPr>
         <p:spPr>
           <a:xfrm flipV="1">
-            <a:off x="7054475" y="3815223"/>
+            <a:off x="6958991" y="3684594"/>
             <a:ext cx="505518" cy="3696"/>
           </a:xfrm>
           <a:prstGeom prst="straightConnector1">
@@ -43034,7 +43084,7 @@
         </p:nvSpPr>
         <p:spPr>
           <a:xfrm>
-            <a:off x="6320041" y="5395912"/>
+            <a:off x="6477316" y="5289821"/>
             <a:ext cx="1468868" cy="498598"/>
           </a:xfrm>
           <a:prstGeom prst="rect">
@@ -43073,7 +43123,7 @@
         </p:nvSpPr>
         <p:spPr>
           <a:xfrm>
-            <a:off x="3674070" y="5547954"/>
+            <a:off x="4036196" y="5601914"/>
             <a:ext cx="1157153" cy="498598"/>
           </a:xfrm>
           <a:prstGeom prst="rect">
